--- a/cheatsheet/labelled_cheatsheet.pptx
+++ b/cheatsheet/labelled_cheatsheet.pptx
@@ -2334,7 +2334,7 @@
           </a:ln>
           <a:extLst>
             <a:ext uri="{C572A759-6A51-4108-AA02-DFA0A04FC94B}">
-              <ma14:wrappingTextBoxFlag xmlns:ma14="http://schemas.microsoft.com/office/mac/drawingml/2011/main" xmlns:a14="http://schemas.microsoft.com/office/drawing/2010/main" xmlns:m="http://schemas.openxmlformats.org/officeDocument/2006/math" xmlns="" val="1"/>
+              <ma14:wrappingTextBoxFlag xmlns="" xmlns:m="http://schemas.openxmlformats.org/officeDocument/2006/math" xmlns:a14="http://schemas.microsoft.com/office/drawing/2010/main" xmlns:ma14="http://schemas.microsoft.com/office/mac/drawingml/2011/main" val="1"/>
             </a:ext>
           </a:extLst>
         </p:spPr>
@@ -2373,7 +2373,7 @@
           </a:ln>
           <a:extLst>
             <a:ext uri="{C572A759-6A51-4108-AA02-DFA0A04FC94B}">
-              <ma14:wrappingTextBoxFlag xmlns:ma14="http://schemas.microsoft.com/office/mac/drawingml/2011/main" xmlns:a14="http://schemas.microsoft.com/office/drawing/2010/main" xmlns:m="http://schemas.openxmlformats.org/officeDocument/2006/math" xmlns="" val="1"/>
+              <ma14:wrappingTextBoxFlag xmlns="" xmlns:m="http://schemas.openxmlformats.org/officeDocument/2006/math" xmlns:a14="http://schemas.microsoft.com/office/drawing/2010/main" xmlns:ma14="http://schemas.microsoft.com/office/mac/drawingml/2011/main" val="1"/>
             </a:ext>
           </a:extLst>
         </p:spPr>
@@ -4224,9 +4224,7 @@
             <p:nvPr/>
           </p:nvPicPr>
           <p:blipFill>
-            <a:blip r:embed="rId3">
-              <a:extLst/>
-            </a:blip>
+            <a:blip r:embed="rId3"/>
             <a:stretch>
               <a:fillRect/>
             </a:stretch>
@@ -4355,7 +4353,7 @@
           </a:ln>
           <a:extLst>
             <a:ext uri="{C572A759-6A51-4108-AA02-DFA0A04FC94B}">
-              <ma14:wrappingTextBoxFlag xmlns:ma14="http://schemas.microsoft.com/office/mac/drawingml/2011/main" xmlns:a14="http://schemas.microsoft.com/office/drawing/2010/main" xmlns:m="http://schemas.openxmlformats.org/officeDocument/2006/math" xmlns="" val="1"/>
+              <ma14:wrappingTextBoxFlag xmlns="" xmlns:m="http://schemas.openxmlformats.org/officeDocument/2006/math" xmlns:a14="http://schemas.microsoft.com/office/drawing/2010/main" xmlns:ma14="http://schemas.microsoft.com/office/mac/drawingml/2011/main" val="1"/>
             </a:ext>
           </a:extLst>
         </p:spPr>
@@ -4391,7 +4389,7 @@
             </a:r>
             <a:r>
               <a:rPr lang="en-US" dirty="0"/>
-              <a:t> •  labelled version  2.2.0 •  Updated: 2019-05</a:t>
+              <a:t> •  labelled version  2.4.0 •  Updated: 2020-06</a:t>
             </a:r>
           </a:p>
         </p:txBody>
@@ -4621,7 +4619,7 @@
           </a:ln>
           <a:extLst>
             <a:ext uri="{C572A759-6A51-4108-AA02-DFA0A04FC94B}">
-              <ma14:wrappingTextBoxFlag xmlns:ma14="http://schemas.microsoft.com/office/mac/drawingml/2011/main" xmlns:a14="http://schemas.microsoft.com/office/drawing/2010/main" xmlns:m="http://schemas.openxmlformats.org/officeDocument/2006/math" xmlns="" val="1"/>
+              <ma14:wrappingTextBoxFlag xmlns="" xmlns:m="http://schemas.openxmlformats.org/officeDocument/2006/math" xmlns:a14="http://schemas.microsoft.com/office/drawing/2010/main" xmlns:ma14="http://schemas.microsoft.com/office/mac/drawingml/2011/main" val="1"/>
             </a:ext>
           </a:extLst>
         </p:spPr>
@@ -4747,7 +4745,7 @@
             <a:effectLst/>
             <a:extLst>
               <a:ext uri="{C572A759-6A51-4108-AA02-DFA0A04FC94B}">
-                <ma14:wrappingTextBoxFlag xmlns:ma14="http://schemas.microsoft.com/office/mac/drawingml/2011/main" xmlns:a14="http://schemas.microsoft.com/office/drawing/2010/main" xmlns:m="http://schemas.openxmlformats.org/officeDocument/2006/math" xmlns="" val="1"/>
+                <ma14:wrappingTextBoxFlag xmlns="" xmlns:m="http://schemas.openxmlformats.org/officeDocument/2006/math" xmlns:a14="http://schemas.microsoft.com/office/drawing/2010/main" xmlns:ma14="http://schemas.microsoft.com/office/mac/drawingml/2011/main" val="1"/>
               </a:ext>
             </a:extLst>
           </p:spPr>
@@ -5183,7 +5181,7 @@
                 <a:cs typeface="Source Sans Pro"/>
                 <a:sym typeface="Source Sans Pro"/>
               </a:rPr>
-              <a:t>(names associated to specific values)</a:t>
+              <a:t>(labels associated to specific values)</a:t>
             </a:r>
           </a:p>
           <a:p>
@@ -5335,7 +5333,35 @@
                 <a:uFillTx/>
                 <a:sym typeface="Source Sans Pro"/>
               </a:rPr>
-              <a:t>(x)    or     </a:t>
+              <a:t>(x)    </a:t>
+            </a:r>
+            <a:r>
+              <a:rPr kumimoji="0" lang="en-GB" sz="1200" b="0" i="1" u="none" strike="noStrike" cap="none" spc="0" normalizeH="0" baseline="0" dirty="0">
+                <a:ln>
+                  <a:noFill/>
+                </a:ln>
+                <a:solidFill>
+                  <a:srgbClr val="000000"/>
+                </a:solidFill>
+                <a:effectLst/>
+                <a:uFillTx/>
+                <a:sym typeface="Source Sans Pro"/>
+              </a:rPr>
+              <a:t>or</a:t>
+            </a:r>
+            <a:r>
+              <a:rPr kumimoji="0" lang="en-GB" sz="1200" b="0" i="0" u="none" strike="noStrike" cap="none" spc="0" normalizeH="0" baseline="0" dirty="0">
+                <a:ln>
+                  <a:noFill/>
+                </a:ln>
+                <a:solidFill>
+                  <a:srgbClr val="000000"/>
+                </a:solidFill>
+                <a:effectLst/>
+                <a:uFillTx/>
+                <a:sym typeface="Source Sans Pro"/>
+              </a:rPr>
+              <a:t>     </a:t>
             </a:r>
             <a:r>
               <a:rPr lang="en-GB" dirty="0" err="1">
@@ -5555,7 +5581,7 @@
             <a:effectLst/>
             <a:extLst>
               <a:ext uri="{C572A759-6A51-4108-AA02-DFA0A04FC94B}">
-                <ma14:wrappingTextBoxFlag xmlns:ma14="http://schemas.microsoft.com/office/mac/drawingml/2011/main" xmlns:a14="http://schemas.microsoft.com/office/drawing/2010/main" xmlns:m="http://schemas.openxmlformats.org/officeDocument/2006/math" xmlns="" val="1"/>
+                <ma14:wrappingTextBoxFlag xmlns="" xmlns:m="http://schemas.openxmlformats.org/officeDocument/2006/math" xmlns:a14="http://schemas.microsoft.com/office/drawing/2010/main" xmlns:ma14="http://schemas.microsoft.com/office/mac/drawingml/2011/main" val="1"/>
               </a:ext>
             </a:extLst>
           </p:spPr>
@@ -5678,7 +5704,7 @@
             <a:effectLst/>
             <a:extLst>
               <a:ext uri="{C572A759-6A51-4108-AA02-DFA0A04FC94B}">
-                <ma14:wrappingTextBoxFlag xmlns:ma14="http://schemas.microsoft.com/office/mac/drawingml/2011/main" xmlns:a14="http://schemas.microsoft.com/office/drawing/2010/main" xmlns:m="http://schemas.openxmlformats.org/officeDocument/2006/math" xmlns="" val="1"/>
+                <ma14:wrappingTextBoxFlag xmlns="" xmlns:m="http://schemas.openxmlformats.org/officeDocument/2006/math" xmlns:a14="http://schemas.microsoft.com/office/drawing/2010/main" xmlns:ma14="http://schemas.microsoft.com/office/mac/drawingml/2011/main" val="1"/>
               </a:ext>
             </a:extLst>
           </p:spPr>
@@ -6036,7 +6062,39 @@
                   <a:srgbClr val="000000"/>
                 </a:solidFill>
               </a:rPr>
-              <a:t>(df)</a:t>
+              <a:t>(df)    </a:t>
+            </a:r>
+            <a:r>
+              <a:rPr lang="en-GB" b="0" i="1" dirty="0">
+                <a:solidFill>
+                  <a:srgbClr val="000000"/>
+                </a:solidFill>
+              </a:rPr>
+              <a:t>or</a:t>
+            </a:r>
+            <a:r>
+              <a:rPr lang="en-GB" b="0" dirty="0">
+                <a:solidFill>
+                  <a:srgbClr val="000000"/>
+                </a:solidFill>
+              </a:rPr>
+              <a:t>    df %&gt;% </a:t>
+            </a:r>
+            <a:r>
+              <a:rPr lang="en-GB" dirty="0" err="1">
+                <a:solidFill>
+                  <a:srgbClr val="000000"/>
+                </a:solidFill>
+              </a:rPr>
+              <a:t>look_for</a:t>
+            </a:r>
+            <a:r>
+              <a:rPr lang="en-GB" b="0" dirty="0">
+                <a:solidFill>
+                  <a:srgbClr val="000000"/>
+                </a:solidFill>
+              </a:rPr>
+              <a:t>() </a:t>
             </a:r>
             <a:br>
               <a:rPr lang="en-GB" b="0" dirty="0">
@@ -6077,7 +6135,39 @@
                   <a:srgbClr val="000000"/>
                 </a:solidFill>
               </a:rPr>
-              <a:t>(df, "s")</a:t>
+              <a:t>(df, "s")    </a:t>
+            </a:r>
+            <a:r>
+              <a:rPr lang="en-GB" b="0" i="1" dirty="0">
+                <a:solidFill>
+                  <a:srgbClr val="000000"/>
+                </a:solidFill>
+              </a:rPr>
+              <a:t>or</a:t>
+            </a:r>
+            <a:r>
+              <a:rPr lang="en-GB" b="0" dirty="0">
+                <a:solidFill>
+                  <a:srgbClr val="000000"/>
+                </a:solidFill>
+              </a:rPr>
+              <a:t>    df %&gt;% </a:t>
+            </a:r>
+            <a:r>
+              <a:rPr lang="en-GB" dirty="0" err="1">
+                <a:solidFill>
+                  <a:srgbClr val="000000"/>
+                </a:solidFill>
+              </a:rPr>
+              <a:t>look_for</a:t>
+            </a:r>
+            <a:r>
+              <a:rPr lang="en-GB" b="0" dirty="0">
+                <a:solidFill>
+                  <a:srgbClr val="000000"/>
+                </a:solidFill>
+              </a:rPr>
+              <a:t>("s")</a:t>
             </a:r>
             <a:br>
               <a:rPr lang="en-GB" b="0" dirty="0">
@@ -6186,7 +6276,7 @@
             <a:effectLst/>
             <a:extLst>
               <a:ext uri="{C572A759-6A51-4108-AA02-DFA0A04FC94B}">
-                <ma14:wrappingTextBoxFlag xmlns:ma14="http://schemas.microsoft.com/office/mac/drawingml/2011/main" xmlns:a14="http://schemas.microsoft.com/office/drawing/2010/main" xmlns:m="http://schemas.openxmlformats.org/officeDocument/2006/math" xmlns="" val="1"/>
+                <ma14:wrappingTextBoxFlag xmlns="" xmlns:m="http://schemas.openxmlformats.org/officeDocument/2006/math" xmlns:a14="http://schemas.microsoft.com/office/drawing/2010/main" xmlns:ma14="http://schemas.microsoft.com/office/mac/drawingml/2011/main" val="1"/>
               </a:ext>
             </a:extLst>
           </p:spPr>
@@ -6351,7 +6441,35 @@
                 <a:uFillTx/>
                 <a:sym typeface="Source Sans Pro"/>
               </a:rPr>
-              <a:t>(x, value)    or     </a:t>
+              <a:t>(x, value)    </a:t>
+            </a:r>
+            <a:r>
+              <a:rPr kumimoji="0" lang="en-GB" sz="1200" b="0" i="1" u="none" strike="noStrike" cap="none" spc="0" normalizeH="0" baseline="0" dirty="0">
+                <a:ln>
+                  <a:noFill/>
+                </a:ln>
+                <a:solidFill>
+                  <a:srgbClr val="000000"/>
+                </a:solidFill>
+                <a:effectLst/>
+                <a:uFillTx/>
+                <a:sym typeface="Source Sans Pro"/>
+              </a:rPr>
+              <a:t>or</a:t>
+            </a:r>
+            <a:r>
+              <a:rPr kumimoji="0" lang="en-GB" sz="1200" b="0" i="0" u="none" strike="noStrike" cap="none" spc="0" normalizeH="0" baseline="0" dirty="0">
+                <a:ln>
+                  <a:noFill/>
+                </a:ln>
+                <a:solidFill>
+                  <a:srgbClr val="000000"/>
+                </a:solidFill>
+                <a:effectLst/>
+                <a:uFillTx/>
+                <a:sym typeface="Source Sans Pro"/>
+              </a:rPr>
+              <a:t>     </a:t>
             </a:r>
             <a:r>
               <a:rPr lang="en-GB" dirty="0" err="1">
@@ -6628,7 +6746,7 @@
                   <a:srgbClr val="000000"/>
                 </a:solidFill>
               </a:rPr>
-              <a:t>(c("F", "F", "M"), c(Female = "F", Male = "M"))</a:t>
+              <a:t>(c("F", "F", "M"),  c(Female = "F", Male = "M"))</a:t>
             </a:r>
             <a:br>
               <a:rPr lang="en-US" b="0" dirty="0">
@@ -6835,7 +6953,7 @@
             <a:effectLst/>
             <a:extLst>
               <a:ext uri="{C572A759-6A51-4108-AA02-DFA0A04FC94B}">
-                <ma14:wrappingTextBoxFlag xmlns:ma14="http://schemas.microsoft.com/office/mac/drawingml/2011/main" xmlns:a14="http://schemas.microsoft.com/office/drawing/2010/main" xmlns:m="http://schemas.openxmlformats.org/officeDocument/2006/math" xmlns="" val="1"/>
+                <ma14:wrappingTextBoxFlag xmlns="" xmlns:m="http://schemas.openxmlformats.org/officeDocument/2006/math" xmlns:a14="http://schemas.microsoft.com/office/drawing/2010/main" xmlns:ma14="http://schemas.microsoft.com/office/mac/drawingml/2011/main" val="1"/>
               </a:ext>
             </a:extLst>
           </p:spPr>
@@ -6958,7 +7076,7 @@
             <a:effectLst/>
             <a:extLst>
               <a:ext uri="{C572A759-6A51-4108-AA02-DFA0A04FC94B}">
-                <ma14:wrappingTextBoxFlag xmlns:ma14="http://schemas.microsoft.com/office/mac/drawingml/2011/main" xmlns:a14="http://schemas.microsoft.com/office/drawing/2010/main" xmlns:m="http://schemas.openxmlformats.org/officeDocument/2006/math" xmlns="" val="1"/>
+                <ma14:wrappingTextBoxFlag xmlns="" xmlns:m="http://schemas.openxmlformats.org/officeDocument/2006/math" xmlns:a14="http://schemas.microsoft.com/office/drawing/2010/main" xmlns:ma14="http://schemas.microsoft.com/office/mac/drawingml/2011/main" val="1"/>
               </a:ext>
             </a:extLst>
           </p:spPr>
@@ -7344,7 +7462,7 @@
             <a:effectLst/>
             <a:extLst>
               <a:ext uri="{C572A759-6A51-4108-AA02-DFA0A04FC94B}">
-                <ma14:wrappingTextBoxFlag xmlns:ma14="http://schemas.microsoft.com/office/mac/drawingml/2011/main" xmlns:a14="http://schemas.microsoft.com/office/drawing/2010/main" xmlns:m="http://schemas.openxmlformats.org/officeDocument/2006/math" xmlns="" val="1"/>
+                <ma14:wrappingTextBoxFlag xmlns="" xmlns:m="http://schemas.openxmlformats.org/officeDocument/2006/math" xmlns:a14="http://schemas.microsoft.com/office/drawing/2010/main" xmlns:ma14="http://schemas.microsoft.com/office/mac/drawingml/2011/main" val="1"/>
               </a:ext>
             </a:extLst>
           </p:spPr>
@@ -7727,7 +7845,39 @@
                   <a:srgbClr val="000000"/>
                 </a:solidFill>
               </a:rPr>
-              <a:t>(x)</a:t>
+              <a:t>(x)    </a:t>
+            </a:r>
+            <a:r>
+              <a:rPr lang="en-GB" b="0" i="1" dirty="0">
+                <a:solidFill>
+                  <a:srgbClr val="000000"/>
+                </a:solidFill>
+              </a:rPr>
+              <a:t>or</a:t>
+            </a:r>
+            <a:r>
+              <a:rPr lang="en-GB" b="0" dirty="0">
+                <a:solidFill>
+                  <a:srgbClr val="000000"/>
+                </a:solidFill>
+              </a:rPr>
+              <a:t>     df %&gt;% </a:t>
+            </a:r>
+            <a:r>
+              <a:rPr lang="en-GB" dirty="0" err="1">
+                <a:solidFill>
+                  <a:srgbClr val="000000"/>
+                </a:solidFill>
+              </a:rPr>
+              <a:t>user_na_to_na</a:t>
+            </a:r>
+            <a:r>
+              <a:rPr lang="en-GB" b="0" dirty="0">
+                <a:solidFill>
+                  <a:srgbClr val="000000"/>
+                </a:solidFill>
+              </a:rPr>
+              <a:t>()</a:t>
             </a:r>
             <a:br>
               <a:rPr lang="en-GB" b="0" dirty="0">
@@ -7841,7 +7991,7 @@
             <a:effectLst/>
             <a:extLst>
               <a:ext uri="{C572A759-6A51-4108-AA02-DFA0A04FC94B}">
-                <ma14:wrappingTextBoxFlag xmlns:ma14="http://schemas.microsoft.com/office/mac/drawingml/2011/main" xmlns:a14="http://schemas.microsoft.com/office/drawing/2010/main" xmlns:m="http://schemas.openxmlformats.org/officeDocument/2006/math" xmlns="" val="1"/>
+                <ma14:wrappingTextBoxFlag xmlns="" xmlns:m="http://schemas.openxmlformats.org/officeDocument/2006/math" xmlns:a14="http://schemas.microsoft.com/office/drawing/2010/main" xmlns:ma14="http://schemas.microsoft.com/office/mac/drawingml/2011/main" val="1"/>
               </a:ext>
             </a:extLst>
           </p:spPr>
@@ -8409,7 +8559,23 @@
                   <a:srgbClr val="000000"/>
                 </a:solidFill>
               </a:rPr>
-              <a:t>() generates a NA with a tag</a:t>
+              <a:t>(</a:t>
+            </a:r>
+            <a:r>
+              <a:rPr lang="pl-PL" b="0" dirty="0">
+                <a:solidFill>
+                  <a:srgbClr val="000000"/>
+                </a:solidFill>
+              </a:rPr>
+              <a:t>"a"</a:t>
+            </a:r>
+            <a:r>
+              <a:rPr lang="en-GB" b="0" dirty="0">
+                <a:solidFill>
+                  <a:srgbClr val="000000"/>
+                </a:solidFill>
+              </a:rPr>
+              <a:t>) generates a NA with a tag</a:t>
             </a:r>
           </a:p>
           <a:p>
@@ -8631,7 +8797,7 @@
             <a:effectLst/>
             <a:extLst>
               <a:ext uri="{C572A759-6A51-4108-AA02-DFA0A04FC94B}">
-                <ma14:wrappingTextBoxFlag xmlns:ma14="http://schemas.microsoft.com/office/mac/drawingml/2011/main" xmlns:a14="http://schemas.microsoft.com/office/drawing/2010/main" xmlns:m="http://schemas.openxmlformats.org/officeDocument/2006/math" xmlns="" val="1"/>
+                <ma14:wrappingTextBoxFlag xmlns="" xmlns:m="http://schemas.openxmlformats.org/officeDocument/2006/math" xmlns:a14="http://schemas.microsoft.com/office/drawing/2010/main" xmlns:ma14="http://schemas.microsoft.com/office/mac/drawingml/2011/main" val="1"/>
               </a:ext>
             </a:extLst>
           </p:spPr>
@@ -8771,7 +8937,22 @@
                   <a:srgbClr val="000000"/>
                 </a:solidFill>
               </a:rPr>
-              <a:t>"Tagged" missing values work exactly like regular R missing values except that they store one additional byte of information a tag, which is usually a letter ("a" to "z"). </a:t>
+              <a:t>“Tagged” missing values work exactly like regular R missing values except that they store one additional byte of information:</a:t>
+            </a:r>
+            <a:br>
+              <a:rPr lang="en-US" b="0" dirty="0">
+                <a:solidFill>
+                  <a:srgbClr val="000000"/>
+                </a:solidFill>
+              </a:rPr>
+            </a:br>
+            <a:r>
+              <a:rPr lang="en-US" b="0" dirty="0">
+                <a:solidFill>
+                  <a:srgbClr val="000000"/>
+                </a:solidFill>
+              </a:rPr>
+              <a:t>a tag, which is usually a letter ("a" to "z"). </a:t>
             </a:r>
             <a:endParaRPr kumimoji="0" lang="en-GB" sz="1200" b="0" i="0" u="none" strike="noStrike" cap="none" spc="0" normalizeH="0" baseline="0" dirty="0">
               <a:ln>
@@ -8790,536 +8971,6 @@
           </a:p>
         </p:txBody>
       </p:sp>
-      <p:graphicFrame>
-        <p:nvGraphicFramePr>
-          <p:cNvPr id="70" name="Table">
-            <a:extLst>
-              <a:ext uri="{FF2B5EF4-FFF2-40B4-BE49-F238E27FC236}">
-                <a16:creationId xmlns:a16="http://schemas.microsoft.com/office/drawing/2014/main" id="{35B04448-A784-4AA8-B124-31831B6B972C}"/>
-              </a:ext>
-            </a:extLst>
-          </p:cNvPr>
-          <p:cNvGraphicFramePr/>
-          <p:nvPr>
-            <p:extLst>
-              <p:ext uri="{D42A27DB-BD31-4B8C-83A1-F6EECF244321}">
-                <p14:modId xmlns:p14="http://schemas.microsoft.com/office/powerpoint/2010/main" val="2796325235"/>
-              </p:ext>
-            </p:extLst>
-          </p:nvPr>
-        </p:nvGraphicFramePr>
-        <p:xfrm>
-          <a:off x="4941614" y="8238617"/>
-          <a:ext cx="288000" cy="288000"/>
-        </p:xfrm>
-        <a:graphic>
-          <a:graphicData uri="http://schemas.openxmlformats.org/drawingml/2006/table">
-            <a:tbl>
-              <a:tblPr>
-                <a:tableStyleId>{33BA23B1-9221-436E-865A-0063620EA4FD}</a:tableStyleId>
-              </a:tblPr>
-              <a:tblGrid>
-                <a:gridCol w="72000">
-                  <a:extLst>
-                    <a:ext uri="{9D8B030D-6E8A-4147-A177-3AD203B41FA5}">
-                      <a16:colId xmlns:a16="http://schemas.microsoft.com/office/drawing/2014/main" val="20000"/>
-                    </a:ext>
-                  </a:extLst>
-                </a:gridCol>
-                <a:gridCol w="72000">
-                  <a:extLst>
-                    <a:ext uri="{9D8B030D-6E8A-4147-A177-3AD203B41FA5}">
-                      <a16:colId xmlns:a16="http://schemas.microsoft.com/office/drawing/2014/main" val="20001"/>
-                    </a:ext>
-                  </a:extLst>
-                </a:gridCol>
-                <a:gridCol w="72000">
-                  <a:extLst>
-                    <a:ext uri="{9D8B030D-6E8A-4147-A177-3AD203B41FA5}">
-                      <a16:colId xmlns:a16="http://schemas.microsoft.com/office/drawing/2014/main" val="20002"/>
-                    </a:ext>
-                  </a:extLst>
-                </a:gridCol>
-                <a:gridCol w="72000">
-                  <a:extLst>
-                    <a:ext uri="{9D8B030D-6E8A-4147-A177-3AD203B41FA5}">
-                      <a16:colId xmlns:a16="http://schemas.microsoft.com/office/drawing/2014/main" val="1347651227"/>
-                    </a:ext>
-                  </a:extLst>
-                </a:gridCol>
-              </a:tblGrid>
-              <a:tr h="72000">
-                <a:tc>
-                  <a:txBody>
-                    <a:bodyPr/>
-                    <a:lstStyle/>
-                    <a:p>
-                      <a:pPr defTabSz="914400">
-                        <a:defRPr b="0">
-                          <a:solidFill>
-                            <a:srgbClr val="000000"/>
-                          </a:solidFill>
-                        </a:defRPr>
-                      </a:pPr>
-                      <a:endParaRPr lang="fr-FR" sz="400" b="0" dirty="0">
-                        <a:solidFill>
-                          <a:srgbClr val="FFFFFF"/>
-                        </a:solidFill>
-                        <a:latin typeface="Wingdings" panose="05000000000000000000" pitchFamily="2" charset="2"/>
-                        <a:ea typeface="Helvetica"/>
-                        <a:cs typeface="Helvetica"/>
-                        <a:sym typeface="Helvetica"/>
-                      </a:endParaRPr>
-                    </a:p>
-                  </a:txBody>
-                  <a:tcPr marL="0" marR="0" marT="0" marB="0" anchor="ctr" horzOverflow="overflow">
-                    <a:solidFill>
-                      <a:srgbClr val="A6AAA9"/>
-                    </a:solidFill>
-                  </a:tcPr>
-                </a:tc>
-                <a:tc>
-                  <a:txBody>
-                    <a:bodyPr/>
-                    <a:lstStyle/>
-                    <a:p>
-                      <a:pPr defTabSz="914400">
-                        <a:defRPr b="0">
-                          <a:solidFill>
-                            <a:srgbClr val="000000"/>
-                          </a:solidFill>
-                        </a:defRPr>
-                      </a:pPr>
-                      <a:endParaRPr sz="400" b="0" dirty="0">
-                        <a:solidFill>
-                          <a:srgbClr val="FFFFFF"/>
-                        </a:solidFill>
-                        <a:latin typeface="Wingdings" panose="05000000000000000000" pitchFamily="2" charset="2"/>
-                        <a:ea typeface="Helvetica"/>
-                        <a:cs typeface="Helvetica"/>
-                        <a:sym typeface="Helvetica"/>
-                      </a:endParaRPr>
-                    </a:p>
-                  </a:txBody>
-                  <a:tcPr marL="0" marR="0" marT="0" marB="0" anchor="ctr" horzOverflow="overflow">
-                    <a:solidFill>
-                      <a:srgbClr val="A6AAA9"/>
-                    </a:solidFill>
-                  </a:tcPr>
-                </a:tc>
-                <a:tc>
-                  <a:txBody>
-                    <a:bodyPr/>
-                    <a:lstStyle/>
-                    <a:p>
-                      <a:pPr defTabSz="914400">
-                        <a:defRPr b="0">
-                          <a:solidFill>
-                            <a:srgbClr val="000000"/>
-                          </a:solidFill>
-                        </a:defRPr>
-                      </a:pPr>
-                      <a:endParaRPr sz="400" b="0" dirty="0">
-                        <a:solidFill>
-                          <a:srgbClr val="FFFFFF"/>
-                        </a:solidFill>
-                        <a:latin typeface="Wingdings" panose="05000000000000000000" pitchFamily="2" charset="2"/>
-                        <a:ea typeface="Helvetica"/>
-                        <a:cs typeface="Helvetica"/>
-                        <a:sym typeface="Helvetica"/>
-                      </a:endParaRPr>
-                    </a:p>
-                  </a:txBody>
-                  <a:tcPr marL="0" marR="0" marT="0" marB="0" anchor="ctr" horzOverflow="overflow">
-                    <a:solidFill>
-                      <a:srgbClr val="A6AAA9"/>
-                    </a:solidFill>
-                  </a:tcPr>
-                </a:tc>
-                <a:tc>
-                  <a:txBody>
-                    <a:bodyPr/>
-                    <a:lstStyle/>
-                    <a:p>
-                      <a:pPr algn="l" defTabSz="914400">
-                        <a:defRPr b="0">
-                          <a:solidFill>
-                            <a:srgbClr val="000000"/>
-                          </a:solidFill>
-                        </a:defRPr>
-                      </a:pPr>
-                      <a:endParaRPr sz="400" b="0" dirty="0">
-                        <a:solidFill>
-                          <a:srgbClr val="FFFFFF"/>
-                        </a:solidFill>
-                        <a:latin typeface="Wingdings 3" panose="05040102010807070707" pitchFamily="18" charset="2"/>
-                        <a:ea typeface="Helvetica"/>
-                        <a:cs typeface="Helvetica"/>
-                        <a:sym typeface="Helvetica"/>
-                      </a:endParaRPr>
-                    </a:p>
-                  </a:txBody>
-                  <a:tcPr marL="0" marR="0" marT="0" marB="0" anchor="ctr" horzOverflow="overflow">
-                    <a:solidFill>
-                      <a:schemeClr val="bg1"/>
-                    </a:solidFill>
-                  </a:tcPr>
-                </a:tc>
-                <a:extLst>
-                  <a:ext uri="{0D108BD9-81ED-4DB2-BD59-A6C34878D82A}">
-                    <a16:rowId xmlns:a16="http://schemas.microsoft.com/office/drawing/2014/main" val="10000"/>
-                  </a:ext>
-                </a:extLst>
-              </a:tr>
-              <a:tr h="72000">
-                <a:tc>
-                  <a:txBody>
-                    <a:bodyPr/>
-                    <a:lstStyle/>
-                    <a:p>
-                      <a:pPr defTabSz="914400">
-                        <a:defRPr sz="3600">
-                          <a:latin typeface="Helvetica"/>
-                          <a:ea typeface="Helvetica"/>
-                          <a:cs typeface="Helvetica"/>
-                          <a:sym typeface="Helvetica"/>
-                        </a:defRPr>
-                      </a:pPr>
-                      <a:endParaRPr sz="400" dirty="0">
-                        <a:latin typeface="Wingdings" panose="05000000000000000000" pitchFamily="2" charset="2"/>
-                      </a:endParaRPr>
-                    </a:p>
-                  </a:txBody>
-                  <a:tcPr marL="0" marR="0" marT="0" marB="0" anchor="ctr" horzOverflow="overflow">
-                    <a:solidFill>
-                      <a:srgbClr val="FCDB9F"/>
-                    </a:solidFill>
-                  </a:tcPr>
-                </a:tc>
-                <a:tc>
-                  <a:txBody>
-                    <a:bodyPr/>
-                    <a:lstStyle/>
-                    <a:p>
-                      <a:pPr defTabSz="914400">
-                        <a:defRPr sz="3600">
-                          <a:latin typeface="Helvetica"/>
-                          <a:ea typeface="Helvetica"/>
-                          <a:cs typeface="Helvetica"/>
-                          <a:sym typeface="Helvetica"/>
-                        </a:defRPr>
-                      </a:pPr>
-                      <a:endParaRPr sz="400" dirty="0">
-                        <a:latin typeface="Wingdings" panose="05000000000000000000" pitchFamily="2" charset="2"/>
-                      </a:endParaRPr>
-                    </a:p>
-                  </a:txBody>
-                  <a:tcPr marL="0" marR="0" marT="0" marB="0" anchor="ctr" horzOverflow="overflow">
-                    <a:solidFill>
-                      <a:srgbClr val="FCDB9F"/>
-                    </a:solidFill>
-                  </a:tcPr>
-                </a:tc>
-                <a:tc>
-                  <a:txBody>
-                    <a:bodyPr/>
-                    <a:lstStyle/>
-                    <a:p>
-                      <a:pPr defTabSz="914400">
-                        <a:defRPr sz="3600">
-                          <a:latin typeface="Helvetica"/>
-                          <a:ea typeface="Helvetica"/>
-                          <a:cs typeface="Helvetica"/>
-                          <a:sym typeface="Helvetica"/>
-                        </a:defRPr>
-                      </a:pPr>
-                      <a:endParaRPr sz="400" dirty="0">
-                        <a:latin typeface="Wingdings" panose="05000000000000000000" pitchFamily="2" charset="2"/>
-                      </a:endParaRPr>
-                    </a:p>
-                  </a:txBody>
-                  <a:tcPr marL="0" marR="0" marT="0" marB="0" anchor="ctr" horzOverflow="overflow">
-                    <a:solidFill>
-                      <a:srgbClr val="FCDB9F"/>
-                    </a:solidFill>
-                  </a:tcPr>
-                </a:tc>
-                <a:tc>
-                  <a:txBody>
-                    <a:bodyPr/>
-                    <a:lstStyle/>
-                    <a:p>
-                      <a:pPr algn="l" defTabSz="914400">
-                        <a:defRPr sz="3600">
-                          <a:latin typeface="Helvetica"/>
-                          <a:ea typeface="Helvetica"/>
-                          <a:cs typeface="Helvetica"/>
-                          <a:sym typeface="Helvetica"/>
-                        </a:defRPr>
-                      </a:pPr>
-                      <a:r>
-                        <a:rPr lang="fr-FR" sz="400" dirty="0">
-                          <a:latin typeface="Wingdings 3" panose="05040102010807070707" pitchFamily="18" charset="2"/>
-                        </a:rPr>
-                        <a:t>³</a:t>
-                      </a:r>
-                      <a:endParaRPr sz="400" dirty="0">
-                        <a:latin typeface="Wingdings 3" panose="05040102010807070707" pitchFamily="18" charset="2"/>
-                      </a:endParaRPr>
-                    </a:p>
-                  </a:txBody>
-                  <a:tcPr marL="0" marR="0" marT="0" marB="0" anchor="ctr" horzOverflow="overflow">
-                    <a:solidFill>
-                      <a:schemeClr val="bg1"/>
-                    </a:solidFill>
-                  </a:tcPr>
-                </a:tc>
-                <a:extLst>
-                  <a:ext uri="{0D108BD9-81ED-4DB2-BD59-A6C34878D82A}">
-                    <a16:rowId xmlns:a16="http://schemas.microsoft.com/office/drawing/2014/main" val="10001"/>
-                  </a:ext>
-                </a:extLst>
-              </a:tr>
-              <a:tr h="72000">
-                <a:tc>
-                  <a:txBody>
-                    <a:bodyPr/>
-                    <a:lstStyle/>
-                    <a:p>
-                      <a:pPr defTabSz="914400">
-                        <a:defRPr sz="1000">
-                          <a:latin typeface="Helvetica"/>
-                          <a:ea typeface="Helvetica"/>
-                          <a:cs typeface="Helvetica"/>
-                          <a:sym typeface="Helvetica"/>
-                        </a:defRPr>
-                      </a:pPr>
-                      <a:endParaRPr sz="400" dirty="0">
-                        <a:latin typeface="Wingdings" panose="05000000000000000000" pitchFamily="2" charset="2"/>
-                      </a:endParaRPr>
-                    </a:p>
-                  </a:txBody>
-                  <a:tcPr marL="0" marR="0" marT="0" marB="0" anchor="ctr" horzOverflow="overflow">
-                    <a:solidFill>
-                      <a:srgbClr val="FABF53"/>
-                    </a:solidFill>
-                  </a:tcPr>
-                </a:tc>
-                <a:tc>
-                  <a:txBody>
-                    <a:bodyPr/>
-                    <a:lstStyle/>
-                    <a:p>
-                      <a:pPr defTabSz="914400">
-                        <a:defRPr sz="1000">
-                          <a:latin typeface="Helvetica"/>
-                          <a:ea typeface="Helvetica"/>
-                          <a:cs typeface="Helvetica"/>
-                          <a:sym typeface="Helvetica"/>
-                        </a:defRPr>
-                      </a:pPr>
-                      <a:endParaRPr sz="400" dirty="0">
-                        <a:latin typeface="Wingdings" panose="05000000000000000000" pitchFamily="2" charset="2"/>
-                      </a:endParaRPr>
-                    </a:p>
-                  </a:txBody>
-                  <a:tcPr marL="0" marR="0" marT="0" marB="0" anchor="ctr" horzOverflow="overflow">
-                    <a:solidFill>
-                      <a:srgbClr val="FABF53"/>
-                    </a:solidFill>
-                  </a:tcPr>
-                </a:tc>
-                <a:tc>
-                  <a:txBody>
-                    <a:bodyPr/>
-                    <a:lstStyle/>
-                    <a:p>
-                      <a:pPr defTabSz="914400">
-                        <a:defRPr sz="1000">
-                          <a:latin typeface="Helvetica"/>
-                          <a:ea typeface="Helvetica"/>
-                          <a:cs typeface="Helvetica"/>
-                          <a:sym typeface="Helvetica"/>
-                        </a:defRPr>
-                      </a:pPr>
-                      <a:endParaRPr sz="400" dirty="0">
-                        <a:latin typeface="Wingdings" panose="05000000000000000000" pitchFamily="2" charset="2"/>
-                      </a:endParaRPr>
-                    </a:p>
-                  </a:txBody>
-                  <a:tcPr marL="0" marR="0" marT="0" marB="0" anchor="ctr" horzOverflow="overflow">
-                    <a:solidFill>
-                      <a:srgbClr val="FABF53"/>
-                    </a:solidFill>
-                  </a:tcPr>
-                </a:tc>
-                <a:tc>
-                  <a:txBody>
-                    <a:bodyPr/>
-                    <a:lstStyle/>
-                    <a:p>
-                      <a:pPr marL="0" marR="0" lvl="0" indent="0" algn="l" defTabSz="914400" rtl="0" eaLnBrk="1" fontAlgn="auto" latinLnBrk="0" hangingPunct="1">
-                        <a:lnSpc>
-                          <a:spcPct val="100000"/>
-                        </a:lnSpc>
-                        <a:spcBef>
-                          <a:spcPts val="0"/>
-                        </a:spcBef>
-                        <a:spcAft>
-                          <a:spcPts val="0"/>
-                        </a:spcAft>
-                        <a:buClrTx/>
-                        <a:buSzTx/>
-                        <a:buFontTx/>
-                        <a:buNone/>
-                        <a:tabLst/>
-                        <a:defRPr sz="1000">
-                          <a:latin typeface="Helvetica"/>
-                          <a:ea typeface="Helvetica"/>
-                          <a:cs typeface="Helvetica"/>
-                          <a:sym typeface="Helvetica"/>
-                        </a:defRPr>
-                      </a:pPr>
-                      <a:r>
-                        <a:rPr lang="fr-FR" sz="400" dirty="0">
-                          <a:latin typeface="Wingdings 3" panose="05040102010807070707" pitchFamily="18" charset="2"/>
-                        </a:rPr>
-                        <a:t>³</a:t>
-                      </a:r>
-                    </a:p>
-                  </a:txBody>
-                  <a:tcPr marL="0" marR="0" marT="0" marB="0" anchor="ctr" horzOverflow="overflow">
-                    <a:solidFill>
-                      <a:schemeClr val="bg1"/>
-                    </a:solidFill>
-                  </a:tcPr>
-                </a:tc>
-                <a:extLst>
-                  <a:ext uri="{0D108BD9-81ED-4DB2-BD59-A6C34878D82A}">
-                    <a16:rowId xmlns:a16="http://schemas.microsoft.com/office/drawing/2014/main" val="10002"/>
-                  </a:ext>
-                </a:extLst>
-              </a:tr>
-              <a:tr h="72000">
-                <a:tc>
-                  <a:txBody>
-                    <a:bodyPr/>
-                    <a:lstStyle/>
-                    <a:p>
-                      <a:pPr defTabSz="914400">
-                        <a:defRPr sz="3600">
-                          <a:latin typeface="Helvetica Light"/>
-                          <a:ea typeface="Helvetica Light"/>
-                          <a:cs typeface="Helvetica Light"/>
-                        </a:defRPr>
-                      </a:pPr>
-                      <a:endParaRPr sz="400" dirty="0">
-                        <a:latin typeface="Wingdings" panose="05000000000000000000" pitchFamily="2" charset="2"/>
-                      </a:endParaRPr>
-                    </a:p>
-                  </a:txBody>
-                  <a:tcPr marL="0" marR="0" marT="0" marB="0" anchor="ctr" horzOverflow="overflow">
-                    <a:solidFill>
-                      <a:srgbClr val="DEA036"/>
-                    </a:solidFill>
-                  </a:tcPr>
-                </a:tc>
-                <a:tc>
-                  <a:txBody>
-                    <a:bodyPr/>
-                    <a:lstStyle/>
-                    <a:p>
-                      <a:pPr defTabSz="914400">
-                        <a:defRPr sz="3600">
-                          <a:latin typeface="Helvetica Light"/>
-                          <a:ea typeface="Helvetica Light"/>
-                          <a:cs typeface="Helvetica Light"/>
-                        </a:defRPr>
-                      </a:pPr>
-                      <a:endParaRPr sz="400" dirty="0">
-                        <a:latin typeface="Wingdings" panose="05000000000000000000" pitchFamily="2" charset="2"/>
-                      </a:endParaRPr>
-                    </a:p>
-                  </a:txBody>
-                  <a:tcPr marL="0" marR="0" marT="0" marB="0" anchor="ctr" horzOverflow="overflow">
-                    <a:solidFill>
-                      <a:srgbClr val="DEA036"/>
-                    </a:solidFill>
-                  </a:tcPr>
-                </a:tc>
-                <a:tc>
-                  <a:txBody>
-                    <a:bodyPr/>
-                    <a:lstStyle/>
-                    <a:p>
-                      <a:pPr defTabSz="914400">
-                        <a:defRPr sz="3600">
-                          <a:latin typeface="Helvetica Light"/>
-                          <a:ea typeface="Helvetica Light"/>
-                          <a:cs typeface="Helvetica Light"/>
-                        </a:defRPr>
-                      </a:pPr>
-                      <a:endParaRPr sz="400" dirty="0">
-                        <a:latin typeface="Wingdings" panose="05000000000000000000" pitchFamily="2" charset="2"/>
-                      </a:endParaRPr>
-                    </a:p>
-                  </a:txBody>
-                  <a:tcPr marL="0" marR="0" marT="0" marB="0" anchor="ctr" horzOverflow="overflow">
-                    <a:solidFill>
-                      <a:srgbClr val="DEA036"/>
-                    </a:solidFill>
-                  </a:tcPr>
-                </a:tc>
-                <a:tc>
-                  <a:txBody>
-                    <a:bodyPr/>
-                    <a:lstStyle/>
-                    <a:p>
-                      <a:pPr marL="0" marR="0" lvl="0" indent="0" algn="l" defTabSz="914400" rtl="0" eaLnBrk="1" fontAlgn="auto" latinLnBrk="0" hangingPunct="1">
-                        <a:lnSpc>
-                          <a:spcPct val="100000"/>
-                        </a:lnSpc>
-                        <a:spcBef>
-                          <a:spcPts val="0"/>
-                        </a:spcBef>
-                        <a:spcAft>
-                          <a:spcPts val="0"/>
-                        </a:spcAft>
-                        <a:buClrTx/>
-                        <a:buSzTx/>
-                        <a:buFontTx/>
-                        <a:buNone/>
-                        <a:tabLst/>
-                        <a:defRPr sz="3600">
-                          <a:latin typeface="Helvetica Light"/>
-                          <a:ea typeface="Helvetica Light"/>
-                          <a:cs typeface="Helvetica Light"/>
-                        </a:defRPr>
-                      </a:pPr>
-                      <a:r>
-                        <a:rPr lang="fr-FR" sz="400" dirty="0">
-                          <a:latin typeface="Wingdings 3" panose="05040102010807070707" pitchFamily="18" charset="2"/>
-                        </a:rPr>
-                        <a:t>³</a:t>
-                      </a:r>
-                    </a:p>
-                  </a:txBody>
-                  <a:tcPr marL="0" marR="0" marT="0" marB="0" anchor="ctr" horzOverflow="overflow">
-                    <a:solidFill>
-                      <a:schemeClr val="bg1"/>
-                    </a:solidFill>
-                  </a:tcPr>
-                </a:tc>
-                <a:extLst>
-                  <a:ext uri="{0D108BD9-81ED-4DB2-BD59-A6C34878D82A}">
-                    <a16:rowId xmlns:a16="http://schemas.microsoft.com/office/drawing/2014/main" val="10003"/>
-                  </a:ext>
-                </a:extLst>
-              </a:tr>
-            </a:tbl>
-          </a:graphicData>
-        </a:graphic>
-      </p:graphicFrame>
       <p:graphicFrame>
         <p:nvGraphicFramePr>
           <p:cNvPr id="74" name="Table">
@@ -10675,13 +10326,13 @@
           <p:nvPr>
             <p:extLst>
               <p:ext uri="{D42A27DB-BD31-4B8C-83A1-F6EECF244321}">
-                <p14:modId xmlns:p14="http://schemas.microsoft.com/office/powerpoint/2010/main" val="3209473459"/>
+                <p14:modId xmlns:p14="http://schemas.microsoft.com/office/powerpoint/2010/main" val="2950097766"/>
               </p:ext>
             </p:extLst>
           </p:nvPr>
         </p:nvGraphicFramePr>
         <p:xfrm>
-          <a:off x="4982063" y="8811491"/>
+          <a:off x="4775886" y="8186825"/>
           <a:ext cx="360000" cy="365760"/>
         </p:xfrm>
         <a:graphic>
@@ -11192,6 +10843,564 @@
           </a:graphicData>
         </a:graphic>
       </p:graphicFrame>
+      <p:graphicFrame>
+        <p:nvGraphicFramePr>
+          <p:cNvPr id="71" name="Table">
+            <a:extLst>
+              <a:ext uri="{FF2B5EF4-FFF2-40B4-BE49-F238E27FC236}">
+                <a16:creationId xmlns:a16="http://schemas.microsoft.com/office/drawing/2014/main" id="{0CE1D9D6-6A35-4A55-8DD5-DF33E5E43AE7}"/>
+              </a:ext>
+            </a:extLst>
+          </p:cNvPr>
+          <p:cNvGraphicFramePr/>
+          <p:nvPr>
+            <p:extLst>
+              <p:ext uri="{D42A27DB-BD31-4B8C-83A1-F6EECF244321}">
+                <p14:modId xmlns:p14="http://schemas.microsoft.com/office/powerpoint/2010/main" val="492507309"/>
+              </p:ext>
+            </p:extLst>
+          </p:nvPr>
+        </p:nvGraphicFramePr>
+        <p:xfrm>
+          <a:off x="4796799" y="3243164"/>
+          <a:ext cx="360000" cy="365760"/>
+        </p:xfrm>
+        <a:graphic>
+          <a:graphicData uri="http://schemas.openxmlformats.org/drawingml/2006/table">
+            <a:tbl>
+              <a:tblPr>
+                <a:tableStyleId>{33BA23B1-9221-436E-865A-0063620EA4FD}</a:tableStyleId>
+              </a:tblPr>
+              <a:tblGrid>
+                <a:gridCol w="90000">
+                  <a:extLst>
+                    <a:ext uri="{9D8B030D-6E8A-4147-A177-3AD203B41FA5}">
+                      <a16:colId xmlns:a16="http://schemas.microsoft.com/office/drawing/2014/main" val="20000"/>
+                    </a:ext>
+                  </a:extLst>
+                </a:gridCol>
+                <a:gridCol w="90000">
+                  <a:extLst>
+                    <a:ext uri="{9D8B030D-6E8A-4147-A177-3AD203B41FA5}">
+                      <a16:colId xmlns:a16="http://schemas.microsoft.com/office/drawing/2014/main" val="20001"/>
+                    </a:ext>
+                  </a:extLst>
+                </a:gridCol>
+                <a:gridCol w="90000">
+                  <a:extLst>
+                    <a:ext uri="{9D8B030D-6E8A-4147-A177-3AD203B41FA5}">
+                      <a16:colId xmlns:a16="http://schemas.microsoft.com/office/drawing/2014/main" val="20002"/>
+                    </a:ext>
+                  </a:extLst>
+                </a:gridCol>
+                <a:gridCol w="90000">
+                  <a:extLst>
+                    <a:ext uri="{9D8B030D-6E8A-4147-A177-3AD203B41FA5}">
+                      <a16:colId xmlns:a16="http://schemas.microsoft.com/office/drawing/2014/main" val="1347651227"/>
+                    </a:ext>
+                  </a:extLst>
+                </a:gridCol>
+              </a:tblGrid>
+              <a:tr h="72000">
+                <a:tc>
+                  <a:txBody>
+                    <a:bodyPr/>
+                    <a:lstStyle/>
+                    <a:p>
+                      <a:pPr defTabSz="914400">
+                        <a:defRPr b="0">
+                          <a:solidFill>
+                            <a:srgbClr val="000000"/>
+                          </a:solidFill>
+                        </a:defRPr>
+                      </a:pPr>
+                      <a:endParaRPr lang="fr-FR" sz="600" b="0" dirty="0">
+                        <a:solidFill>
+                          <a:srgbClr val="FFFFFF"/>
+                        </a:solidFill>
+                        <a:latin typeface="Wingdings" panose="05000000000000000000" pitchFamily="2" charset="2"/>
+                        <a:ea typeface="Helvetica"/>
+                        <a:cs typeface="Helvetica"/>
+                        <a:sym typeface="Helvetica"/>
+                      </a:endParaRPr>
+                    </a:p>
+                  </a:txBody>
+                  <a:tcPr marL="0" marR="0" marT="0" marB="0" anchor="ctr" horzOverflow="overflow">
+                    <a:solidFill>
+                      <a:srgbClr val="A6AAA9"/>
+                    </a:solidFill>
+                  </a:tcPr>
+                </a:tc>
+                <a:tc>
+                  <a:txBody>
+                    <a:bodyPr/>
+                    <a:lstStyle/>
+                    <a:p>
+                      <a:pPr algn="l" defTabSz="914400">
+                        <a:defRPr b="0">
+                          <a:solidFill>
+                            <a:srgbClr val="000000"/>
+                          </a:solidFill>
+                        </a:defRPr>
+                      </a:pPr>
+                      <a:endParaRPr sz="600" b="0" dirty="0">
+                        <a:solidFill>
+                          <a:srgbClr val="FFFFFF"/>
+                        </a:solidFill>
+                        <a:latin typeface="Wingdings 3" panose="05040102010807070707" pitchFamily="18" charset="2"/>
+                        <a:ea typeface="Helvetica"/>
+                        <a:cs typeface="Helvetica"/>
+                        <a:sym typeface="Helvetica"/>
+                      </a:endParaRPr>
+                    </a:p>
+                  </a:txBody>
+                  <a:tcPr marL="0" marR="0" marT="0" marB="0" anchor="ctr" horzOverflow="overflow">
+                    <a:solidFill>
+                      <a:schemeClr val="bg1"/>
+                    </a:solidFill>
+                  </a:tcPr>
+                </a:tc>
+                <a:tc>
+                  <a:txBody>
+                    <a:bodyPr/>
+                    <a:lstStyle/>
+                    <a:p>
+                      <a:pPr defTabSz="914400">
+                        <a:defRPr b="0">
+                          <a:solidFill>
+                            <a:srgbClr val="000000"/>
+                          </a:solidFill>
+                        </a:defRPr>
+                      </a:pPr>
+                      <a:endParaRPr sz="600" b="0" dirty="0">
+                        <a:solidFill>
+                          <a:srgbClr val="FFFFFF"/>
+                        </a:solidFill>
+                        <a:latin typeface="Wingdings" panose="05000000000000000000" pitchFamily="2" charset="2"/>
+                        <a:ea typeface="Helvetica"/>
+                        <a:cs typeface="Helvetica"/>
+                        <a:sym typeface="Helvetica"/>
+                      </a:endParaRPr>
+                    </a:p>
+                  </a:txBody>
+                  <a:tcPr marL="0" marR="0" marT="0" marB="0" anchor="ctr" horzOverflow="overflow">
+                    <a:solidFill>
+                      <a:schemeClr val="bg1"/>
+                    </a:solidFill>
+                  </a:tcPr>
+                </a:tc>
+                <a:tc>
+                  <a:txBody>
+                    <a:bodyPr/>
+                    <a:lstStyle/>
+                    <a:p>
+                      <a:pPr algn="l" defTabSz="914400">
+                        <a:defRPr b="0">
+                          <a:solidFill>
+                            <a:srgbClr val="000000"/>
+                          </a:solidFill>
+                        </a:defRPr>
+                      </a:pPr>
+                      <a:endParaRPr sz="600" b="0" dirty="0">
+                        <a:solidFill>
+                          <a:srgbClr val="FFFFFF"/>
+                        </a:solidFill>
+                        <a:latin typeface="Wingdings 3" panose="05040102010807070707" pitchFamily="18" charset="2"/>
+                        <a:ea typeface="Helvetica"/>
+                        <a:cs typeface="Helvetica"/>
+                        <a:sym typeface="Helvetica"/>
+                      </a:endParaRPr>
+                    </a:p>
+                  </a:txBody>
+                  <a:tcPr marL="0" marR="0" marT="0" marB="0" anchor="ctr" horzOverflow="overflow">
+                    <a:solidFill>
+                      <a:schemeClr val="bg1"/>
+                    </a:solidFill>
+                  </a:tcPr>
+                </a:tc>
+                <a:extLst>
+                  <a:ext uri="{0D108BD9-81ED-4DB2-BD59-A6C34878D82A}">
+                    <a16:rowId xmlns:a16="http://schemas.microsoft.com/office/drawing/2014/main" val="10000"/>
+                  </a:ext>
+                </a:extLst>
+              </a:tr>
+              <a:tr h="72000">
+                <a:tc>
+                  <a:txBody>
+                    <a:bodyPr/>
+                    <a:lstStyle/>
+                    <a:p>
+                      <a:pPr defTabSz="914400">
+                        <a:defRPr sz="3600">
+                          <a:latin typeface="Helvetica"/>
+                          <a:ea typeface="Helvetica"/>
+                          <a:cs typeface="Helvetica"/>
+                          <a:sym typeface="Helvetica"/>
+                        </a:defRPr>
+                      </a:pPr>
+                      <a:endParaRPr sz="600" dirty="0">
+                        <a:latin typeface="Wingdings" panose="05000000000000000000" pitchFamily="2" charset="2"/>
+                      </a:endParaRPr>
+                    </a:p>
+                  </a:txBody>
+                  <a:tcPr marL="0" marR="0" marT="0" marB="0" anchor="ctr" horzOverflow="overflow">
+                    <a:solidFill>
+                      <a:srgbClr val="FCDB9F"/>
+                    </a:solidFill>
+                  </a:tcPr>
+                </a:tc>
+                <a:tc>
+                  <a:txBody>
+                    <a:bodyPr/>
+                    <a:lstStyle/>
+                    <a:p>
+                      <a:pPr algn="l" defTabSz="914400">
+                        <a:defRPr sz="3600">
+                          <a:latin typeface="Helvetica"/>
+                          <a:ea typeface="Helvetica"/>
+                          <a:cs typeface="Helvetica"/>
+                          <a:sym typeface="Helvetica"/>
+                        </a:defRPr>
+                      </a:pPr>
+                      <a:r>
+                        <a:rPr lang="fr-FR" sz="600" dirty="0">
+                          <a:latin typeface="Wingdings 3" panose="05040102010807070707" pitchFamily="18" charset="2"/>
+                        </a:rPr>
+                        <a:t>³</a:t>
+                      </a:r>
+                      <a:endParaRPr sz="600" dirty="0">
+                        <a:latin typeface="Wingdings 3" panose="05040102010807070707" pitchFamily="18" charset="2"/>
+                      </a:endParaRPr>
+                    </a:p>
+                  </a:txBody>
+                  <a:tcPr marL="0" marR="0" marT="0" marB="0" anchor="ctr" horzOverflow="overflow">
+                    <a:solidFill>
+                      <a:schemeClr val="bg1"/>
+                    </a:solidFill>
+                  </a:tcPr>
+                </a:tc>
+                <a:tc>
+                  <a:txBody>
+                    <a:bodyPr/>
+                    <a:lstStyle/>
+                    <a:p>
+                      <a:pPr defTabSz="914400">
+                        <a:defRPr sz="3600">
+                          <a:latin typeface="Helvetica"/>
+                          <a:ea typeface="Helvetica"/>
+                          <a:cs typeface="Helvetica"/>
+                          <a:sym typeface="Helvetica"/>
+                        </a:defRPr>
+                      </a:pPr>
+                      <a:endParaRPr sz="600" dirty="0">
+                        <a:latin typeface="Wingdings" panose="05000000000000000000" pitchFamily="2" charset="2"/>
+                      </a:endParaRPr>
+                    </a:p>
+                  </a:txBody>
+                  <a:tcPr marL="0" marR="0" marT="0" marB="0" anchor="ctr" horzOverflow="overflow">
+                    <a:solidFill>
+                      <a:schemeClr val="bg1"/>
+                    </a:solidFill>
+                  </a:tcPr>
+                </a:tc>
+                <a:tc>
+                  <a:txBody>
+                    <a:bodyPr/>
+                    <a:lstStyle/>
+                    <a:p>
+                      <a:pPr algn="l" defTabSz="914400">
+                        <a:defRPr sz="3600">
+                          <a:latin typeface="Helvetica"/>
+                          <a:ea typeface="Helvetica"/>
+                          <a:cs typeface="Helvetica"/>
+                          <a:sym typeface="Helvetica"/>
+                        </a:defRPr>
+                      </a:pPr>
+                      <a:endParaRPr sz="600" dirty="0">
+                        <a:latin typeface="Wingdings 3" panose="05040102010807070707" pitchFamily="18" charset="2"/>
+                      </a:endParaRPr>
+                    </a:p>
+                  </a:txBody>
+                  <a:tcPr marL="0" marR="0" marT="0" marB="0" anchor="ctr" horzOverflow="overflow">
+                    <a:solidFill>
+                      <a:schemeClr val="bg1"/>
+                    </a:solidFill>
+                  </a:tcPr>
+                </a:tc>
+                <a:extLst>
+                  <a:ext uri="{0D108BD9-81ED-4DB2-BD59-A6C34878D82A}">
+                    <a16:rowId xmlns:a16="http://schemas.microsoft.com/office/drawing/2014/main" val="10001"/>
+                  </a:ext>
+                </a:extLst>
+              </a:tr>
+              <a:tr h="72000">
+                <a:tc>
+                  <a:txBody>
+                    <a:bodyPr/>
+                    <a:lstStyle/>
+                    <a:p>
+                      <a:pPr defTabSz="914400">
+                        <a:defRPr sz="1000">
+                          <a:latin typeface="Helvetica"/>
+                          <a:ea typeface="Helvetica"/>
+                          <a:cs typeface="Helvetica"/>
+                          <a:sym typeface="Helvetica"/>
+                        </a:defRPr>
+                      </a:pPr>
+                      <a:endParaRPr sz="600" dirty="0">
+                        <a:latin typeface="Wingdings" panose="05000000000000000000" pitchFamily="2" charset="2"/>
+                      </a:endParaRPr>
+                    </a:p>
+                  </a:txBody>
+                  <a:tcPr marL="0" marR="0" marT="0" marB="0" anchor="ctr" horzOverflow="overflow">
+                    <a:solidFill>
+                      <a:srgbClr val="FABF53"/>
+                    </a:solidFill>
+                  </a:tcPr>
+                </a:tc>
+                <a:tc>
+                  <a:txBody>
+                    <a:bodyPr/>
+                    <a:lstStyle/>
+                    <a:p>
+                      <a:pPr marL="0" marR="0" lvl="0" indent="0" algn="l" defTabSz="914400" rtl="0" eaLnBrk="1" fontAlgn="auto" latinLnBrk="0" hangingPunct="1">
+                        <a:lnSpc>
+                          <a:spcPct val="100000"/>
+                        </a:lnSpc>
+                        <a:spcBef>
+                          <a:spcPts val="0"/>
+                        </a:spcBef>
+                        <a:spcAft>
+                          <a:spcPts val="0"/>
+                        </a:spcAft>
+                        <a:buClrTx/>
+                        <a:buSzTx/>
+                        <a:buFontTx/>
+                        <a:buNone/>
+                        <a:tabLst/>
+                        <a:defRPr sz="1000">
+                          <a:latin typeface="Helvetica"/>
+                          <a:ea typeface="Helvetica"/>
+                          <a:cs typeface="Helvetica"/>
+                          <a:sym typeface="Helvetica"/>
+                        </a:defRPr>
+                      </a:pPr>
+                      <a:r>
+                        <a:rPr lang="fr-FR" sz="600" dirty="0">
+                          <a:latin typeface="Wingdings 3" panose="05040102010807070707" pitchFamily="18" charset="2"/>
+                        </a:rPr>
+                        <a:t>³</a:t>
+                      </a:r>
+                    </a:p>
+                  </a:txBody>
+                  <a:tcPr marL="0" marR="0" marT="0" marB="0" anchor="ctr" horzOverflow="overflow">
+                    <a:solidFill>
+                      <a:schemeClr val="bg1"/>
+                    </a:solidFill>
+                  </a:tcPr>
+                </a:tc>
+                <a:tc>
+                  <a:txBody>
+                    <a:bodyPr/>
+                    <a:lstStyle/>
+                    <a:p>
+                      <a:pPr defTabSz="914400">
+                        <a:defRPr sz="1000">
+                          <a:latin typeface="Helvetica"/>
+                          <a:ea typeface="Helvetica"/>
+                          <a:cs typeface="Helvetica"/>
+                          <a:sym typeface="Helvetica"/>
+                        </a:defRPr>
+                      </a:pPr>
+                      <a:endParaRPr sz="600" dirty="0">
+                        <a:latin typeface="Wingdings" panose="05000000000000000000" pitchFamily="2" charset="2"/>
+                      </a:endParaRPr>
+                    </a:p>
+                  </a:txBody>
+                  <a:tcPr marL="0" marR="0" marT="0" marB="0" anchor="ctr" horzOverflow="overflow">
+                    <a:solidFill>
+                      <a:schemeClr val="bg1"/>
+                    </a:solidFill>
+                  </a:tcPr>
+                </a:tc>
+                <a:tc>
+                  <a:txBody>
+                    <a:bodyPr/>
+                    <a:lstStyle/>
+                    <a:p>
+                      <a:pPr marL="0" marR="0" lvl="0" indent="0" algn="l" defTabSz="914400" rtl="0" eaLnBrk="1" fontAlgn="auto" latinLnBrk="0" hangingPunct="1">
+                        <a:lnSpc>
+                          <a:spcPct val="100000"/>
+                        </a:lnSpc>
+                        <a:spcBef>
+                          <a:spcPts val="0"/>
+                        </a:spcBef>
+                        <a:spcAft>
+                          <a:spcPts val="0"/>
+                        </a:spcAft>
+                        <a:buClrTx/>
+                        <a:buSzTx/>
+                        <a:buFontTx/>
+                        <a:buNone/>
+                        <a:tabLst/>
+                        <a:defRPr sz="1000">
+                          <a:latin typeface="Helvetica"/>
+                          <a:ea typeface="Helvetica"/>
+                          <a:cs typeface="Helvetica"/>
+                          <a:sym typeface="Helvetica"/>
+                        </a:defRPr>
+                      </a:pPr>
+                      <a:endParaRPr lang="fr-FR" sz="600" dirty="0">
+                        <a:latin typeface="Wingdings 3" panose="05040102010807070707" pitchFamily="18" charset="2"/>
+                      </a:endParaRPr>
+                    </a:p>
+                  </a:txBody>
+                  <a:tcPr marL="0" marR="0" marT="0" marB="0" anchor="ctr" horzOverflow="overflow">
+                    <a:solidFill>
+                      <a:schemeClr val="bg1"/>
+                    </a:solidFill>
+                  </a:tcPr>
+                </a:tc>
+                <a:extLst>
+                  <a:ext uri="{0D108BD9-81ED-4DB2-BD59-A6C34878D82A}">
+                    <a16:rowId xmlns:a16="http://schemas.microsoft.com/office/drawing/2014/main" val="10002"/>
+                  </a:ext>
+                </a:extLst>
+              </a:tr>
+              <a:tr h="72000">
+                <a:tc>
+                  <a:txBody>
+                    <a:bodyPr/>
+                    <a:lstStyle/>
+                    <a:p>
+                      <a:pPr defTabSz="914400">
+                        <a:defRPr sz="3600">
+                          <a:latin typeface="Helvetica Light"/>
+                          <a:ea typeface="Helvetica Light"/>
+                          <a:cs typeface="Helvetica Light"/>
+                        </a:defRPr>
+                      </a:pPr>
+                      <a:endParaRPr sz="600" dirty="0">
+                        <a:latin typeface="Wingdings" panose="05000000000000000000" pitchFamily="2" charset="2"/>
+                      </a:endParaRPr>
+                    </a:p>
+                  </a:txBody>
+                  <a:tcPr marL="0" marR="0" marT="0" marB="0" anchor="ctr" horzOverflow="overflow">
+                    <a:solidFill>
+                      <a:srgbClr val="DEA036"/>
+                    </a:solidFill>
+                  </a:tcPr>
+                </a:tc>
+                <a:tc>
+                  <a:txBody>
+                    <a:bodyPr/>
+                    <a:lstStyle/>
+                    <a:p>
+                      <a:pPr marL="0" marR="0" lvl="0" indent="0" algn="l" defTabSz="914400" rtl="0" eaLnBrk="1" fontAlgn="auto" latinLnBrk="0" hangingPunct="1">
+                        <a:lnSpc>
+                          <a:spcPct val="100000"/>
+                        </a:lnSpc>
+                        <a:spcBef>
+                          <a:spcPts val="0"/>
+                        </a:spcBef>
+                        <a:spcAft>
+                          <a:spcPts val="0"/>
+                        </a:spcAft>
+                        <a:buClrTx/>
+                        <a:buSzTx/>
+                        <a:buFontTx/>
+                        <a:buNone/>
+                        <a:tabLst/>
+                        <a:defRPr sz="3600">
+                          <a:latin typeface="Helvetica Light"/>
+                          <a:ea typeface="Helvetica Light"/>
+                          <a:cs typeface="Helvetica Light"/>
+                        </a:defRPr>
+                      </a:pPr>
+                      <a:r>
+                        <a:rPr lang="fr-FR" sz="600" dirty="0">
+                          <a:latin typeface="Wingdings 3" panose="05040102010807070707" pitchFamily="18" charset="2"/>
+                        </a:rPr>
+                        <a:t>³</a:t>
+                      </a:r>
+                    </a:p>
+                  </a:txBody>
+                  <a:tcPr marL="0" marR="0" marT="0" marB="0" anchor="ctr" horzOverflow="overflow">
+                    <a:solidFill>
+                      <a:schemeClr val="bg1"/>
+                    </a:solidFill>
+                  </a:tcPr>
+                </a:tc>
+                <a:tc>
+                  <a:txBody>
+                    <a:bodyPr/>
+                    <a:lstStyle/>
+                    <a:p>
+                      <a:pPr defTabSz="914400">
+                        <a:defRPr sz="3600">
+                          <a:latin typeface="Helvetica Light"/>
+                          <a:ea typeface="Helvetica Light"/>
+                          <a:cs typeface="Helvetica Light"/>
+                        </a:defRPr>
+                      </a:pPr>
+                      <a:endParaRPr sz="600" dirty="0">
+                        <a:latin typeface="Wingdings" panose="05000000000000000000" pitchFamily="2" charset="2"/>
+                      </a:endParaRPr>
+                    </a:p>
+                  </a:txBody>
+                  <a:tcPr marL="0" marR="0" marT="0" marB="0" anchor="ctr" horzOverflow="overflow">
+                    <a:solidFill>
+                      <a:schemeClr val="bg1"/>
+                    </a:solidFill>
+                  </a:tcPr>
+                </a:tc>
+                <a:tc>
+                  <a:txBody>
+                    <a:bodyPr/>
+                    <a:lstStyle/>
+                    <a:p>
+                      <a:pPr marL="0" marR="0" lvl="0" indent="0" algn="l" defTabSz="914400" rtl="0" eaLnBrk="1" fontAlgn="auto" latinLnBrk="0" hangingPunct="1">
+                        <a:lnSpc>
+                          <a:spcPct val="100000"/>
+                        </a:lnSpc>
+                        <a:spcBef>
+                          <a:spcPts val="0"/>
+                        </a:spcBef>
+                        <a:spcAft>
+                          <a:spcPts val="0"/>
+                        </a:spcAft>
+                        <a:buClrTx/>
+                        <a:buSzTx/>
+                        <a:buFontTx/>
+                        <a:buNone/>
+                        <a:tabLst/>
+                        <a:defRPr sz="3600">
+                          <a:latin typeface="Helvetica Light"/>
+                          <a:ea typeface="Helvetica Light"/>
+                          <a:cs typeface="Helvetica Light"/>
+                        </a:defRPr>
+                      </a:pPr>
+                      <a:endParaRPr lang="fr-FR" sz="600" dirty="0">
+                        <a:latin typeface="Wingdings 3" panose="05040102010807070707" pitchFamily="18" charset="2"/>
+                      </a:endParaRPr>
+                    </a:p>
+                  </a:txBody>
+                  <a:tcPr marL="0" marR="0" marT="0" marB="0" anchor="ctr" horzOverflow="overflow">
+                    <a:solidFill>
+                      <a:schemeClr val="bg1"/>
+                    </a:solidFill>
+                  </a:tcPr>
+                </a:tc>
+                <a:extLst>
+                  <a:ext uri="{0D108BD9-81ED-4DB2-BD59-A6C34878D82A}">
+                    <a16:rowId xmlns:a16="http://schemas.microsoft.com/office/drawing/2014/main" val="10003"/>
+                  </a:ext>
+                </a:extLst>
+              </a:tr>
+            </a:tbl>
+          </a:graphicData>
+        </a:graphic>
+      </p:graphicFrame>
     </p:spTree>
   </p:cSld>
   <p:clrMapOvr>
@@ -12035,9 +12244,7 @@
             <p:nvPr/>
           </p:nvPicPr>
           <p:blipFill>
-            <a:blip r:embed="rId2">
-              <a:extLst/>
-            </a:blip>
+            <a:blip r:embed="rId2"/>
             <a:stretch>
               <a:fillRect/>
             </a:stretch>
@@ -12124,7 +12331,7 @@
           </a:ln>
           <a:extLst>
             <a:ext uri="{C572A759-6A51-4108-AA02-DFA0A04FC94B}">
-              <ma14:wrappingTextBoxFlag xmlns:ma14="http://schemas.microsoft.com/office/mac/drawingml/2011/main" xmlns:a14="http://schemas.microsoft.com/office/drawing/2010/main" xmlns:m="http://schemas.openxmlformats.org/officeDocument/2006/math" xmlns="" val="1"/>
+              <ma14:wrappingTextBoxFlag xmlns="" xmlns:m="http://schemas.openxmlformats.org/officeDocument/2006/math" xmlns:a14="http://schemas.microsoft.com/office/drawing/2010/main" xmlns:ma14="http://schemas.microsoft.com/office/mac/drawingml/2011/main" val="1"/>
             </a:ext>
           </a:extLst>
         </p:spPr>
@@ -12197,7 +12404,7 @@
           </a:ln>
           <a:extLst>
             <a:ext uri="{C572A759-6A51-4108-AA02-DFA0A04FC94B}">
-              <ma14:wrappingTextBoxFlag xmlns:ma14="http://schemas.microsoft.com/office/mac/drawingml/2011/main" xmlns:a14="http://schemas.microsoft.com/office/drawing/2010/main" xmlns:m="http://schemas.openxmlformats.org/officeDocument/2006/math" xmlns="" val="1"/>
+              <ma14:wrappingTextBoxFlag xmlns="" xmlns:m="http://schemas.openxmlformats.org/officeDocument/2006/math" xmlns:a14="http://schemas.microsoft.com/office/drawing/2010/main" xmlns:ma14="http://schemas.microsoft.com/office/mac/drawingml/2011/main" val="1"/>
             </a:ext>
           </a:extLst>
         </p:spPr>
@@ -12328,7 +12535,7 @@
           </a:ln>
           <a:extLst>
             <a:ext uri="{C572A759-6A51-4108-AA02-DFA0A04FC94B}">
-              <ma14:wrappingTextBoxFlag xmlns:ma14="http://schemas.microsoft.com/office/mac/drawingml/2011/main" xmlns:a14="http://schemas.microsoft.com/office/drawing/2010/main" xmlns:m="http://schemas.openxmlformats.org/officeDocument/2006/math" xmlns="" val="1"/>
+              <ma14:wrappingTextBoxFlag xmlns="" xmlns:m="http://schemas.openxmlformats.org/officeDocument/2006/math" xmlns:a14="http://schemas.microsoft.com/office/drawing/2010/main" xmlns:ma14="http://schemas.microsoft.com/office/mac/drawingml/2011/main" val="1"/>
             </a:ext>
           </a:extLst>
         </p:spPr>
@@ -12490,7 +12697,7 @@
           </a:ln>
           <a:extLst>
             <a:ext uri="{C572A759-6A51-4108-AA02-DFA0A04FC94B}">
-              <ma14:wrappingTextBoxFlag xmlns:ma14="http://schemas.microsoft.com/office/mac/drawingml/2011/main" xmlns:a14="http://schemas.microsoft.com/office/drawing/2010/main" xmlns:m="http://schemas.openxmlformats.org/officeDocument/2006/math" xmlns="" val="1"/>
+              <ma14:wrappingTextBoxFlag xmlns="" xmlns:m="http://schemas.openxmlformats.org/officeDocument/2006/math" xmlns:a14="http://schemas.microsoft.com/office/drawing/2010/main" xmlns:ma14="http://schemas.microsoft.com/office/mac/drawingml/2011/main" val="1"/>
             </a:ext>
           </a:extLst>
         </p:spPr>
@@ -12545,7 +12752,7 @@
           </a:ln>
           <a:extLst>
             <a:ext uri="{C572A759-6A51-4108-AA02-DFA0A04FC94B}">
-              <ma14:wrappingTextBoxFlag xmlns:ma14="http://schemas.microsoft.com/office/mac/drawingml/2011/main" xmlns:a14="http://schemas.microsoft.com/office/drawing/2010/main" xmlns:m="http://schemas.openxmlformats.org/officeDocument/2006/math" xmlns="" val="1"/>
+              <ma14:wrappingTextBoxFlag xmlns="" xmlns:m="http://schemas.openxmlformats.org/officeDocument/2006/math" xmlns:a14="http://schemas.microsoft.com/office/drawing/2010/main" xmlns:ma14="http://schemas.microsoft.com/office/mac/drawingml/2011/main" val="1"/>
             </a:ext>
           </a:extLst>
         </p:spPr>
@@ -12604,7 +12811,7 @@
           </a:ln>
           <a:extLst>
             <a:ext uri="{C572A759-6A51-4108-AA02-DFA0A04FC94B}">
-              <ma14:wrappingTextBoxFlag xmlns:ma14="http://schemas.microsoft.com/office/mac/drawingml/2011/main" xmlns:a14="http://schemas.microsoft.com/office/drawing/2010/main" xmlns:m="http://schemas.openxmlformats.org/officeDocument/2006/math" xmlns="" val="1"/>
+              <ma14:wrappingTextBoxFlag xmlns="" xmlns:m="http://schemas.openxmlformats.org/officeDocument/2006/math" xmlns:a14="http://schemas.microsoft.com/office/drawing/2010/main" xmlns:ma14="http://schemas.microsoft.com/office/mac/drawingml/2011/main" val="1"/>
             </a:ext>
           </a:extLst>
         </p:spPr>
@@ -12672,9 +12879,7 @@
             <p:nvPr/>
           </p:nvPicPr>
           <p:blipFill>
-            <a:blip r:embed="rId6">
-              <a:extLst/>
-            </a:blip>
+            <a:blip r:embed="rId6"/>
             <a:stretch>
               <a:fillRect/>
             </a:stretch>
@@ -12716,7 +12921,7 @@
             <a:effectLst/>
             <a:extLst>
               <a:ext uri="{C572A759-6A51-4108-AA02-DFA0A04FC94B}">
-                <ma14:wrappingTextBoxFlag xmlns:ma14="http://schemas.microsoft.com/office/mac/drawingml/2011/main" xmlns:a14="http://schemas.microsoft.com/office/drawing/2010/main" xmlns:m="http://schemas.openxmlformats.org/officeDocument/2006/math" xmlns="" val="1"/>
+                <ma14:wrappingTextBoxFlag xmlns="" xmlns:m="http://schemas.openxmlformats.org/officeDocument/2006/math" xmlns:a14="http://schemas.microsoft.com/office/drawing/2010/main" xmlns:ma14="http://schemas.microsoft.com/office/mac/drawingml/2011/main" val="1"/>
               </a:ext>
             </a:extLst>
           </p:spPr>
@@ -12766,7 +12971,7 @@
           </a:ln>
           <a:extLst>
             <a:ext uri="{C572A759-6A51-4108-AA02-DFA0A04FC94B}">
-              <ma14:wrappingTextBoxFlag xmlns:ma14="http://schemas.microsoft.com/office/mac/drawingml/2011/main" xmlns:a14="http://schemas.microsoft.com/office/drawing/2010/main" xmlns:m="http://schemas.openxmlformats.org/officeDocument/2006/math" xmlns="" val="1"/>
+              <ma14:wrappingTextBoxFlag xmlns="" xmlns:m="http://schemas.openxmlformats.org/officeDocument/2006/math" xmlns:a14="http://schemas.microsoft.com/office/drawing/2010/main" xmlns:ma14="http://schemas.microsoft.com/office/mac/drawingml/2011/main" val="1"/>
             </a:ext>
           </a:extLst>
         </p:spPr>
@@ -12826,7 +13031,7 @@
           </a:ln>
           <a:extLst>
             <a:ext uri="{C572A759-6A51-4108-AA02-DFA0A04FC94B}">
-              <ma14:wrappingTextBoxFlag xmlns:ma14="http://schemas.microsoft.com/office/mac/drawingml/2011/main" xmlns:a14="http://schemas.microsoft.com/office/drawing/2010/main" xmlns:m="http://schemas.openxmlformats.org/officeDocument/2006/math" xmlns="" val="1"/>
+              <ma14:wrappingTextBoxFlag xmlns="" xmlns:m="http://schemas.openxmlformats.org/officeDocument/2006/math" xmlns:a14="http://schemas.microsoft.com/office/drawing/2010/main" xmlns:ma14="http://schemas.microsoft.com/office/mac/drawingml/2011/main" val="1"/>
             </a:ext>
           </a:extLst>
         </p:spPr>
@@ -12886,7 +13091,7 @@
           </a:ln>
           <a:extLst>
             <a:ext uri="{C572A759-6A51-4108-AA02-DFA0A04FC94B}">
-              <ma14:wrappingTextBoxFlag xmlns:ma14="http://schemas.microsoft.com/office/mac/drawingml/2011/main" xmlns:a14="http://schemas.microsoft.com/office/drawing/2010/main" xmlns:m="http://schemas.openxmlformats.org/officeDocument/2006/math" xmlns="" val="1"/>
+              <ma14:wrappingTextBoxFlag xmlns="" xmlns:m="http://schemas.openxmlformats.org/officeDocument/2006/math" xmlns:a14="http://schemas.microsoft.com/office/drawing/2010/main" xmlns:ma14="http://schemas.microsoft.com/office/mac/drawingml/2011/main" val="1"/>
             </a:ext>
           </a:extLst>
         </p:spPr>
@@ -12946,7 +13151,7 @@
           </a:ln>
           <a:extLst>
             <a:ext uri="{C572A759-6A51-4108-AA02-DFA0A04FC94B}">
-              <ma14:wrappingTextBoxFlag xmlns:ma14="http://schemas.microsoft.com/office/mac/drawingml/2011/main" xmlns:a14="http://schemas.microsoft.com/office/drawing/2010/main" xmlns:m="http://schemas.openxmlformats.org/officeDocument/2006/math" xmlns="" val="1"/>
+              <ma14:wrappingTextBoxFlag xmlns="" xmlns:m="http://schemas.openxmlformats.org/officeDocument/2006/math" xmlns:a14="http://schemas.microsoft.com/office/drawing/2010/main" xmlns:ma14="http://schemas.microsoft.com/office/mac/drawingml/2011/main" val="1"/>
             </a:ext>
           </a:extLst>
         </p:spPr>
@@ -13006,7 +13211,7 @@
           </a:ln>
           <a:extLst>
             <a:ext uri="{C572A759-6A51-4108-AA02-DFA0A04FC94B}">
-              <ma14:wrappingTextBoxFlag xmlns:ma14="http://schemas.microsoft.com/office/mac/drawingml/2011/main" xmlns:a14="http://schemas.microsoft.com/office/drawing/2010/main" xmlns:m="http://schemas.openxmlformats.org/officeDocument/2006/math" xmlns="" val="1"/>
+              <ma14:wrappingTextBoxFlag xmlns="" xmlns:m="http://schemas.openxmlformats.org/officeDocument/2006/math" xmlns:a14="http://schemas.microsoft.com/office/drawing/2010/main" xmlns:ma14="http://schemas.microsoft.com/office/mac/drawingml/2011/main" val="1"/>
             </a:ext>
           </a:extLst>
         </p:spPr>
@@ -13086,7 +13291,7 @@
           </a:ln>
           <a:extLst>
             <a:ext uri="{C572A759-6A51-4108-AA02-DFA0A04FC94B}">
-              <ma14:wrappingTextBoxFlag xmlns:ma14="http://schemas.microsoft.com/office/mac/drawingml/2011/main" xmlns:a14="http://schemas.microsoft.com/office/drawing/2010/main" xmlns:m="http://schemas.openxmlformats.org/officeDocument/2006/math" xmlns="" val="1"/>
+              <ma14:wrappingTextBoxFlag xmlns="" xmlns:m="http://schemas.openxmlformats.org/officeDocument/2006/math" xmlns:a14="http://schemas.microsoft.com/office/drawing/2010/main" xmlns:ma14="http://schemas.microsoft.com/office/mac/drawingml/2011/main" val="1"/>
             </a:ext>
           </a:extLst>
         </p:spPr>
@@ -13188,7 +13393,7 @@
             <a:effectLst/>
             <a:extLst>
               <a:ext uri="{C572A759-6A51-4108-AA02-DFA0A04FC94B}">
-                <ma14:wrappingTextBoxFlag xmlns:ma14="http://schemas.microsoft.com/office/mac/drawingml/2011/main" xmlns:a14="http://schemas.microsoft.com/office/drawing/2010/main" xmlns:m="http://schemas.openxmlformats.org/officeDocument/2006/math" xmlns="" val="1"/>
+                <ma14:wrappingTextBoxFlag xmlns="" xmlns:m="http://schemas.openxmlformats.org/officeDocument/2006/math" xmlns:a14="http://schemas.microsoft.com/office/drawing/2010/main" xmlns:ma14="http://schemas.microsoft.com/office/mac/drawingml/2011/main" val="1"/>
               </a:ext>
             </a:extLst>
           </p:spPr>
@@ -13275,7 +13480,7 @@
           </a:ln>
           <a:extLst>
             <a:ext uri="{C572A759-6A51-4108-AA02-DFA0A04FC94B}">
-              <ma14:wrappingTextBoxFlag xmlns:ma14="http://schemas.microsoft.com/office/mac/drawingml/2011/main" xmlns:a14="http://schemas.microsoft.com/office/drawing/2010/main" xmlns:m="http://schemas.openxmlformats.org/officeDocument/2006/math" xmlns="" val="1"/>
+              <ma14:wrappingTextBoxFlag xmlns="" xmlns:m="http://schemas.openxmlformats.org/officeDocument/2006/math" xmlns:a14="http://schemas.microsoft.com/office/drawing/2010/main" xmlns:ma14="http://schemas.microsoft.com/office/mac/drawingml/2011/main" val="1"/>
             </a:ext>
           </a:extLst>
         </p:spPr>
@@ -13352,7 +13557,7 @@
           </a:ln>
           <a:extLst>
             <a:ext uri="{C572A759-6A51-4108-AA02-DFA0A04FC94B}">
-              <ma14:wrappingTextBoxFlag xmlns:ma14="http://schemas.microsoft.com/office/mac/drawingml/2011/main" xmlns:a14="http://schemas.microsoft.com/office/drawing/2010/main" xmlns:m="http://schemas.openxmlformats.org/officeDocument/2006/math" xmlns="" val="1"/>
+              <ma14:wrappingTextBoxFlag xmlns="" xmlns:m="http://schemas.openxmlformats.org/officeDocument/2006/math" xmlns:a14="http://schemas.microsoft.com/office/drawing/2010/main" xmlns:ma14="http://schemas.microsoft.com/office/mac/drawingml/2011/main" val="1"/>
             </a:ext>
           </a:extLst>
         </p:spPr>
@@ -13429,7 +13634,7 @@
           </a:ln>
           <a:extLst>
             <a:ext uri="{C572A759-6A51-4108-AA02-DFA0A04FC94B}">
-              <ma14:wrappingTextBoxFlag xmlns:ma14="http://schemas.microsoft.com/office/mac/drawingml/2011/main" xmlns:a14="http://schemas.microsoft.com/office/drawing/2010/main" xmlns:m="http://schemas.openxmlformats.org/officeDocument/2006/math" xmlns="" val="1"/>
+              <ma14:wrappingTextBoxFlag xmlns="" xmlns:m="http://schemas.openxmlformats.org/officeDocument/2006/math" xmlns:a14="http://schemas.microsoft.com/office/drawing/2010/main" xmlns:ma14="http://schemas.microsoft.com/office/mac/drawingml/2011/main" val="1"/>
             </a:ext>
           </a:extLst>
         </p:spPr>
@@ -13663,7 +13868,7 @@
             <a:effectLst/>
             <a:extLst>
               <a:ext uri="{C572A759-6A51-4108-AA02-DFA0A04FC94B}">
-                <ma14:wrappingTextBoxFlag xmlns:ma14="http://schemas.microsoft.com/office/mac/drawingml/2011/main" xmlns:a14="http://schemas.microsoft.com/office/drawing/2010/main" xmlns:m="http://schemas.openxmlformats.org/officeDocument/2006/math" xmlns="" val="1"/>
+                <ma14:wrappingTextBoxFlag xmlns="" xmlns:m="http://schemas.openxmlformats.org/officeDocument/2006/math" xmlns:a14="http://schemas.microsoft.com/office/drawing/2010/main" xmlns:ma14="http://schemas.microsoft.com/office/mac/drawingml/2011/main" val="1"/>
               </a:ext>
             </a:extLst>
           </p:spPr>
@@ -13834,7 +14039,7 @@
             <a:effectLst/>
             <a:extLst>
               <a:ext uri="{C572A759-6A51-4108-AA02-DFA0A04FC94B}">
-                <ma14:wrappingTextBoxFlag xmlns:ma14="http://schemas.microsoft.com/office/mac/drawingml/2011/main" xmlns:a14="http://schemas.microsoft.com/office/drawing/2010/main" xmlns:m="http://schemas.openxmlformats.org/officeDocument/2006/math" xmlns="" val="1"/>
+                <ma14:wrappingTextBoxFlag xmlns="" xmlns:m="http://schemas.openxmlformats.org/officeDocument/2006/math" xmlns:a14="http://schemas.microsoft.com/office/drawing/2010/main" xmlns:ma14="http://schemas.microsoft.com/office/mac/drawingml/2011/main" val="1"/>
               </a:ext>
             </a:extLst>
           </p:spPr>
@@ -13948,7 +14153,7 @@
             <a:effectLst/>
             <a:extLst>
               <a:ext uri="{C572A759-6A51-4108-AA02-DFA0A04FC94B}">
-                <ma14:wrappingTextBoxFlag xmlns:ma14="http://schemas.microsoft.com/office/mac/drawingml/2011/main" xmlns:a14="http://schemas.microsoft.com/office/drawing/2010/main" xmlns:m="http://schemas.openxmlformats.org/officeDocument/2006/math" xmlns="" val="1"/>
+                <ma14:wrappingTextBoxFlag xmlns="" xmlns:m="http://schemas.openxmlformats.org/officeDocument/2006/math" xmlns:a14="http://schemas.microsoft.com/office/drawing/2010/main" xmlns:ma14="http://schemas.microsoft.com/office/mac/drawingml/2011/main" val="1"/>
               </a:ext>
             </a:extLst>
           </p:spPr>
@@ -14014,7 +14219,7 @@
             <a:effectLst/>
             <a:extLst>
               <a:ext uri="{C572A759-6A51-4108-AA02-DFA0A04FC94B}">
-                <ma14:wrappingTextBoxFlag xmlns:ma14="http://schemas.microsoft.com/office/mac/drawingml/2011/main" xmlns:a14="http://schemas.microsoft.com/office/drawing/2010/main" xmlns:m="http://schemas.openxmlformats.org/officeDocument/2006/math" xmlns="" val="1"/>
+                <ma14:wrappingTextBoxFlag xmlns="" xmlns:m="http://schemas.openxmlformats.org/officeDocument/2006/math" xmlns:a14="http://schemas.microsoft.com/office/drawing/2010/main" xmlns:ma14="http://schemas.microsoft.com/office/mac/drawingml/2011/main" val="1"/>
               </a:ext>
             </a:extLst>
           </p:spPr>
@@ -14110,7 +14315,7 @@
           </a:ln>
           <a:extLst>
             <a:ext uri="{C572A759-6A51-4108-AA02-DFA0A04FC94B}">
-              <ma14:wrappingTextBoxFlag xmlns:ma14="http://schemas.microsoft.com/office/mac/drawingml/2011/main" xmlns:a14="http://schemas.microsoft.com/office/drawing/2010/main" xmlns:m="http://schemas.openxmlformats.org/officeDocument/2006/math" xmlns="" val="1"/>
+              <ma14:wrappingTextBoxFlag xmlns="" xmlns:m="http://schemas.openxmlformats.org/officeDocument/2006/math" xmlns:a14="http://schemas.microsoft.com/office/drawing/2010/main" xmlns:ma14="http://schemas.microsoft.com/office/mac/drawingml/2011/main" val="1"/>
             </a:ext>
           </a:extLst>
         </p:spPr>
@@ -14147,7 +14352,7 @@
           </a:ln>
           <a:extLst>
             <a:ext uri="{C572A759-6A51-4108-AA02-DFA0A04FC94B}">
-              <ma14:wrappingTextBoxFlag xmlns:ma14="http://schemas.microsoft.com/office/mac/drawingml/2011/main" xmlns:a14="http://schemas.microsoft.com/office/drawing/2010/main" xmlns:m="http://schemas.openxmlformats.org/officeDocument/2006/math" xmlns="" val="1"/>
+              <ma14:wrappingTextBoxFlag xmlns="" xmlns:m="http://schemas.openxmlformats.org/officeDocument/2006/math" xmlns:a14="http://schemas.microsoft.com/office/drawing/2010/main" xmlns:ma14="http://schemas.microsoft.com/office/mac/drawingml/2011/main" val="1"/>
             </a:ext>
           </a:extLst>
         </p:spPr>
@@ -14237,7 +14442,7 @@
           </a:ln>
           <a:extLst>
             <a:ext uri="{C572A759-6A51-4108-AA02-DFA0A04FC94B}">
-              <ma14:wrappingTextBoxFlag xmlns:ma14="http://schemas.microsoft.com/office/mac/drawingml/2011/main" xmlns:a14="http://schemas.microsoft.com/office/drawing/2010/main" xmlns:m="http://schemas.openxmlformats.org/officeDocument/2006/math" xmlns="" val="1"/>
+              <ma14:wrappingTextBoxFlag xmlns="" xmlns:m="http://schemas.openxmlformats.org/officeDocument/2006/math" xmlns:a14="http://schemas.microsoft.com/office/drawing/2010/main" xmlns:ma14="http://schemas.microsoft.com/office/mac/drawingml/2011/main" val="1"/>
             </a:ext>
           </a:extLst>
         </p:spPr>
@@ -14327,7 +14532,7 @@
           </a:ln>
           <a:extLst>
             <a:ext uri="{C572A759-6A51-4108-AA02-DFA0A04FC94B}">
-              <ma14:wrappingTextBoxFlag xmlns:ma14="http://schemas.microsoft.com/office/mac/drawingml/2011/main" xmlns:a14="http://schemas.microsoft.com/office/drawing/2010/main" xmlns:m="http://schemas.openxmlformats.org/officeDocument/2006/math" xmlns="" val="1"/>
+              <ma14:wrappingTextBoxFlag xmlns="" xmlns:m="http://schemas.openxmlformats.org/officeDocument/2006/math" xmlns:a14="http://schemas.microsoft.com/office/drawing/2010/main" xmlns:ma14="http://schemas.microsoft.com/office/mac/drawingml/2011/main" val="1"/>
             </a:ext>
           </a:extLst>
         </p:spPr>
@@ -14417,7 +14622,7 @@
           </a:ln>
           <a:extLst>
             <a:ext uri="{C572A759-6A51-4108-AA02-DFA0A04FC94B}">
-              <ma14:wrappingTextBoxFlag xmlns:ma14="http://schemas.microsoft.com/office/mac/drawingml/2011/main" xmlns:a14="http://schemas.microsoft.com/office/drawing/2010/main" xmlns:m="http://schemas.openxmlformats.org/officeDocument/2006/math" xmlns="" val="1"/>
+              <ma14:wrappingTextBoxFlag xmlns="" xmlns:m="http://schemas.openxmlformats.org/officeDocument/2006/math" xmlns:a14="http://schemas.microsoft.com/office/drawing/2010/main" xmlns:ma14="http://schemas.microsoft.com/office/mac/drawingml/2011/main" val="1"/>
             </a:ext>
           </a:extLst>
         </p:spPr>
@@ -15024,7 +15229,7 @@
           </a:ln>
           <a:extLst>
             <a:ext uri="{C572A759-6A51-4108-AA02-DFA0A04FC94B}">
-              <ma14:wrappingTextBoxFlag xmlns:ma14="http://schemas.microsoft.com/office/mac/drawingml/2011/main" xmlns:a14="http://schemas.microsoft.com/office/drawing/2010/main" xmlns:m="http://schemas.openxmlformats.org/officeDocument/2006/math" xmlns="" val="1"/>
+              <ma14:wrappingTextBoxFlag xmlns="" xmlns:m="http://schemas.openxmlformats.org/officeDocument/2006/math" xmlns:a14="http://schemas.microsoft.com/office/drawing/2010/main" xmlns:ma14="http://schemas.microsoft.com/office/mac/drawingml/2011/main" val="1"/>
             </a:ext>
           </a:extLst>
         </p:spPr>
@@ -15075,7 +15280,7 @@
           </a:ln>
           <a:extLst>
             <a:ext uri="{C572A759-6A51-4108-AA02-DFA0A04FC94B}">
-              <ma14:wrappingTextBoxFlag xmlns:ma14="http://schemas.microsoft.com/office/mac/drawingml/2011/main" xmlns:a14="http://schemas.microsoft.com/office/drawing/2010/main" xmlns:m="http://schemas.openxmlformats.org/officeDocument/2006/math" xmlns="" val="1"/>
+              <ma14:wrappingTextBoxFlag xmlns="" xmlns:m="http://schemas.openxmlformats.org/officeDocument/2006/math" xmlns:a14="http://schemas.microsoft.com/office/drawing/2010/main" xmlns:ma14="http://schemas.microsoft.com/office/mac/drawingml/2011/main" val="1"/>
             </a:ext>
           </a:extLst>
         </p:spPr>
@@ -15137,7 +15342,7 @@
           </a:ln>
           <a:extLst>
             <a:ext uri="{C572A759-6A51-4108-AA02-DFA0A04FC94B}">
-              <ma14:wrappingTextBoxFlag xmlns:ma14="http://schemas.microsoft.com/office/mac/drawingml/2011/main" xmlns:a14="http://schemas.microsoft.com/office/drawing/2010/main" xmlns:m="http://schemas.openxmlformats.org/officeDocument/2006/math" xmlns="" val="1"/>
+              <ma14:wrappingTextBoxFlag xmlns="" xmlns:m="http://schemas.openxmlformats.org/officeDocument/2006/math" xmlns:a14="http://schemas.microsoft.com/office/drawing/2010/main" xmlns:ma14="http://schemas.microsoft.com/office/mac/drawingml/2011/main" val="1"/>
             </a:ext>
           </a:extLst>
         </p:spPr>
@@ -15173,7 +15378,7 @@
           </a:ln>
           <a:extLst>
             <a:ext uri="{C572A759-6A51-4108-AA02-DFA0A04FC94B}">
-              <ma14:wrappingTextBoxFlag xmlns:ma14="http://schemas.microsoft.com/office/mac/drawingml/2011/main" xmlns:a14="http://schemas.microsoft.com/office/drawing/2010/main" xmlns:m="http://schemas.openxmlformats.org/officeDocument/2006/math" xmlns="" val="1"/>
+              <ma14:wrappingTextBoxFlag xmlns="" xmlns:m="http://schemas.openxmlformats.org/officeDocument/2006/math" xmlns:a14="http://schemas.microsoft.com/office/drawing/2010/main" xmlns:ma14="http://schemas.microsoft.com/office/mac/drawingml/2011/main" val="1"/>
             </a:ext>
           </a:extLst>
         </p:spPr>
@@ -15209,7 +15414,7 @@
           </a:ln>
           <a:extLst>
             <a:ext uri="{C572A759-6A51-4108-AA02-DFA0A04FC94B}">
-              <ma14:wrappingTextBoxFlag xmlns:ma14="http://schemas.microsoft.com/office/mac/drawingml/2011/main" xmlns:a14="http://schemas.microsoft.com/office/drawing/2010/main" xmlns:m="http://schemas.openxmlformats.org/officeDocument/2006/math" xmlns="" val="1"/>
+              <ma14:wrappingTextBoxFlag xmlns="" xmlns:m="http://schemas.openxmlformats.org/officeDocument/2006/math" xmlns:a14="http://schemas.microsoft.com/office/drawing/2010/main" xmlns:ma14="http://schemas.microsoft.com/office/mac/drawingml/2011/main" val="1"/>
             </a:ext>
           </a:extLst>
         </p:spPr>
@@ -15245,7 +15450,7 @@
           </a:ln>
           <a:extLst>
             <a:ext uri="{C572A759-6A51-4108-AA02-DFA0A04FC94B}">
-              <ma14:wrappingTextBoxFlag xmlns:ma14="http://schemas.microsoft.com/office/mac/drawingml/2011/main" xmlns:a14="http://schemas.microsoft.com/office/drawing/2010/main" xmlns:m="http://schemas.openxmlformats.org/officeDocument/2006/math" xmlns="" val="1"/>
+              <ma14:wrappingTextBoxFlag xmlns="" xmlns:m="http://schemas.openxmlformats.org/officeDocument/2006/math" xmlns:a14="http://schemas.microsoft.com/office/drawing/2010/main" xmlns:ma14="http://schemas.microsoft.com/office/mac/drawingml/2011/main" val="1"/>
             </a:ext>
           </a:extLst>
         </p:spPr>
@@ -15281,7 +15486,7 @@
           </a:ln>
           <a:extLst>
             <a:ext uri="{C572A759-6A51-4108-AA02-DFA0A04FC94B}">
-              <ma14:wrappingTextBoxFlag xmlns:ma14="http://schemas.microsoft.com/office/mac/drawingml/2011/main" xmlns:a14="http://schemas.microsoft.com/office/drawing/2010/main" xmlns:m="http://schemas.openxmlformats.org/officeDocument/2006/math" xmlns="" val="1"/>
+              <ma14:wrappingTextBoxFlag xmlns="" xmlns:m="http://schemas.openxmlformats.org/officeDocument/2006/math" xmlns:a14="http://schemas.microsoft.com/office/drawing/2010/main" xmlns:ma14="http://schemas.microsoft.com/office/mac/drawingml/2011/main" val="1"/>
             </a:ext>
           </a:extLst>
         </p:spPr>
@@ -15323,7 +15528,7 @@
           </a:ln>
           <a:extLst>
             <a:ext uri="{C572A759-6A51-4108-AA02-DFA0A04FC94B}">
-              <ma14:wrappingTextBoxFlag xmlns:ma14="http://schemas.microsoft.com/office/mac/drawingml/2011/main" xmlns:a14="http://schemas.microsoft.com/office/drawing/2010/main" xmlns:m="http://schemas.openxmlformats.org/officeDocument/2006/math" xmlns="" val="1"/>
+              <ma14:wrappingTextBoxFlag xmlns="" xmlns:m="http://schemas.openxmlformats.org/officeDocument/2006/math" xmlns:a14="http://schemas.microsoft.com/office/drawing/2010/main" xmlns:ma14="http://schemas.microsoft.com/office/mac/drawingml/2011/main" val="1"/>
             </a:ext>
           </a:extLst>
         </p:spPr>
@@ -15410,7 +15615,7 @@
           </a:ln>
           <a:extLst>
             <a:ext uri="{C572A759-6A51-4108-AA02-DFA0A04FC94B}">
-              <ma14:wrappingTextBoxFlag xmlns:ma14="http://schemas.microsoft.com/office/mac/drawingml/2011/main" xmlns:a14="http://schemas.microsoft.com/office/drawing/2010/main" xmlns:m="http://schemas.openxmlformats.org/officeDocument/2006/math" xmlns="" val="1"/>
+              <ma14:wrappingTextBoxFlag xmlns="" xmlns:m="http://schemas.openxmlformats.org/officeDocument/2006/math" xmlns:a14="http://schemas.microsoft.com/office/drawing/2010/main" xmlns:ma14="http://schemas.microsoft.com/office/mac/drawingml/2011/main" val="1"/>
             </a:ext>
           </a:extLst>
         </p:spPr>
@@ -15565,7 +15770,7 @@
           </a:ln>
           <a:extLst>
             <a:ext uri="{C572A759-6A51-4108-AA02-DFA0A04FC94B}">
-              <ma14:wrappingTextBoxFlag xmlns:ma14="http://schemas.microsoft.com/office/mac/drawingml/2011/main" xmlns:a14="http://schemas.microsoft.com/office/drawing/2010/main" xmlns:m="http://schemas.openxmlformats.org/officeDocument/2006/math" xmlns="" val="1"/>
+              <ma14:wrappingTextBoxFlag xmlns="" xmlns:m="http://schemas.openxmlformats.org/officeDocument/2006/math" xmlns:a14="http://schemas.microsoft.com/office/drawing/2010/main" xmlns:ma14="http://schemas.microsoft.com/office/mac/drawingml/2011/main" val="1"/>
             </a:ext>
           </a:extLst>
         </p:spPr>
@@ -15688,7 +15893,7 @@
           </a:ln>
           <a:extLst>
             <a:ext uri="{C572A759-6A51-4108-AA02-DFA0A04FC94B}">
-              <ma14:wrappingTextBoxFlag xmlns:ma14="http://schemas.microsoft.com/office/mac/drawingml/2011/main" xmlns:a14="http://schemas.microsoft.com/office/drawing/2010/main" xmlns:m="http://schemas.openxmlformats.org/officeDocument/2006/math" xmlns="" val="1"/>
+              <ma14:wrappingTextBoxFlag xmlns="" xmlns:m="http://schemas.openxmlformats.org/officeDocument/2006/math" xmlns:a14="http://schemas.microsoft.com/office/drawing/2010/main" xmlns:ma14="http://schemas.microsoft.com/office/mac/drawingml/2011/main" val="1"/>
             </a:ext>
           </a:extLst>
         </p:spPr>
@@ -15811,7 +16016,7 @@
           </a:ln>
           <a:extLst>
             <a:ext uri="{C572A759-6A51-4108-AA02-DFA0A04FC94B}">
-              <ma14:wrappingTextBoxFlag xmlns:ma14="http://schemas.microsoft.com/office/mac/drawingml/2011/main" xmlns:a14="http://schemas.microsoft.com/office/drawing/2010/main" xmlns:m="http://schemas.openxmlformats.org/officeDocument/2006/math" xmlns="" val="1"/>
+              <ma14:wrappingTextBoxFlag xmlns="" xmlns:m="http://schemas.openxmlformats.org/officeDocument/2006/math" xmlns:a14="http://schemas.microsoft.com/office/drawing/2010/main" xmlns:ma14="http://schemas.microsoft.com/office/mac/drawingml/2011/main" val="1"/>
             </a:ext>
           </a:extLst>
         </p:spPr>
@@ -16085,7 +16290,7 @@
           </a:ln>
           <a:extLst>
             <a:ext uri="{C572A759-6A51-4108-AA02-DFA0A04FC94B}">
-              <ma14:wrappingTextBoxFlag xmlns:ma14="http://schemas.microsoft.com/office/mac/drawingml/2011/main" xmlns:a14="http://schemas.microsoft.com/office/drawing/2010/main" xmlns:m="http://schemas.openxmlformats.org/officeDocument/2006/math" xmlns="" val="1"/>
+              <ma14:wrappingTextBoxFlag xmlns="" xmlns:m="http://schemas.openxmlformats.org/officeDocument/2006/math" xmlns:a14="http://schemas.microsoft.com/office/drawing/2010/main" xmlns:ma14="http://schemas.microsoft.com/office/mac/drawingml/2011/main" val="1"/>
             </a:ext>
           </a:extLst>
         </p:spPr>
@@ -16254,7 +16459,7 @@
           </a:ln>
           <a:extLst>
             <a:ext uri="{C572A759-6A51-4108-AA02-DFA0A04FC94B}">
-              <ma14:wrappingTextBoxFlag xmlns:ma14="http://schemas.microsoft.com/office/mac/drawingml/2011/main" xmlns:a14="http://schemas.microsoft.com/office/drawing/2010/main" xmlns:m="http://schemas.openxmlformats.org/officeDocument/2006/math" xmlns="" val="1"/>
+              <ma14:wrappingTextBoxFlag xmlns="" xmlns:m="http://schemas.openxmlformats.org/officeDocument/2006/math" xmlns:a14="http://schemas.microsoft.com/office/drawing/2010/main" xmlns:ma14="http://schemas.microsoft.com/office/mac/drawingml/2011/main" val="1"/>
             </a:ext>
           </a:extLst>
         </p:spPr>
@@ -16325,7 +16530,7 @@
           </a:ln>
           <a:extLst>
             <a:ext uri="{C572A759-6A51-4108-AA02-DFA0A04FC94B}">
-              <ma14:wrappingTextBoxFlag xmlns:ma14="http://schemas.microsoft.com/office/mac/drawingml/2011/main" xmlns:a14="http://schemas.microsoft.com/office/drawing/2010/main" xmlns:m="http://schemas.openxmlformats.org/officeDocument/2006/math" xmlns="" val="1"/>
+              <ma14:wrappingTextBoxFlag xmlns="" xmlns:m="http://schemas.openxmlformats.org/officeDocument/2006/math" xmlns:a14="http://schemas.microsoft.com/office/drawing/2010/main" xmlns:ma14="http://schemas.microsoft.com/office/mac/drawingml/2011/main" val="1"/>
             </a:ext>
           </a:extLst>
         </p:spPr>
@@ -16541,7 +16746,7 @@
           </a:ln>
           <a:extLst>
             <a:ext uri="{C572A759-6A51-4108-AA02-DFA0A04FC94B}">
-              <ma14:wrappingTextBoxFlag xmlns:ma14="http://schemas.microsoft.com/office/mac/drawingml/2011/main" xmlns:a14="http://schemas.microsoft.com/office/drawing/2010/main" xmlns:m="http://schemas.openxmlformats.org/officeDocument/2006/math" xmlns="" val="1"/>
+              <ma14:wrappingTextBoxFlag xmlns="" xmlns:m="http://schemas.openxmlformats.org/officeDocument/2006/math" xmlns:a14="http://schemas.microsoft.com/office/drawing/2010/main" xmlns:ma14="http://schemas.microsoft.com/office/mac/drawingml/2011/main" val="1"/>
             </a:ext>
           </a:extLst>
         </p:spPr>
@@ -16603,7 +16808,7 @@
           </a:ln>
           <a:extLst>
             <a:ext uri="{C572A759-6A51-4108-AA02-DFA0A04FC94B}">
-              <ma14:wrappingTextBoxFlag xmlns:ma14="http://schemas.microsoft.com/office/mac/drawingml/2011/main" xmlns:a14="http://schemas.microsoft.com/office/drawing/2010/main" xmlns:m="http://schemas.openxmlformats.org/officeDocument/2006/math" xmlns="" val="1"/>
+              <ma14:wrappingTextBoxFlag xmlns="" xmlns:m="http://schemas.openxmlformats.org/officeDocument/2006/math" xmlns:a14="http://schemas.microsoft.com/office/drawing/2010/main" xmlns:ma14="http://schemas.microsoft.com/office/mac/drawingml/2011/main" val="1"/>
             </a:ext>
           </a:extLst>
         </p:spPr>
@@ -16639,7 +16844,7 @@
           </a:ln>
           <a:extLst>
             <a:ext uri="{C572A759-6A51-4108-AA02-DFA0A04FC94B}">
-              <ma14:wrappingTextBoxFlag xmlns:ma14="http://schemas.microsoft.com/office/mac/drawingml/2011/main" xmlns:a14="http://schemas.microsoft.com/office/drawing/2010/main" xmlns:m="http://schemas.openxmlformats.org/officeDocument/2006/math" xmlns="" val="1"/>
+              <ma14:wrappingTextBoxFlag xmlns="" xmlns:m="http://schemas.openxmlformats.org/officeDocument/2006/math" xmlns:a14="http://schemas.microsoft.com/office/drawing/2010/main" xmlns:ma14="http://schemas.microsoft.com/office/mac/drawingml/2011/main" val="1"/>
             </a:ext>
           </a:extLst>
         </p:spPr>
@@ -16675,7 +16880,7 @@
           </a:ln>
           <a:extLst>
             <a:ext uri="{C572A759-6A51-4108-AA02-DFA0A04FC94B}">
-              <ma14:wrappingTextBoxFlag xmlns:ma14="http://schemas.microsoft.com/office/mac/drawingml/2011/main" xmlns:a14="http://schemas.microsoft.com/office/drawing/2010/main" xmlns:m="http://schemas.openxmlformats.org/officeDocument/2006/math" xmlns="" val="1"/>
+              <ma14:wrappingTextBoxFlag xmlns="" xmlns:m="http://schemas.openxmlformats.org/officeDocument/2006/math" xmlns:a14="http://schemas.microsoft.com/office/drawing/2010/main" xmlns:ma14="http://schemas.microsoft.com/office/mac/drawingml/2011/main" val="1"/>
             </a:ext>
           </a:extLst>
         </p:spPr>
@@ -16803,9 +17008,7 @@
             <p:nvPr/>
           </p:nvPicPr>
           <p:blipFill>
-            <a:blip r:embed="rId10">
-              <a:extLst/>
-            </a:blip>
+            <a:blip r:embed="rId10"/>
             <a:stretch>
               <a:fillRect/>
             </a:stretch>
@@ -17165,9 +17368,7 @@
               <p:nvPr/>
             </p:nvPicPr>
             <p:blipFill>
-              <a:blip r:embed="rId10">
-                <a:extLst/>
-              </a:blip>
+              <a:blip r:embed="rId10"/>
               <a:stretch>
                 <a:fillRect/>
               </a:stretch>
@@ -17247,9 +17448,7 @@
               <p:nvPr/>
             </p:nvPicPr>
             <p:blipFill>
-              <a:blip r:embed="rId10">
-                <a:extLst/>
-              </a:blip>
+              <a:blip r:embed="rId10"/>
               <a:srcRect l="50670" t="5520" r="2092" b="17626"/>
               <a:stretch>
                 <a:fillRect/>
@@ -17327,9 +17526,7 @@
               <p:nvPr/>
             </p:nvPicPr>
             <p:blipFill>
-              <a:blip r:embed="rId10">
-                <a:extLst/>
-              </a:blip>
+              <a:blip r:embed="rId10"/>
               <a:srcRect l="73554" t="25553" r="2092" b="55133"/>
               <a:stretch>
                 <a:fillRect/>
@@ -17407,9 +17604,7 @@
               <p:nvPr/>
             </p:nvPicPr>
             <p:blipFill>
-              <a:blip r:embed="rId10">
-                <a:extLst/>
-              </a:blip>
+              <a:blip r:embed="rId10"/>
               <a:srcRect l="73554" t="34350" r="2092" b="60546"/>
               <a:stretch>
                 <a:fillRect/>
@@ -17468,7 +17663,7 @@
             <a:effectLst/>
             <a:extLst>
               <a:ext uri="{C572A759-6A51-4108-AA02-DFA0A04FC94B}">
-                <ma14:wrappingTextBoxFlag xmlns:ma14="http://schemas.microsoft.com/office/mac/drawingml/2011/main" xmlns:a14="http://schemas.microsoft.com/office/drawing/2010/main" xmlns:m="http://schemas.openxmlformats.org/officeDocument/2006/math" xmlns="" val="1"/>
+                <ma14:wrappingTextBoxFlag xmlns="" xmlns:m="http://schemas.openxmlformats.org/officeDocument/2006/math" xmlns:a14="http://schemas.microsoft.com/office/drawing/2010/main" xmlns:ma14="http://schemas.microsoft.com/office/mac/drawingml/2011/main" val="1"/>
               </a:ext>
             </a:extLst>
           </p:spPr>
@@ -17550,9 +17745,7 @@
               <p:nvPr/>
             </p:nvPicPr>
             <p:blipFill>
-              <a:blip r:embed="rId11">
-                <a:extLst/>
-              </a:blip>
+              <a:blip r:embed="rId11"/>
               <a:stretch>
                 <a:fillRect/>
               </a:stretch>
@@ -17739,9 +17932,7 @@
               <p:nvPr/>
             </p:nvPicPr>
             <p:blipFill>
-              <a:blip r:embed="rId11">
-                <a:extLst/>
-              </a:blip>
+              <a:blip r:embed="rId11"/>
               <a:stretch>
                 <a:fillRect/>
               </a:stretch>
@@ -17906,9 +18097,7 @@
           <p:nvPr/>
         </p:nvPicPr>
         <p:blipFill>
-          <a:blip r:embed="rId12">
-            <a:extLst/>
-          </a:blip>
+          <a:blip r:embed="rId12"/>
           <a:stretch>
             <a:fillRect/>
           </a:stretch>
@@ -17935,9 +18124,7 @@
           <p:nvPr/>
         </p:nvPicPr>
         <p:blipFill>
-          <a:blip r:embed="rId13">
-            <a:extLst/>
-          </a:blip>
+          <a:blip r:embed="rId13"/>
           <a:stretch>
             <a:fillRect/>
           </a:stretch>
@@ -17964,9 +18151,7 @@
           <p:nvPr/>
         </p:nvPicPr>
         <p:blipFill>
-          <a:blip r:embed="rId14">
-            <a:extLst/>
-          </a:blip>
+          <a:blip r:embed="rId14"/>
           <a:stretch>
             <a:fillRect/>
           </a:stretch>
@@ -17993,9 +18178,7 @@
           <p:nvPr/>
         </p:nvPicPr>
         <p:blipFill>
-          <a:blip r:embed="rId15">
-            <a:extLst/>
-          </a:blip>
+          <a:blip r:embed="rId15"/>
           <a:stretch>
             <a:fillRect/>
           </a:stretch>
@@ -18022,9 +18205,7 @@
           <p:nvPr/>
         </p:nvPicPr>
         <p:blipFill>
-          <a:blip r:embed="rId12">
-            <a:extLst/>
-          </a:blip>
+          <a:blip r:embed="rId12"/>
           <a:stretch>
             <a:fillRect/>
           </a:stretch>
@@ -18082,9 +18263,7 @@
           <p:nvPr/>
         </p:nvPicPr>
         <p:blipFill>
-          <a:blip r:embed="rId2">
-            <a:extLst/>
-          </a:blip>
+          <a:blip r:embed="rId2"/>
           <a:stretch>
             <a:fillRect/>
           </a:stretch>
@@ -18919,9 +19098,7 @@
             <p:nvPr/>
           </p:nvPicPr>
           <p:blipFill>
-            <a:blip r:embed="rId2">
-              <a:extLst/>
-            </a:blip>
+            <a:blip r:embed="rId2"/>
             <a:stretch>
               <a:fillRect/>
             </a:stretch>
@@ -19008,7 +19185,7 @@
           </a:ln>
           <a:extLst>
             <a:ext uri="{C572A759-6A51-4108-AA02-DFA0A04FC94B}">
-              <ma14:wrappingTextBoxFlag xmlns:ma14="http://schemas.microsoft.com/office/mac/drawingml/2011/main" xmlns:a14="http://schemas.microsoft.com/office/drawing/2010/main" xmlns:m="http://schemas.openxmlformats.org/officeDocument/2006/math" xmlns="" val="1"/>
+              <ma14:wrappingTextBoxFlag xmlns="" xmlns:m="http://schemas.openxmlformats.org/officeDocument/2006/math" xmlns:a14="http://schemas.microsoft.com/office/drawing/2010/main" xmlns:ma14="http://schemas.microsoft.com/office/mac/drawingml/2011/main" val="1"/>
             </a:ext>
           </a:extLst>
         </p:spPr>
@@ -19768,7 +19945,7 @@
           </a:ln>
           <a:extLst>
             <a:ext uri="{C572A759-6A51-4108-AA02-DFA0A04FC94B}">
-              <ma14:wrappingTextBoxFlag xmlns:ma14="http://schemas.microsoft.com/office/mac/drawingml/2011/main" xmlns:a14="http://schemas.microsoft.com/office/drawing/2010/main" xmlns:m="http://schemas.openxmlformats.org/officeDocument/2006/math" xmlns="" val="1"/>
+              <ma14:wrappingTextBoxFlag xmlns="" xmlns:m="http://schemas.openxmlformats.org/officeDocument/2006/math" xmlns:a14="http://schemas.microsoft.com/office/drawing/2010/main" xmlns:ma14="http://schemas.microsoft.com/office/mac/drawingml/2011/main" val="1"/>
             </a:ext>
           </a:extLst>
         </p:spPr>
@@ -19816,7 +19993,7 @@
           </a:ln>
           <a:extLst>
             <a:ext uri="{C572A759-6A51-4108-AA02-DFA0A04FC94B}">
-              <ma14:wrappingTextBoxFlag xmlns:ma14="http://schemas.microsoft.com/office/mac/drawingml/2011/main" xmlns:a14="http://schemas.microsoft.com/office/drawing/2010/main" xmlns:m="http://schemas.openxmlformats.org/officeDocument/2006/math" xmlns="" val="1"/>
+              <ma14:wrappingTextBoxFlag xmlns="" xmlns:m="http://schemas.openxmlformats.org/officeDocument/2006/math" xmlns:a14="http://schemas.microsoft.com/office/drawing/2010/main" xmlns:ma14="http://schemas.microsoft.com/office/mac/drawingml/2011/main" val="1"/>
             </a:ext>
           </a:extLst>
         </p:spPr>
@@ -19886,7 +20063,7 @@
           </a:ln>
           <a:extLst>
             <a:ext uri="{C572A759-6A51-4108-AA02-DFA0A04FC94B}">
-              <ma14:wrappingTextBoxFlag xmlns:ma14="http://schemas.microsoft.com/office/mac/drawingml/2011/main" xmlns:a14="http://schemas.microsoft.com/office/drawing/2010/main" xmlns:m="http://schemas.openxmlformats.org/officeDocument/2006/math" xmlns="" val="1"/>
+              <ma14:wrappingTextBoxFlag xmlns="" xmlns:m="http://schemas.openxmlformats.org/officeDocument/2006/math" xmlns:a14="http://schemas.microsoft.com/office/drawing/2010/main" xmlns:ma14="http://schemas.microsoft.com/office/mac/drawingml/2011/main" val="1"/>
             </a:ext>
           </a:extLst>
         </p:spPr>
@@ -19941,7 +20118,7 @@
           </a:ln>
           <a:extLst>
             <a:ext uri="{C572A759-6A51-4108-AA02-DFA0A04FC94B}">
-              <ma14:wrappingTextBoxFlag xmlns:ma14="http://schemas.microsoft.com/office/mac/drawingml/2011/main" xmlns:a14="http://schemas.microsoft.com/office/drawing/2010/main" xmlns:m="http://schemas.openxmlformats.org/officeDocument/2006/math" xmlns="" val="1"/>
+              <ma14:wrappingTextBoxFlag xmlns="" xmlns:m="http://schemas.openxmlformats.org/officeDocument/2006/math" xmlns:a14="http://schemas.microsoft.com/office/drawing/2010/main" xmlns:ma14="http://schemas.microsoft.com/office/mac/drawingml/2011/main" val="1"/>
             </a:ext>
           </a:extLst>
         </p:spPr>
@@ -20023,7 +20200,7 @@
           </a:ln>
           <a:extLst>
             <a:ext uri="{C572A759-6A51-4108-AA02-DFA0A04FC94B}">
-              <ma14:wrappingTextBoxFlag xmlns:ma14="http://schemas.microsoft.com/office/mac/drawingml/2011/main" xmlns:a14="http://schemas.microsoft.com/office/drawing/2010/main" xmlns:m="http://schemas.openxmlformats.org/officeDocument/2006/math" xmlns="" val="1"/>
+              <ma14:wrappingTextBoxFlag xmlns="" xmlns:m="http://schemas.openxmlformats.org/officeDocument/2006/math" xmlns:a14="http://schemas.microsoft.com/office/drawing/2010/main" xmlns:ma14="http://schemas.microsoft.com/office/mac/drawingml/2011/main" val="1"/>
             </a:ext>
           </a:extLst>
         </p:spPr>
@@ -20082,7 +20259,7 @@
           </a:ln>
           <a:extLst>
             <a:ext uri="{C572A759-6A51-4108-AA02-DFA0A04FC94B}">
-              <ma14:wrappingTextBoxFlag xmlns:ma14="http://schemas.microsoft.com/office/mac/drawingml/2011/main" xmlns:a14="http://schemas.microsoft.com/office/drawing/2010/main" xmlns:m="http://schemas.openxmlformats.org/officeDocument/2006/math" xmlns="" val="1"/>
+              <ma14:wrappingTextBoxFlag xmlns="" xmlns:m="http://schemas.openxmlformats.org/officeDocument/2006/math" xmlns:a14="http://schemas.microsoft.com/office/drawing/2010/main" xmlns:ma14="http://schemas.microsoft.com/office/mac/drawingml/2011/main" val="1"/>
             </a:ext>
           </a:extLst>
         </p:spPr>
@@ -20190,7 +20367,7 @@
           </a:ln>
           <a:extLst>
             <a:ext uri="{C572A759-6A51-4108-AA02-DFA0A04FC94B}">
-              <ma14:wrappingTextBoxFlag xmlns:ma14="http://schemas.microsoft.com/office/mac/drawingml/2011/main" xmlns:a14="http://schemas.microsoft.com/office/drawing/2010/main" xmlns:m="http://schemas.openxmlformats.org/officeDocument/2006/math" xmlns="" val="1"/>
+              <ma14:wrappingTextBoxFlag xmlns="" xmlns:m="http://schemas.openxmlformats.org/officeDocument/2006/math" xmlns:a14="http://schemas.microsoft.com/office/drawing/2010/main" xmlns:ma14="http://schemas.microsoft.com/office/mac/drawingml/2011/main" val="1"/>
             </a:ext>
           </a:extLst>
         </p:spPr>
@@ -20255,7 +20432,7 @@
             <a:effectLst/>
             <a:extLst>
               <a:ext uri="{C572A759-6A51-4108-AA02-DFA0A04FC94B}">
-                <ma14:wrappingTextBoxFlag xmlns:ma14="http://schemas.microsoft.com/office/mac/drawingml/2011/main" xmlns:a14="http://schemas.microsoft.com/office/drawing/2010/main" xmlns:m="http://schemas.openxmlformats.org/officeDocument/2006/math" xmlns="" val="1"/>
+                <ma14:wrappingTextBoxFlag xmlns="" xmlns:m="http://schemas.openxmlformats.org/officeDocument/2006/math" xmlns:a14="http://schemas.microsoft.com/office/drawing/2010/main" xmlns:ma14="http://schemas.microsoft.com/office/mac/drawingml/2011/main" val="1"/>
               </a:ext>
             </a:extLst>
           </p:spPr>
@@ -20387,9 +20564,7 @@
             <p:nvPr/>
           </p:nvPicPr>
           <p:blipFill>
-            <a:blip r:embed="rId6">
-              <a:extLst/>
-            </a:blip>
+            <a:blip r:embed="rId6"/>
             <a:stretch>
               <a:fillRect/>
             </a:stretch>
@@ -20431,7 +20606,7 @@
             <a:effectLst/>
             <a:extLst>
               <a:ext uri="{C572A759-6A51-4108-AA02-DFA0A04FC94B}">
-                <ma14:wrappingTextBoxFlag xmlns:ma14="http://schemas.microsoft.com/office/mac/drawingml/2011/main" xmlns:a14="http://schemas.microsoft.com/office/drawing/2010/main" xmlns:m="http://schemas.openxmlformats.org/officeDocument/2006/math" xmlns="" val="1"/>
+                <ma14:wrappingTextBoxFlag xmlns="" xmlns:m="http://schemas.openxmlformats.org/officeDocument/2006/math" xmlns:a14="http://schemas.microsoft.com/office/drawing/2010/main" xmlns:ma14="http://schemas.microsoft.com/office/mac/drawingml/2011/main" val="1"/>
               </a:ext>
             </a:extLst>
           </p:spPr>
@@ -20522,7 +20697,7 @@
           </a:ln>
           <a:extLst>
             <a:ext uri="{C572A759-6A51-4108-AA02-DFA0A04FC94B}">
-              <ma14:wrappingTextBoxFlag xmlns:ma14="http://schemas.microsoft.com/office/mac/drawingml/2011/main" xmlns:a14="http://schemas.microsoft.com/office/drawing/2010/main" xmlns:m="http://schemas.openxmlformats.org/officeDocument/2006/math" xmlns="" val="1"/>
+              <ma14:wrappingTextBoxFlag xmlns="" xmlns:m="http://schemas.openxmlformats.org/officeDocument/2006/math" xmlns:a14="http://schemas.microsoft.com/office/drawing/2010/main" xmlns:ma14="http://schemas.microsoft.com/office/mac/drawingml/2011/main" val="1"/>
             </a:ext>
           </a:extLst>
         </p:spPr>
@@ -20582,7 +20757,7 @@
           </a:ln>
           <a:extLst>
             <a:ext uri="{C572A759-6A51-4108-AA02-DFA0A04FC94B}">
-              <ma14:wrappingTextBoxFlag xmlns:ma14="http://schemas.microsoft.com/office/mac/drawingml/2011/main" xmlns:a14="http://schemas.microsoft.com/office/drawing/2010/main" xmlns:m="http://schemas.openxmlformats.org/officeDocument/2006/math" xmlns="" val="1"/>
+              <ma14:wrappingTextBoxFlag xmlns="" xmlns:m="http://schemas.openxmlformats.org/officeDocument/2006/math" xmlns:a14="http://schemas.microsoft.com/office/drawing/2010/main" xmlns:ma14="http://schemas.microsoft.com/office/mac/drawingml/2011/main" val="1"/>
             </a:ext>
           </a:extLst>
         </p:spPr>
@@ -20642,7 +20817,7 @@
           </a:ln>
           <a:extLst>
             <a:ext uri="{C572A759-6A51-4108-AA02-DFA0A04FC94B}">
-              <ma14:wrappingTextBoxFlag xmlns:ma14="http://schemas.microsoft.com/office/mac/drawingml/2011/main" xmlns:a14="http://schemas.microsoft.com/office/drawing/2010/main" xmlns:m="http://schemas.openxmlformats.org/officeDocument/2006/math" xmlns="" val="1"/>
+              <ma14:wrappingTextBoxFlag xmlns="" xmlns:m="http://schemas.openxmlformats.org/officeDocument/2006/math" xmlns:a14="http://schemas.microsoft.com/office/drawing/2010/main" xmlns:ma14="http://schemas.microsoft.com/office/mac/drawingml/2011/main" val="1"/>
             </a:ext>
           </a:extLst>
         </p:spPr>
@@ -20702,7 +20877,7 @@
           </a:ln>
           <a:extLst>
             <a:ext uri="{C572A759-6A51-4108-AA02-DFA0A04FC94B}">
-              <ma14:wrappingTextBoxFlag xmlns:ma14="http://schemas.microsoft.com/office/mac/drawingml/2011/main" xmlns:a14="http://schemas.microsoft.com/office/drawing/2010/main" xmlns:m="http://schemas.openxmlformats.org/officeDocument/2006/math" xmlns="" val="1"/>
+              <ma14:wrappingTextBoxFlag xmlns="" xmlns:m="http://schemas.openxmlformats.org/officeDocument/2006/math" xmlns:a14="http://schemas.microsoft.com/office/drawing/2010/main" xmlns:ma14="http://schemas.microsoft.com/office/mac/drawingml/2011/main" val="1"/>
             </a:ext>
           </a:extLst>
         </p:spPr>
@@ -20762,7 +20937,7 @@
           </a:ln>
           <a:extLst>
             <a:ext uri="{C572A759-6A51-4108-AA02-DFA0A04FC94B}">
-              <ma14:wrappingTextBoxFlag xmlns:ma14="http://schemas.microsoft.com/office/mac/drawingml/2011/main" xmlns:a14="http://schemas.microsoft.com/office/drawing/2010/main" xmlns:m="http://schemas.openxmlformats.org/officeDocument/2006/math" xmlns="" val="1"/>
+              <ma14:wrappingTextBoxFlag xmlns="" xmlns:m="http://schemas.openxmlformats.org/officeDocument/2006/math" xmlns:a14="http://schemas.microsoft.com/office/drawing/2010/main" xmlns:ma14="http://schemas.microsoft.com/office/mac/drawingml/2011/main" val="1"/>
             </a:ext>
           </a:extLst>
         </p:spPr>
@@ -20884,7 +21059,7 @@
           </a:ln>
           <a:extLst>
             <a:ext uri="{C572A759-6A51-4108-AA02-DFA0A04FC94B}">
-              <ma14:wrappingTextBoxFlag xmlns:ma14="http://schemas.microsoft.com/office/mac/drawingml/2011/main" xmlns:a14="http://schemas.microsoft.com/office/drawing/2010/main" xmlns:m="http://schemas.openxmlformats.org/officeDocument/2006/math" xmlns="" val="1"/>
+              <ma14:wrappingTextBoxFlag xmlns="" xmlns:m="http://schemas.openxmlformats.org/officeDocument/2006/math" xmlns:a14="http://schemas.microsoft.com/office/drawing/2010/main" xmlns:ma14="http://schemas.microsoft.com/office/mac/drawingml/2011/main" val="1"/>
             </a:ext>
           </a:extLst>
         </p:spPr>
@@ -20961,7 +21136,7 @@
           </a:ln>
           <a:extLst>
             <a:ext uri="{C572A759-6A51-4108-AA02-DFA0A04FC94B}">
-              <ma14:wrappingTextBoxFlag xmlns:ma14="http://schemas.microsoft.com/office/mac/drawingml/2011/main" xmlns:a14="http://schemas.microsoft.com/office/drawing/2010/main" xmlns:m="http://schemas.openxmlformats.org/officeDocument/2006/math" xmlns="" val="1"/>
+              <ma14:wrappingTextBoxFlag xmlns="" xmlns:m="http://schemas.openxmlformats.org/officeDocument/2006/math" xmlns:a14="http://schemas.microsoft.com/office/drawing/2010/main" xmlns:ma14="http://schemas.microsoft.com/office/mac/drawingml/2011/main" val="1"/>
             </a:ext>
           </a:extLst>
         </p:spPr>
@@ -21038,7 +21213,7 @@
           </a:ln>
           <a:extLst>
             <a:ext uri="{C572A759-6A51-4108-AA02-DFA0A04FC94B}">
-              <ma14:wrappingTextBoxFlag xmlns:ma14="http://schemas.microsoft.com/office/mac/drawingml/2011/main" xmlns:a14="http://schemas.microsoft.com/office/drawing/2010/main" xmlns:m="http://schemas.openxmlformats.org/officeDocument/2006/math" xmlns="" val="1"/>
+              <ma14:wrappingTextBoxFlag xmlns="" xmlns:m="http://schemas.openxmlformats.org/officeDocument/2006/math" xmlns:a14="http://schemas.microsoft.com/office/drawing/2010/main" xmlns:ma14="http://schemas.microsoft.com/office/mac/drawingml/2011/main" val="1"/>
             </a:ext>
           </a:extLst>
         </p:spPr>
@@ -21281,7 +21456,7 @@
             <a:effectLst/>
             <a:extLst>
               <a:ext uri="{C572A759-6A51-4108-AA02-DFA0A04FC94B}">
-                <ma14:wrappingTextBoxFlag xmlns:ma14="http://schemas.microsoft.com/office/mac/drawingml/2011/main" xmlns:a14="http://schemas.microsoft.com/office/drawing/2010/main" xmlns:m="http://schemas.openxmlformats.org/officeDocument/2006/math" xmlns="" val="1"/>
+                <ma14:wrappingTextBoxFlag xmlns="" xmlns:m="http://schemas.openxmlformats.org/officeDocument/2006/math" xmlns:a14="http://schemas.microsoft.com/office/drawing/2010/main" xmlns:ma14="http://schemas.microsoft.com/office/mac/drawingml/2011/main" val="1"/>
               </a:ext>
             </a:extLst>
           </p:spPr>
@@ -21452,7 +21627,7 @@
             <a:effectLst/>
             <a:extLst>
               <a:ext uri="{C572A759-6A51-4108-AA02-DFA0A04FC94B}">
-                <ma14:wrappingTextBoxFlag xmlns:ma14="http://schemas.microsoft.com/office/mac/drawingml/2011/main" xmlns:a14="http://schemas.microsoft.com/office/drawing/2010/main" xmlns:m="http://schemas.openxmlformats.org/officeDocument/2006/math" xmlns="" val="1"/>
+                <ma14:wrappingTextBoxFlag xmlns="" xmlns:m="http://schemas.openxmlformats.org/officeDocument/2006/math" xmlns:a14="http://schemas.microsoft.com/office/drawing/2010/main" xmlns:ma14="http://schemas.microsoft.com/office/mac/drawingml/2011/main" val="1"/>
               </a:ext>
             </a:extLst>
           </p:spPr>
@@ -21566,7 +21741,7 @@
             <a:effectLst/>
             <a:extLst>
               <a:ext uri="{C572A759-6A51-4108-AA02-DFA0A04FC94B}">
-                <ma14:wrappingTextBoxFlag xmlns:ma14="http://schemas.microsoft.com/office/mac/drawingml/2011/main" xmlns:a14="http://schemas.microsoft.com/office/drawing/2010/main" xmlns:m="http://schemas.openxmlformats.org/officeDocument/2006/math" xmlns="" val="1"/>
+                <ma14:wrappingTextBoxFlag xmlns="" xmlns:m="http://schemas.openxmlformats.org/officeDocument/2006/math" xmlns:a14="http://schemas.microsoft.com/office/drawing/2010/main" xmlns:ma14="http://schemas.microsoft.com/office/mac/drawingml/2011/main" val="1"/>
               </a:ext>
             </a:extLst>
           </p:spPr>
@@ -21632,7 +21807,7 @@
             <a:effectLst/>
             <a:extLst>
               <a:ext uri="{C572A759-6A51-4108-AA02-DFA0A04FC94B}">
-                <ma14:wrappingTextBoxFlag xmlns:ma14="http://schemas.microsoft.com/office/mac/drawingml/2011/main" xmlns:a14="http://schemas.microsoft.com/office/drawing/2010/main" xmlns:m="http://schemas.openxmlformats.org/officeDocument/2006/math" xmlns="" val="1"/>
+                <ma14:wrappingTextBoxFlag xmlns="" xmlns:m="http://schemas.openxmlformats.org/officeDocument/2006/math" xmlns:a14="http://schemas.microsoft.com/office/drawing/2010/main" xmlns:ma14="http://schemas.microsoft.com/office/mac/drawingml/2011/main" val="1"/>
               </a:ext>
             </a:extLst>
           </p:spPr>
@@ -21728,7 +21903,7 @@
           </a:ln>
           <a:extLst>
             <a:ext uri="{C572A759-6A51-4108-AA02-DFA0A04FC94B}">
-              <ma14:wrappingTextBoxFlag xmlns:ma14="http://schemas.microsoft.com/office/mac/drawingml/2011/main" xmlns:a14="http://schemas.microsoft.com/office/drawing/2010/main" xmlns:m="http://schemas.openxmlformats.org/officeDocument/2006/math" xmlns="" val="1"/>
+              <ma14:wrappingTextBoxFlag xmlns="" xmlns:m="http://schemas.openxmlformats.org/officeDocument/2006/math" xmlns:a14="http://schemas.microsoft.com/office/drawing/2010/main" xmlns:ma14="http://schemas.microsoft.com/office/mac/drawingml/2011/main" val="1"/>
             </a:ext>
           </a:extLst>
         </p:spPr>
@@ -21928,7 +22103,7 @@
           </a:ln>
           <a:extLst>
             <a:ext uri="{C572A759-6A51-4108-AA02-DFA0A04FC94B}">
-              <ma14:wrappingTextBoxFlag xmlns:ma14="http://schemas.microsoft.com/office/mac/drawingml/2011/main" xmlns:a14="http://schemas.microsoft.com/office/drawing/2010/main" xmlns:m="http://schemas.openxmlformats.org/officeDocument/2006/math" xmlns="" val="1"/>
+              <ma14:wrappingTextBoxFlag xmlns="" xmlns:m="http://schemas.openxmlformats.org/officeDocument/2006/math" xmlns:a14="http://schemas.microsoft.com/office/drawing/2010/main" xmlns:ma14="http://schemas.microsoft.com/office/mac/drawingml/2011/main" val="1"/>
             </a:ext>
           </a:extLst>
         </p:spPr>
@@ -22097,7 +22272,7 @@
           </a:ln>
           <a:extLst>
             <a:ext uri="{C572A759-6A51-4108-AA02-DFA0A04FC94B}">
-              <ma14:wrappingTextBoxFlag xmlns:ma14="http://schemas.microsoft.com/office/mac/drawingml/2011/main" xmlns:a14="http://schemas.microsoft.com/office/drawing/2010/main" xmlns:m="http://schemas.openxmlformats.org/officeDocument/2006/math" xmlns="" val="1"/>
+              <ma14:wrappingTextBoxFlag xmlns="" xmlns:m="http://schemas.openxmlformats.org/officeDocument/2006/math" xmlns:a14="http://schemas.microsoft.com/office/drawing/2010/main" xmlns:ma14="http://schemas.microsoft.com/office/mac/drawingml/2011/main" val="1"/>
             </a:ext>
           </a:extLst>
         </p:spPr>
@@ -22168,7 +22343,7 @@
           </a:ln>
           <a:extLst>
             <a:ext uri="{C572A759-6A51-4108-AA02-DFA0A04FC94B}">
-              <ma14:wrappingTextBoxFlag xmlns:ma14="http://schemas.microsoft.com/office/mac/drawingml/2011/main" xmlns:a14="http://schemas.microsoft.com/office/drawing/2010/main" xmlns:m="http://schemas.openxmlformats.org/officeDocument/2006/math" xmlns="" val="1"/>
+              <ma14:wrappingTextBoxFlag xmlns="" xmlns:m="http://schemas.openxmlformats.org/officeDocument/2006/math" xmlns:a14="http://schemas.microsoft.com/office/drawing/2010/main" xmlns:ma14="http://schemas.microsoft.com/office/mac/drawingml/2011/main" val="1"/>
             </a:ext>
           </a:extLst>
         </p:spPr>
@@ -22384,7 +22559,7 @@
           </a:ln>
           <a:extLst>
             <a:ext uri="{C572A759-6A51-4108-AA02-DFA0A04FC94B}">
-              <ma14:wrappingTextBoxFlag xmlns:ma14="http://schemas.microsoft.com/office/mac/drawingml/2011/main" xmlns:a14="http://schemas.microsoft.com/office/drawing/2010/main" xmlns:m="http://schemas.openxmlformats.org/officeDocument/2006/math" xmlns="" val="1"/>
+              <ma14:wrappingTextBoxFlag xmlns="" xmlns:m="http://schemas.openxmlformats.org/officeDocument/2006/math" xmlns:a14="http://schemas.microsoft.com/office/drawing/2010/main" xmlns:ma14="http://schemas.microsoft.com/office/mac/drawingml/2011/main" val="1"/>
             </a:ext>
           </a:extLst>
         </p:spPr>
@@ -22446,7 +22621,7 @@
           </a:ln>
           <a:extLst>
             <a:ext uri="{C572A759-6A51-4108-AA02-DFA0A04FC94B}">
-              <ma14:wrappingTextBoxFlag xmlns:ma14="http://schemas.microsoft.com/office/mac/drawingml/2011/main" xmlns:a14="http://schemas.microsoft.com/office/drawing/2010/main" xmlns:m="http://schemas.openxmlformats.org/officeDocument/2006/math" xmlns="" val="1"/>
+              <ma14:wrappingTextBoxFlag xmlns="" xmlns:m="http://schemas.openxmlformats.org/officeDocument/2006/math" xmlns:a14="http://schemas.microsoft.com/office/drawing/2010/main" xmlns:ma14="http://schemas.microsoft.com/office/mac/drawingml/2011/main" val="1"/>
             </a:ext>
           </a:extLst>
         </p:spPr>
@@ -22482,7 +22657,7 @@
           </a:ln>
           <a:extLst>
             <a:ext uri="{C572A759-6A51-4108-AA02-DFA0A04FC94B}">
-              <ma14:wrappingTextBoxFlag xmlns:ma14="http://schemas.microsoft.com/office/mac/drawingml/2011/main" xmlns:a14="http://schemas.microsoft.com/office/drawing/2010/main" xmlns:m="http://schemas.openxmlformats.org/officeDocument/2006/math" xmlns="" val="1"/>
+              <ma14:wrappingTextBoxFlag xmlns="" xmlns:m="http://schemas.openxmlformats.org/officeDocument/2006/math" xmlns:a14="http://schemas.microsoft.com/office/drawing/2010/main" xmlns:ma14="http://schemas.microsoft.com/office/mac/drawingml/2011/main" val="1"/>
             </a:ext>
           </a:extLst>
         </p:spPr>
@@ -22518,7 +22693,7 @@
           </a:ln>
           <a:extLst>
             <a:ext uri="{C572A759-6A51-4108-AA02-DFA0A04FC94B}">
-              <ma14:wrappingTextBoxFlag xmlns:ma14="http://schemas.microsoft.com/office/mac/drawingml/2011/main" xmlns:a14="http://schemas.microsoft.com/office/drawing/2010/main" xmlns:m="http://schemas.openxmlformats.org/officeDocument/2006/math" xmlns="" val="1"/>
+              <ma14:wrappingTextBoxFlag xmlns="" xmlns:m="http://schemas.openxmlformats.org/officeDocument/2006/math" xmlns:a14="http://schemas.microsoft.com/office/drawing/2010/main" xmlns:ma14="http://schemas.microsoft.com/office/mac/drawingml/2011/main" val="1"/>
             </a:ext>
           </a:extLst>
         </p:spPr>
@@ -22554,7 +22729,7 @@
           </a:ln>
           <a:extLst>
             <a:ext uri="{C572A759-6A51-4108-AA02-DFA0A04FC94B}">
-              <ma14:wrappingTextBoxFlag xmlns:ma14="http://schemas.microsoft.com/office/mac/drawingml/2011/main" xmlns:a14="http://schemas.microsoft.com/office/drawing/2010/main" xmlns:m="http://schemas.openxmlformats.org/officeDocument/2006/math" xmlns="" val="1"/>
+              <ma14:wrappingTextBoxFlag xmlns="" xmlns:m="http://schemas.openxmlformats.org/officeDocument/2006/math" xmlns:a14="http://schemas.microsoft.com/office/drawing/2010/main" xmlns:ma14="http://schemas.microsoft.com/office/mac/drawingml/2011/main" val="1"/>
             </a:ext>
           </a:extLst>
         </p:spPr>
@@ -22619,7 +22794,7 @@
           </a:ln>
           <a:extLst>
             <a:ext uri="{C572A759-6A51-4108-AA02-DFA0A04FC94B}">
-              <ma14:wrappingTextBoxFlag xmlns:ma14="http://schemas.microsoft.com/office/mac/drawingml/2011/main" xmlns:a14="http://schemas.microsoft.com/office/drawing/2010/main" xmlns:m="http://schemas.openxmlformats.org/officeDocument/2006/math" xmlns="" val="1"/>
+              <ma14:wrappingTextBoxFlag xmlns="" xmlns:m="http://schemas.openxmlformats.org/officeDocument/2006/math" xmlns:a14="http://schemas.microsoft.com/office/drawing/2010/main" xmlns:ma14="http://schemas.microsoft.com/office/mac/drawingml/2011/main" val="1"/>
             </a:ext>
           </a:extLst>
         </p:spPr>
@@ -23282,7 +23457,7 @@
           </a:ln>
           <a:extLst>
             <a:ext uri="{C572A759-6A51-4108-AA02-DFA0A04FC94B}">
-              <ma14:wrappingTextBoxFlag xmlns:ma14="http://schemas.microsoft.com/office/mac/drawingml/2011/main" xmlns:a14="http://schemas.microsoft.com/office/drawing/2010/main" xmlns:m="http://schemas.openxmlformats.org/officeDocument/2006/math" xmlns="" val="1"/>
+              <ma14:wrappingTextBoxFlag xmlns="" xmlns:m="http://schemas.openxmlformats.org/officeDocument/2006/math" xmlns:a14="http://schemas.microsoft.com/office/drawing/2010/main" xmlns:ma14="http://schemas.microsoft.com/office/mac/drawingml/2011/main" val="1"/>
             </a:ext>
           </a:extLst>
         </p:spPr>
@@ -23318,7 +23493,7 @@
           </a:ln>
           <a:extLst>
             <a:ext uri="{C572A759-6A51-4108-AA02-DFA0A04FC94B}">
-              <ma14:wrappingTextBoxFlag xmlns:ma14="http://schemas.microsoft.com/office/mac/drawingml/2011/main" xmlns:a14="http://schemas.microsoft.com/office/drawing/2010/main" xmlns:m="http://schemas.openxmlformats.org/officeDocument/2006/math" xmlns="" val="1"/>
+              <ma14:wrappingTextBoxFlag xmlns="" xmlns:m="http://schemas.openxmlformats.org/officeDocument/2006/math" xmlns:a14="http://schemas.microsoft.com/office/drawing/2010/main" xmlns:ma14="http://schemas.microsoft.com/office/mac/drawingml/2011/main" val="1"/>
             </a:ext>
           </a:extLst>
         </p:spPr>
@@ -23354,7 +23529,7 @@
           </a:ln>
           <a:extLst>
             <a:ext uri="{C572A759-6A51-4108-AA02-DFA0A04FC94B}">
-              <ma14:wrappingTextBoxFlag xmlns:ma14="http://schemas.microsoft.com/office/mac/drawingml/2011/main" xmlns:a14="http://schemas.microsoft.com/office/drawing/2010/main" xmlns:m="http://schemas.openxmlformats.org/officeDocument/2006/math" xmlns="" val="1"/>
+              <ma14:wrappingTextBoxFlag xmlns="" xmlns:m="http://schemas.openxmlformats.org/officeDocument/2006/math" xmlns:a14="http://schemas.microsoft.com/office/drawing/2010/main" xmlns:ma14="http://schemas.microsoft.com/office/mac/drawingml/2011/main" val="1"/>
             </a:ext>
           </a:extLst>
         </p:spPr>
@@ -23390,7 +23565,7 @@
           </a:ln>
           <a:extLst>
             <a:ext uri="{C572A759-6A51-4108-AA02-DFA0A04FC94B}">
-              <ma14:wrappingTextBoxFlag xmlns:ma14="http://schemas.microsoft.com/office/mac/drawingml/2011/main" xmlns:a14="http://schemas.microsoft.com/office/drawing/2010/main" xmlns:m="http://schemas.openxmlformats.org/officeDocument/2006/math" xmlns="" val="1"/>
+              <ma14:wrappingTextBoxFlag xmlns="" xmlns:m="http://schemas.openxmlformats.org/officeDocument/2006/math" xmlns:a14="http://schemas.microsoft.com/office/drawing/2010/main" xmlns:ma14="http://schemas.microsoft.com/office/mac/drawingml/2011/main" val="1"/>
             </a:ext>
           </a:extLst>
         </p:spPr>
@@ -23426,7 +23601,7 @@
           </a:ln>
           <a:extLst>
             <a:ext uri="{C572A759-6A51-4108-AA02-DFA0A04FC94B}">
-              <ma14:wrappingTextBoxFlag xmlns:ma14="http://schemas.microsoft.com/office/mac/drawingml/2011/main" xmlns:a14="http://schemas.microsoft.com/office/drawing/2010/main" xmlns:m="http://schemas.openxmlformats.org/officeDocument/2006/math" xmlns="" val="1"/>
+              <ma14:wrappingTextBoxFlag xmlns="" xmlns:m="http://schemas.openxmlformats.org/officeDocument/2006/math" xmlns:a14="http://schemas.microsoft.com/office/drawing/2010/main" xmlns:ma14="http://schemas.microsoft.com/office/mac/drawingml/2011/main" val="1"/>
             </a:ext>
           </a:extLst>
         </p:spPr>
@@ -23468,7 +23643,7 @@
           </a:ln>
           <a:extLst>
             <a:ext uri="{C572A759-6A51-4108-AA02-DFA0A04FC94B}">
-              <ma14:wrappingTextBoxFlag xmlns:ma14="http://schemas.microsoft.com/office/mac/drawingml/2011/main" xmlns:a14="http://schemas.microsoft.com/office/drawing/2010/main" xmlns:m="http://schemas.openxmlformats.org/officeDocument/2006/math" xmlns="" val="1"/>
+              <ma14:wrappingTextBoxFlag xmlns="" xmlns:m="http://schemas.openxmlformats.org/officeDocument/2006/math" xmlns:a14="http://schemas.microsoft.com/office/drawing/2010/main" xmlns:ma14="http://schemas.microsoft.com/office/mac/drawingml/2011/main" val="1"/>
             </a:ext>
           </a:extLst>
         </p:spPr>
@@ -23555,7 +23730,7 @@
           </a:ln>
           <a:extLst>
             <a:ext uri="{C572A759-6A51-4108-AA02-DFA0A04FC94B}">
-              <ma14:wrappingTextBoxFlag xmlns:ma14="http://schemas.microsoft.com/office/mac/drawingml/2011/main" xmlns:a14="http://schemas.microsoft.com/office/drawing/2010/main" xmlns:m="http://schemas.openxmlformats.org/officeDocument/2006/math" xmlns="" val="1"/>
+              <ma14:wrappingTextBoxFlag xmlns="" xmlns:m="http://schemas.openxmlformats.org/officeDocument/2006/math" xmlns:a14="http://schemas.microsoft.com/office/drawing/2010/main" xmlns:ma14="http://schemas.microsoft.com/office/mac/drawingml/2011/main" val="1"/>
             </a:ext>
           </a:extLst>
         </p:spPr>
@@ -23641,7 +23816,7 @@
           </a:ln>
           <a:extLst>
             <a:ext uri="{C572A759-6A51-4108-AA02-DFA0A04FC94B}">
-              <ma14:wrappingTextBoxFlag xmlns:ma14="http://schemas.microsoft.com/office/mac/drawingml/2011/main" xmlns:a14="http://schemas.microsoft.com/office/drawing/2010/main" xmlns:m="http://schemas.openxmlformats.org/officeDocument/2006/math" xmlns="" val="1"/>
+              <ma14:wrappingTextBoxFlag xmlns="" xmlns:m="http://schemas.openxmlformats.org/officeDocument/2006/math" xmlns:a14="http://schemas.microsoft.com/office/drawing/2010/main" xmlns:ma14="http://schemas.microsoft.com/office/mac/drawingml/2011/main" val="1"/>
             </a:ext>
           </a:extLst>
         </p:spPr>
@@ -23689,7 +23864,7 @@
           </a:ln>
           <a:extLst>
             <a:ext uri="{C572A759-6A51-4108-AA02-DFA0A04FC94B}">
-              <ma14:wrappingTextBoxFlag xmlns:ma14="http://schemas.microsoft.com/office/mac/drawingml/2011/main" xmlns:a14="http://schemas.microsoft.com/office/drawing/2010/main" xmlns:m="http://schemas.openxmlformats.org/officeDocument/2006/math" xmlns="" val="1"/>
+              <ma14:wrappingTextBoxFlag xmlns="" xmlns:m="http://schemas.openxmlformats.org/officeDocument/2006/math" xmlns:a14="http://schemas.microsoft.com/office/drawing/2010/main" xmlns:ma14="http://schemas.microsoft.com/office/mac/drawingml/2011/main" val="1"/>
             </a:ext>
           </a:extLst>
         </p:spPr>
@@ -23737,7 +23912,7 @@
           </a:ln>
           <a:extLst>
             <a:ext uri="{C572A759-6A51-4108-AA02-DFA0A04FC94B}">
-              <ma14:wrappingTextBoxFlag xmlns:ma14="http://schemas.microsoft.com/office/mac/drawingml/2011/main" xmlns:a14="http://schemas.microsoft.com/office/drawing/2010/main" xmlns:m="http://schemas.openxmlformats.org/officeDocument/2006/math" xmlns="" val="1"/>
+              <ma14:wrappingTextBoxFlag xmlns="" xmlns:m="http://schemas.openxmlformats.org/officeDocument/2006/math" xmlns:a14="http://schemas.microsoft.com/office/drawing/2010/main" xmlns:ma14="http://schemas.microsoft.com/office/mac/drawingml/2011/main" val="1"/>
             </a:ext>
           </a:extLst>
         </p:spPr>
@@ -23829,7 +24004,7 @@
           </a:ln>
           <a:extLst>
             <a:ext uri="{C572A759-6A51-4108-AA02-DFA0A04FC94B}">
-              <ma14:wrappingTextBoxFlag xmlns:ma14="http://schemas.microsoft.com/office/mac/drawingml/2011/main" xmlns:a14="http://schemas.microsoft.com/office/drawing/2010/main" xmlns:m="http://schemas.openxmlformats.org/officeDocument/2006/math" xmlns="" val="1"/>
+              <ma14:wrappingTextBoxFlag xmlns="" xmlns:m="http://schemas.openxmlformats.org/officeDocument/2006/math" xmlns:a14="http://schemas.microsoft.com/office/drawing/2010/main" xmlns:ma14="http://schemas.microsoft.com/office/mac/drawingml/2011/main" val="1"/>
             </a:ext>
           </a:extLst>
         </p:spPr>
@@ -23934,7 +24109,7 @@
           </a:ln>
           <a:extLst>
             <a:ext uri="{C572A759-6A51-4108-AA02-DFA0A04FC94B}">
-              <ma14:wrappingTextBoxFlag xmlns:ma14="http://schemas.microsoft.com/office/mac/drawingml/2011/main" xmlns:a14="http://schemas.microsoft.com/office/drawing/2010/main" xmlns:m="http://schemas.openxmlformats.org/officeDocument/2006/math" xmlns="" val="1"/>
+              <ma14:wrappingTextBoxFlag xmlns="" xmlns:m="http://schemas.openxmlformats.org/officeDocument/2006/math" xmlns:a14="http://schemas.microsoft.com/office/drawing/2010/main" xmlns:ma14="http://schemas.microsoft.com/office/mac/drawingml/2011/main" val="1"/>
             </a:ext>
           </a:extLst>
         </p:spPr>
@@ -24078,7 +24253,7 @@
           </a:ln>
           <a:extLst>
             <a:ext uri="{C572A759-6A51-4108-AA02-DFA0A04FC94B}">
-              <ma14:wrappingTextBoxFlag xmlns:ma14="http://schemas.microsoft.com/office/mac/drawingml/2011/main" xmlns:a14="http://schemas.microsoft.com/office/drawing/2010/main" xmlns:m="http://schemas.openxmlformats.org/officeDocument/2006/math" xmlns="" val="1"/>
+              <ma14:wrappingTextBoxFlag xmlns="" xmlns:m="http://schemas.openxmlformats.org/officeDocument/2006/math" xmlns:a14="http://schemas.microsoft.com/office/drawing/2010/main" xmlns:ma14="http://schemas.microsoft.com/office/mac/drawingml/2011/main" val="1"/>
             </a:ext>
           </a:extLst>
         </p:spPr>
@@ -26395,9 +26570,7 @@
           <p:nvPr/>
         </p:nvPicPr>
         <p:blipFill>
-          <a:blip r:embed="rId10">
-            <a:extLst/>
-          </a:blip>
+          <a:blip r:embed="rId10"/>
           <a:stretch>
             <a:fillRect/>
           </a:stretch>
@@ -26438,9 +26611,7 @@
             <p:nvPr/>
           </p:nvPicPr>
           <p:blipFill>
-            <a:blip r:embed="rId11">
-              <a:extLst/>
-            </a:blip>
+            <a:blip r:embed="rId11"/>
             <a:stretch>
               <a:fillRect/>
             </a:stretch>
@@ -26800,9 +26971,7 @@
               <p:nvPr/>
             </p:nvPicPr>
             <p:blipFill>
-              <a:blip r:embed="rId11">
-                <a:extLst/>
-              </a:blip>
+              <a:blip r:embed="rId11"/>
               <a:stretch>
                 <a:fillRect/>
               </a:stretch>
@@ -26882,9 +27051,7 @@
               <p:nvPr/>
             </p:nvPicPr>
             <p:blipFill>
-              <a:blip r:embed="rId11">
-                <a:extLst/>
-              </a:blip>
+              <a:blip r:embed="rId11"/>
               <a:srcRect l="50670" t="5520" r="2092" b="17626"/>
               <a:stretch>
                 <a:fillRect/>
@@ -26962,9 +27129,7 @@
               <p:nvPr/>
             </p:nvPicPr>
             <p:blipFill>
-              <a:blip r:embed="rId11">
-                <a:extLst/>
-              </a:blip>
+              <a:blip r:embed="rId11"/>
               <a:srcRect l="73554" t="25553" r="2092" b="55133"/>
               <a:stretch>
                 <a:fillRect/>
@@ -27042,9 +27207,7 @@
               <p:nvPr/>
             </p:nvPicPr>
             <p:blipFill>
-              <a:blip r:embed="rId11">
-                <a:extLst/>
-              </a:blip>
+              <a:blip r:embed="rId11"/>
               <a:srcRect l="73554" t="34350" r="2092" b="60546"/>
               <a:stretch>
                 <a:fillRect/>
@@ -27103,7 +27266,7 @@
             <a:effectLst/>
             <a:extLst>
               <a:ext uri="{C572A759-6A51-4108-AA02-DFA0A04FC94B}">
-                <ma14:wrappingTextBoxFlag xmlns:ma14="http://schemas.microsoft.com/office/mac/drawingml/2011/main" xmlns:a14="http://schemas.microsoft.com/office/drawing/2010/main" xmlns:m="http://schemas.openxmlformats.org/officeDocument/2006/math" xmlns="" val="1"/>
+                <ma14:wrappingTextBoxFlag xmlns="" xmlns:m="http://schemas.openxmlformats.org/officeDocument/2006/math" xmlns:a14="http://schemas.microsoft.com/office/drawing/2010/main" xmlns:ma14="http://schemas.microsoft.com/office/mac/drawingml/2011/main" val="1"/>
               </a:ext>
             </a:extLst>
           </p:spPr>
@@ -27185,9 +27348,7 @@
               <p:nvPr/>
             </p:nvPicPr>
             <p:blipFill>
-              <a:blip r:embed="rId10">
-                <a:extLst/>
-              </a:blip>
+              <a:blip r:embed="rId10"/>
               <a:stretch>
                 <a:fillRect/>
               </a:stretch>
@@ -27374,9 +27535,7 @@
               <p:nvPr/>
             </p:nvPicPr>
             <p:blipFill>
-              <a:blip r:embed="rId10">
-                <a:extLst/>
-              </a:blip>
+              <a:blip r:embed="rId10"/>
               <a:stretch>
                 <a:fillRect/>
               </a:stretch>
@@ -28364,9 +28523,7 @@
             <p:nvPr/>
           </p:nvPicPr>
           <p:blipFill>
-            <a:blip r:embed="rId10">
-              <a:extLst/>
-            </a:blip>
+            <a:blip r:embed="rId10"/>
             <a:stretch>
               <a:fillRect/>
             </a:stretch>
@@ -28594,9 +28751,7 @@
             <p:nvPr/>
           </p:nvPicPr>
           <p:blipFill>
-            <a:blip r:embed="rId10">
-              <a:extLst/>
-            </a:blip>
+            <a:blip r:embed="rId10"/>
             <a:stretch>
               <a:fillRect/>
             </a:stretch>
@@ -28774,9 +28929,7 @@
             <p:nvPr/>
           </p:nvPicPr>
           <p:blipFill>
-            <a:blip r:embed="rId10">
-              <a:extLst/>
-            </a:blip>
+            <a:blip r:embed="rId10"/>
             <a:stretch>
               <a:fillRect/>
             </a:stretch>
@@ -28949,9 +29102,7 @@
           <p:nvPr/>
         </p:nvPicPr>
         <p:blipFill>
-          <a:blip r:embed="rId12">
-            <a:extLst/>
-          </a:blip>
+          <a:blip r:embed="rId12"/>
           <a:stretch>
             <a:fillRect/>
           </a:stretch>

--- a/cheatsheet/labelled_cheatsheet.pptx
+++ b/cheatsheet/labelled_cheatsheet.pptx
@@ -5,12 +5,13 @@
     <p:sldMasterId id="2147483648" r:id="rId1"/>
   </p:sldMasterIdLst>
   <p:notesMasterIdLst>
-    <p:notesMasterId r:id="rId5"/>
+    <p:notesMasterId r:id="rId6"/>
   </p:notesMasterIdLst>
   <p:sldIdLst>
     <p:sldId id="256" r:id="rId2"/>
-    <p:sldId id="258" r:id="rId3"/>
-    <p:sldId id="257" r:id="rId4"/>
+    <p:sldId id="259" r:id="rId3"/>
+    <p:sldId id="258" r:id="rId4"/>
+    <p:sldId id="257" r:id="rId5"/>
   </p:sldIdLst>
   <p:sldSz cx="13970000" cy="10795000"/>
   <p:notesSz cx="6797675" cy="9926638"/>
@@ -569,6 +570,72 @@
 </p:notes>
 </file>
 
+<file path=ppt/notesSlides/notesSlide2.xml><?xml version="1.0" encoding="utf-8"?>
+<p:notes xmlns:a="http://schemas.openxmlformats.org/drawingml/2006/main" xmlns:r="http://schemas.openxmlformats.org/officeDocument/2006/relationships" xmlns:p="http://schemas.openxmlformats.org/presentationml/2006/main">
+  <p:cSld>
+    <p:spTree>
+      <p:nvGrpSpPr>
+        <p:cNvPr id="1" name=""/>
+        <p:cNvGrpSpPr/>
+        <p:nvPr/>
+      </p:nvGrpSpPr>
+      <p:grpSpPr>
+        <a:xfrm>
+          <a:off x="0" y="0"/>
+          <a:ext cx="0" cy="0"/>
+          <a:chOff x="0" y="0"/>
+          <a:chExt cx="0" cy="0"/>
+        </a:xfrm>
+      </p:grpSpPr>
+      <p:sp>
+        <p:nvSpPr>
+          <p:cNvPr id="2" name="Espace réservé de l'image des diapositives 1"/>
+          <p:cNvSpPr>
+            <a:spLocks noGrp="1" noRot="1" noChangeAspect="1"/>
+          </p:cNvSpPr>
+          <p:nvPr>
+            <p:ph type="sldImg"/>
+          </p:nvPr>
+        </p:nvSpPr>
+        <p:spPr>
+          <a:xfrm>
+            <a:off x="990600" y="744538"/>
+            <a:ext cx="4816475" cy="3722687"/>
+          </a:xfrm>
+        </p:spPr>
+      </p:sp>
+      <p:sp>
+        <p:nvSpPr>
+          <p:cNvPr id="3" name="Espace réservé des notes 2"/>
+          <p:cNvSpPr>
+            <a:spLocks noGrp="1"/>
+          </p:cNvSpPr>
+          <p:nvPr>
+            <p:ph type="body" idx="1"/>
+          </p:nvPr>
+        </p:nvSpPr>
+        <p:spPr/>
+        <p:txBody>
+          <a:bodyPr/>
+          <a:lstStyle/>
+          <a:p>
+            <a:endParaRPr lang="fr-FR" dirty="0"/>
+          </a:p>
+        </p:txBody>
+      </p:sp>
+    </p:spTree>
+    <p:extLst>
+      <p:ext uri="{BB962C8B-B14F-4D97-AF65-F5344CB8AC3E}">
+        <p14:creationId xmlns:p14="http://schemas.microsoft.com/office/powerpoint/2010/main" val="1927766322"/>
+      </p:ext>
+    </p:extLst>
+  </p:cSld>
+  <p:clrMapOvr>
+    <a:masterClrMapping/>
+  </p:clrMapOvr>
+</p:notes>
+</file>
+
 <file path=ppt/slideLayouts/slideLayout1.xml><?xml version="1.0" encoding="utf-8"?>
 <p:sldLayout xmlns:a="http://schemas.openxmlformats.org/drawingml/2006/main" xmlns:r="http://schemas.openxmlformats.org/officeDocument/2006/relationships" xmlns:p="http://schemas.openxmlformats.org/presentationml/2006/main" type="title">
   <p:cSld name="Title &amp; Subtitle">
@@ -2334,7 +2401,7 @@
           </a:ln>
           <a:extLst>
             <a:ext uri="{C572A759-6A51-4108-AA02-DFA0A04FC94B}">
-              <ma14:wrappingTextBoxFlag xmlns="" xmlns:m="http://schemas.openxmlformats.org/officeDocument/2006/math" xmlns:a14="http://schemas.microsoft.com/office/drawing/2010/main" xmlns:ma14="http://schemas.microsoft.com/office/mac/drawingml/2011/main" val="1"/>
+              <ma14:wrappingTextBoxFlag xmlns:ma14="http://schemas.microsoft.com/office/mac/drawingml/2011/main" xmlns:a14="http://schemas.microsoft.com/office/drawing/2010/main" xmlns:m="http://schemas.openxmlformats.org/officeDocument/2006/math" xmlns="" val="1"/>
             </a:ext>
           </a:extLst>
         </p:spPr>
@@ -2373,7 +2440,7 @@
           </a:ln>
           <a:extLst>
             <a:ext uri="{C572A759-6A51-4108-AA02-DFA0A04FC94B}">
-              <ma14:wrappingTextBoxFlag xmlns="" xmlns:m="http://schemas.openxmlformats.org/officeDocument/2006/math" xmlns:a14="http://schemas.microsoft.com/office/drawing/2010/main" xmlns:ma14="http://schemas.microsoft.com/office/mac/drawingml/2011/main" val="1"/>
+              <ma14:wrappingTextBoxFlag xmlns:ma14="http://schemas.microsoft.com/office/mac/drawingml/2011/main" xmlns:a14="http://schemas.microsoft.com/office/drawing/2010/main" xmlns:m="http://schemas.openxmlformats.org/officeDocument/2006/math" xmlns="" val="1"/>
             </a:ext>
           </a:extLst>
         </p:spPr>
@@ -4353,7 +4420,7 @@
           </a:ln>
           <a:extLst>
             <a:ext uri="{C572A759-6A51-4108-AA02-DFA0A04FC94B}">
-              <ma14:wrappingTextBoxFlag xmlns="" xmlns:m="http://schemas.openxmlformats.org/officeDocument/2006/math" xmlns:a14="http://schemas.microsoft.com/office/drawing/2010/main" xmlns:ma14="http://schemas.microsoft.com/office/mac/drawingml/2011/main" val="1"/>
+              <ma14:wrappingTextBoxFlag xmlns:ma14="http://schemas.microsoft.com/office/mac/drawingml/2011/main" xmlns:a14="http://schemas.microsoft.com/office/drawing/2010/main" xmlns:m="http://schemas.openxmlformats.org/officeDocument/2006/math" xmlns="" val="1"/>
             </a:ext>
           </a:extLst>
         </p:spPr>
@@ -4389,7 +4456,7 @@
             </a:r>
             <a:r>
               <a:rPr lang="en-US" dirty="0"/>
-              <a:t> •  labelled version  2.4.0 •  Updated: 2020-06</a:t>
+              <a:t> •  labelled version  2.5.0 •  Updated: 2020-06</a:t>
             </a:r>
           </a:p>
         </p:txBody>
@@ -4619,7 +4686,7 @@
           </a:ln>
           <a:extLst>
             <a:ext uri="{C572A759-6A51-4108-AA02-DFA0A04FC94B}">
-              <ma14:wrappingTextBoxFlag xmlns="" xmlns:m="http://schemas.openxmlformats.org/officeDocument/2006/math" xmlns:a14="http://schemas.microsoft.com/office/drawing/2010/main" xmlns:ma14="http://schemas.microsoft.com/office/mac/drawingml/2011/main" val="1"/>
+              <ma14:wrappingTextBoxFlag xmlns:ma14="http://schemas.microsoft.com/office/mac/drawingml/2011/main" xmlns:a14="http://schemas.microsoft.com/office/drawing/2010/main" xmlns:m="http://schemas.openxmlformats.org/officeDocument/2006/math" xmlns="" val="1"/>
             </a:ext>
           </a:extLst>
         </p:spPr>
@@ -4745,7 +4812,7 @@
             <a:effectLst/>
             <a:extLst>
               <a:ext uri="{C572A759-6A51-4108-AA02-DFA0A04FC94B}">
-                <ma14:wrappingTextBoxFlag xmlns="" xmlns:m="http://schemas.openxmlformats.org/officeDocument/2006/math" xmlns:a14="http://schemas.microsoft.com/office/drawing/2010/main" xmlns:ma14="http://schemas.microsoft.com/office/mac/drawingml/2011/main" val="1"/>
+                <ma14:wrappingTextBoxFlag xmlns:ma14="http://schemas.microsoft.com/office/mac/drawingml/2011/main" xmlns:a14="http://schemas.microsoft.com/office/drawing/2010/main" xmlns:m="http://schemas.openxmlformats.org/officeDocument/2006/math" xmlns="" val="1"/>
               </a:ext>
             </a:extLst>
           </p:spPr>
@@ -4942,7 +5009,7 @@
                 <a:cs typeface="Source Sans Pro"/>
                 <a:sym typeface="Source Sans Pro"/>
               </a:rPr>
-              <a:t>Labelled data is a common data structure in other statistical environment such as Stata or SPSS.</a:t>
+              <a:t>Labelled data is a common data structure in other statistical environment such as Stata, SAS or SPSS.</a:t>
             </a:r>
           </a:p>
           <a:p>
@@ -5581,7 +5648,7 @@
             <a:effectLst/>
             <a:extLst>
               <a:ext uri="{C572A759-6A51-4108-AA02-DFA0A04FC94B}">
-                <ma14:wrappingTextBoxFlag xmlns="" xmlns:m="http://schemas.openxmlformats.org/officeDocument/2006/math" xmlns:a14="http://schemas.microsoft.com/office/drawing/2010/main" xmlns:ma14="http://schemas.microsoft.com/office/mac/drawingml/2011/main" val="1"/>
+                <ma14:wrappingTextBoxFlag xmlns:ma14="http://schemas.microsoft.com/office/mac/drawingml/2011/main" xmlns:a14="http://schemas.microsoft.com/office/drawing/2010/main" xmlns:m="http://schemas.openxmlformats.org/officeDocument/2006/math" xmlns="" val="1"/>
               </a:ext>
             </a:extLst>
           </p:spPr>
@@ -5704,7 +5771,7 @@
             <a:effectLst/>
             <a:extLst>
               <a:ext uri="{C572A759-6A51-4108-AA02-DFA0A04FC94B}">
-                <ma14:wrappingTextBoxFlag xmlns="" xmlns:m="http://schemas.openxmlformats.org/officeDocument/2006/math" xmlns:a14="http://schemas.microsoft.com/office/drawing/2010/main" xmlns:ma14="http://schemas.microsoft.com/office/mac/drawingml/2011/main" val="1"/>
+                <ma14:wrappingTextBoxFlag xmlns:ma14="http://schemas.microsoft.com/office/mac/drawingml/2011/main" xmlns:a14="http://schemas.microsoft.com/office/drawing/2010/main" xmlns:m="http://schemas.openxmlformats.org/officeDocument/2006/math" xmlns="" val="1"/>
               </a:ext>
             </a:extLst>
           </p:spPr>
@@ -6276,7 +6343,7 @@
             <a:effectLst/>
             <a:extLst>
               <a:ext uri="{C572A759-6A51-4108-AA02-DFA0A04FC94B}">
-                <ma14:wrappingTextBoxFlag xmlns="" xmlns:m="http://schemas.openxmlformats.org/officeDocument/2006/math" xmlns:a14="http://schemas.microsoft.com/office/drawing/2010/main" xmlns:ma14="http://schemas.microsoft.com/office/mac/drawingml/2011/main" val="1"/>
+                <ma14:wrappingTextBoxFlag xmlns:ma14="http://schemas.microsoft.com/office/mac/drawingml/2011/main" xmlns:a14="http://schemas.microsoft.com/office/drawing/2010/main" xmlns:m="http://schemas.openxmlformats.org/officeDocument/2006/math" xmlns="" val="1"/>
               </a:ext>
             </a:extLst>
           </p:spPr>
@@ -6376,7 +6443,7 @@
         <p:spPr>
           <a:xfrm>
             <a:off x="5374373" y="3147063"/>
-            <a:ext cx="3716807" cy="4829446"/>
+            <a:ext cx="3716807" cy="4357522"/>
           </a:xfrm>
           <a:prstGeom prst="rect">
             <a:avLst/>
@@ -6836,7 +6903,7 @@
                   <a:srgbClr val="000000"/>
                 </a:solidFill>
               </a:rPr>
-              <a:t>nolabel_to_na</a:t>
+              <a:t>drop_unused_value_labels</a:t>
             </a:r>
             <a:r>
               <a:rPr lang="en-GB" b="0" dirty="0">
@@ -6859,48 +6926,7 @@
                   <a:srgbClr val="000000"/>
                 </a:solidFill>
               </a:rPr>
-              <a:t>Values with no label are converted to NA values</a:t>
-            </a:r>
-          </a:p>
-          <a:p>
-            <a:pPr>
-              <a:spcBef>
-                <a:spcPts val="0"/>
-              </a:spcBef>
-              <a:spcAft>
-                <a:spcPts val="800"/>
-              </a:spcAft>
-            </a:pPr>
-            <a:r>
-              <a:rPr lang="en-GB" dirty="0" err="1">
-                <a:solidFill>
-                  <a:srgbClr val="000000"/>
-                </a:solidFill>
-              </a:rPr>
-              <a:t>val_labels_to_na</a:t>
-            </a:r>
-            <a:r>
-              <a:rPr lang="en-GB" b="0" dirty="0">
-                <a:solidFill>
-                  <a:srgbClr val="000000"/>
-                </a:solidFill>
-              </a:rPr>
-              <a:t>(x)</a:t>
-            </a:r>
-            <a:br>
-              <a:rPr lang="en-GB" b="0" dirty="0">
-                <a:solidFill>
-                  <a:srgbClr val="000000"/>
-                </a:solidFill>
-              </a:rPr>
-            </a:br>
-            <a:r>
-              <a:rPr lang="en-GB" b="0" dirty="0">
-                <a:solidFill>
-                  <a:srgbClr val="000000"/>
-                </a:solidFill>
-              </a:rPr>
-              <a:t>Values with a label are converted to NA values</a:t>
+              <a:t>Remove value labels not observed in the data</a:t>
             </a:r>
           </a:p>
         </p:txBody>
@@ -6953,7 +6979,7 @@
             <a:effectLst/>
             <a:extLst>
               <a:ext uri="{C572A759-6A51-4108-AA02-DFA0A04FC94B}">
-                <ma14:wrappingTextBoxFlag xmlns="" xmlns:m="http://schemas.openxmlformats.org/officeDocument/2006/math" xmlns:a14="http://schemas.microsoft.com/office/drawing/2010/main" xmlns:ma14="http://schemas.microsoft.com/office/mac/drawingml/2011/main" val="1"/>
+                <ma14:wrappingTextBoxFlag xmlns:ma14="http://schemas.microsoft.com/office/mac/drawingml/2011/main" xmlns:a14="http://schemas.microsoft.com/office/drawing/2010/main" xmlns:m="http://schemas.openxmlformats.org/officeDocument/2006/math" xmlns="" val="1"/>
               </a:ext>
             </a:extLst>
           </p:spPr>
@@ -7076,7 +7102,7 @@
             <a:effectLst/>
             <a:extLst>
               <a:ext uri="{C572A759-6A51-4108-AA02-DFA0A04FC94B}">
-                <ma14:wrappingTextBoxFlag xmlns="" xmlns:m="http://schemas.openxmlformats.org/officeDocument/2006/math" xmlns:a14="http://schemas.microsoft.com/office/drawing/2010/main" xmlns:ma14="http://schemas.microsoft.com/office/mac/drawingml/2011/main" val="1"/>
+                <ma14:wrappingTextBoxFlag xmlns:ma14="http://schemas.microsoft.com/office/mac/drawingml/2011/main" xmlns:a14="http://schemas.microsoft.com/office/drawing/2010/main" xmlns:m="http://schemas.openxmlformats.org/officeDocument/2006/math" xmlns="" val="1"/>
               </a:ext>
             </a:extLst>
           </p:spPr>
@@ -7428,7 +7454,7 @@
         </p:nvGrpSpPr>
         <p:grpSpPr>
           <a:xfrm>
-            <a:off x="9328668" y="1559346"/>
+            <a:off x="9328668" y="1543017"/>
             <a:ext cx="3023352" cy="365236"/>
             <a:chOff x="-1" y="20678"/>
             <a:chExt cx="2815851" cy="365235"/>
@@ -7462,7 +7488,7 @@
             <a:effectLst/>
             <a:extLst>
               <a:ext uri="{C572A759-6A51-4108-AA02-DFA0A04FC94B}">
-                <ma14:wrappingTextBoxFlag xmlns="" xmlns:m="http://schemas.openxmlformats.org/officeDocument/2006/math" xmlns:a14="http://schemas.microsoft.com/office/drawing/2010/main" xmlns:ma14="http://schemas.microsoft.com/office/mac/drawingml/2011/main" val="1"/>
+                <ma14:wrappingTextBoxFlag xmlns:ma14="http://schemas.microsoft.com/office/mac/drawingml/2011/main" xmlns:a14="http://schemas.microsoft.com/office/drawing/2010/main" xmlns:m="http://schemas.openxmlformats.org/officeDocument/2006/math" xmlns="" val="1"/>
               </a:ext>
             </a:extLst>
           </p:spPr>
@@ -7991,7 +8017,7 @@
             <a:effectLst/>
             <a:extLst>
               <a:ext uri="{C572A759-6A51-4108-AA02-DFA0A04FC94B}">
-                <ma14:wrappingTextBoxFlag xmlns="" xmlns:m="http://schemas.openxmlformats.org/officeDocument/2006/math" xmlns:a14="http://schemas.microsoft.com/office/drawing/2010/main" xmlns:ma14="http://schemas.microsoft.com/office/mac/drawingml/2011/main" val="1"/>
+                <ma14:wrappingTextBoxFlag xmlns:ma14="http://schemas.microsoft.com/office/mac/drawingml/2011/main" xmlns:a14="http://schemas.microsoft.com/office/drawing/2010/main" xmlns:m="http://schemas.openxmlformats.org/officeDocument/2006/math" xmlns="" val="1"/>
               </a:ext>
             </a:extLst>
           </p:spPr>
@@ -8797,7 +8823,7 @@
             <a:effectLst/>
             <a:extLst>
               <a:ext uri="{C572A759-6A51-4108-AA02-DFA0A04FC94B}">
-                <ma14:wrappingTextBoxFlag xmlns="" xmlns:m="http://schemas.openxmlformats.org/officeDocument/2006/math" xmlns:a14="http://schemas.microsoft.com/office/drawing/2010/main" xmlns:ma14="http://schemas.microsoft.com/office/mac/drawingml/2011/main" val="1"/>
+                <ma14:wrappingTextBoxFlag xmlns:ma14="http://schemas.microsoft.com/office/mac/drawingml/2011/main" xmlns:a14="http://schemas.microsoft.com/office/drawing/2010/main" xmlns:m="http://schemas.openxmlformats.org/officeDocument/2006/math" xmlns="" val="1"/>
               </a:ext>
             </a:extLst>
           </p:spPr>
@@ -11427,6 +11453,4364 @@
           <a:chExt cx="0" cy="0"/>
         </a:xfrm>
       </p:grpSpPr>
+      <p:sp>
+        <p:nvSpPr>
+          <p:cNvPr id="148" name="Group">
+            <a:extLst>
+              <a:ext uri="{FF2B5EF4-FFF2-40B4-BE49-F238E27FC236}">
+                <a16:creationId xmlns:a16="http://schemas.microsoft.com/office/drawing/2014/main" id="{BABA1F75-13CB-4720-98D6-17267285E55C}"/>
+              </a:ext>
+            </a:extLst>
+          </p:cNvPr>
+          <p:cNvSpPr/>
+          <p:nvPr/>
+        </p:nvSpPr>
+        <p:spPr>
+          <a:xfrm>
+            <a:off x="213255" y="1153884"/>
+            <a:ext cx="4346831" cy="8708567"/>
+          </a:xfrm>
+          <a:prstGeom prst="rect">
+            <a:avLst/>
+          </a:prstGeom>
+          <a:solidFill>
+            <a:srgbClr val="79B0DC">
+              <a:alpha val="23529"/>
+            </a:srgbClr>
+          </a:solidFill>
+          <a:ln w="12700">
+            <a:miter lim="400000"/>
+          </a:ln>
+        </p:spPr>
+        <p:txBody>
+          <a:bodyPr lIns="54570" tIns="54570" rIns="54570" bIns="54570" anchor="ctr"/>
+          <a:lstStyle/>
+          <a:p>
+            <a:pPr>
+              <a:lnSpc>
+                <a:spcPct val="80000"/>
+              </a:lnSpc>
+              <a:spcBef>
+                <a:spcPts val="0"/>
+              </a:spcBef>
+              <a:defRPr sz="1000" b="0">
+                <a:solidFill>
+                  <a:srgbClr val="000000"/>
+                </a:solidFill>
+              </a:defRPr>
+            </a:pPr>
+            <a:endParaRPr/>
+          </a:p>
+        </p:txBody>
+      </p:sp>
+      <p:grpSp>
+        <p:nvGrpSpPr>
+          <p:cNvPr id="47" name="Group">
+            <a:extLst>
+              <a:ext uri="{FF2B5EF4-FFF2-40B4-BE49-F238E27FC236}">
+                <a16:creationId xmlns:a16="http://schemas.microsoft.com/office/drawing/2014/main" id="{D9AFB4AE-4411-4394-A2D5-8CD190B252D5}"/>
+              </a:ext>
+            </a:extLst>
+          </p:cNvPr>
+          <p:cNvGrpSpPr/>
+          <p:nvPr/>
+        </p:nvGrpSpPr>
+        <p:grpSpPr>
+          <a:xfrm>
+            <a:off x="8369105" y="-1013161"/>
+            <a:ext cx="6159575" cy="3553962"/>
+            <a:chOff x="0" y="51032"/>
+            <a:chExt cx="6159573" cy="3553961"/>
+          </a:xfrm>
+        </p:grpSpPr>
+        <p:grpSp>
+          <p:nvGrpSpPr>
+            <p:cNvPr id="48" name="Group">
+              <a:extLst>
+                <a:ext uri="{FF2B5EF4-FFF2-40B4-BE49-F238E27FC236}">
+                  <a16:creationId xmlns:a16="http://schemas.microsoft.com/office/drawing/2014/main" id="{A4EE3BCC-61B4-41C2-AABE-49E2A33D9F47}"/>
+                </a:ext>
+              </a:extLst>
+            </p:cNvPr>
+            <p:cNvGrpSpPr/>
+            <p:nvPr/>
+          </p:nvGrpSpPr>
+          <p:grpSpPr>
+            <a:xfrm>
+              <a:off x="24975" y="51032"/>
+              <a:ext cx="6134599" cy="2980091"/>
+              <a:chOff x="0" y="51032"/>
+              <a:chExt cx="6134598" cy="2980090"/>
+            </a:xfrm>
+          </p:grpSpPr>
+          <p:sp>
+            <p:nvSpPr>
+              <p:cNvPr id="51" name="Triangle">
+                <a:extLst>
+                  <a:ext uri="{FF2B5EF4-FFF2-40B4-BE49-F238E27FC236}">
+                    <a16:creationId xmlns:a16="http://schemas.microsoft.com/office/drawing/2014/main" id="{892A0D42-3AEA-4CC3-8360-F7D1F23E0451}"/>
+                  </a:ext>
+                </a:extLst>
+              </p:cNvPr>
+              <p:cNvSpPr/>
+              <p:nvPr/>
+            </p:nvSpPr>
+            <p:spPr>
+              <a:xfrm rot="1800000">
+                <a:off x="1177377" y="304285"/>
+                <a:ext cx="1319509" cy="1143860"/>
+              </a:xfrm>
+              <a:prstGeom prst="triangle">
+                <a:avLst/>
+              </a:prstGeom>
+              <a:solidFill>
+                <a:srgbClr val="DEDFE0"/>
+              </a:solidFill>
+              <a:ln w="3175" cap="flat">
+                <a:solidFill>
+                  <a:srgbClr val="DEDFE0"/>
+                </a:solidFill>
+                <a:prstDash val="solid"/>
+                <a:miter lim="400000"/>
+              </a:ln>
+              <a:effectLst/>
+            </p:spPr>
+            <p:txBody>
+              <a:bodyPr wrap="square" lIns="54570" tIns="54570" rIns="54570" bIns="54570" numCol="1" anchor="ctr">
+                <a:noAutofit/>
+              </a:bodyPr>
+              <a:lstStyle/>
+              <a:p>
+                <a:pPr>
+                  <a:lnSpc>
+                    <a:spcPct val="80000"/>
+                  </a:lnSpc>
+                  <a:spcBef>
+                    <a:spcPts val="0"/>
+                  </a:spcBef>
+                  <a:defRPr b="0">
+                    <a:solidFill>
+                      <a:srgbClr val="000000"/>
+                    </a:solidFill>
+                  </a:defRPr>
+                </a:pPr>
+                <a:endParaRPr/>
+              </a:p>
+            </p:txBody>
+          </p:sp>
+          <p:sp>
+            <p:nvSpPr>
+              <p:cNvPr id="52" name="Circle">
+                <a:extLst>
+                  <a:ext uri="{FF2B5EF4-FFF2-40B4-BE49-F238E27FC236}">
+                    <a16:creationId xmlns:a16="http://schemas.microsoft.com/office/drawing/2014/main" id="{EC10128D-089A-4997-A9AA-EE186ACC87C4}"/>
+                  </a:ext>
+                </a:extLst>
+              </p:cNvPr>
+              <p:cNvSpPr/>
+              <p:nvPr/>
+            </p:nvSpPr>
+            <p:spPr>
+              <a:xfrm flipH="1">
+                <a:off x="1550782" y="838357"/>
+                <a:ext cx="422090" cy="422090"/>
+              </a:xfrm>
+              <a:prstGeom prst="ellipse">
+                <a:avLst/>
+              </a:prstGeom>
+              <a:solidFill>
+                <a:srgbClr val="EFEFF0"/>
+              </a:solidFill>
+              <a:ln w="12700" cap="flat">
+                <a:noFill/>
+                <a:miter lim="400000"/>
+              </a:ln>
+              <a:effectLst/>
+            </p:spPr>
+            <p:txBody>
+              <a:bodyPr wrap="square" lIns="54570" tIns="54570" rIns="54570" bIns="54570" numCol="1" anchor="ctr">
+                <a:noAutofit/>
+              </a:bodyPr>
+              <a:lstStyle/>
+              <a:p>
+                <a:pPr>
+                  <a:lnSpc>
+                    <a:spcPct val="80000"/>
+                  </a:lnSpc>
+                  <a:spcBef>
+                    <a:spcPts val="0"/>
+                  </a:spcBef>
+                  <a:defRPr b="0">
+                    <a:solidFill>
+                      <a:srgbClr val="000000"/>
+                    </a:solidFill>
+                  </a:defRPr>
+                </a:pPr>
+                <a:endParaRPr/>
+              </a:p>
+            </p:txBody>
+          </p:sp>
+          <p:sp>
+            <p:nvSpPr>
+              <p:cNvPr id="53" name="Circle">
+                <a:extLst>
+                  <a:ext uri="{FF2B5EF4-FFF2-40B4-BE49-F238E27FC236}">
+                    <a16:creationId xmlns:a16="http://schemas.microsoft.com/office/drawing/2014/main" id="{752FF101-5E43-4000-9D2D-84903A55F28A}"/>
+                  </a:ext>
+                </a:extLst>
+              </p:cNvPr>
+              <p:cNvSpPr/>
+              <p:nvPr/>
+            </p:nvSpPr>
+            <p:spPr>
+              <a:xfrm flipH="1">
+                <a:off x="0" y="819778"/>
+                <a:ext cx="422089" cy="422090"/>
+              </a:xfrm>
+              <a:prstGeom prst="ellipse">
+                <a:avLst/>
+              </a:prstGeom>
+              <a:solidFill>
+                <a:srgbClr val="DEDFE0"/>
+              </a:solidFill>
+              <a:ln w="12700" cap="flat">
+                <a:noFill/>
+                <a:miter lim="400000"/>
+              </a:ln>
+              <a:effectLst/>
+            </p:spPr>
+            <p:txBody>
+              <a:bodyPr wrap="square" lIns="54570" tIns="54570" rIns="54570" bIns="54570" numCol="1" anchor="ctr">
+                <a:noAutofit/>
+              </a:bodyPr>
+              <a:lstStyle/>
+              <a:p>
+                <a:pPr>
+                  <a:lnSpc>
+                    <a:spcPct val="80000"/>
+                  </a:lnSpc>
+                  <a:spcBef>
+                    <a:spcPts val="0"/>
+                  </a:spcBef>
+                  <a:defRPr b="0">
+                    <a:solidFill>
+                      <a:srgbClr val="000000"/>
+                    </a:solidFill>
+                  </a:defRPr>
+                </a:pPr>
+                <a:endParaRPr/>
+              </a:p>
+            </p:txBody>
+          </p:sp>
+          <p:sp>
+            <p:nvSpPr>
+              <p:cNvPr id="54" name="Triangle">
+                <a:extLst>
+                  <a:ext uri="{FF2B5EF4-FFF2-40B4-BE49-F238E27FC236}">
+                    <a16:creationId xmlns:a16="http://schemas.microsoft.com/office/drawing/2014/main" id="{21BBEA81-7A68-4DFF-8BCF-EB00B36E3261}"/>
+                  </a:ext>
+                </a:extLst>
+              </p:cNvPr>
+              <p:cNvSpPr/>
+              <p:nvPr/>
+            </p:nvSpPr>
+            <p:spPr>
+              <a:xfrm rot="19800000">
+                <a:off x="2896973" y="973389"/>
+                <a:ext cx="1319509" cy="1143860"/>
+              </a:xfrm>
+              <a:prstGeom prst="triangle">
+                <a:avLst/>
+              </a:prstGeom>
+              <a:solidFill>
+                <a:srgbClr val="EFEFF0"/>
+              </a:solidFill>
+              <a:ln w="6350" cap="flat">
+                <a:solidFill>
+                  <a:srgbClr val="EFEFF0"/>
+                </a:solidFill>
+                <a:prstDash val="solid"/>
+                <a:miter lim="400000"/>
+              </a:ln>
+              <a:effectLst/>
+            </p:spPr>
+            <p:txBody>
+              <a:bodyPr wrap="square" lIns="54570" tIns="54570" rIns="54570" bIns="54570" numCol="1" anchor="ctr">
+                <a:noAutofit/>
+              </a:bodyPr>
+              <a:lstStyle/>
+              <a:p>
+                <a:pPr>
+                  <a:lnSpc>
+                    <a:spcPct val="80000"/>
+                  </a:lnSpc>
+                  <a:spcBef>
+                    <a:spcPts val="0"/>
+                  </a:spcBef>
+                  <a:defRPr b="0">
+                    <a:solidFill>
+                      <a:srgbClr val="000000"/>
+                    </a:solidFill>
+                  </a:defRPr>
+                </a:pPr>
+                <a:endParaRPr/>
+              </a:p>
+            </p:txBody>
+          </p:sp>
+          <p:sp>
+            <p:nvSpPr>
+              <p:cNvPr id="55" name="Triangle">
+                <a:extLst>
+                  <a:ext uri="{FF2B5EF4-FFF2-40B4-BE49-F238E27FC236}">
+                    <a16:creationId xmlns:a16="http://schemas.microsoft.com/office/drawing/2014/main" id="{326C4588-3A9C-44B1-AB9A-8369C15ACADB}"/>
+                  </a:ext>
+                </a:extLst>
+              </p:cNvPr>
+              <p:cNvSpPr/>
+              <p:nvPr/>
+            </p:nvSpPr>
+            <p:spPr>
+              <a:xfrm rot="1800000">
+                <a:off x="3470359" y="1634009"/>
+                <a:ext cx="1319509" cy="1143861"/>
+              </a:xfrm>
+              <a:prstGeom prst="triangle">
+                <a:avLst/>
+              </a:prstGeom>
+              <a:solidFill>
+                <a:srgbClr val="DEDFE0"/>
+              </a:solidFill>
+              <a:ln w="6350" cap="flat">
+                <a:solidFill>
+                  <a:srgbClr val="DEDFE0"/>
+                </a:solidFill>
+                <a:prstDash val="solid"/>
+                <a:miter lim="400000"/>
+              </a:ln>
+              <a:effectLst/>
+            </p:spPr>
+            <p:txBody>
+              <a:bodyPr wrap="square" lIns="54570" tIns="54570" rIns="54570" bIns="54570" numCol="1" anchor="ctr">
+                <a:noAutofit/>
+              </a:bodyPr>
+              <a:lstStyle/>
+              <a:p>
+                <a:pPr>
+                  <a:lnSpc>
+                    <a:spcPct val="80000"/>
+                  </a:lnSpc>
+                  <a:spcBef>
+                    <a:spcPts val="0"/>
+                  </a:spcBef>
+                  <a:defRPr b="0">
+                    <a:solidFill>
+                      <a:srgbClr val="000000"/>
+                    </a:solidFill>
+                  </a:defRPr>
+                </a:pPr>
+                <a:endParaRPr/>
+              </a:p>
+            </p:txBody>
+          </p:sp>
+          <p:sp>
+            <p:nvSpPr>
+              <p:cNvPr id="56" name="Circle">
+                <a:extLst>
+                  <a:ext uri="{FF2B5EF4-FFF2-40B4-BE49-F238E27FC236}">
+                    <a16:creationId xmlns:a16="http://schemas.microsoft.com/office/drawing/2014/main" id="{5565A25A-DA8A-498E-9488-79F9D13DEDBA}"/>
+                  </a:ext>
+                </a:extLst>
+              </p:cNvPr>
+              <p:cNvSpPr/>
+              <p:nvPr/>
+            </p:nvSpPr>
+            <p:spPr>
+              <a:xfrm flipH="1">
+                <a:off x="3461021" y="1507461"/>
+                <a:ext cx="422090" cy="422090"/>
+              </a:xfrm>
+              <a:prstGeom prst="ellipse">
+                <a:avLst/>
+              </a:prstGeom>
+              <a:solidFill>
+                <a:srgbClr val="DEDFE0"/>
+              </a:solidFill>
+              <a:ln w="12700" cap="flat">
+                <a:noFill/>
+                <a:miter lim="400000"/>
+              </a:ln>
+              <a:effectLst/>
+            </p:spPr>
+            <p:txBody>
+              <a:bodyPr wrap="square" lIns="54570" tIns="54570" rIns="54570" bIns="54570" numCol="1" anchor="ctr">
+                <a:noAutofit/>
+              </a:bodyPr>
+              <a:lstStyle/>
+              <a:p>
+                <a:pPr>
+                  <a:lnSpc>
+                    <a:spcPct val="80000"/>
+                  </a:lnSpc>
+                  <a:spcBef>
+                    <a:spcPts val="0"/>
+                  </a:spcBef>
+                  <a:defRPr b="0">
+                    <a:solidFill>
+                      <a:srgbClr val="000000"/>
+                    </a:solidFill>
+                  </a:defRPr>
+                </a:pPr>
+                <a:endParaRPr/>
+              </a:p>
+            </p:txBody>
+          </p:sp>
+          <p:sp>
+            <p:nvSpPr>
+              <p:cNvPr id="57" name="Circle">
+                <a:extLst>
+                  <a:ext uri="{FF2B5EF4-FFF2-40B4-BE49-F238E27FC236}">
+                    <a16:creationId xmlns:a16="http://schemas.microsoft.com/office/drawing/2014/main" id="{81AA65C6-DEB9-467E-8FD4-77CB2624D3E4}"/>
+                  </a:ext>
+                </a:extLst>
+              </p:cNvPr>
+              <p:cNvSpPr/>
+              <p:nvPr/>
+            </p:nvSpPr>
+            <p:spPr>
+              <a:xfrm flipH="1">
+                <a:off x="3843763" y="2168082"/>
+                <a:ext cx="422090" cy="422090"/>
+              </a:xfrm>
+              <a:prstGeom prst="ellipse">
+                <a:avLst/>
+              </a:prstGeom>
+              <a:solidFill>
+                <a:srgbClr val="EFEFF0"/>
+              </a:solidFill>
+              <a:ln w="12700" cap="flat">
+                <a:noFill/>
+                <a:miter lim="400000"/>
+              </a:ln>
+              <a:effectLst/>
+            </p:spPr>
+            <p:txBody>
+              <a:bodyPr wrap="square" lIns="54570" tIns="54570" rIns="54570" bIns="54570" numCol="1" anchor="ctr">
+                <a:noAutofit/>
+              </a:bodyPr>
+              <a:lstStyle/>
+              <a:p>
+                <a:pPr>
+                  <a:lnSpc>
+                    <a:spcPct val="80000"/>
+                  </a:lnSpc>
+                  <a:spcBef>
+                    <a:spcPts val="0"/>
+                  </a:spcBef>
+                  <a:defRPr b="0">
+                    <a:solidFill>
+                      <a:srgbClr val="000000"/>
+                    </a:solidFill>
+                  </a:defRPr>
+                </a:pPr>
+                <a:endParaRPr/>
+              </a:p>
+            </p:txBody>
+          </p:sp>
+          <p:sp>
+            <p:nvSpPr>
+              <p:cNvPr id="58" name="Triangle">
+                <a:extLst>
+                  <a:ext uri="{FF2B5EF4-FFF2-40B4-BE49-F238E27FC236}">
+                    <a16:creationId xmlns:a16="http://schemas.microsoft.com/office/drawing/2014/main" id="{4C1C6395-2204-4485-B467-C6EB8EFC4B77}"/>
+                  </a:ext>
+                </a:extLst>
+              </p:cNvPr>
+              <p:cNvSpPr/>
+              <p:nvPr/>
+            </p:nvSpPr>
+            <p:spPr>
+              <a:xfrm rot="1800000">
+                <a:off x="3470359" y="312963"/>
+                <a:ext cx="1319509" cy="1143861"/>
+              </a:xfrm>
+              <a:prstGeom prst="triangle">
+                <a:avLst/>
+              </a:prstGeom>
+              <a:solidFill>
+                <a:srgbClr val="DEDFE0"/>
+              </a:solidFill>
+              <a:ln w="6350" cap="flat">
+                <a:solidFill>
+                  <a:srgbClr val="DEDFE0"/>
+                </a:solidFill>
+                <a:prstDash val="solid"/>
+                <a:miter lim="400000"/>
+              </a:ln>
+              <a:effectLst/>
+            </p:spPr>
+            <p:txBody>
+              <a:bodyPr wrap="square" lIns="54570" tIns="54570" rIns="54570" bIns="54570" numCol="1" anchor="ctr">
+                <a:noAutofit/>
+              </a:bodyPr>
+              <a:lstStyle/>
+              <a:p>
+                <a:pPr>
+                  <a:lnSpc>
+                    <a:spcPct val="80000"/>
+                  </a:lnSpc>
+                  <a:spcBef>
+                    <a:spcPts val="0"/>
+                  </a:spcBef>
+                  <a:defRPr b="0">
+                    <a:solidFill>
+                      <a:srgbClr val="000000"/>
+                    </a:solidFill>
+                  </a:defRPr>
+                </a:pPr>
+                <a:endParaRPr/>
+              </a:p>
+            </p:txBody>
+          </p:sp>
+          <p:sp>
+            <p:nvSpPr>
+              <p:cNvPr id="59" name="Circle">
+                <a:extLst>
+                  <a:ext uri="{FF2B5EF4-FFF2-40B4-BE49-F238E27FC236}">
+                    <a16:creationId xmlns:a16="http://schemas.microsoft.com/office/drawing/2014/main" id="{86CD7798-6998-481F-B798-C6085F812656}"/>
+                  </a:ext>
+                </a:extLst>
+              </p:cNvPr>
+              <p:cNvSpPr/>
+              <p:nvPr/>
+            </p:nvSpPr>
+            <p:spPr>
+              <a:xfrm flipH="1">
+                <a:off x="3843763" y="847036"/>
+                <a:ext cx="422090" cy="422090"/>
+              </a:xfrm>
+              <a:prstGeom prst="ellipse">
+                <a:avLst/>
+              </a:prstGeom>
+              <a:solidFill>
+                <a:srgbClr val="EFEFF0"/>
+              </a:solidFill>
+              <a:ln w="12700" cap="flat">
+                <a:noFill/>
+                <a:miter lim="400000"/>
+              </a:ln>
+              <a:effectLst/>
+            </p:spPr>
+            <p:txBody>
+              <a:bodyPr wrap="square" lIns="54570" tIns="54570" rIns="54570" bIns="54570" numCol="1" anchor="ctr">
+                <a:noAutofit/>
+              </a:bodyPr>
+              <a:lstStyle/>
+              <a:p>
+                <a:pPr>
+                  <a:lnSpc>
+                    <a:spcPct val="80000"/>
+                  </a:lnSpc>
+                  <a:spcBef>
+                    <a:spcPts val="0"/>
+                  </a:spcBef>
+                  <a:defRPr b="0">
+                    <a:solidFill>
+                      <a:srgbClr val="000000"/>
+                    </a:solidFill>
+                  </a:defRPr>
+                </a:pPr>
+                <a:endParaRPr/>
+              </a:p>
+            </p:txBody>
+          </p:sp>
+          <p:sp>
+            <p:nvSpPr>
+              <p:cNvPr id="60" name="Triangle">
+                <a:extLst>
+                  <a:ext uri="{FF2B5EF4-FFF2-40B4-BE49-F238E27FC236}">
+                    <a16:creationId xmlns:a16="http://schemas.microsoft.com/office/drawing/2014/main" id="{9A7AF4BA-F7EE-47BF-AF53-8E60553C0F90}"/>
+                  </a:ext>
+                </a:extLst>
+              </p:cNvPr>
+              <p:cNvSpPr/>
+              <p:nvPr/>
+            </p:nvSpPr>
+            <p:spPr>
+              <a:xfrm rot="19800000">
+                <a:off x="4044130" y="318647"/>
+                <a:ext cx="1319509" cy="1143861"/>
+              </a:xfrm>
+              <a:prstGeom prst="triangle">
+                <a:avLst/>
+              </a:prstGeom>
+              <a:solidFill>
+                <a:srgbClr val="EFEFF0"/>
+              </a:solidFill>
+              <a:ln w="6350" cap="flat">
+                <a:solidFill>
+                  <a:srgbClr val="EFEFF0"/>
+                </a:solidFill>
+                <a:prstDash val="solid"/>
+                <a:miter lim="400000"/>
+              </a:ln>
+              <a:effectLst/>
+            </p:spPr>
+            <p:txBody>
+              <a:bodyPr wrap="square" lIns="54570" tIns="54570" rIns="54570" bIns="54570" numCol="1" anchor="ctr">
+                <a:noAutofit/>
+              </a:bodyPr>
+              <a:lstStyle/>
+              <a:p>
+                <a:pPr>
+                  <a:lnSpc>
+                    <a:spcPct val="80000"/>
+                  </a:lnSpc>
+                  <a:spcBef>
+                    <a:spcPts val="0"/>
+                  </a:spcBef>
+                  <a:defRPr b="0">
+                    <a:solidFill>
+                      <a:srgbClr val="000000"/>
+                    </a:solidFill>
+                  </a:defRPr>
+                </a:pPr>
+                <a:endParaRPr/>
+              </a:p>
+            </p:txBody>
+          </p:sp>
+          <p:sp>
+            <p:nvSpPr>
+              <p:cNvPr id="61" name="Circle">
+                <a:extLst>
+                  <a:ext uri="{FF2B5EF4-FFF2-40B4-BE49-F238E27FC236}">
+                    <a16:creationId xmlns:a16="http://schemas.microsoft.com/office/drawing/2014/main" id="{324B0812-A810-455E-96F1-3692778130D2}"/>
+                  </a:ext>
+                </a:extLst>
+              </p:cNvPr>
+              <p:cNvSpPr/>
+              <p:nvPr/>
+            </p:nvSpPr>
+            <p:spPr>
+              <a:xfrm flipH="1">
+                <a:off x="4608178" y="852720"/>
+                <a:ext cx="422090" cy="422090"/>
+              </a:xfrm>
+              <a:prstGeom prst="ellipse">
+                <a:avLst/>
+              </a:prstGeom>
+              <a:solidFill>
+                <a:srgbClr val="DEDFE0"/>
+              </a:solidFill>
+              <a:ln w="12700" cap="flat">
+                <a:noFill/>
+                <a:miter lim="400000"/>
+              </a:ln>
+              <a:effectLst/>
+            </p:spPr>
+            <p:txBody>
+              <a:bodyPr wrap="square" lIns="54570" tIns="54570" rIns="54570" bIns="54570" numCol="1" anchor="ctr">
+                <a:noAutofit/>
+              </a:bodyPr>
+              <a:lstStyle/>
+              <a:p>
+                <a:pPr>
+                  <a:lnSpc>
+                    <a:spcPct val="80000"/>
+                  </a:lnSpc>
+                  <a:spcBef>
+                    <a:spcPts val="0"/>
+                  </a:spcBef>
+                  <a:defRPr b="0">
+                    <a:solidFill>
+                      <a:srgbClr val="000000"/>
+                    </a:solidFill>
+                  </a:defRPr>
+                </a:pPr>
+                <a:endParaRPr/>
+              </a:p>
+            </p:txBody>
+          </p:sp>
+          <p:sp>
+            <p:nvSpPr>
+              <p:cNvPr id="62" name="Triangle">
+                <a:extLst>
+                  <a:ext uri="{FF2B5EF4-FFF2-40B4-BE49-F238E27FC236}">
+                    <a16:creationId xmlns:a16="http://schemas.microsoft.com/office/drawing/2014/main" id="{5774AB1F-C474-4B48-B10D-EFF9469BA0E7}"/>
+                  </a:ext>
+                </a:extLst>
+              </p:cNvPr>
+              <p:cNvSpPr/>
+              <p:nvPr/>
+            </p:nvSpPr>
+            <p:spPr>
+              <a:xfrm rot="1800000">
+                <a:off x="4617515" y="979268"/>
+                <a:ext cx="1319509" cy="1143861"/>
+              </a:xfrm>
+              <a:prstGeom prst="triangle">
+                <a:avLst/>
+              </a:prstGeom>
+              <a:solidFill>
+                <a:srgbClr val="DEDFE0"/>
+              </a:solidFill>
+              <a:ln w="6350" cap="flat">
+                <a:solidFill>
+                  <a:srgbClr val="DEDFE0"/>
+                </a:solidFill>
+                <a:prstDash val="solid"/>
+                <a:miter lim="400000"/>
+              </a:ln>
+              <a:effectLst/>
+            </p:spPr>
+            <p:txBody>
+              <a:bodyPr wrap="square" lIns="54570" tIns="54570" rIns="54570" bIns="54570" numCol="1" anchor="ctr">
+                <a:noAutofit/>
+              </a:bodyPr>
+              <a:lstStyle/>
+              <a:p>
+                <a:pPr>
+                  <a:lnSpc>
+                    <a:spcPct val="80000"/>
+                  </a:lnSpc>
+                  <a:spcBef>
+                    <a:spcPts val="0"/>
+                  </a:spcBef>
+                  <a:defRPr b="0">
+                    <a:solidFill>
+                      <a:srgbClr val="000000"/>
+                    </a:solidFill>
+                  </a:defRPr>
+                </a:pPr>
+                <a:endParaRPr/>
+              </a:p>
+            </p:txBody>
+          </p:sp>
+          <p:sp>
+            <p:nvSpPr>
+              <p:cNvPr id="63" name="Circle">
+                <a:extLst>
+                  <a:ext uri="{FF2B5EF4-FFF2-40B4-BE49-F238E27FC236}">
+                    <a16:creationId xmlns:a16="http://schemas.microsoft.com/office/drawing/2014/main" id="{DDB256B9-8953-4682-9676-65309474A55D}"/>
+                  </a:ext>
+                </a:extLst>
+              </p:cNvPr>
+              <p:cNvSpPr/>
+              <p:nvPr/>
+            </p:nvSpPr>
+            <p:spPr>
+              <a:xfrm flipH="1">
+                <a:off x="4990920" y="1513341"/>
+                <a:ext cx="422090" cy="422090"/>
+              </a:xfrm>
+              <a:prstGeom prst="ellipse">
+                <a:avLst/>
+              </a:prstGeom>
+              <a:solidFill>
+                <a:srgbClr val="EFEFF0"/>
+              </a:solidFill>
+              <a:ln w="12700" cap="flat">
+                <a:noFill/>
+                <a:miter lim="400000"/>
+              </a:ln>
+              <a:effectLst/>
+            </p:spPr>
+            <p:txBody>
+              <a:bodyPr wrap="square" lIns="54570" tIns="54570" rIns="54570" bIns="54570" numCol="1" anchor="ctr">
+                <a:noAutofit/>
+              </a:bodyPr>
+              <a:lstStyle/>
+              <a:p>
+                <a:pPr>
+                  <a:lnSpc>
+                    <a:spcPct val="80000"/>
+                  </a:lnSpc>
+                  <a:spcBef>
+                    <a:spcPts val="0"/>
+                  </a:spcBef>
+                  <a:defRPr b="0">
+                    <a:solidFill>
+                      <a:srgbClr val="000000"/>
+                    </a:solidFill>
+                  </a:defRPr>
+                </a:pPr>
+                <a:endParaRPr/>
+              </a:p>
+            </p:txBody>
+          </p:sp>
+          <p:sp>
+            <p:nvSpPr>
+              <p:cNvPr id="64" name="Triangle">
+                <a:extLst>
+                  <a:ext uri="{FF2B5EF4-FFF2-40B4-BE49-F238E27FC236}">
+                    <a16:creationId xmlns:a16="http://schemas.microsoft.com/office/drawing/2014/main" id="{B5EE6D88-3404-4E8B-9048-DAE6CB23964E}"/>
+                  </a:ext>
+                </a:extLst>
+              </p:cNvPr>
+              <p:cNvSpPr/>
+              <p:nvPr/>
+            </p:nvSpPr>
+            <p:spPr>
+              <a:xfrm rot="19800000">
+                <a:off x="1751148" y="309969"/>
+                <a:ext cx="1319510" cy="1143860"/>
+              </a:xfrm>
+              <a:prstGeom prst="triangle">
+                <a:avLst/>
+              </a:prstGeom>
+              <a:solidFill>
+                <a:srgbClr val="EFEFF0"/>
+              </a:solidFill>
+              <a:ln w="6350" cap="flat">
+                <a:solidFill>
+                  <a:srgbClr val="EFEFF0"/>
+                </a:solidFill>
+                <a:prstDash val="solid"/>
+                <a:miter lim="400000"/>
+              </a:ln>
+              <a:effectLst/>
+            </p:spPr>
+            <p:txBody>
+              <a:bodyPr wrap="square" lIns="54570" tIns="54570" rIns="54570" bIns="54570" numCol="1" anchor="ctr">
+                <a:noAutofit/>
+              </a:bodyPr>
+              <a:lstStyle/>
+              <a:p>
+                <a:pPr>
+                  <a:lnSpc>
+                    <a:spcPct val="80000"/>
+                  </a:lnSpc>
+                  <a:spcBef>
+                    <a:spcPts val="0"/>
+                  </a:spcBef>
+                  <a:defRPr b="0">
+                    <a:solidFill>
+                      <a:srgbClr val="000000"/>
+                    </a:solidFill>
+                  </a:defRPr>
+                </a:pPr>
+                <a:endParaRPr/>
+              </a:p>
+            </p:txBody>
+          </p:sp>
+          <p:sp>
+            <p:nvSpPr>
+              <p:cNvPr id="65" name="Circle">
+                <a:extLst>
+                  <a:ext uri="{FF2B5EF4-FFF2-40B4-BE49-F238E27FC236}">
+                    <a16:creationId xmlns:a16="http://schemas.microsoft.com/office/drawing/2014/main" id="{ACED8F35-5839-4BC7-8B07-E5657EA780CB}"/>
+                  </a:ext>
+                </a:extLst>
+              </p:cNvPr>
+              <p:cNvSpPr/>
+              <p:nvPr/>
+            </p:nvSpPr>
+            <p:spPr>
+              <a:xfrm flipH="1">
+                <a:off x="2315196" y="844041"/>
+                <a:ext cx="422090" cy="422090"/>
+              </a:xfrm>
+              <a:prstGeom prst="ellipse">
+                <a:avLst/>
+              </a:prstGeom>
+              <a:solidFill>
+                <a:srgbClr val="DEDFE0"/>
+              </a:solidFill>
+              <a:ln w="12700" cap="flat">
+                <a:noFill/>
+                <a:miter lim="400000"/>
+              </a:ln>
+              <a:effectLst/>
+            </p:spPr>
+            <p:txBody>
+              <a:bodyPr wrap="square" lIns="54570" tIns="54570" rIns="54570" bIns="54570" numCol="1" anchor="ctr">
+                <a:noAutofit/>
+              </a:bodyPr>
+              <a:lstStyle/>
+              <a:p>
+                <a:pPr>
+                  <a:lnSpc>
+                    <a:spcPct val="80000"/>
+                  </a:lnSpc>
+                  <a:spcBef>
+                    <a:spcPts val="0"/>
+                  </a:spcBef>
+                  <a:defRPr b="0">
+                    <a:solidFill>
+                      <a:srgbClr val="000000"/>
+                    </a:solidFill>
+                  </a:defRPr>
+                </a:pPr>
+                <a:endParaRPr/>
+              </a:p>
+            </p:txBody>
+          </p:sp>
+        </p:grpSp>
+        <p:sp>
+          <p:nvSpPr>
+            <p:cNvPr id="49" name="Rectangle">
+              <a:extLst>
+                <a:ext uri="{FF2B5EF4-FFF2-40B4-BE49-F238E27FC236}">
+                  <a16:creationId xmlns:a16="http://schemas.microsoft.com/office/drawing/2014/main" id="{DC477123-A2DB-49D9-942D-649F748EEAC9}"/>
+                </a:ext>
+              </a:extLst>
+            </p:cNvPr>
+            <p:cNvSpPr/>
+            <p:nvPr/>
+          </p:nvSpPr>
+          <p:spPr>
+            <a:xfrm>
+              <a:off x="1682" y="1038072"/>
+              <a:ext cx="5593304" cy="2566922"/>
+            </a:xfrm>
+            <a:prstGeom prst="rect">
+              <a:avLst/>
+            </a:prstGeom>
+            <a:gradFill flip="none" rotWithShape="1">
+              <a:gsLst>
+                <a:gs pos="0">
+                  <a:srgbClr val="FFFFFF">
+                    <a:alpha val="0"/>
+                  </a:srgbClr>
+                </a:gs>
+                <a:gs pos="20382">
+                  <a:srgbClr val="FFFFFF">
+                    <a:alpha val="45796"/>
+                  </a:srgbClr>
+                </a:gs>
+                <a:gs pos="35803">
+                  <a:srgbClr val="FFFFFF">
+                    <a:alpha val="72898"/>
+                  </a:srgbClr>
+                </a:gs>
+                <a:gs pos="55434">
+                  <a:srgbClr val="FFFFFF"/>
+                </a:gs>
+              </a:gsLst>
+              <a:path path="shape">
+                <a:fillToRect l="49659" t="-26178" r="50340" b="126178"/>
+              </a:path>
+            </a:gradFill>
+            <a:ln w="12700" cap="flat">
+              <a:noFill/>
+              <a:miter lim="400000"/>
+            </a:ln>
+            <a:effectLst/>
+          </p:spPr>
+          <p:txBody>
+            <a:bodyPr wrap="square" lIns="54570" tIns="54570" rIns="54570" bIns="54570" numCol="1" anchor="ctr">
+              <a:noAutofit/>
+            </a:bodyPr>
+            <a:lstStyle/>
+            <a:p>
+              <a:pPr>
+                <a:lnSpc>
+                  <a:spcPct val="80000"/>
+                </a:lnSpc>
+                <a:spcBef>
+                  <a:spcPts val="0"/>
+                </a:spcBef>
+                <a:defRPr b="0">
+                  <a:solidFill>
+                    <a:srgbClr val="000000"/>
+                  </a:solidFill>
+                </a:defRPr>
+              </a:pPr>
+              <a:endParaRPr/>
+            </a:p>
+          </p:txBody>
+        </p:sp>
+        <p:pic>
+          <p:nvPicPr>
+            <p:cNvPr id="50" name="Image" descr="Image">
+              <a:extLst>
+                <a:ext uri="{FF2B5EF4-FFF2-40B4-BE49-F238E27FC236}">
+                  <a16:creationId xmlns:a16="http://schemas.microsoft.com/office/drawing/2014/main" id="{2C41E6BB-366A-4694-8147-E7DB418E8FD0}"/>
+                </a:ext>
+              </a:extLst>
+            </p:cNvPr>
+            <p:cNvPicPr>
+              <a:picLocks noChangeAspect="1"/>
+            </p:cNvPicPr>
+            <p:nvPr/>
+          </p:nvPicPr>
+          <p:blipFill>
+            <a:blip r:embed="rId3"/>
+            <a:stretch>
+              <a:fillRect/>
+            </a:stretch>
+          </p:blipFill>
+          <p:spPr>
+            <a:xfrm>
+              <a:off x="0" y="379670"/>
+              <a:ext cx="5603816" cy="2992964"/>
+            </a:xfrm>
+            <a:prstGeom prst="rect">
+              <a:avLst/>
+            </a:prstGeom>
+            <a:ln w="12700" cap="flat">
+              <a:noFill/>
+              <a:miter lim="400000"/>
+            </a:ln>
+            <a:effectLst/>
+          </p:spPr>
+        </p:pic>
+      </p:grpSp>
+      <p:sp>
+        <p:nvSpPr>
+          <p:cNvPr id="147" name="Line"/>
+          <p:cNvSpPr/>
+          <p:nvPr/>
+        </p:nvSpPr>
+        <p:spPr>
+          <a:xfrm>
+            <a:off x="241300" y="10337513"/>
+            <a:ext cx="13434202" cy="1"/>
+          </a:xfrm>
+          <a:prstGeom prst="line">
+            <a:avLst/>
+          </a:prstGeom>
+          <a:ln w="12700">
+            <a:solidFill>
+              <a:srgbClr val="E4E4E3"/>
+            </a:solidFill>
+            <a:miter lim="400000"/>
+          </a:ln>
+        </p:spPr>
+        <p:txBody>
+          <a:bodyPr lIns="54570" tIns="54570" rIns="54570" bIns="54570" anchor="ctr"/>
+          <a:lstStyle/>
+          <a:p>
+            <a:pPr>
+              <a:lnSpc>
+                <a:spcPct val="80000"/>
+              </a:lnSpc>
+              <a:spcBef>
+                <a:spcPts val="600"/>
+              </a:spcBef>
+              <a:defRPr b="0">
+                <a:solidFill>
+                  <a:srgbClr val="000000"/>
+                </a:solidFill>
+              </a:defRPr>
+            </a:pPr>
+            <a:endParaRPr/>
+          </a:p>
+        </p:txBody>
+      </p:sp>
+      <p:sp>
+        <p:nvSpPr>
+          <p:cNvPr id="152" name="RStudio® is a trademark of RStudio, Inc.  •  CC BY SA Your Name •  your@email.com  •  844-448-1212 • your.website.com •  Learn more at webpage or vignette   •  package version  0.5.0 •  Updated: 2017-01"/>
+          <p:cNvSpPr txBox="1"/>
+          <p:nvPr/>
+        </p:nvSpPr>
+        <p:spPr>
+          <a:xfrm>
+            <a:off x="2353572" y="10347903"/>
+            <a:ext cx="11322666" cy="234855"/>
+          </a:xfrm>
+          <a:prstGeom prst="rect">
+            <a:avLst/>
+          </a:prstGeom>
+          <a:ln w="12700">
+            <a:miter lim="400000"/>
+          </a:ln>
+          <a:extLst>
+            <a:ext uri="{C572A759-6A51-4108-AA02-DFA0A04FC94B}">
+              <ma14:wrappingTextBoxFlag xmlns:ma14="http://schemas.microsoft.com/office/mac/drawingml/2011/main" xmlns:a14="http://schemas.microsoft.com/office/drawing/2010/main" xmlns:m="http://schemas.openxmlformats.org/officeDocument/2006/math" xmlns="" val="1"/>
+            </a:ext>
+          </a:extLst>
+        </p:spPr>
+        <p:txBody>
+          <a:bodyPr lIns="54570" tIns="54570" rIns="54570" bIns="54570" anchor="ctr">
+            <a:spAutoFit/>
+          </a:bodyPr>
+          <a:lstStyle/>
+          <a:p>
+            <a:pPr algn="r">
+              <a:lnSpc>
+                <a:spcPct val="90000"/>
+              </a:lnSpc>
+              <a:spcBef>
+                <a:spcPts val="0"/>
+              </a:spcBef>
+              <a:defRPr sz="900" b="0">
+                <a:solidFill>
+                  <a:srgbClr val="000000"/>
+                </a:solidFill>
+              </a:defRPr>
+            </a:pPr>
+            <a:r>
+              <a:rPr lang="en-US" dirty="0"/>
+              <a:t>CC BY SA Joseph Larmarange • Learn more at </a:t>
+            </a:r>
+            <a:r>
+              <a:rPr lang="en-US" dirty="0">
+                <a:latin typeface="Source Sans Pro Semibold" panose="020B0603030403020204" pitchFamily="34" charset="0"/>
+                <a:ea typeface="Source Sans Pro Semibold" panose="020B0603030403020204" pitchFamily="34" charset="0"/>
+              </a:rPr>
+              <a:t>http://larmarange.github.io/labelled</a:t>
+            </a:r>
+            <a:r>
+              <a:rPr lang="en-US" dirty="0"/>
+              <a:t> •  labelled version  2.5.0 •  Updated: 2020-06</a:t>
+            </a:r>
+          </a:p>
+        </p:txBody>
+      </p:sp>
+      <p:sp>
+        <p:nvSpPr>
+          <p:cNvPr id="7" name="Rectangle 6">
+            <a:extLst>
+              <a:ext uri="{FF2B5EF4-FFF2-40B4-BE49-F238E27FC236}">
+                <a16:creationId xmlns:a16="http://schemas.microsoft.com/office/drawing/2014/main" id="{DBEFBB98-0271-44A0-B3E2-1020E086BB4A}"/>
+              </a:ext>
+            </a:extLst>
+          </p:cNvPr>
+          <p:cNvSpPr/>
+          <p:nvPr/>
+        </p:nvSpPr>
+        <p:spPr>
+          <a:xfrm>
+            <a:off x="108857" y="4767943"/>
+            <a:ext cx="4640364" cy="1836198"/>
+          </a:xfrm>
+          <a:prstGeom prst="rect">
+            <a:avLst/>
+          </a:prstGeom>
+          <a:ln>
+            <a:noFill/>
+          </a:ln>
+        </p:spPr>
+        <p:style>
+          <a:lnRef idx="2">
+            <a:schemeClr val="dk1"/>
+          </a:lnRef>
+          <a:fillRef idx="1">
+            <a:schemeClr val="lt1"/>
+          </a:fillRef>
+          <a:effectRef idx="0">
+            <a:schemeClr val="dk1"/>
+          </a:effectRef>
+          <a:fontRef idx="minor">
+            <a:schemeClr val="dk1"/>
+          </a:fontRef>
+        </p:style>
+        <p:txBody>
+          <a:bodyPr rot="0" spcFirstLastPara="1" vertOverflow="overflow" horzOverflow="overflow" vert="horz" wrap="square" lIns="54570" tIns="54570" rIns="54570" bIns="54570" numCol="1" spcCol="38100" rtlCol="0" anchor="ctr">
+            <a:spAutoFit/>
+          </a:bodyPr>
+          <a:lstStyle/>
+          <a:p>
+            <a:pPr marL="0" marR="0" indent="0" algn="l" defTabSz="584200" rtl="0" fontAlgn="auto" latinLnBrk="0" hangingPunct="0">
+              <a:lnSpc>
+                <a:spcPct val="80000"/>
+              </a:lnSpc>
+              <a:spcBef>
+                <a:spcPts val="0"/>
+              </a:spcBef>
+              <a:spcAft>
+                <a:spcPts val="0"/>
+              </a:spcAft>
+              <a:buClrTx/>
+              <a:buSzTx/>
+              <a:buFontTx/>
+              <a:buNone/>
+              <a:tabLst/>
+            </a:pPr>
+            <a:endParaRPr kumimoji="0" lang="fr-FR" sz="1200" b="0" i="0" u="none" strike="noStrike" cap="none" spc="0" normalizeH="0" baseline="0">
+              <a:ln>
+                <a:noFill/>
+              </a:ln>
+              <a:solidFill>
+                <a:srgbClr val="000000"/>
+              </a:solidFill>
+              <a:effectLst/>
+              <a:uFillTx/>
+              <a:latin typeface="Source Sans Pro"/>
+              <a:ea typeface="Source Sans Pro"/>
+              <a:cs typeface="Source Sans Pro"/>
+              <a:sym typeface="Source Sans Pro"/>
+            </a:endParaRPr>
+          </a:p>
+        </p:txBody>
+      </p:sp>
+      <p:sp>
+        <p:nvSpPr>
+          <p:cNvPr id="197" name="Basics">
+            <a:extLst>
+              <a:ext uri="{FF2B5EF4-FFF2-40B4-BE49-F238E27FC236}">
+                <a16:creationId xmlns:a16="http://schemas.microsoft.com/office/drawing/2014/main" id="{6A39928D-BB47-4A14-AF29-260EC10D2309}"/>
+              </a:ext>
+            </a:extLst>
+          </p:cNvPr>
+          <p:cNvSpPr txBox="1"/>
+          <p:nvPr/>
+        </p:nvSpPr>
+        <p:spPr>
+          <a:xfrm>
+            <a:off x="306210" y="1189233"/>
+            <a:ext cx="3529812" cy="340029"/>
+          </a:xfrm>
+          <a:prstGeom prst="rect">
+            <a:avLst/>
+          </a:prstGeom>
+          <a:ln w="12700">
+            <a:miter lim="400000"/>
+          </a:ln>
+          <a:extLst>
+            <a:ext uri="{C572A759-6A51-4108-AA02-DFA0A04FC94B}">
+              <ma14:wrappingTextBoxFlag xmlns:ma14="http://schemas.microsoft.com/office/mac/drawingml/2011/main" xmlns:a14="http://schemas.microsoft.com/office/drawing/2010/main" xmlns:m="http://schemas.openxmlformats.org/officeDocument/2006/math" xmlns="" val="1"/>
+            </a:ext>
+          </a:extLst>
+        </p:spPr>
+        <p:txBody>
+          <a:bodyPr wrap="none" lIns="12700" tIns="12700" rIns="12700" bIns="12700" anchor="ctr">
+            <a:spAutoFit/>
+          </a:bodyPr>
+          <a:lstStyle/>
+          <a:p>
+            <a:pPr lvl="1" indent="0">
+              <a:lnSpc>
+                <a:spcPct val="80000"/>
+              </a:lnSpc>
+              <a:spcBef>
+                <a:spcPts val="0"/>
+              </a:spcBef>
+              <a:defRPr sz="2500" b="0">
+                <a:solidFill>
+                  <a:srgbClr val="628DB5"/>
+                </a:solidFill>
+              </a:defRPr>
+            </a:pPr>
+            <a:r>
+              <a:rPr lang="fr-FR" dirty="0"/>
+              <a:t>When </a:t>
+            </a:r>
+            <a:r>
+              <a:rPr lang="fr-FR" dirty="0" err="1"/>
+              <a:t>using</a:t>
+            </a:r>
+            <a:r>
+              <a:rPr lang="fr-FR" dirty="0"/>
+              <a:t> </a:t>
+            </a:r>
+            <a:r>
+              <a:rPr lang="fr-FR" dirty="0" err="1"/>
+              <a:t>labelled</a:t>
+            </a:r>
+            <a:r>
+              <a:rPr lang="fr-FR" dirty="0"/>
+              <a:t> data?</a:t>
+            </a:r>
+            <a:endParaRPr dirty="0"/>
+          </a:p>
+        </p:txBody>
+      </p:sp>
+      <p:sp>
+        <p:nvSpPr>
+          <p:cNvPr id="214" name="Line">
+            <a:extLst>
+              <a:ext uri="{FF2B5EF4-FFF2-40B4-BE49-F238E27FC236}">
+                <a16:creationId xmlns:a16="http://schemas.microsoft.com/office/drawing/2014/main" id="{738F2AC3-8E65-46CF-BCF5-9839C7B34EEA}"/>
+              </a:ext>
+            </a:extLst>
+          </p:cNvPr>
+          <p:cNvSpPr/>
+          <p:nvPr/>
+        </p:nvSpPr>
+        <p:spPr>
+          <a:xfrm>
+            <a:off x="323328" y="1164025"/>
+            <a:ext cx="4140391" cy="1"/>
+          </a:xfrm>
+          <a:prstGeom prst="line">
+            <a:avLst/>
+          </a:prstGeom>
+          <a:ln w="12700">
+            <a:solidFill>
+              <a:srgbClr val="E4E4E3"/>
+            </a:solidFill>
+            <a:miter lim="400000"/>
+          </a:ln>
+        </p:spPr>
+        <p:txBody>
+          <a:bodyPr lIns="54570" tIns="54570" rIns="54570" bIns="54570" anchor="ctr"/>
+          <a:lstStyle/>
+          <a:p>
+            <a:pPr>
+              <a:lnSpc>
+                <a:spcPct val="80000"/>
+              </a:lnSpc>
+              <a:spcBef>
+                <a:spcPts val="600"/>
+              </a:spcBef>
+              <a:defRPr b="0">
+                <a:solidFill>
+                  <a:srgbClr val="000000"/>
+                </a:solidFill>
+              </a:defRPr>
+            </a:pPr>
+            <a:endParaRPr/>
+          </a:p>
+        </p:txBody>
+      </p:sp>
+      <p:pic>
+        <p:nvPicPr>
+          <p:cNvPr id="290" name="rstudio.png"/>
+          <p:cNvPicPr>
+            <a:picLocks noChangeAspect="1"/>
+          </p:cNvPicPr>
+          <p:nvPr/>
+        </p:nvPicPr>
+        <p:blipFill>
+          <a:blip r:embed="rId4">
+            <a:extLst>
+              <a:ext uri="{28A0092B-C50C-407E-A947-70E740481C1C}">
+                <a14:useLocalDpi xmlns:a14="http://schemas.microsoft.com/office/drawing/2010/main" val="0"/>
+              </a:ext>
+            </a:extLst>
+          </a:blip>
+          <a:stretch>
+            <a:fillRect/>
+          </a:stretch>
+        </p:blipFill>
+        <p:spPr>
+          <a:xfrm>
+            <a:off x="12294774" y="198660"/>
+            <a:ext cx="1386437" cy="1600913"/>
+          </a:xfrm>
+          <a:prstGeom prst="rect">
+            <a:avLst/>
+          </a:prstGeom>
+          <a:ln w="12700">
+            <a:miter lim="400000"/>
+          </a:ln>
+        </p:spPr>
+      </p:pic>
+      <p:sp>
+        <p:nvSpPr>
+          <p:cNvPr id="303" name="ZoneTexte 302">
+            <a:extLst>
+              <a:ext uri="{FF2B5EF4-FFF2-40B4-BE49-F238E27FC236}">
+                <a16:creationId xmlns:a16="http://schemas.microsoft.com/office/drawing/2014/main" id="{B31A4758-30FD-4C6A-B5FC-4EF597901D51}"/>
+              </a:ext>
+            </a:extLst>
+          </p:cNvPr>
+          <p:cNvSpPr txBox="1"/>
+          <p:nvPr/>
+        </p:nvSpPr>
+        <p:spPr>
+          <a:xfrm>
+            <a:off x="317966" y="1628267"/>
+            <a:ext cx="4115473" cy="3034083"/>
+          </a:xfrm>
+          <a:prstGeom prst="rect">
+            <a:avLst/>
+          </a:prstGeom>
+          <a:noFill/>
+          <a:ln w="12700" cap="flat">
+            <a:noFill/>
+            <a:miter lim="400000"/>
+          </a:ln>
+          <a:effectLst/>
+          <a:sp3d/>
+        </p:spPr>
+        <p:style>
+          <a:lnRef idx="0">
+            <a:scrgbClr r="0" g="0" b="0"/>
+          </a:lnRef>
+          <a:fillRef idx="0">
+            <a:scrgbClr r="0" g="0" b="0"/>
+          </a:fillRef>
+          <a:effectRef idx="0">
+            <a:scrgbClr r="0" g="0" b="0"/>
+          </a:effectRef>
+          <a:fontRef idx="none"/>
+        </p:style>
+        <p:txBody>
+          <a:bodyPr rot="0" spcFirstLastPara="1" vertOverflow="overflow" horzOverflow="overflow" vert="horz" wrap="square" lIns="54570" tIns="54570" rIns="54570" bIns="54570" numCol="1" spcCol="38100" rtlCol="0" anchor="t" anchorCtr="0">
+            <a:spAutoFit/>
+          </a:bodyPr>
+          <a:lstStyle/>
+          <a:p>
+            <a:r>
+              <a:rPr lang="en-US" b="0" i="1" dirty="0" err="1">
+                <a:solidFill>
+                  <a:srgbClr val="000000"/>
+                </a:solidFill>
+              </a:rPr>
+              <a:t>haven_labelled</a:t>
+            </a:r>
+            <a:r>
+              <a:rPr lang="en-US" b="0" dirty="0">
+                <a:solidFill>
+                  <a:srgbClr val="000000"/>
+                </a:solidFill>
+              </a:rPr>
+              <a:t> and </a:t>
+            </a:r>
+            <a:r>
+              <a:rPr lang="en-US" b="0" i="1" dirty="0" err="1">
+                <a:solidFill>
+                  <a:srgbClr val="000000"/>
+                </a:solidFill>
+              </a:rPr>
+              <a:t>haven_labelled_spss</a:t>
+            </a:r>
+            <a:r>
+              <a:rPr lang="en-US" b="0" dirty="0">
+                <a:solidFill>
+                  <a:srgbClr val="000000"/>
+                </a:solidFill>
+              </a:rPr>
+              <a:t> classes introduced in </a:t>
+            </a:r>
+            <a:r>
+              <a:rPr lang="en-US" dirty="0">
+                <a:solidFill>
+                  <a:srgbClr val="000000"/>
+                </a:solidFill>
+              </a:rPr>
+              <a:t>haven</a:t>
+            </a:r>
+            <a:r>
+              <a:rPr lang="en-US" b="0" dirty="0">
+                <a:solidFill>
+                  <a:srgbClr val="000000"/>
+                </a:solidFill>
+              </a:rPr>
+              <a:t> package allow to add metadata (variable labels, value labels and SPSS-style missing values) to vectors / data frame columns and to properly import these metadata from SAS, Stata or SPSS.</a:t>
+            </a:r>
+          </a:p>
+          <a:p>
+            <a:endParaRPr lang="en-US" b="0" dirty="0">
+              <a:solidFill>
+                <a:srgbClr val="000000"/>
+              </a:solidFill>
+            </a:endParaRPr>
+          </a:p>
+          <a:p>
+            <a:r>
+              <a:rPr lang="en-US" b="0" dirty="0">
+                <a:solidFill>
+                  <a:srgbClr val="000000"/>
+                </a:solidFill>
+              </a:rPr>
+              <a:t>It should be noted that </a:t>
+            </a:r>
+            <a:r>
+              <a:rPr lang="en-US" dirty="0">
+                <a:solidFill>
+                  <a:srgbClr val="000000"/>
+                </a:solidFill>
+              </a:rPr>
+              <a:t>value labels</a:t>
+            </a:r>
+            <a:r>
+              <a:rPr lang="en-US" b="0" dirty="0">
+                <a:solidFill>
+                  <a:srgbClr val="000000"/>
+                </a:solidFill>
+              </a:rPr>
+              <a:t> doesn’t imply that your vectors should be considered as categorical or continuous. Therefore, value labels are not intended to be use for data analysis. For example, before performing modeling or plotting, you should convert vectors with value labels into factors or into classic numeric/character vectors.</a:t>
+            </a:r>
+          </a:p>
+          <a:p>
+            <a:endParaRPr lang="en-US" b="0" dirty="0">
+              <a:solidFill>
+                <a:srgbClr val="000000"/>
+              </a:solidFill>
+            </a:endParaRPr>
+          </a:p>
+          <a:p>
+            <a:endParaRPr lang="en-US" b="0" dirty="0">
+              <a:solidFill>
+                <a:srgbClr val="000000"/>
+              </a:solidFill>
+            </a:endParaRPr>
+          </a:p>
+          <a:p>
+            <a:r>
+              <a:rPr lang="en-US" b="0" dirty="0">
+                <a:solidFill>
+                  <a:srgbClr val="000000"/>
+                </a:solidFill>
+              </a:rPr>
+              <a:t>Two main approaches could be considered:</a:t>
+            </a:r>
+          </a:p>
+        </p:txBody>
+      </p:sp>
+      <p:grpSp>
+        <p:nvGrpSpPr>
+          <p:cNvPr id="319" name="Group">
+            <a:extLst>
+              <a:ext uri="{FF2B5EF4-FFF2-40B4-BE49-F238E27FC236}">
+                <a16:creationId xmlns:a16="http://schemas.microsoft.com/office/drawing/2014/main" id="{F93E2D79-72AF-4331-B01F-A5A877CFD45C}"/>
+              </a:ext>
+            </a:extLst>
+          </p:cNvPr>
+          <p:cNvGrpSpPr/>
+          <p:nvPr/>
+        </p:nvGrpSpPr>
+        <p:grpSpPr>
+          <a:xfrm>
+            <a:off x="4770956" y="1164025"/>
+            <a:ext cx="4346834" cy="365236"/>
+            <a:chOff x="-1" y="20678"/>
+            <a:chExt cx="2815851" cy="365235"/>
+          </a:xfrm>
+        </p:grpSpPr>
+        <p:sp>
+          <p:nvSpPr>
+            <p:cNvPr id="320" name="Title">
+              <a:extLst>
+                <a:ext uri="{FF2B5EF4-FFF2-40B4-BE49-F238E27FC236}">
+                  <a16:creationId xmlns:a16="http://schemas.microsoft.com/office/drawing/2014/main" id="{329F79FD-A3AE-43D8-A8A8-7F3552E3D93F}"/>
+                </a:ext>
+              </a:extLst>
+            </p:cNvPr>
+            <p:cNvSpPr txBox="1"/>
+            <p:nvPr/>
+          </p:nvSpPr>
+          <p:spPr>
+            <a:xfrm>
+              <a:off x="-1" y="45885"/>
+              <a:ext cx="2733809" cy="340028"/>
+            </a:xfrm>
+            <a:prstGeom prst="rect">
+              <a:avLst/>
+            </a:prstGeom>
+            <a:noFill/>
+            <a:ln w="12700" cap="flat">
+              <a:noFill/>
+              <a:miter lim="400000"/>
+            </a:ln>
+            <a:effectLst/>
+            <a:extLst>
+              <a:ext uri="{C572A759-6A51-4108-AA02-DFA0A04FC94B}">
+                <ma14:wrappingTextBoxFlag xmlns:ma14="http://schemas.microsoft.com/office/mac/drawingml/2011/main" xmlns:a14="http://schemas.microsoft.com/office/drawing/2010/main" xmlns:m="http://schemas.openxmlformats.org/officeDocument/2006/math" xmlns="" val="1"/>
+              </a:ext>
+            </a:extLst>
+          </p:spPr>
+          <p:txBody>
+            <a:bodyPr wrap="square" lIns="12700" tIns="12700" rIns="12700" bIns="12700" numCol="1" anchor="ctr">
+              <a:spAutoFit/>
+            </a:bodyPr>
+            <a:lstStyle/>
+            <a:p>
+              <a:pPr lvl="1" indent="0">
+                <a:lnSpc>
+                  <a:spcPct val="80000"/>
+                </a:lnSpc>
+                <a:spcBef>
+                  <a:spcPts val="0"/>
+                </a:spcBef>
+                <a:defRPr sz="2500" b="0">
+                  <a:solidFill>
+                    <a:srgbClr val="628DB5"/>
+                  </a:solidFill>
+                </a:defRPr>
+              </a:pPr>
+              <a:r>
+                <a:rPr lang="fr-FR" dirty="0"/>
+                <a:t>Conversion</a:t>
+              </a:r>
+              <a:endParaRPr dirty="0"/>
+            </a:p>
+          </p:txBody>
+        </p:sp>
+        <p:sp>
+          <p:nvSpPr>
+            <p:cNvPr id="321" name="Line">
+              <a:extLst>
+                <a:ext uri="{FF2B5EF4-FFF2-40B4-BE49-F238E27FC236}">
+                  <a16:creationId xmlns:a16="http://schemas.microsoft.com/office/drawing/2014/main" id="{F38D011F-75DF-412E-82B0-3AA38F3E8351}"/>
+                </a:ext>
+              </a:extLst>
+            </p:cNvPr>
+            <p:cNvSpPr/>
+            <p:nvPr/>
+          </p:nvSpPr>
+          <p:spPr>
+            <a:xfrm>
+              <a:off x="17118" y="20678"/>
+              <a:ext cx="2798732" cy="1"/>
+            </a:xfrm>
+            <a:prstGeom prst="line">
+              <a:avLst/>
+            </a:prstGeom>
+            <a:noFill/>
+            <a:ln w="12700" cap="flat">
+              <a:solidFill>
+                <a:srgbClr val="E4E4E3"/>
+              </a:solidFill>
+              <a:prstDash val="solid"/>
+              <a:miter lim="400000"/>
+            </a:ln>
+            <a:effectLst/>
+          </p:spPr>
+          <p:txBody>
+            <a:bodyPr wrap="square" lIns="54570" tIns="54570" rIns="54570" bIns="54570" numCol="1" anchor="ctr">
+              <a:noAutofit/>
+            </a:bodyPr>
+            <a:lstStyle/>
+            <a:p>
+              <a:pPr>
+                <a:lnSpc>
+                  <a:spcPct val="80000"/>
+                </a:lnSpc>
+                <a:spcBef>
+                  <a:spcPts val="600"/>
+                </a:spcBef>
+                <a:defRPr b="0">
+                  <a:solidFill>
+                    <a:srgbClr val="000000"/>
+                  </a:solidFill>
+                </a:defRPr>
+              </a:pPr>
+              <a:endParaRPr/>
+            </a:p>
+          </p:txBody>
+        </p:sp>
+      </p:grpSp>
+      <p:sp>
+        <p:nvSpPr>
+          <p:cNvPr id="322" name="ZoneTexte 321">
+            <a:extLst>
+              <a:ext uri="{FF2B5EF4-FFF2-40B4-BE49-F238E27FC236}">
+                <a16:creationId xmlns:a16="http://schemas.microsoft.com/office/drawing/2014/main" id="{890F54FF-BD82-415C-9D48-292EAD364889}"/>
+              </a:ext>
+            </a:extLst>
+          </p:cNvPr>
+          <p:cNvSpPr txBox="1"/>
+          <p:nvPr/>
+        </p:nvSpPr>
+        <p:spPr>
+          <a:xfrm>
+            <a:off x="4791247" y="2043979"/>
+            <a:ext cx="4299933" cy="4829446"/>
+          </a:xfrm>
+          <a:prstGeom prst="rect">
+            <a:avLst/>
+          </a:prstGeom>
+          <a:noFill/>
+          <a:ln w="12700" cap="flat">
+            <a:noFill/>
+            <a:miter lim="400000"/>
+          </a:ln>
+          <a:effectLst/>
+          <a:sp3d/>
+        </p:spPr>
+        <p:style>
+          <a:lnRef idx="0">
+            <a:scrgbClr r="0" g="0" b="0"/>
+          </a:lnRef>
+          <a:fillRef idx="0">
+            <a:scrgbClr r="0" g="0" b="0"/>
+          </a:fillRef>
+          <a:effectRef idx="0">
+            <a:scrgbClr r="0" g="0" b="0"/>
+          </a:effectRef>
+          <a:fontRef idx="none"/>
+        </p:style>
+        <p:txBody>
+          <a:bodyPr rot="0" spcFirstLastPara="1" vertOverflow="overflow" horzOverflow="overflow" vert="horz" wrap="square" lIns="0" tIns="54570" rIns="54570" bIns="54570" numCol="1" spcCol="38100" rtlCol="0" anchor="t" anchorCtr="0">
+            <a:spAutoFit/>
+          </a:bodyPr>
+          <a:lstStyle/>
+          <a:p>
+            <a:pPr>
+              <a:spcBef>
+                <a:spcPts val="0"/>
+              </a:spcBef>
+              <a:spcAft>
+                <a:spcPts val="800"/>
+              </a:spcAft>
+            </a:pPr>
+            <a:r>
+              <a:rPr kumimoji="0" lang="en-GB" sz="1200" i="0" u="none" strike="noStrike" cap="none" spc="0" normalizeH="0" baseline="0" dirty="0" err="1">
+                <a:ln>
+                  <a:noFill/>
+                </a:ln>
+                <a:solidFill>
+                  <a:srgbClr val="000000"/>
+                </a:solidFill>
+                <a:effectLst/>
+                <a:uFillTx/>
+                <a:sym typeface="Source Sans Pro"/>
+              </a:rPr>
+              <a:t>val_label</a:t>
+            </a:r>
+            <a:r>
+              <a:rPr kumimoji="0" lang="en-GB" sz="1200" b="0" i="0" u="none" strike="noStrike" cap="none" spc="0" normalizeH="0" baseline="0" dirty="0">
+                <a:ln>
+                  <a:noFill/>
+                </a:ln>
+                <a:solidFill>
+                  <a:srgbClr val="000000"/>
+                </a:solidFill>
+                <a:effectLst/>
+                <a:uFillTx/>
+                <a:sym typeface="Source Sans Pro"/>
+              </a:rPr>
+              <a:t>(x, value)    </a:t>
+            </a:r>
+            <a:r>
+              <a:rPr kumimoji="0" lang="en-GB" sz="1200" b="0" i="1" u="none" strike="noStrike" cap="none" spc="0" normalizeH="0" baseline="0" dirty="0">
+                <a:ln>
+                  <a:noFill/>
+                </a:ln>
+                <a:solidFill>
+                  <a:srgbClr val="000000"/>
+                </a:solidFill>
+                <a:effectLst/>
+                <a:uFillTx/>
+                <a:sym typeface="Source Sans Pro"/>
+              </a:rPr>
+              <a:t>or</a:t>
+            </a:r>
+            <a:r>
+              <a:rPr kumimoji="0" lang="en-GB" sz="1200" b="0" i="0" u="none" strike="noStrike" cap="none" spc="0" normalizeH="0" baseline="0" dirty="0">
+                <a:ln>
+                  <a:noFill/>
+                </a:ln>
+                <a:solidFill>
+                  <a:srgbClr val="000000"/>
+                </a:solidFill>
+                <a:effectLst/>
+                <a:uFillTx/>
+                <a:sym typeface="Source Sans Pro"/>
+              </a:rPr>
+              <a:t>     </a:t>
+            </a:r>
+            <a:r>
+              <a:rPr lang="en-GB" dirty="0" err="1">
+                <a:solidFill>
+                  <a:srgbClr val="000000"/>
+                </a:solidFill>
+              </a:rPr>
+              <a:t>val_label</a:t>
+            </a:r>
+            <a:r>
+              <a:rPr lang="en-GB" b="0" dirty="0">
+                <a:solidFill>
+                  <a:srgbClr val="000000"/>
+                </a:solidFill>
+              </a:rPr>
+              <a:t>(df$v1, value)</a:t>
+            </a:r>
+            <a:br>
+              <a:rPr kumimoji="0" lang="en-GB" sz="1200" b="0" i="0" u="none" strike="noStrike" cap="none" spc="0" normalizeH="0" baseline="0" dirty="0">
+                <a:ln>
+                  <a:noFill/>
+                </a:ln>
+                <a:solidFill>
+                  <a:srgbClr val="000000"/>
+                </a:solidFill>
+                <a:effectLst/>
+                <a:uFillTx/>
+                <a:sym typeface="Source Sans Pro"/>
+              </a:rPr>
+            </a:br>
+            <a:r>
+              <a:rPr kumimoji="0" lang="en-GB" sz="1200" b="0" i="0" u="none" strike="noStrike" cap="none" spc="0" normalizeH="0" baseline="0" dirty="0">
+                <a:ln>
+                  <a:noFill/>
+                </a:ln>
+                <a:solidFill>
+                  <a:srgbClr val="000000"/>
+                </a:solidFill>
+                <a:effectLst/>
+                <a:uFillTx/>
+                <a:latin typeface="Source Sans Pro"/>
+                <a:ea typeface="Source Sans Pro"/>
+                <a:cs typeface="Source Sans Pro"/>
+                <a:sym typeface="Source Sans Pro"/>
+              </a:rPr>
+              <a:t>Get the label attached to a specific value of a vector</a:t>
+            </a:r>
+          </a:p>
+          <a:p>
+            <a:pPr>
+              <a:spcBef>
+                <a:spcPts val="0"/>
+              </a:spcBef>
+              <a:spcAft>
+                <a:spcPts val="800"/>
+              </a:spcAft>
+            </a:pPr>
+            <a:r>
+              <a:rPr lang="en-GB" dirty="0" err="1">
+                <a:solidFill>
+                  <a:srgbClr val="000000"/>
+                </a:solidFill>
+              </a:rPr>
+              <a:t>val_label</a:t>
+            </a:r>
+            <a:r>
+              <a:rPr lang="en-GB" b="0" dirty="0">
+                <a:solidFill>
+                  <a:srgbClr val="000000"/>
+                </a:solidFill>
+              </a:rPr>
+              <a:t>(x, value) &lt;- "label"</a:t>
+            </a:r>
+            <a:br>
+              <a:rPr lang="en-GB" b="0" dirty="0">
+                <a:solidFill>
+                  <a:srgbClr val="000000"/>
+                </a:solidFill>
+              </a:rPr>
+            </a:br>
+            <a:r>
+              <a:rPr lang="en-GB" b="0" dirty="0">
+                <a:solidFill>
+                  <a:srgbClr val="000000"/>
+                </a:solidFill>
+              </a:rPr>
+              <a:t>Set/Update the label attached to a specific value</a:t>
+            </a:r>
+          </a:p>
+          <a:p>
+            <a:pPr>
+              <a:spcBef>
+                <a:spcPts val="0"/>
+              </a:spcBef>
+              <a:spcAft>
+                <a:spcPts val="800"/>
+              </a:spcAft>
+            </a:pPr>
+            <a:r>
+              <a:rPr lang="en-GB" dirty="0" err="1">
+                <a:solidFill>
+                  <a:srgbClr val="000000"/>
+                </a:solidFill>
+              </a:rPr>
+              <a:t>val_label</a:t>
+            </a:r>
+            <a:r>
+              <a:rPr lang="en-GB" b="0" dirty="0">
+                <a:solidFill>
+                  <a:srgbClr val="000000"/>
+                </a:solidFill>
+              </a:rPr>
+              <a:t>(x, value) &lt;- NULL</a:t>
+            </a:r>
+            <a:br>
+              <a:rPr lang="en-GB" b="0" dirty="0">
+                <a:solidFill>
+                  <a:srgbClr val="000000"/>
+                </a:solidFill>
+              </a:rPr>
+            </a:br>
+            <a:r>
+              <a:rPr lang="en-GB" b="0" dirty="0">
+                <a:solidFill>
+                  <a:srgbClr val="000000"/>
+                </a:solidFill>
+              </a:rPr>
+              <a:t>Remove the label attached to a specific value</a:t>
+            </a:r>
+          </a:p>
+          <a:p>
+            <a:pPr>
+              <a:spcBef>
+                <a:spcPts val="0"/>
+              </a:spcBef>
+              <a:spcAft>
+                <a:spcPts val="800"/>
+              </a:spcAft>
+            </a:pPr>
+            <a:r>
+              <a:rPr lang="en-GB" dirty="0" err="1">
+                <a:solidFill>
+                  <a:srgbClr val="000000"/>
+                </a:solidFill>
+              </a:rPr>
+              <a:t>val_labels</a:t>
+            </a:r>
+            <a:r>
+              <a:rPr lang="en-GB" b="0" dirty="0">
+                <a:solidFill>
+                  <a:srgbClr val="000000"/>
+                </a:solidFill>
+              </a:rPr>
+              <a:t>(x)</a:t>
+            </a:r>
+            <a:br>
+              <a:rPr lang="en-GB" b="0" dirty="0">
+                <a:solidFill>
+                  <a:srgbClr val="000000"/>
+                </a:solidFill>
+              </a:rPr>
+            </a:br>
+            <a:r>
+              <a:rPr lang="en-GB" b="0" dirty="0">
+                <a:solidFill>
+                  <a:srgbClr val="000000"/>
+                </a:solidFill>
+              </a:rPr>
+              <a:t>Get all value labels attached to a vector</a:t>
+            </a:r>
+          </a:p>
+          <a:p>
+            <a:pPr>
+              <a:spcBef>
+                <a:spcPts val="0"/>
+              </a:spcBef>
+              <a:spcAft>
+                <a:spcPts val="800"/>
+              </a:spcAft>
+            </a:pPr>
+            <a:r>
+              <a:rPr lang="en-GB" dirty="0" err="1">
+                <a:solidFill>
+                  <a:srgbClr val="000000"/>
+                </a:solidFill>
+              </a:rPr>
+              <a:t>val_labels</a:t>
+            </a:r>
+            <a:r>
+              <a:rPr lang="en-GB" b="0" dirty="0">
+                <a:solidFill>
+                  <a:srgbClr val="000000"/>
+                </a:solidFill>
+              </a:rPr>
+              <a:t>(x) &lt;- c(no = 0, yes = 1, maybe = 9) </a:t>
+            </a:r>
+            <a:br>
+              <a:rPr lang="en-GB" b="0" dirty="0">
+                <a:solidFill>
+                  <a:srgbClr val="000000"/>
+                </a:solidFill>
+              </a:rPr>
+            </a:br>
+            <a:r>
+              <a:rPr lang="en-GB" b="0" dirty="0">
+                <a:solidFill>
+                  <a:srgbClr val="000000"/>
+                </a:solidFill>
+              </a:rPr>
+              <a:t>Set/Update all value labels attached to a vector</a:t>
+            </a:r>
+          </a:p>
+          <a:p>
+            <a:pPr>
+              <a:spcBef>
+                <a:spcPts val="0"/>
+              </a:spcBef>
+              <a:spcAft>
+                <a:spcPts val="800"/>
+              </a:spcAft>
+            </a:pPr>
+            <a:r>
+              <a:rPr lang="en-GB" dirty="0" err="1">
+                <a:solidFill>
+                  <a:srgbClr val="000000"/>
+                </a:solidFill>
+              </a:rPr>
+              <a:t>val_labels</a:t>
+            </a:r>
+            <a:r>
+              <a:rPr lang="en-GB" b="0" dirty="0">
+                <a:solidFill>
+                  <a:srgbClr val="000000"/>
+                </a:solidFill>
+              </a:rPr>
+              <a:t>(x) &lt;- NULL</a:t>
+            </a:r>
+            <a:br>
+              <a:rPr lang="en-GB" b="0" dirty="0">
+                <a:solidFill>
+                  <a:srgbClr val="000000"/>
+                </a:solidFill>
+              </a:rPr>
+            </a:br>
+            <a:r>
+              <a:rPr lang="en-GB" b="0" dirty="0">
+                <a:solidFill>
+                  <a:srgbClr val="000000"/>
+                </a:solidFill>
+              </a:rPr>
+              <a:t>Remove all value labels attached to a vector</a:t>
+            </a:r>
+          </a:p>
+          <a:p>
+            <a:pPr>
+              <a:spcBef>
+                <a:spcPts val="0"/>
+              </a:spcBef>
+              <a:spcAft>
+                <a:spcPts val="800"/>
+              </a:spcAft>
+            </a:pPr>
+            <a:r>
+              <a:rPr lang="en-US" dirty="0">
+                <a:solidFill>
+                  <a:srgbClr val="000000"/>
+                </a:solidFill>
+              </a:rPr>
+              <a:t>labelled</a:t>
+            </a:r>
+            <a:r>
+              <a:rPr lang="en-US" b="0" dirty="0">
+                <a:solidFill>
+                  <a:srgbClr val="000000"/>
+                </a:solidFill>
+              </a:rPr>
+              <a:t>(c("F", "F", "M"),  c(Female = "F", Male = "M"))</a:t>
+            </a:r>
+            <a:br>
+              <a:rPr lang="en-US" b="0" dirty="0">
+                <a:solidFill>
+                  <a:srgbClr val="000000"/>
+                </a:solidFill>
+              </a:rPr>
+            </a:br>
+            <a:r>
+              <a:rPr lang="en-US" b="0" dirty="0">
+                <a:solidFill>
+                  <a:srgbClr val="000000"/>
+                </a:solidFill>
+              </a:rPr>
+              <a:t>Create a labelled vector</a:t>
+            </a:r>
+          </a:p>
+          <a:p>
+            <a:pPr>
+              <a:spcBef>
+                <a:spcPts val="0"/>
+              </a:spcBef>
+              <a:spcAft>
+                <a:spcPts val="800"/>
+              </a:spcAft>
+            </a:pPr>
+            <a:r>
+              <a:rPr lang="en-GB" dirty="0" err="1">
+                <a:solidFill>
+                  <a:srgbClr val="000000"/>
+                </a:solidFill>
+              </a:rPr>
+              <a:t>sort_val_labels</a:t>
+            </a:r>
+            <a:r>
+              <a:rPr lang="en-GB" b="0" dirty="0">
+                <a:solidFill>
+                  <a:srgbClr val="000000"/>
+                </a:solidFill>
+              </a:rPr>
+              <a:t>(x, </a:t>
+            </a:r>
+            <a:r>
+              <a:rPr lang="en-GB" b="0" dirty="0" err="1">
+                <a:solidFill>
+                  <a:srgbClr val="000000"/>
+                </a:solidFill>
+              </a:rPr>
+              <a:t>according_to</a:t>
+            </a:r>
+            <a:r>
+              <a:rPr lang="en-GB" b="0" dirty="0">
+                <a:solidFill>
+                  <a:srgbClr val="000000"/>
+                </a:solidFill>
+              </a:rPr>
+              <a:t> = "values")</a:t>
+            </a:r>
+            <a:br>
+              <a:rPr lang="en-GB" b="0" dirty="0">
+                <a:solidFill>
+                  <a:srgbClr val="000000"/>
+                </a:solidFill>
+              </a:rPr>
+            </a:br>
+            <a:r>
+              <a:rPr lang="en-GB" b="0" dirty="0">
+                <a:solidFill>
+                  <a:srgbClr val="000000"/>
+                </a:solidFill>
+              </a:rPr>
+              <a:t>Sort value labels according to values (or labels)</a:t>
+            </a:r>
+          </a:p>
+          <a:p>
+            <a:pPr>
+              <a:spcBef>
+                <a:spcPts val="0"/>
+              </a:spcBef>
+              <a:spcAft>
+                <a:spcPts val="800"/>
+              </a:spcAft>
+            </a:pPr>
+            <a:r>
+              <a:rPr lang="en-GB" dirty="0" err="1">
+                <a:solidFill>
+                  <a:srgbClr val="000000"/>
+                </a:solidFill>
+              </a:rPr>
+              <a:t>nolabel_to_na</a:t>
+            </a:r>
+            <a:r>
+              <a:rPr lang="en-GB" b="0" dirty="0">
+                <a:solidFill>
+                  <a:srgbClr val="000000"/>
+                </a:solidFill>
+              </a:rPr>
+              <a:t>(x)</a:t>
+            </a:r>
+            <a:br>
+              <a:rPr lang="en-GB" b="0" dirty="0">
+                <a:solidFill>
+                  <a:srgbClr val="000000"/>
+                </a:solidFill>
+              </a:rPr>
+            </a:br>
+            <a:r>
+              <a:rPr lang="en-GB" b="0" dirty="0">
+                <a:solidFill>
+                  <a:srgbClr val="000000"/>
+                </a:solidFill>
+              </a:rPr>
+              <a:t>Values with no label are converted to NA values</a:t>
+            </a:r>
+          </a:p>
+          <a:p>
+            <a:pPr>
+              <a:spcBef>
+                <a:spcPts val="0"/>
+              </a:spcBef>
+              <a:spcAft>
+                <a:spcPts val="800"/>
+              </a:spcAft>
+            </a:pPr>
+            <a:r>
+              <a:rPr lang="en-GB" dirty="0" err="1">
+                <a:solidFill>
+                  <a:srgbClr val="000000"/>
+                </a:solidFill>
+              </a:rPr>
+              <a:t>val_labels_to_na</a:t>
+            </a:r>
+            <a:r>
+              <a:rPr lang="en-GB" b="0" dirty="0">
+                <a:solidFill>
+                  <a:srgbClr val="000000"/>
+                </a:solidFill>
+              </a:rPr>
+              <a:t>(x)</a:t>
+            </a:r>
+            <a:br>
+              <a:rPr lang="en-GB" b="0" dirty="0">
+                <a:solidFill>
+                  <a:srgbClr val="000000"/>
+                </a:solidFill>
+              </a:rPr>
+            </a:br>
+            <a:r>
+              <a:rPr lang="en-GB" b="0" dirty="0">
+                <a:solidFill>
+                  <a:srgbClr val="000000"/>
+                </a:solidFill>
+              </a:rPr>
+              <a:t>Values with a label are converted to NA values</a:t>
+            </a:r>
+          </a:p>
+        </p:txBody>
+      </p:sp>
+      <p:grpSp>
+        <p:nvGrpSpPr>
+          <p:cNvPr id="323" name="Group">
+            <a:extLst>
+              <a:ext uri="{FF2B5EF4-FFF2-40B4-BE49-F238E27FC236}">
+                <a16:creationId xmlns:a16="http://schemas.microsoft.com/office/drawing/2014/main" id="{986D0DFA-5281-4D52-BC5C-AB5935F0012C}"/>
+              </a:ext>
+            </a:extLst>
+          </p:cNvPr>
+          <p:cNvGrpSpPr/>
+          <p:nvPr/>
+        </p:nvGrpSpPr>
+        <p:grpSpPr>
+          <a:xfrm>
+            <a:off x="4770956" y="1657903"/>
+            <a:ext cx="4346836" cy="226109"/>
+            <a:chOff x="0" y="0"/>
+            <a:chExt cx="2818195" cy="226107"/>
+          </a:xfrm>
+        </p:grpSpPr>
+        <p:sp>
+          <p:nvSpPr>
+            <p:cNvPr id="324" name="SUBTITLE">
+              <a:extLst>
+                <a:ext uri="{FF2B5EF4-FFF2-40B4-BE49-F238E27FC236}">
+                  <a16:creationId xmlns:a16="http://schemas.microsoft.com/office/drawing/2014/main" id="{440D70B3-BEB2-42F4-963E-2A9EC33A7F76}"/>
+                </a:ext>
+              </a:extLst>
+            </p:cNvPr>
+            <p:cNvSpPr txBox="1"/>
+            <p:nvPr/>
+          </p:nvSpPr>
+          <p:spPr>
+            <a:xfrm>
+              <a:off x="0" y="15795"/>
+              <a:ext cx="1053829" cy="210312"/>
+            </a:xfrm>
+            <a:prstGeom prst="rect">
+              <a:avLst/>
+            </a:prstGeom>
+            <a:noFill/>
+            <a:ln w="12700" cap="flat">
+              <a:noFill/>
+              <a:miter lim="400000"/>
+            </a:ln>
+            <a:effectLst/>
+            <a:extLst>
+              <a:ext uri="{C572A759-6A51-4108-AA02-DFA0A04FC94B}">
+                <ma14:wrappingTextBoxFlag xmlns:ma14="http://schemas.microsoft.com/office/mac/drawingml/2011/main" xmlns:a14="http://schemas.microsoft.com/office/drawing/2010/main" xmlns:m="http://schemas.openxmlformats.org/officeDocument/2006/math" xmlns="" val="1"/>
+              </a:ext>
+            </a:extLst>
+          </p:spPr>
+          <p:txBody>
+            <a:bodyPr wrap="none" lIns="12700" tIns="12700" rIns="12700" bIns="12700" numCol="1" anchor="ctr">
+              <a:spAutoFit/>
+            </a:bodyPr>
+            <a:lstStyle/>
+            <a:p>
+              <a:pPr lvl="1" indent="0"/>
+              <a:r>
+                <a:rPr lang="fr-FR" dirty="0"/>
+                <a:t>OF A LABELLED VECTOR</a:t>
+              </a:r>
+              <a:endParaRPr dirty="0"/>
+            </a:p>
+          </p:txBody>
+        </p:sp>
+        <p:sp>
+          <p:nvSpPr>
+            <p:cNvPr id="325" name="Line">
+              <a:extLst>
+                <a:ext uri="{FF2B5EF4-FFF2-40B4-BE49-F238E27FC236}">
+                  <a16:creationId xmlns:a16="http://schemas.microsoft.com/office/drawing/2014/main" id="{7B7D5F12-F484-48B8-BDEB-D296BC5C69B8}"/>
+                </a:ext>
+              </a:extLst>
+            </p:cNvPr>
+            <p:cNvSpPr/>
+            <p:nvPr/>
+          </p:nvSpPr>
+          <p:spPr>
+            <a:xfrm>
+              <a:off x="23250" y="0"/>
+              <a:ext cx="2794945" cy="0"/>
+            </a:xfrm>
+            <a:prstGeom prst="line">
+              <a:avLst/>
+            </a:prstGeom>
+            <a:noFill/>
+            <a:ln w="12700" cap="flat">
+              <a:solidFill>
+                <a:srgbClr val="E0E0E0"/>
+              </a:solidFill>
+              <a:custDash>
+                <a:ds d="100000" sp="200000"/>
+              </a:custDash>
+              <a:round/>
+            </a:ln>
+            <a:effectLst/>
+          </p:spPr>
+          <p:txBody>
+            <a:bodyPr wrap="square" lIns="54570" tIns="54570" rIns="54570" bIns="54570" numCol="1" anchor="ctr">
+              <a:noAutofit/>
+            </a:bodyPr>
+            <a:lstStyle/>
+            <a:p>
+              <a:pPr>
+                <a:lnSpc>
+                  <a:spcPct val="80000"/>
+                </a:lnSpc>
+                <a:spcBef>
+                  <a:spcPts val="600"/>
+                </a:spcBef>
+                <a:defRPr b="0">
+                  <a:solidFill>
+                    <a:srgbClr val="000000"/>
+                  </a:solidFill>
+                </a:defRPr>
+              </a:pPr>
+              <a:endParaRPr/>
+            </a:p>
+          </p:txBody>
+        </p:sp>
+      </p:grpSp>
+      <p:grpSp>
+        <p:nvGrpSpPr>
+          <p:cNvPr id="326" name="Group">
+            <a:extLst>
+              <a:ext uri="{FF2B5EF4-FFF2-40B4-BE49-F238E27FC236}">
+                <a16:creationId xmlns:a16="http://schemas.microsoft.com/office/drawing/2014/main" id="{0C62CE7D-D483-4224-91F9-0C6906FC1585}"/>
+              </a:ext>
+            </a:extLst>
+          </p:cNvPr>
+          <p:cNvGrpSpPr/>
+          <p:nvPr/>
+        </p:nvGrpSpPr>
+        <p:grpSpPr>
+          <a:xfrm>
+            <a:off x="4755546" y="7483401"/>
+            <a:ext cx="4346836" cy="226109"/>
+            <a:chOff x="0" y="0"/>
+            <a:chExt cx="2818195" cy="226107"/>
+          </a:xfrm>
+        </p:grpSpPr>
+        <p:sp>
+          <p:nvSpPr>
+            <p:cNvPr id="327" name="SUBTITLE">
+              <a:extLst>
+                <a:ext uri="{FF2B5EF4-FFF2-40B4-BE49-F238E27FC236}">
+                  <a16:creationId xmlns:a16="http://schemas.microsoft.com/office/drawing/2014/main" id="{254F95DE-48F3-496D-9A86-929CBBD9C7FF}"/>
+                </a:ext>
+              </a:extLst>
+            </p:cNvPr>
+            <p:cNvSpPr txBox="1"/>
+            <p:nvPr/>
+          </p:nvSpPr>
+          <p:spPr>
+            <a:xfrm>
+              <a:off x="0" y="15795"/>
+              <a:ext cx="1153599" cy="210312"/>
+            </a:xfrm>
+            <a:prstGeom prst="rect">
+              <a:avLst/>
+            </a:prstGeom>
+            <a:noFill/>
+            <a:ln w="12700" cap="flat">
+              <a:noFill/>
+              <a:miter lim="400000"/>
+            </a:ln>
+            <a:effectLst/>
+            <a:extLst>
+              <a:ext uri="{C572A759-6A51-4108-AA02-DFA0A04FC94B}">
+                <ma14:wrappingTextBoxFlag xmlns:ma14="http://schemas.microsoft.com/office/mac/drawingml/2011/main" xmlns:a14="http://schemas.microsoft.com/office/drawing/2010/main" xmlns:m="http://schemas.openxmlformats.org/officeDocument/2006/math" xmlns="" val="1"/>
+              </a:ext>
+            </a:extLst>
+          </p:spPr>
+          <p:txBody>
+            <a:bodyPr wrap="none" lIns="12700" tIns="12700" rIns="12700" bIns="12700" numCol="1" anchor="ctr">
+              <a:spAutoFit/>
+            </a:bodyPr>
+            <a:lstStyle/>
+            <a:p>
+              <a:pPr lvl="1" indent="0"/>
+              <a:r>
+                <a:rPr lang="fr-FR" dirty="0"/>
+                <a:t>INTO A LABELLED VECTOR</a:t>
+              </a:r>
+              <a:endParaRPr dirty="0"/>
+            </a:p>
+          </p:txBody>
+        </p:sp>
+        <p:sp>
+          <p:nvSpPr>
+            <p:cNvPr id="328" name="Line">
+              <a:extLst>
+                <a:ext uri="{FF2B5EF4-FFF2-40B4-BE49-F238E27FC236}">
+                  <a16:creationId xmlns:a16="http://schemas.microsoft.com/office/drawing/2014/main" id="{B2440E68-BF99-4EC8-A20B-8E6ECEC77BB8}"/>
+                </a:ext>
+              </a:extLst>
+            </p:cNvPr>
+            <p:cNvSpPr/>
+            <p:nvPr/>
+          </p:nvSpPr>
+          <p:spPr>
+            <a:xfrm>
+              <a:off x="23250" y="0"/>
+              <a:ext cx="2794945" cy="0"/>
+            </a:xfrm>
+            <a:prstGeom prst="line">
+              <a:avLst/>
+            </a:prstGeom>
+            <a:noFill/>
+            <a:ln w="12700" cap="flat">
+              <a:solidFill>
+                <a:srgbClr val="E0E0E0"/>
+              </a:solidFill>
+              <a:custDash>
+                <a:ds d="100000" sp="200000"/>
+              </a:custDash>
+              <a:round/>
+            </a:ln>
+            <a:effectLst/>
+          </p:spPr>
+          <p:txBody>
+            <a:bodyPr wrap="square" lIns="54570" tIns="54570" rIns="54570" bIns="54570" numCol="1" anchor="ctr">
+              <a:noAutofit/>
+            </a:bodyPr>
+            <a:lstStyle/>
+            <a:p>
+              <a:pPr>
+                <a:lnSpc>
+                  <a:spcPct val="80000"/>
+                </a:lnSpc>
+                <a:spcBef>
+                  <a:spcPts val="600"/>
+                </a:spcBef>
+                <a:defRPr b="0">
+                  <a:solidFill>
+                    <a:srgbClr val="000000"/>
+                  </a:solidFill>
+                </a:defRPr>
+              </a:pPr>
+              <a:endParaRPr dirty="0"/>
+            </a:p>
+          </p:txBody>
+        </p:sp>
+      </p:grpSp>
+      <p:sp>
+        <p:nvSpPr>
+          <p:cNvPr id="329" name="ZoneTexte 328">
+            <a:extLst>
+              <a:ext uri="{FF2B5EF4-FFF2-40B4-BE49-F238E27FC236}">
+                <a16:creationId xmlns:a16="http://schemas.microsoft.com/office/drawing/2014/main" id="{98BCF420-3D3B-4C05-848D-2053235E9346}"/>
+              </a:ext>
+            </a:extLst>
+          </p:cNvPr>
+          <p:cNvSpPr txBox="1"/>
+          <p:nvPr/>
+        </p:nvSpPr>
+        <p:spPr>
+          <a:xfrm>
+            <a:off x="4791246" y="7719899"/>
+            <a:ext cx="4299933" cy="2367234"/>
+          </a:xfrm>
+          <a:prstGeom prst="rect">
+            <a:avLst/>
+          </a:prstGeom>
+          <a:noFill/>
+          <a:ln w="12700" cap="flat">
+            <a:noFill/>
+            <a:miter lim="400000"/>
+          </a:ln>
+          <a:effectLst/>
+          <a:sp3d/>
+        </p:spPr>
+        <p:style>
+          <a:lnRef idx="0">
+            <a:scrgbClr r="0" g="0" b="0"/>
+          </a:lnRef>
+          <a:fillRef idx="0">
+            <a:scrgbClr r="0" g="0" b="0"/>
+          </a:fillRef>
+          <a:effectRef idx="0">
+            <a:scrgbClr r="0" g="0" b="0"/>
+          </a:effectRef>
+          <a:fontRef idx="none"/>
+        </p:style>
+        <p:txBody>
+          <a:bodyPr rot="0" spcFirstLastPara="1" vertOverflow="overflow" horzOverflow="overflow" vert="horz" wrap="square" lIns="0" tIns="54570" rIns="54570" bIns="54570" numCol="1" spcCol="38100" rtlCol="0" anchor="t" anchorCtr="0">
+            <a:spAutoFit/>
+          </a:bodyPr>
+          <a:lstStyle/>
+          <a:p>
+            <a:pPr>
+              <a:spcBef>
+                <a:spcPts val="0"/>
+              </a:spcBef>
+              <a:spcAft>
+                <a:spcPts val="800"/>
+              </a:spcAft>
+            </a:pPr>
+            <a:r>
+              <a:rPr lang="en-US" b="0" dirty="0">
+                <a:solidFill>
+                  <a:srgbClr val="000000"/>
+                </a:solidFill>
+              </a:rPr>
+              <a:t>df %&gt;% </a:t>
+            </a:r>
+            <a:r>
+              <a:rPr lang="en-US" dirty="0" err="1">
+                <a:solidFill>
+                  <a:srgbClr val="000000"/>
+                </a:solidFill>
+              </a:rPr>
+              <a:t>set_value_labels</a:t>
+            </a:r>
+            <a:r>
+              <a:rPr lang="en-US" b="0" dirty="0">
+                <a:solidFill>
+                  <a:srgbClr val="000000"/>
+                </a:solidFill>
+              </a:rPr>
+              <a:t>(v1 = c(Yes = 1, No = 2), </a:t>
+            </a:r>
+            <a:br>
+              <a:rPr lang="en-US" b="0" dirty="0">
+                <a:solidFill>
+                  <a:srgbClr val="000000"/>
+                </a:solidFill>
+              </a:rPr>
+            </a:br>
+            <a:r>
+              <a:rPr lang="en-US" b="0" dirty="0">
+                <a:solidFill>
+                  <a:srgbClr val="000000"/>
+                </a:solidFill>
+              </a:rPr>
+              <a:t>v2 = c(Male = "M", Female = "F"))</a:t>
+            </a:r>
+            <a:br>
+              <a:rPr lang="en-US" b="0" dirty="0">
+                <a:solidFill>
+                  <a:srgbClr val="000000"/>
+                </a:solidFill>
+              </a:rPr>
+            </a:br>
+            <a:r>
+              <a:rPr lang="en-US" b="0" dirty="0">
+                <a:solidFill>
+                  <a:srgbClr val="000000"/>
+                </a:solidFill>
+              </a:rPr>
+              <a:t>Define value labels of several variables</a:t>
+            </a:r>
+          </a:p>
+          <a:p>
+            <a:pPr>
+              <a:spcBef>
+                <a:spcPts val="0"/>
+              </a:spcBef>
+              <a:spcAft>
+                <a:spcPts val="800"/>
+              </a:spcAft>
+            </a:pPr>
+            <a:r>
+              <a:rPr lang="en-US" b="0" dirty="0">
+                <a:solidFill>
+                  <a:srgbClr val="000000"/>
+                </a:solidFill>
+              </a:rPr>
+              <a:t>df %&gt;% </a:t>
+            </a:r>
+            <a:r>
+              <a:rPr lang="en-US" dirty="0" err="1">
+                <a:solidFill>
+                  <a:srgbClr val="000000"/>
+                </a:solidFill>
+              </a:rPr>
+              <a:t>add_value_labels</a:t>
+            </a:r>
+            <a:r>
+              <a:rPr lang="en-US" b="0" dirty="0">
+                <a:solidFill>
+                  <a:srgbClr val="000000"/>
+                </a:solidFill>
+              </a:rPr>
+              <a:t>(v1 = c(Unknown = 9))</a:t>
+            </a:r>
+            <a:br>
+              <a:rPr lang="en-US" b="0" dirty="0">
+                <a:solidFill>
+                  <a:srgbClr val="000000"/>
+                </a:solidFill>
+              </a:rPr>
+            </a:br>
+            <a:r>
+              <a:rPr lang="en-US" b="0" dirty="0">
+                <a:solidFill>
+                  <a:srgbClr val="000000"/>
+                </a:solidFill>
+              </a:rPr>
+              <a:t>Add specific value labels to a variable (other already defined value labels remains unchanged)</a:t>
+            </a:r>
+          </a:p>
+          <a:p>
+            <a:pPr>
+              <a:spcBef>
+                <a:spcPts val="0"/>
+              </a:spcBef>
+              <a:spcAft>
+                <a:spcPts val="800"/>
+              </a:spcAft>
+            </a:pPr>
+            <a:r>
+              <a:rPr lang="en-US" b="0" dirty="0">
+                <a:solidFill>
+                  <a:srgbClr val="000000"/>
+                </a:solidFill>
+              </a:rPr>
+              <a:t>df %&gt;% </a:t>
+            </a:r>
+            <a:r>
+              <a:rPr lang="en-US" dirty="0" err="1">
+                <a:solidFill>
+                  <a:srgbClr val="000000"/>
+                </a:solidFill>
+              </a:rPr>
+              <a:t>remove_value_labels</a:t>
+            </a:r>
+            <a:r>
+              <a:rPr lang="en-US" b="0" dirty="0">
+                <a:solidFill>
+                  <a:srgbClr val="000000"/>
+                </a:solidFill>
+              </a:rPr>
+              <a:t>(v1 = 9)</a:t>
+            </a:r>
+            <a:br>
+              <a:rPr lang="en-US" b="0" dirty="0">
+                <a:solidFill>
+                  <a:srgbClr val="000000"/>
+                </a:solidFill>
+              </a:rPr>
+            </a:br>
+            <a:r>
+              <a:rPr lang="en-US" b="0" dirty="0">
+                <a:solidFill>
+                  <a:srgbClr val="000000"/>
+                </a:solidFill>
+              </a:rPr>
+              <a:t>Remove specific value labels to a variable</a:t>
+            </a:r>
+          </a:p>
+          <a:p>
+            <a:pPr>
+              <a:spcBef>
+                <a:spcPts val="0"/>
+              </a:spcBef>
+              <a:spcAft>
+                <a:spcPts val="800"/>
+              </a:spcAft>
+            </a:pPr>
+            <a:r>
+              <a:rPr lang="en-US" b="0" dirty="0">
+                <a:solidFill>
+                  <a:srgbClr val="000000"/>
+                </a:solidFill>
+              </a:rPr>
+              <a:t>df %&gt;% </a:t>
+            </a:r>
+            <a:r>
+              <a:rPr lang="en-US" dirty="0" err="1">
+                <a:solidFill>
+                  <a:srgbClr val="000000"/>
+                </a:solidFill>
+              </a:rPr>
+              <a:t>set_value_labels</a:t>
+            </a:r>
+            <a:r>
+              <a:rPr lang="en-US" b="0" dirty="0">
+                <a:solidFill>
+                  <a:srgbClr val="000000"/>
+                </a:solidFill>
+              </a:rPr>
+              <a:t>(v1 = NULL)</a:t>
+            </a:r>
+            <a:br>
+              <a:rPr lang="en-US" b="0" dirty="0">
+                <a:solidFill>
+                  <a:srgbClr val="000000"/>
+                </a:solidFill>
+              </a:rPr>
+            </a:br>
+            <a:r>
+              <a:rPr lang="en-US" b="0" dirty="0">
+                <a:solidFill>
+                  <a:srgbClr val="000000"/>
+                </a:solidFill>
+              </a:rPr>
+              <a:t>Remove all value labels attached to a variable</a:t>
+            </a:r>
+            <a:endParaRPr lang="en-GB" b="0" dirty="0">
+              <a:solidFill>
+                <a:srgbClr val="000000"/>
+              </a:solidFill>
+            </a:endParaRPr>
+          </a:p>
+        </p:txBody>
+      </p:sp>
+      <p:grpSp>
+        <p:nvGrpSpPr>
+          <p:cNvPr id="330" name="Group">
+            <a:extLst>
+              <a:ext uri="{FF2B5EF4-FFF2-40B4-BE49-F238E27FC236}">
+                <a16:creationId xmlns:a16="http://schemas.microsoft.com/office/drawing/2014/main" id="{BB1AA4BD-8D64-4B0C-B9AF-00511B4B104D}"/>
+              </a:ext>
+            </a:extLst>
+          </p:cNvPr>
+          <p:cNvGrpSpPr/>
+          <p:nvPr/>
+        </p:nvGrpSpPr>
+        <p:grpSpPr>
+          <a:xfrm>
+            <a:off x="9328668" y="1172903"/>
+            <a:ext cx="2902787" cy="365236"/>
+            <a:chOff x="-1" y="20678"/>
+            <a:chExt cx="2815851" cy="365235"/>
+          </a:xfrm>
+        </p:grpSpPr>
+        <p:sp>
+          <p:nvSpPr>
+            <p:cNvPr id="331" name="Title">
+              <a:extLst>
+                <a:ext uri="{FF2B5EF4-FFF2-40B4-BE49-F238E27FC236}">
+                  <a16:creationId xmlns:a16="http://schemas.microsoft.com/office/drawing/2014/main" id="{770AAA96-333C-4A1D-9505-D5F1FAC23FCD}"/>
+                </a:ext>
+              </a:extLst>
+            </p:cNvPr>
+            <p:cNvSpPr txBox="1"/>
+            <p:nvPr/>
+          </p:nvSpPr>
+          <p:spPr>
+            <a:xfrm>
+              <a:off x="-1" y="45885"/>
+              <a:ext cx="2733809" cy="340028"/>
+            </a:xfrm>
+            <a:prstGeom prst="rect">
+              <a:avLst/>
+            </a:prstGeom>
+            <a:noFill/>
+            <a:ln w="12700" cap="flat">
+              <a:noFill/>
+              <a:miter lim="400000"/>
+            </a:ln>
+            <a:effectLst/>
+            <a:extLst>
+              <a:ext uri="{C572A759-6A51-4108-AA02-DFA0A04FC94B}">
+                <ma14:wrappingTextBoxFlag xmlns:ma14="http://schemas.microsoft.com/office/mac/drawingml/2011/main" xmlns:a14="http://schemas.microsoft.com/office/drawing/2010/main" xmlns:m="http://schemas.openxmlformats.org/officeDocument/2006/math" xmlns="" val="1"/>
+              </a:ext>
+            </a:extLst>
+          </p:spPr>
+          <p:txBody>
+            <a:bodyPr wrap="square" lIns="12700" tIns="12700" rIns="12700" bIns="12700" numCol="1" anchor="ctr">
+              <a:spAutoFit/>
+            </a:bodyPr>
+            <a:lstStyle/>
+            <a:p>
+              <a:pPr lvl="1" indent="0">
+                <a:lnSpc>
+                  <a:spcPct val="80000"/>
+                </a:lnSpc>
+                <a:spcBef>
+                  <a:spcPts val="0"/>
+                </a:spcBef>
+                <a:defRPr sz="2500" b="0">
+                  <a:solidFill>
+                    <a:srgbClr val="628DB5"/>
+                  </a:solidFill>
+                </a:defRPr>
+              </a:pPr>
+              <a:r>
+                <a:rPr lang="fr-FR" dirty="0" err="1"/>
+                <a:t>Miscellaneous</a:t>
+              </a:r>
+              <a:endParaRPr dirty="0"/>
+            </a:p>
+          </p:txBody>
+        </p:sp>
+        <p:sp>
+          <p:nvSpPr>
+            <p:cNvPr id="332" name="Line">
+              <a:extLst>
+                <a:ext uri="{FF2B5EF4-FFF2-40B4-BE49-F238E27FC236}">
+                  <a16:creationId xmlns:a16="http://schemas.microsoft.com/office/drawing/2014/main" id="{72660B38-4BD7-4A77-B313-637C6C0B9492}"/>
+                </a:ext>
+              </a:extLst>
+            </p:cNvPr>
+            <p:cNvSpPr/>
+            <p:nvPr/>
+          </p:nvSpPr>
+          <p:spPr>
+            <a:xfrm>
+              <a:off x="17118" y="20678"/>
+              <a:ext cx="2798732" cy="1"/>
+            </a:xfrm>
+            <a:prstGeom prst="line">
+              <a:avLst/>
+            </a:prstGeom>
+            <a:noFill/>
+            <a:ln w="12700" cap="flat">
+              <a:solidFill>
+                <a:srgbClr val="E4E4E3"/>
+              </a:solidFill>
+              <a:prstDash val="solid"/>
+              <a:miter lim="400000"/>
+            </a:ln>
+            <a:effectLst/>
+          </p:spPr>
+          <p:txBody>
+            <a:bodyPr wrap="square" lIns="54570" tIns="54570" rIns="54570" bIns="54570" numCol="1" anchor="ctr">
+              <a:noAutofit/>
+            </a:bodyPr>
+            <a:lstStyle/>
+            <a:p>
+              <a:pPr>
+                <a:lnSpc>
+                  <a:spcPct val="80000"/>
+                </a:lnSpc>
+                <a:spcBef>
+                  <a:spcPts val="600"/>
+                </a:spcBef>
+                <a:defRPr b="0">
+                  <a:solidFill>
+                    <a:srgbClr val="000000"/>
+                  </a:solidFill>
+                </a:defRPr>
+              </a:pPr>
+              <a:endParaRPr/>
+            </a:p>
+          </p:txBody>
+        </p:sp>
+      </p:grpSp>
+      <p:sp>
+        <p:nvSpPr>
+          <p:cNvPr id="333" name="ZoneTexte 332">
+            <a:extLst>
+              <a:ext uri="{FF2B5EF4-FFF2-40B4-BE49-F238E27FC236}">
+                <a16:creationId xmlns:a16="http://schemas.microsoft.com/office/drawing/2014/main" id="{AA5F2A7E-FCB4-4FC7-BBDC-F1589640F896}"/>
+              </a:ext>
+            </a:extLst>
+          </p:cNvPr>
+          <p:cNvSpPr txBox="1"/>
+          <p:nvPr/>
+        </p:nvSpPr>
+        <p:spPr>
+          <a:xfrm>
+            <a:off x="9348953" y="3452220"/>
+            <a:ext cx="3716807" cy="3311082"/>
+          </a:xfrm>
+          <a:prstGeom prst="rect">
+            <a:avLst/>
+          </a:prstGeom>
+          <a:noFill/>
+          <a:ln w="12700" cap="flat">
+            <a:noFill/>
+            <a:miter lim="400000"/>
+          </a:ln>
+          <a:effectLst/>
+          <a:sp3d/>
+        </p:spPr>
+        <p:style>
+          <a:lnRef idx="0">
+            <a:scrgbClr r="0" g="0" b="0"/>
+          </a:lnRef>
+          <a:fillRef idx="0">
+            <a:scrgbClr r="0" g="0" b="0"/>
+          </a:fillRef>
+          <a:effectRef idx="0">
+            <a:scrgbClr r="0" g="0" b="0"/>
+          </a:effectRef>
+          <a:fontRef idx="none"/>
+        </p:style>
+        <p:txBody>
+          <a:bodyPr rot="0" spcFirstLastPara="1" vertOverflow="overflow" horzOverflow="overflow" vert="horz" wrap="square" lIns="0" tIns="54570" rIns="54570" bIns="54570" numCol="1" spcCol="38100" rtlCol="0" anchor="t" anchorCtr="0">
+            <a:spAutoFit/>
+          </a:bodyPr>
+          <a:lstStyle/>
+          <a:p>
+            <a:pPr>
+              <a:spcBef>
+                <a:spcPts val="0"/>
+              </a:spcBef>
+              <a:spcAft>
+                <a:spcPts val="800"/>
+              </a:spcAft>
+            </a:pPr>
+            <a:r>
+              <a:rPr lang="en-GB" dirty="0" err="1">
+                <a:solidFill>
+                  <a:srgbClr val="000000"/>
+                </a:solidFill>
+              </a:rPr>
+              <a:t>na_values</a:t>
+            </a:r>
+            <a:r>
+              <a:rPr lang="en-GB" b="0" dirty="0">
+                <a:solidFill>
+                  <a:srgbClr val="000000"/>
+                </a:solidFill>
+              </a:rPr>
+              <a:t>(x)</a:t>
+            </a:r>
+            <a:br>
+              <a:rPr lang="en-GB" b="0" dirty="0">
+                <a:solidFill>
+                  <a:srgbClr val="000000"/>
+                </a:solidFill>
+              </a:rPr>
+            </a:br>
+            <a:r>
+              <a:rPr lang="en-GB" b="0" dirty="0">
+                <a:solidFill>
+                  <a:srgbClr val="000000"/>
+                </a:solidFill>
+              </a:rPr>
+              <a:t>Get individual missing values attached to a vector</a:t>
+            </a:r>
+          </a:p>
+          <a:p>
+            <a:pPr>
+              <a:spcBef>
+                <a:spcPts val="0"/>
+              </a:spcBef>
+              <a:spcAft>
+                <a:spcPts val="800"/>
+              </a:spcAft>
+            </a:pPr>
+            <a:r>
+              <a:rPr lang="en-GB" dirty="0" err="1">
+                <a:solidFill>
+                  <a:srgbClr val="000000"/>
+                </a:solidFill>
+              </a:rPr>
+              <a:t>na_values</a:t>
+            </a:r>
+            <a:r>
+              <a:rPr lang="en-GB" b="0" dirty="0">
+                <a:solidFill>
+                  <a:srgbClr val="000000"/>
+                </a:solidFill>
+              </a:rPr>
+              <a:t>(x) &lt;- c(8, 9, 10)</a:t>
+            </a:r>
+            <a:br>
+              <a:rPr lang="en-GB" b="0" dirty="0">
+                <a:solidFill>
+                  <a:srgbClr val="000000"/>
+                </a:solidFill>
+              </a:rPr>
+            </a:br>
+            <a:r>
+              <a:rPr lang="en-US" b="0" dirty="0">
+                <a:solidFill>
+                  <a:srgbClr val="000000"/>
+                </a:solidFill>
+              </a:rPr>
+              <a:t>df %&gt;% </a:t>
+            </a:r>
+            <a:r>
+              <a:rPr lang="en-US" dirty="0" err="1">
+                <a:solidFill>
+                  <a:srgbClr val="000000"/>
+                </a:solidFill>
+              </a:rPr>
+              <a:t>set_na_values</a:t>
+            </a:r>
+            <a:r>
+              <a:rPr lang="en-US" b="0" dirty="0">
+                <a:solidFill>
+                  <a:srgbClr val="000000"/>
+                </a:solidFill>
+              </a:rPr>
+              <a:t>(v1 = c(8, 9, 10))</a:t>
+            </a:r>
+            <a:br>
+              <a:rPr lang="en-GB" b="0" dirty="0">
+                <a:solidFill>
+                  <a:srgbClr val="000000"/>
+                </a:solidFill>
+              </a:rPr>
+            </a:br>
+            <a:r>
+              <a:rPr lang="en-GB" b="0" dirty="0">
+                <a:solidFill>
+                  <a:srgbClr val="000000"/>
+                </a:solidFill>
+              </a:rPr>
+              <a:t>Set/Update individual missing values (NULL to remove)</a:t>
+            </a:r>
+          </a:p>
+          <a:p>
+            <a:pPr>
+              <a:spcBef>
+                <a:spcPts val="0"/>
+              </a:spcBef>
+              <a:spcAft>
+                <a:spcPts val="800"/>
+              </a:spcAft>
+            </a:pPr>
+            <a:r>
+              <a:rPr lang="en-GB" dirty="0" err="1">
+                <a:solidFill>
+                  <a:srgbClr val="000000"/>
+                </a:solidFill>
+              </a:rPr>
+              <a:t>na_range</a:t>
+            </a:r>
+            <a:r>
+              <a:rPr lang="en-GB" b="0" dirty="0">
+                <a:solidFill>
+                  <a:srgbClr val="000000"/>
+                </a:solidFill>
+              </a:rPr>
+              <a:t>(x)</a:t>
+            </a:r>
+            <a:br>
+              <a:rPr lang="en-GB" b="0" dirty="0">
+                <a:solidFill>
+                  <a:srgbClr val="000000"/>
+                </a:solidFill>
+              </a:rPr>
+            </a:br>
+            <a:r>
+              <a:rPr lang="en-GB" b="0" dirty="0">
+                <a:solidFill>
+                  <a:srgbClr val="000000"/>
+                </a:solidFill>
+              </a:rPr>
+              <a:t>Get a range of missing values attached to a vector</a:t>
+            </a:r>
+          </a:p>
+          <a:p>
+            <a:pPr>
+              <a:spcBef>
+                <a:spcPts val="0"/>
+              </a:spcBef>
+              <a:spcAft>
+                <a:spcPts val="800"/>
+              </a:spcAft>
+            </a:pPr>
+            <a:r>
+              <a:rPr lang="en-GB" dirty="0" err="1">
+                <a:solidFill>
+                  <a:srgbClr val="000000"/>
+                </a:solidFill>
+              </a:rPr>
+              <a:t>na_range</a:t>
+            </a:r>
+            <a:r>
+              <a:rPr lang="en-GB" b="0" dirty="0">
+                <a:solidFill>
+                  <a:srgbClr val="000000"/>
+                </a:solidFill>
+              </a:rPr>
+              <a:t>(x) &lt;- c(8, 10)</a:t>
+            </a:r>
+            <a:br>
+              <a:rPr lang="en-GB" b="0" dirty="0">
+                <a:solidFill>
+                  <a:srgbClr val="000000"/>
+                </a:solidFill>
+              </a:rPr>
+            </a:br>
+            <a:r>
+              <a:rPr lang="en-US" b="0" dirty="0">
+                <a:solidFill>
+                  <a:srgbClr val="000000"/>
+                </a:solidFill>
+              </a:rPr>
+              <a:t>df %&gt;% </a:t>
+            </a:r>
+            <a:r>
+              <a:rPr lang="en-US" dirty="0" err="1">
+                <a:solidFill>
+                  <a:srgbClr val="000000"/>
+                </a:solidFill>
+              </a:rPr>
+              <a:t>set_na_range</a:t>
+            </a:r>
+            <a:r>
+              <a:rPr lang="en-US" b="0" dirty="0">
+                <a:solidFill>
+                  <a:srgbClr val="000000"/>
+                </a:solidFill>
+              </a:rPr>
+              <a:t>(v1 = c(8, 10))</a:t>
+            </a:r>
+            <a:br>
+              <a:rPr lang="en-GB" b="0" dirty="0">
+                <a:solidFill>
+                  <a:srgbClr val="000000"/>
+                </a:solidFill>
+              </a:rPr>
+            </a:br>
+            <a:r>
+              <a:rPr lang="en-GB" b="0" dirty="0">
+                <a:solidFill>
+                  <a:srgbClr val="000000"/>
+                </a:solidFill>
+              </a:rPr>
+              <a:t>Set/Update a range of missing values (NULL to remove)</a:t>
+            </a:r>
+          </a:p>
+          <a:p>
+            <a:pPr>
+              <a:spcBef>
+                <a:spcPts val="0"/>
+              </a:spcBef>
+              <a:spcAft>
+                <a:spcPts val="800"/>
+              </a:spcAft>
+            </a:pPr>
+            <a:r>
+              <a:rPr lang="en-GB" dirty="0" err="1">
+                <a:solidFill>
+                  <a:srgbClr val="000000"/>
+                </a:solidFill>
+              </a:rPr>
+              <a:t>user_na_to_na</a:t>
+            </a:r>
+            <a:r>
+              <a:rPr lang="en-GB" b="0" dirty="0">
+                <a:solidFill>
+                  <a:srgbClr val="000000"/>
+                </a:solidFill>
+              </a:rPr>
+              <a:t>(x)    </a:t>
+            </a:r>
+            <a:r>
+              <a:rPr lang="en-GB" b="0" i="1" dirty="0">
+                <a:solidFill>
+                  <a:srgbClr val="000000"/>
+                </a:solidFill>
+              </a:rPr>
+              <a:t>or</a:t>
+            </a:r>
+            <a:r>
+              <a:rPr lang="en-GB" b="0" dirty="0">
+                <a:solidFill>
+                  <a:srgbClr val="000000"/>
+                </a:solidFill>
+              </a:rPr>
+              <a:t>     df %&gt;% </a:t>
+            </a:r>
+            <a:r>
+              <a:rPr lang="en-GB" dirty="0" err="1">
+                <a:solidFill>
+                  <a:srgbClr val="000000"/>
+                </a:solidFill>
+              </a:rPr>
+              <a:t>user_na_to_na</a:t>
+            </a:r>
+            <a:r>
+              <a:rPr lang="en-GB" b="0" dirty="0">
+                <a:solidFill>
+                  <a:srgbClr val="000000"/>
+                </a:solidFill>
+              </a:rPr>
+              <a:t>()</a:t>
+            </a:r>
+            <a:br>
+              <a:rPr lang="en-GB" b="0" dirty="0">
+                <a:solidFill>
+                  <a:srgbClr val="000000"/>
+                </a:solidFill>
+              </a:rPr>
+            </a:br>
+            <a:r>
+              <a:rPr lang="en-GB" b="0" dirty="0">
+                <a:solidFill>
+                  <a:srgbClr val="000000"/>
+                </a:solidFill>
+              </a:rPr>
+              <a:t>Convert user-defined missing values to NA</a:t>
+            </a:r>
+          </a:p>
+          <a:p>
+            <a:pPr>
+              <a:spcBef>
+                <a:spcPts val="0"/>
+              </a:spcBef>
+              <a:spcAft>
+                <a:spcPts val="800"/>
+              </a:spcAft>
+            </a:pPr>
+            <a:r>
+              <a:rPr lang="en-US" dirty="0" err="1">
+                <a:solidFill>
+                  <a:srgbClr val="000000"/>
+                </a:solidFill>
+              </a:rPr>
+              <a:t>is_na</a:t>
+            </a:r>
+            <a:r>
+              <a:rPr lang="en-US" b="0" dirty="0">
+                <a:solidFill>
+                  <a:srgbClr val="000000"/>
+                </a:solidFill>
+              </a:rPr>
+              <a:t>(x)</a:t>
+            </a:r>
+            <a:br>
+              <a:rPr lang="en-US" b="0" dirty="0">
+                <a:solidFill>
+                  <a:srgbClr val="000000"/>
+                </a:solidFill>
+              </a:rPr>
+            </a:br>
+            <a:r>
+              <a:rPr lang="en-US" b="0" dirty="0">
+                <a:solidFill>
+                  <a:srgbClr val="000000"/>
+                </a:solidFill>
+              </a:rPr>
+              <a:t>TRUE if NA or if a user-defined missing value</a:t>
+            </a:r>
+            <a:endParaRPr lang="en-GB" b="0" dirty="0">
+              <a:solidFill>
+                <a:srgbClr val="000000"/>
+              </a:solidFill>
+            </a:endParaRPr>
+          </a:p>
+        </p:txBody>
+      </p:sp>
+      <p:grpSp>
+        <p:nvGrpSpPr>
+          <p:cNvPr id="334" name="Group">
+            <a:extLst>
+              <a:ext uri="{FF2B5EF4-FFF2-40B4-BE49-F238E27FC236}">
+                <a16:creationId xmlns:a16="http://schemas.microsoft.com/office/drawing/2014/main" id="{234A03F0-A687-4E2C-BD53-DAC4495D089A}"/>
+              </a:ext>
+            </a:extLst>
+          </p:cNvPr>
+          <p:cNvGrpSpPr/>
+          <p:nvPr/>
+        </p:nvGrpSpPr>
+        <p:grpSpPr>
+          <a:xfrm>
+            <a:off x="9328668" y="1629924"/>
+            <a:ext cx="4346836" cy="226109"/>
+            <a:chOff x="0" y="0"/>
+            <a:chExt cx="2818195" cy="226107"/>
+          </a:xfrm>
+        </p:grpSpPr>
+        <p:sp>
+          <p:nvSpPr>
+            <p:cNvPr id="335" name="SUBTITLE">
+              <a:extLst>
+                <a:ext uri="{FF2B5EF4-FFF2-40B4-BE49-F238E27FC236}">
+                  <a16:creationId xmlns:a16="http://schemas.microsoft.com/office/drawing/2014/main" id="{895EB173-4A05-44FC-8344-C169721F65E5}"/>
+                </a:ext>
+              </a:extLst>
+            </p:cNvPr>
+            <p:cNvSpPr txBox="1"/>
+            <p:nvPr/>
+          </p:nvSpPr>
+          <p:spPr>
+            <a:xfrm>
+              <a:off x="0" y="15795"/>
+              <a:ext cx="2031790" cy="210312"/>
+            </a:xfrm>
+            <a:prstGeom prst="rect">
+              <a:avLst/>
+            </a:prstGeom>
+            <a:noFill/>
+            <a:ln w="12700" cap="flat">
+              <a:noFill/>
+              <a:miter lim="400000"/>
+            </a:ln>
+            <a:effectLst/>
+            <a:extLst>
+              <a:ext uri="{C572A759-6A51-4108-AA02-DFA0A04FC94B}">
+                <ma14:wrappingTextBoxFlag xmlns:ma14="http://schemas.microsoft.com/office/mac/drawingml/2011/main" xmlns:a14="http://schemas.microsoft.com/office/drawing/2010/main" xmlns:m="http://schemas.openxmlformats.org/officeDocument/2006/math" xmlns="" val="1"/>
+              </a:ext>
+            </a:extLst>
+          </p:spPr>
+          <p:txBody>
+            <a:bodyPr wrap="none" lIns="12700" tIns="12700" rIns="12700" bIns="12700" numCol="1" anchor="ctr">
+              <a:spAutoFit/>
+            </a:bodyPr>
+            <a:lstStyle/>
+            <a:p>
+              <a:pPr lvl="1" indent="0"/>
+              <a:r>
+                <a:rPr lang="fr-FR" dirty="0"/>
+                <a:t>USER-DEFINED MISSING VALUES (SPSS STYLE)</a:t>
+              </a:r>
+              <a:endParaRPr dirty="0"/>
+            </a:p>
+          </p:txBody>
+        </p:sp>
+        <p:sp>
+          <p:nvSpPr>
+            <p:cNvPr id="336" name="Line">
+              <a:extLst>
+                <a:ext uri="{FF2B5EF4-FFF2-40B4-BE49-F238E27FC236}">
+                  <a16:creationId xmlns:a16="http://schemas.microsoft.com/office/drawing/2014/main" id="{AAA2FAD7-771D-480F-B19F-1F596EABA4C4}"/>
+                </a:ext>
+              </a:extLst>
+            </p:cNvPr>
+            <p:cNvSpPr/>
+            <p:nvPr/>
+          </p:nvSpPr>
+          <p:spPr>
+            <a:xfrm>
+              <a:off x="23250" y="0"/>
+              <a:ext cx="2794945" cy="0"/>
+            </a:xfrm>
+            <a:prstGeom prst="line">
+              <a:avLst/>
+            </a:prstGeom>
+            <a:noFill/>
+            <a:ln w="12700" cap="flat">
+              <a:solidFill>
+                <a:srgbClr val="E0E0E0"/>
+              </a:solidFill>
+              <a:custDash>
+                <a:ds d="100000" sp="200000"/>
+              </a:custDash>
+              <a:round/>
+            </a:ln>
+            <a:effectLst/>
+          </p:spPr>
+          <p:txBody>
+            <a:bodyPr wrap="square" lIns="54570" tIns="54570" rIns="54570" bIns="54570" numCol="1" anchor="ctr">
+              <a:noAutofit/>
+            </a:bodyPr>
+            <a:lstStyle/>
+            <a:p>
+              <a:pPr>
+                <a:lnSpc>
+                  <a:spcPct val="80000"/>
+                </a:lnSpc>
+                <a:spcBef>
+                  <a:spcPts val="600"/>
+                </a:spcBef>
+                <a:defRPr b="0">
+                  <a:solidFill>
+                    <a:srgbClr val="000000"/>
+                  </a:solidFill>
+                </a:defRPr>
+              </a:pPr>
+              <a:endParaRPr/>
+            </a:p>
+          </p:txBody>
+        </p:sp>
+      </p:grpSp>
+      <p:sp>
+        <p:nvSpPr>
+          <p:cNvPr id="342" name="ZoneTexte 341">
+            <a:extLst>
+              <a:ext uri="{FF2B5EF4-FFF2-40B4-BE49-F238E27FC236}">
+                <a16:creationId xmlns:a16="http://schemas.microsoft.com/office/drawing/2014/main" id="{7F74D9A2-0FFE-4D56-ABBE-20CB5AF0C32D}"/>
+              </a:ext>
+            </a:extLst>
+          </p:cNvPr>
+          <p:cNvSpPr txBox="1"/>
+          <p:nvPr/>
+        </p:nvSpPr>
+        <p:spPr>
+          <a:xfrm>
+            <a:off x="9348953" y="1896555"/>
+            <a:ext cx="4362244" cy="1479812"/>
+          </a:xfrm>
+          <a:prstGeom prst="rect">
+            <a:avLst/>
+          </a:prstGeom>
+          <a:solidFill>
+            <a:schemeClr val="bg1">
+              <a:lumMod val="85000"/>
+              <a:alpha val="24000"/>
+            </a:schemeClr>
+          </a:solidFill>
+          <a:ln w="12700" cap="flat">
+            <a:noFill/>
+            <a:miter lim="400000"/>
+          </a:ln>
+          <a:effectLst/>
+          <a:sp3d/>
+        </p:spPr>
+        <p:style>
+          <a:lnRef idx="0">
+            <a:scrgbClr r="0" g="0" b="0"/>
+          </a:lnRef>
+          <a:fillRef idx="0">
+            <a:scrgbClr r="0" g="0" b="0"/>
+          </a:fillRef>
+          <a:effectRef idx="0">
+            <a:scrgbClr r="0" g="0" b="0"/>
+          </a:effectRef>
+          <a:fontRef idx="none"/>
+        </p:style>
+        <p:txBody>
+          <a:bodyPr rot="0" spcFirstLastPara="1" vertOverflow="overflow" horzOverflow="overflow" vert="horz" wrap="square" lIns="54570" tIns="54570" rIns="54570" bIns="54570" numCol="1" spcCol="38100" rtlCol="0" anchor="t" anchorCtr="0">
+            <a:spAutoFit/>
+          </a:bodyPr>
+          <a:lstStyle/>
+          <a:p>
+            <a:pPr marL="0" marR="0" indent="0" algn="l" defTabSz="584200" rtl="0" fontAlgn="auto" latinLnBrk="0" hangingPunct="0">
+              <a:lnSpc>
+                <a:spcPct val="100000"/>
+              </a:lnSpc>
+              <a:spcBef>
+                <a:spcPts val="200"/>
+              </a:spcBef>
+              <a:spcAft>
+                <a:spcPts val="0"/>
+              </a:spcAft>
+              <a:buClrTx/>
+              <a:buSzTx/>
+              <a:buFontTx/>
+              <a:buNone/>
+              <a:tabLst/>
+            </a:pPr>
+            <a:r>
+              <a:rPr kumimoji="0" lang="en-GB" sz="1200" b="0" i="0" u="none" strike="noStrike" cap="none" spc="0" normalizeH="0" baseline="0" dirty="0">
+                <a:ln>
+                  <a:noFill/>
+                </a:ln>
+                <a:solidFill>
+                  <a:srgbClr val="000000"/>
+                </a:solidFill>
+                <a:effectLst/>
+                <a:uFillTx/>
+                <a:latin typeface="Source Sans Pro"/>
+                <a:ea typeface="Source Sans Pro"/>
+                <a:cs typeface="Source Sans Pro"/>
+                <a:sym typeface="Source Sans Pro"/>
+              </a:rPr>
+              <a:t>Used to indicate that some values should be considered as missing. However, they will not be treated as NA </a:t>
+            </a:r>
+            <a:r>
+              <a:rPr lang="en-GB" b="0" dirty="0">
+                <a:solidFill>
+                  <a:srgbClr val="000000"/>
+                </a:solidFill>
+              </a:rPr>
+              <a:t>as long as they are not converted to proper NA.</a:t>
+            </a:r>
+            <a:endParaRPr kumimoji="0" lang="en-GB" sz="1200" b="0" i="0" u="none" strike="noStrike" cap="none" spc="0" normalizeH="0" baseline="0" dirty="0">
+              <a:ln>
+                <a:noFill/>
+              </a:ln>
+              <a:solidFill>
+                <a:srgbClr val="000000"/>
+              </a:solidFill>
+              <a:effectLst/>
+              <a:uFillTx/>
+              <a:latin typeface="Source Sans Pro"/>
+              <a:ea typeface="Source Sans Pro"/>
+              <a:cs typeface="Source Sans Pro"/>
+              <a:sym typeface="Source Sans Pro"/>
+            </a:endParaRPr>
+          </a:p>
+          <a:p>
+            <a:pPr marL="0" marR="0" indent="0" algn="l" defTabSz="584200" rtl="0" fontAlgn="auto" latinLnBrk="0" hangingPunct="0">
+              <a:lnSpc>
+                <a:spcPct val="100000"/>
+              </a:lnSpc>
+              <a:spcBef>
+                <a:spcPts val="200"/>
+              </a:spcBef>
+              <a:spcAft>
+                <a:spcPts val="0"/>
+              </a:spcAft>
+              <a:buClrTx/>
+              <a:buSzTx/>
+              <a:buFontTx/>
+              <a:buNone/>
+              <a:tabLst/>
+            </a:pPr>
+            <a:r>
+              <a:rPr kumimoji="0" lang="en-GB" sz="1200" b="0" i="0" u="none" strike="noStrike" cap="none" spc="0" normalizeH="0" baseline="0" dirty="0">
+                <a:ln>
+                  <a:noFill/>
+                </a:ln>
+                <a:solidFill>
+                  <a:srgbClr val="000000"/>
+                </a:solidFill>
+                <a:effectLst/>
+                <a:uFillTx/>
+                <a:latin typeface="Source Sans Pro"/>
+                <a:ea typeface="Source Sans Pro"/>
+                <a:cs typeface="Source Sans Pro"/>
+                <a:sym typeface="Source Sans Pro"/>
+              </a:rPr>
+              <a:t>When missi</a:t>
+            </a:r>
+            <a:r>
+              <a:rPr lang="en-GB" b="0" dirty="0">
+                <a:solidFill>
+                  <a:srgbClr val="000000"/>
+                </a:solidFill>
+              </a:rPr>
+              <a:t>ng values</a:t>
+            </a:r>
+            <a:r>
+              <a:rPr kumimoji="0" lang="en-GB" sz="1200" b="0" i="0" u="none" strike="noStrike" cap="none" spc="0" normalizeH="0" baseline="0" dirty="0">
+                <a:ln>
+                  <a:noFill/>
+                </a:ln>
+                <a:solidFill>
+                  <a:srgbClr val="000000"/>
+                </a:solidFill>
+                <a:effectLst/>
+                <a:uFillTx/>
+                <a:latin typeface="Source Sans Pro"/>
+                <a:ea typeface="Source Sans Pro"/>
+                <a:cs typeface="Source Sans Pro"/>
+                <a:sym typeface="Source Sans Pro"/>
+              </a:rPr>
+              <a:t> are attached to a numeric or character vector, the vector’s class becomes </a:t>
+            </a:r>
+            <a:r>
+              <a:rPr kumimoji="0" lang="en-GB" sz="1200" i="0" u="none" strike="noStrike" cap="none" spc="0" normalizeH="0" baseline="0" dirty="0" err="1">
+                <a:ln>
+                  <a:noFill/>
+                </a:ln>
+                <a:solidFill>
+                  <a:srgbClr val="000000"/>
+                </a:solidFill>
+                <a:effectLst/>
+                <a:uFillTx/>
+                <a:latin typeface="Source Sans Pro"/>
+                <a:ea typeface="Source Sans Pro"/>
+                <a:cs typeface="Source Sans Pro"/>
+                <a:sym typeface="Source Sans Pro"/>
+              </a:rPr>
+              <a:t>haven_labelled_spss</a:t>
+            </a:r>
+            <a:r>
+              <a:rPr kumimoji="0" lang="en-GB" sz="1200" b="0" i="0" u="none" strike="noStrike" cap="none" spc="0" normalizeH="0" baseline="0" dirty="0">
+                <a:ln>
+                  <a:noFill/>
+                </a:ln>
+                <a:solidFill>
+                  <a:srgbClr val="000000"/>
+                </a:solidFill>
+                <a:effectLst/>
+                <a:uFillTx/>
+                <a:latin typeface="Source Sans Pro"/>
+                <a:ea typeface="Source Sans Pro"/>
+                <a:cs typeface="Source Sans Pro"/>
+                <a:sym typeface="Source Sans Pro"/>
+              </a:rPr>
+              <a:t>.</a:t>
+            </a:r>
+          </a:p>
+          <a:p>
+            <a:pPr marL="0" marR="0" indent="0" algn="l" defTabSz="584200" rtl="0" fontAlgn="auto" latinLnBrk="0" hangingPunct="0">
+              <a:lnSpc>
+                <a:spcPct val="100000"/>
+              </a:lnSpc>
+              <a:spcBef>
+                <a:spcPts val="200"/>
+              </a:spcBef>
+              <a:spcAft>
+                <a:spcPts val="0"/>
+              </a:spcAft>
+              <a:buClrTx/>
+              <a:buSzTx/>
+              <a:buFontTx/>
+              <a:buNone/>
+              <a:tabLst/>
+            </a:pPr>
+            <a:r>
+              <a:rPr lang="en-GB" b="0" dirty="0">
+                <a:solidFill>
+                  <a:srgbClr val="000000"/>
+                </a:solidFill>
+              </a:rPr>
+              <a:t>When importing a SPSS file, use the option </a:t>
+            </a:r>
+            <a:r>
+              <a:rPr lang="en-GB" b="0" i="1" dirty="0" err="1">
+                <a:solidFill>
+                  <a:srgbClr val="000000"/>
+                </a:solidFill>
+              </a:rPr>
+              <a:t>user_na</a:t>
+            </a:r>
+            <a:r>
+              <a:rPr lang="en-GB" b="0" i="1" dirty="0">
+                <a:solidFill>
+                  <a:srgbClr val="000000"/>
+                </a:solidFill>
+              </a:rPr>
+              <a:t> = TRUE</a:t>
+            </a:r>
+            <a:r>
+              <a:rPr lang="en-GB" b="0" dirty="0">
+                <a:solidFill>
+                  <a:srgbClr val="000000"/>
+                </a:solidFill>
+              </a:rPr>
+              <a:t> to keep defined missing values (otherwise, they will be converted to NA).</a:t>
+            </a:r>
+            <a:endParaRPr kumimoji="0" lang="en-GB" sz="1200" b="0" i="0" u="none" strike="noStrike" cap="none" spc="0" normalizeH="0" baseline="0" dirty="0">
+              <a:ln>
+                <a:noFill/>
+              </a:ln>
+              <a:solidFill>
+                <a:srgbClr val="000000"/>
+              </a:solidFill>
+              <a:effectLst/>
+              <a:uFillTx/>
+              <a:latin typeface="Source Sans Pro"/>
+              <a:ea typeface="Source Sans Pro"/>
+              <a:cs typeface="Source Sans Pro"/>
+              <a:sym typeface="Source Sans Pro"/>
+            </a:endParaRPr>
+          </a:p>
+        </p:txBody>
+      </p:sp>
+      <p:sp>
+        <p:nvSpPr>
+          <p:cNvPr id="343" name="ZoneTexte 342">
+            <a:extLst>
+              <a:ext uri="{FF2B5EF4-FFF2-40B4-BE49-F238E27FC236}">
+                <a16:creationId xmlns:a16="http://schemas.microsoft.com/office/drawing/2014/main" id="{33A956F1-723F-424B-BD82-1D43052BC0C8}"/>
+              </a:ext>
+            </a:extLst>
+          </p:cNvPr>
+          <p:cNvSpPr txBox="1"/>
+          <p:nvPr/>
+        </p:nvSpPr>
+        <p:spPr>
+          <a:xfrm>
+            <a:off x="9379937" y="7646874"/>
+            <a:ext cx="3716807" cy="2469826"/>
+          </a:xfrm>
+          <a:prstGeom prst="rect">
+            <a:avLst/>
+          </a:prstGeom>
+          <a:noFill/>
+          <a:ln w="12700" cap="flat">
+            <a:noFill/>
+            <a:miter lim="400000"/>
+          </a:ln>
+          <a:effectLst/>
+          <a:sp3d/>
+        </p:spPr>
+        <p:style>
+          <a:lnRef idx="0">
+            <a:scrgbClr r="0" g="0" b="0"/>
+          </a:lnRef>
+          <a:fillRef idx="0">
+            <a:scrgbClr r="0" g="0" b="0"/>
+          </a:fillRef>
+          <a:effectRef idx="0">
+            <a:scrgbClr r="0" g="0" b="0"/>
+          </a:effectRef>
+          <a:fontRef idx="none"/>
+        </p:style>
+        <p:txBody>
+          <a:bodyPr rot="0" spcFirstLastPara="1" vertOverflow="overflow" horzOverflow="overflow" vert="horz" wrap="square" lIns="0" tIns="54570" rIns="54570" bIns="54570" numCol="1" spcCol="38100" rtlCol="0" anchor="t" anchorCtr="0">
+            <a:spAutoFit/>
+          </a:bodyPr>
+          <a:lstStyle/>
+          <a:p>
+            <a:pPr>
+              <a:spcBef>
+                <a:spcPts val="0"/>
+              </a:spcBef>
+              <a:spcAft>
+                <a:spcPts val="800"/>
+              </a:spcAft>
+            </a:pPr>
+            <a:r>
+              <a:rPr lang="pl-PL" b="0" dirty="0">
+                <a:solidFill>
+                  <a:srgbClr val="000000"/>
+                </a:solidFill>
+              </a:rPr>
+              <a:t>x &lt;- c(1:5, tagged_na("a"), tagged_na("z"), NA)</a:t>
+            </a:r>
+            <a:br>
+              <a:rPr lang="en-GB" b="0" dirty="0">
+                <a:solidFill>
+                  <a:srgbClr val="000000"/>
+                </a:solidFill>
+              </a:rPr>
+            </a:br>
+            <a:r>
+              <a:rPr lang="en-GB" dirty="0" err="1">
+                <a:solidFill>
+                  <a:srgbClr val="000000"/>
+                </a:solidFill>
+              </a:rPr>
+              <a:t>tagged_na</a:t>
+            </a:r>
+            <a:r>
+              <a:rPr lang="en-GB" b="0" dirty="0">
+                <a:solidFill>
+                  <a:srgbClr val="000000"/>
+                </a:solidFill>
+              </a:rPr>
+              <a:t>(</a:t>
+            </a:r>
+            <a:r>
+              <a:rPr lang="pl-PL" b="0" dirty="0">
+                <a:solidFill>
+                  <a:srgbClr val="000000"/>
+                </a:solidFill>
+              </a:rPr>
+              <a:t>"a"</a:t>
+            </a:r>
+            <a:r>
+              <a:rPr lang="en-GB" b="0" dirty="0">
+                <a:solidFill>
+                  <a:srgbClr val="000000"/>
+                </a:solidFill>
+              </a:rPr>
+              <a:t>) generates a NA with a tag</a:t>
+            </a:r>
+          </a:p>
+          <a:p>
+            <a:pPr>
+              <a:spcBef>
+                <a:spcPts val="0"/>
+              </a:spcBef>
+              <a:spcAft>
+                <a:spcPts val="800"/>
+              </a:spcAft>
+            </a:pPr>
+            <a:r>
+              <a:rPr lang="en-GB" dirty="0">
+                <a:solidFill>
+                  <a:srgbClr val="000000"/>
+                </a:solidFill>
+              </a:rPr>
+              <a:t>is.na</a:t>
+            </a:r>
+            <a:r>
+              <a:rPr lang="en-GB" b="0" dirty="0">
+                <a:solidFill>
+                  <a:srgbClr val="000000"/>
+                </a:solidFill>
+              </a:rPr>
+              <a:t>(x)</a:t>
+            </a:r>
+            <a:br>
+              <a:rPr lang="en-GB" b="0" dirty="0">
+                <a:solidFill>
+                  <a:srgbClr val="000000"/>
+                </a:solidFill>
+              </a:rPr>
+            </a:br>
+            <a:r>
+              <a:rPr lang="en-GB" b="0" dirty="0">
+                <a:solidFill>
+                  <a:srgbClr val="000000"/>
+                </a:solidFill>
+              </a:rPr>
+              <a:t>Tagged NAs work identically to regular NAs</a:t>
+            </a:r>
+          </a:p>
+          <a:p>
+            <a:pPr>
+              <a:spcBef>
+                <a:spcPts val="0"/>
+              </a:spcBef>
+              <a:spcAft>
+                <a:spcPts val="800"/>
+              </a:spcAft>
+            </a:pPr>
+            <a:r>
+              <a:rPr lang="en-GB" dirty="0" err="1">
+                <a:solidFill>
+                  <a:srgbClr val="000000"/>
+                </a:solidFill>
+              </a:rPr>
+              <a:t>is_tagged_na</a:t>
+            </a:r>
+            <a:r>
+              <a:rPr lang="en-GB" b="0" dirty="0">
+                <a:solidFill>
+                  <a:srgbClr val="000000"/>
+                </a:solidFill>
+              </a:rPr>
+              <a:t>(x)</a:t>
+            </a:r>
+            <a:br>
+              <a:rPr lang="en-GB" b="0" dirty="0">
+                <a:solidFill>
+                  <a:srgbClr val="000000"/>
+                </a:solidFill>
+              </a:rPr>
+            </a:br>
+            <a:r>
+              <a:rPr lang="en-GB" b="0" dirty="0">
+                <a:solidFill>
+                  <a:srgbClr val="000000"/>
+                </a:solidFill>
+              </a:rPr>
+              <a:t>Test if it is a tagged NA</a:t>
+            </a:r>
+          </a:p>
+          <a:p>
+            <a:pPr>
+              <a:spcBef>
+                <a:spcPts val="0"/>
+              </a:spcBef>
+              <a:spcAft>
+                <a:spcPts val="800"/>
+              </a:spcAft>
+            </a:pPr>
+            <a:r>
+              <a:rPr lang="en-GB" dirty="0" err="1">
+                <a:solidFill>
+                  <a:srgbClr val="000000"/>
+                </a:solidFill>
+              </a:rPr>
+              <a:t>na_tag</a:t>
+            </a:r>
+            <a:r>
+              <a:rPr lang="en-GB" b="0" dirty="0">
+                <a:solidFill>
+                  <a:srgbClr val="000000"/>
+                </a:solidFill>
+              </a:rPr>
+              <a:t>(x)</a:t>
+            </a:r>
+            <a:br>
+              <a:rPr lang="en-GB" b="0" dirty="0">
+                <a:solidFill>
+                  <a:srgbClr val="000000"/>
+                </a:solidFill>
+              </a:rPr>
+            </a:br>
+            <a:r>
+              <a:rPr lang="en-GB" b="0" dirty="0">
+                <a:solidFill>
+                  <a:srgbClr val="000000"/>
+                </a:solidFill>
+              </a:rPr>
+              <a:t>Display the tags associated to tagged NAs</a:t>
+            </a:r>
+          </a:p>
+          <a:p>
+            <a:pPr>
+              <a:spcBef>
+                <a:spcPts val="0"/>
+              </a:spcBef>
+              <a:spcAft>
+                <a:spcPts val="800"/>
+              </a:spcAft>
+            </a:pPr>
+            <a:r>
+              <a:rPr lang="en-GB" dirty="0" err="1">
+                <a:solidFill>
+                  <a:srgbClr val="000000"/>
+                </a:solidFill>
+              </a:rPr>
+              <a:t>format_tagged_na</a:t>
+            </a:r>
+            <a:r>
+              <a:rPr lang="en-GB" b="0" dirty="0">
+                <a:solidFill>
+                  <a:srgbClr val="000000"/>
+                </a:solidFill>
+              </a:rPr>
+              <a:t>(x)</a:t>
+            </a:r>
+            <a:br>
+              <a:rPr lang="en-GB" b="0" dirty="0">
+                <a:solidFill>
+                  <a:srgbClr val="000000"/>
+                </a:solidFill>
+              </a:rPr>
+            </a:br>
+            <a:r>
+              <a:rPr lang="en-GB" b="0" dirty="0">
+                <a:solidFill>
+                  <a:srgbClr val="000000"/>
+                </a:solidFill>
+              </a:rPr>
+              <a:t>Convert x to a character vector showing the tagged NAs</a:t>
+            </a:r>
+            <a:endParaRPr lang="en-GB" dirty="0">
+              <a:solidFill>
+                <a:srgbClr val="000000"/>
+              </a:solidFill>
+            </a:endParaRPr>
+          </a:p>
+        </p:txBody>
+      </p:sp>
+      <p:grpSp>
+        <p:nvGrpSpPr>
+          <p:cNvPr id="344" name="Group">
+            <a:extLst>
+              <a:ext uri="{FF2B5EF4-FFF2-40B4-BE49-F238E27FC236}">
+                <a16:creationId xmlns:a16="http://schemas.microsoft.com/office/drawing/2014/main" id="{7146D362-5D82-457D-AF8C-3E61FB87B268}"/>
+              </a:ext>
+            </a:extLst>
+          </p:cNvPr>
+          <p:cNvGrpSpPr/>
+          <p:nvPr/>
+        </p:nvGrpSpPr>
+        <p:grpSpPr>
+          <a:xfrm>
+            <a:off x="9344076" y="6644992"/>
+            <a:ext cx="4346836" cy="226109"/>
+            <a:chOff x="0" y="0"/>
+            <a:chExt cx="2818195" cy="226107"/>
+          </a:xfrm>
+        </p:grpSpPr>
+        <p:sp>
+          <p:nvSpPr>
+            <p:cNvPr id="345" name="SUBTITLE">
+              <a:extLst>
+                <a:ext uri="{FF2B5EF4-FFF2-40B4-BE49-F238E27FC236}">
+                  <a16:creationId xmlns:a16="http://schemas.microsoft.com/office/drawing/2014/main" id="{6AD0155C-3CCF-4B74-97E3-778F26C98874}"/>
+                </a:ext>
+              </a:extLst>
+            </p:cNvPr>
+            <p:cNvSpPr txBox="1"/>
+            <p:nvPr/>
+          </p:nvSpPr>
+          <p:spPr>
+            <a:xfrm>
+              <a:off x="0" y="15795"/>
+              <a:ext cx="1492404" cy="210312"/>
+            </a:xfrm>
+            <a:prstGeom prst="rect">
+              <a:avLst/>
+            </a:prstGeom>
+            <a:noFill/>
+            <a:ln w="12700" cap="flat">
+              <a:noFill/>
+              <a:miter lim="400000"/>
+            </a:ln>
+            <a:effectLst/>
+            <a:extLst>
+              <a:ext uri="{C572A759-6A51-4108-AA02-DFA0A04FC94B}">
+                <ma14:wrappingTextBoxFlag xmlns:ma14="http://schemas.microsoft.com/office/mac/drawingml/2011/main" xmlns:a14="http://schemas.microsoft.com/office/drawing/2010/main" xmlns:m="http://schemas.openxmlformats.org/officeDocument/2006/math" xmlns="" val="1"/>
+              </a:ext>
+            </a:extLst>
+          </p:spPr>
+          <p:txBody>
+            <a:bodyPr wrap="none" lIns="12700" tIns="12700" rIns="12700" bIns="12700" numCol="1" anchor="ctr">
+              <a:spAutoFit/>
+            </a:bodyPr>
+            <a:lstStyle/>
+            <a:p>
+              <a:pPr lvl="1" indent="0"/>
+              <a:r>
+                <a:rPr lang="fr-FR" dirty="0"/>
+                <a:t>TAGGED </a:t>
+              </a:r>
+              <a:r>
+                <a:rPr lang="fr-FR" dirty="0" err="1"/>
+                <a:t>NAs</a:t>
+              </a:r>
+              <a:r>
+                <a:rPr lang="fr-FR" dirty="0"/>
+                <a:t> (STATA &amp; SAS STYLE)</a:t>
+              </a:r>
+              <a:endParaRPr dirty="0"/>
+            </a:p>
+          </p:txBody>
+        </p:sp>
+        <p:sp>
+          <p:nvSpPr>
+            <p:cNvPr id="346" name="Line">
+              <a:extLst>
+                <a:ext uri="{FF2B5EF4-FFF2-40B4-BE49-F238E27FC236}">
+                  <a16:creationId xmlns:a16="http://schemas.microsoft.com/office/drawing/2014/main" id="{1E774C73-DDF2-42EB-8D12-D19ED89AB876}"/>
+                </a:ext>
+              </a:extLst>
+            </p:cNvPr>
+            <p:cNvSpPr/>
+            <p:nvPr/>
+          </p:nvSpPr>
+          <p:spPr>
+            <a:xfrm>
+              <a:off x="23250" y="0"/>
+              <a:ext cx="2794945" cy="0"/>
+            </a:xfrm>
+            <a:prstGeom prst="line">
+              <a:avLst/>
+            </a:prstGeom>
+            <a:noFill/>
+            <a:ln w="12700" cap="flat">
+              <a:solidFill>
+                <a:srgbClr val="E0E0E0"/>
+              </a:solidFill>
+              <a:custDash>
+                <a:ds d="100000" sp="200000"/>
+              </a:custDash>
+              <a:round/>
+            </a:ln>
+            <a:effectLst/>
+          </p:spPr>
+          <p:txBody>
+            <a:bodyPr wrap="square" lIns="54570" tIns="54570" rIns="54570" bIns="54570" numCol="1" anchor="ctr">
+              <a:noAutofit/>
+            </a:bodyPr>
+            <a:lstStyle/>
+            <a:p>
+              <a:pPr>
+                <a:lnSpc>
+                  <a:spcPct val="80000"/>
+                </a:lnSpc>
+                <a:spcBef>
+                  <a:spcPts val="600"/>
+                </a:spcBef>
+                <a:defRPr b="0">
+                  <a:solidFill>
+                    <a:srgbClr val="000000"/>
+                  </a:solidFill>
+                </a:defRPr>
+              </a:pPr>
+              <a:endParaRPr/>
+            </a:p>
+          </p:txBody>
+        </p:sp>
+      </p:grpSp>
+      <p:sp>
+        <p:nvSpPr>
+          <p:cNvPr id="347" name="ZoneTexte 346">
+            <a:extLst>
+              <a:ext uri="{FF2B5EF4-FFF2-40B4-BE49-F238E27FC236}">
+                <a16:creationId xmlns:a16="http://schemas.microsoft.com/office/drawing/2014/main" id="{D2AC0DE9-A546-42CC-B42C-D13276B24FF6}"/>
+              </a:ext>
+            </a:extLst>
+          </p:cNvPr>
+          <p:cNvSpPr txBox="1"/>
+          <p:nvPr/>
+        </p:nvSpPr>
+        <p:spPr>
+          <a:xfrm>
+            <a:off x="9364361" y="6911623"/>
+            <a:ext cx="4362244" cy="689852"/>
+          </a:xfrm>
+          <a:prstGeom prst="rect">
+            <a:avLst/>
+          </a:prstGeom>
+          <a:solidFill>
+            <a:schemeClr val="bg1">
+              <a:lumMod val="85000"/>
+              <a:alpha val="24000"/>
+            </a:schemeClr>
+          </a:solidFill>
+          <a:ln w="12700" cap="flat">
+            <a:noFill/>
+            <a:miter lim="400000"/>
+          </a:ln>
+          <a:effectLst/>
+          <a:sp3d/>
+        </p:spPr>
+        <p:style>
+          <a:lnRef idx="0">
+            <a:scrgbClr r="0" g="0" b="0"/>
+          </a:lnRef>
+          <a:fillRef idx="0">
+            <a:scrgbClr r="0" g="0" b="0"/>
+          </a:fillRef>
+          <a:effectRef idx="0">
+            <a:scrgbClr r="0" g="0" b="0"/>
+          </a:effectRef>
+          <a:fontRef idx="none"/>
+        </p:style>
+        <p:txBody>
+          <a:bodyPr rot="0" spcFirstLastPara="1" vertOverflow="overflow" horzOverflow="overflow" vert="horz" wrap="square" lIns="54570" tIns="54570" rIns="54570" bIns="54570" numCol="1" spcCol="38100" rtlCol="0" anchor="t" anchorCtr="0">
+            <a:spAutoFit/>
+          </a:bodyPr>
+          <a:lstStyle/>
+          <a:p>
+            <a:r>
+              <a:rPr lang="en-US" b="0" dirty="0">
+                <a:solidFill>
+                  <a:srgbClr val="000000"/>
+                </a:solidFill>
+              </a:rPr>
+              <a:t>“Tagged” missing values work exactly like regular R missing values except that they store one additional byte of information:</a:t>
+            </a:r>
+            <a:br>
+              <a:rPr lang="en-US" b="0" dirty="0">
+                <a:solidFill>
+                  <a:srgbClr val="000000"/>
+                </a:solidFill>
+              </a:rPr>
+            </a:br>
+            <a:r>
+              <a:rPr lang="en-US" b="0" dirty="0">
+                <a:solidFill>
+                  <a:srgbClr val="000000"/>
+                </a:solidFill>
+              </a:rPr>
+              <a:t>a tag, which is usually a letter ("a" to "z"). </a:t>
+            </a:r>
+            <a:endParaRPr kumimoji="0" lang="en-GB" sz="1200" b="0" i="0" u="none" strike="noStrike" cap="none" spc="0" normalizeH="0" baseline="0" dirty="0">
+              <a:ln>
+                <a:noFill/>
+              </a:ln>
+              <a:solidFill>
+                <a:srgbClr val="000000"/>
+              </a:solidFill>
+              <a:effectLst/>
+              <a:uFillTx/>
+              <a:latin typeface="Source Sans Pro"/>
+              <a:ea typeface="Source Sans Pro"/>
+              <a:cs typeface="Source Sans Pro"/>
+              <a:sym typeface="Source Sans Pro"/>
+            </a:endParaRPr>
+          </a:p>
+        </p:txBody>
+      </p:sp>
+      <p:sp>
+        <p:nvSpPr>
+          <p:cNvPr id="72" name="ZoneTexte 71">
+            <a:extLst>
+              <a:ext uri="{FF2B5EF4-FFF2-40B4-BE49-F238E27FC236}">
+                <a16:creationId xmlns:a16="http://schemas.microsoft.com/office/drawing/2014/main" id="{99BEADFF-2910-4CAE-B4DA-402F6CAB35A3}"/>
+              </a:ext>
+            </a:extLst>
+          </p:cNvPr>
+          <p:cNvSpPr txBox="1"/>
+          <p:nvPr/>
+        </p:nvSpPr>
+        <p:spPr>
+          <a:xfrm>
+            <a:off x="328933" y="6708874"/>
+            <a:ext cx="4115473" cy="3008435"/>
+          </a:xfrm>
+          <a:prstGeom prst="rect">
+            <a:avLst/>
+          </a:prstGeom>
+          <a:noFill/>
+          <a:ln w="12700" cap="flat">
+            <a:noFill/>
+            <a:miter lim="400000"/>
+          </a:ln>
+          <a:effectLst/>
+          <a:sp3d/>
+        </p:spPr>
+        <p:style>
+          <a:lnRef idx="0">
+            <a:scrgbClr r="0" g="0" b="0"/>
+          </a:lnRef>
+          <a:fillRef idx="0">
+            <a:scrgbClr r="0" g="0" b="0"/>
+          </a:fillRef>
+          <a:effectRef idx="0">
+            <a:scrgbClr r="0" g="0" b="0"/>
+          </a:effectRef>
+          <a:fontRef idx="none"/>
+        </p:style>
+        <p:txBody>
+          <a:bodyPr rot="0" spcFirstLastPara="1" vertOverflow="overflow" horzOverflow="overflow" vert="horz" wrap="square" lIns="54570" tIns="54570" rIns="54570" bIns="54570" numCol="1" spcCol="38100" rtlCol="0" anchor="t" anchorCtr="0">
+            <a:spAutoFit/>
+          </a:bodyPr>
+          <a:lstStyle/>
+          <a:p>
+            <a:r>
+              <a:rPr lang="en-US" b="0" dirty="0">
+                <a:solidFill>
+                  <a:srgbClr val="000000"/>
+                </a:solidFill>
+              </a:rPr>
+              <a:t>In </a:t>
+            </a:r>
+            <a:r>
+              <a:rPr lang="en-US" dirty="0">
+                <a:solidFill>
+                  <a:srgbClr val="000000"/>
+                </a:solidFill>
+              </a:rPr>
+              <a:t>approach A</a:t>
+            </a:r>
+            <a:r>
+              <a:rPr lang="en-US" b="0" dirty="0">
+                <a:solidFill>
+                  <a:srgbClr val="000000"/>
+                </a:solidFill>
+              </a:rPr>
+              <a:t>, labelled vectors are converted into factors or into numeric/character vectors just after data import, using </a:t>
+            </a:r>
+            <a:r>
+              <a:rPr lang="en-US" dirty="0" err="1">
+                <a:solidFill>
+                  <a:srgbClr val="000000"/>
+                </a:solidFill>
+              </a:rPr>
+              <a:t>unlabelled</a:t>
+            </a:r>
+            <a:r>
+              <a:rPr lang="en-US" b="0" dirty="0">
+                <a:solidFill>
+                  <a:srgbClr val="000000"/>
+                </a:solidFill>
+              </a:rPr>
+              <a:t>(), </a:t>
+            </a:r>
+            <a:r>
+              <a:rPr lang="en-US" dirty="0" err="1">
+                <a:solidFill>
+                  <a:srgbClr val="000000"/>
+                </a:solidFill>
+              </a:rPr>
+              <a:t>to_factor</a:t>
+            </a:r>
+            <a:r>
+              <a:rPr lang="en-US" b="0" dirty="0">
+                <a:solidFill>
+                  <a:srgbClr val="000000"/>
+                </a:solidFill>
+              </a:rPr>
+              <a:t>() or </a:t>
+            </a:r>
+            <a:r>
+              <a:rPr lang="en-US" dirty="0" err="1">
+                <a:solidFill>
+                  <a:srgbClr val="000000"/>
+                </a:solidFill>
+              </a:rPr>
+              <a:t>unclass</a:t>
+            </a:r>
+            <a:r>
+              <a:rPr lang="en-US" b="0" dirty="0">
+                <a:solidFill>
+                  <a:srgbClr val="000000"/>
+                </a:solidFill>
+              </a:rPr>
+              <a:t>(). Then, data cleaning, data recoding and analysis are performed using classic </a:t>
+            </a:r>
+            <a:r>
+              <a:rPr lang="en-US" dirty="0">
+                <a:solidFill>
+                  <a:srgbClr val="000000"/>
+                </a:solidFill>
+              </a:rPr>
+              <a:t>R</a:t>
+            </a:r>
+            <a:r>
+              <a:rPr lang="en-US" b="0" dirty="0">
+                <a:solidFill>
+                  <a:srgbClr val="000000"/>
+                </a:solidFill>
+              </a:rPr>
+              <a:t> vector types.</a:t>
+            </a:r>
+          </a:p>
+          <a:p>
+            <a:endParaRPr lang="en-US" b="0" dirty="0">
+              <a:solidFill>
+                <a:srgbClr val="000000"/>
+              </a:solidFill>
+            </a:endParaRPr>
+          </a:p>
+          <a:p>
+            <a:r>
+              <a:rPr lang="en-US" b="0" dirty="0">
+                <a:solidFill>
+                  <a:srgbClr val="000000"/>
+                </a:solidFill>
+              </a:rPr>
+              <a:t>In </a:t>
+            </a:r>
+            <a:r>
+              <a:rPr lang="en-US" dirty="0">
+                <a:solidFill>
+                  <a:srgbClr val="000000"/>
+                </a:solidFill>
+              </a:rPr>
+              <a:t>approach B</a:t>
+            </a:r>
+            <a:r>
+              <a:rPr lang="en-US" b="0" dirty="0">
+                <a:solidFill>
+                  <a:srgbClr val="000000"/>
+                </a:solidFill>
+              </a:rPr>
+              <a:t>, labelled vectors are kept for data cleaning and recoding, allowing to preserved original coding, in particular if data should be reexported after that step. Functions provided by </a:t>
+            </a:r>
+            <a:r>
+              <a:rPr lang="en-US" dirty="0">
+                <a:solidFill>
+                  <a:srgbClr val="000000"/>
+                </a:solidFill>
+              </a:rPr>
+              <a:t>labelled</a:t>
+            </a:r>
+            <a:r>
+              <a:rPr lang="en-US" b="0" dirty="0">
+                <a:solidFill>
+                  <a:srgbClr val="000000"/>
+                </a:solidFill>
+              </a:rPr>
+              <a:t> will be useful for managing value labels. </a:t>
+            </a:r>
+          </a:p>
+          <a:p>
+            <a:endParaRPr lang="en-US" b="0" dirty="0">
+              <a:solidFill>
+                <a:srgbClr val="000000"/>
+              </a:solidFill>
+            </a:endParaRPr>
+          </a:p>
+          <a:p>
+            <a:r>
+              <a:rPr lang="en-US" b="0" dirty="0">
+                <a:solidFill>
+                  <a:srgbClr val="000000"/>
+                </a:solidFill>
+              </a:rPr>
+              <a:t>However, as in approach A, labelled vectors will have to be converted into classic factors or numeric vectors before data analysis as this is the way categorical and continuous variables should be coded for analysis.</a:t>
+            </a:r>
+            <a:endParaRPr lang="en-GB" b="0" dirty="0">
+              <a:solidFill>
+                <a:srgbClr val="000000"/>
+              </a:solidFill>
+            </a:endParaRPr>
+          </a:p>
+        </p:txBody>
+      </p:sp>
+      <p:pic>
+        <p:nvPicPr>
+          <p:cNvPr id="6" name="Image 5">
+            <a:extLst>
+              <a:ext uri="{FF2B5EF4-FFF2-40B4-BE49-F238E27FC236}">
+                <a16:creationId xmlns:a16="http://schemas.microsoft.com/office/drawing/2014/main" id="{9366C685-31AF-46FD-8DE8-5DE0AC2819B1}"/>
+              </a:ext>
+            </a:extLst>
+          </p:cNvPr>
+          <p:cNvPicPr>
+            <a:picLocks noChangeAspect="1"/>
+          </p:cNvPicPr>
+          <p:nvPr/>
+        </p:nvPicPr>
+        <p:blipFill>
+          <a:blip r:embed="rId5" cstate="print">
+            <a:extLst>
+              <a:ext uri="{28A0092B-C50C-407E-A947-70E740481C1C}">
+                <a14:useLocalDpi xmlns:a14="http://schemas.microsoft.com/office/drawing/2010/main" val="0"/>
+              </a:ext>
+            </a:extLst>
+          </a:blip>
+          <a:srcRect/>
+          <a:stretch/>
+        </p:blipFill>
+        <p:spPr>
+          <a:xfrm>
+            <a:off x="213255" y="4900091"/>
+            <a:ext cx="4356980" cy="1457159"/>
+          </a:xfrm>
+          <a:prstGeom prst="rect">
+            <a:avLst/>
+          </a:prstGeom>
+        </p:spPr>
+      </p:pic>
+    </p:spTree>
+    <p:extLst>
+      <p:ext uri="{BB962C8B-B14F-4D97-AF65-F5344CB8AC3E}">
+        <p14:creationId xmlns:p14="http://schemas.microsoft.com/office/powerpoint/2010/main" val="568326052"/>
+      </p:ext>
+    </p:extLst>
+  </p:cSld>
+  <p:clrMapOvr>
+    <a:masterClrMapping/>
+  </p:clrMapOvr>
+  <p:transition spd="med"/>
+</p:sld>
+</file>
+
+<file path=ppt/slides/slide3.xml><?xml version="1.0" encoding="utf-8"?>
+<p:sld xmlns:a="http://schemas.openxmlformats.org/drawingml/2006/main" xmlns:r="http://schemas.openxmlformats.org/officeDocument/2006/relationships" xmlns:p="http://schemas.openxmlformats.org/presentationml/2006/main">
+  <p:cSld>
+    <p:spTree>
+      <p:nvGrpSpPr>
+        <p:cNvPr id="1" name=""/>
+        <p:cNvGrpSpPr/>
+        <p:nvPr/>
+      </p:nvGrpSpPr>
+      <p:grpSpPr>
+        <a:xfrm>
+          <a:off x="0" y="0"/>
+          <a:ext cx="0" cy="0"/>
+          <a:chOff x="0" y="0"/>
+          <a:chExt cx="0" cy="0"/>
+        </a:xfrm>
+      </p:grpSpPr>
       <p:grpSp>
         <p:nvGrpSpPr>
           <p:cNvPr id="146" name="Group"/>
@@ -12331,7 +16715,7 @@
           </a:ln>
           <a:extLst>
             <a:ext uri="{C572A759-6A51-4108-AA02-DFA0A04FC94B}">
-              <ma14:wrappingTextBoxFlag xmlns="" xmlns:m="http://schemas.openxmlformats.org/officeDocument/2006/math" xmlns:a14="http://schemas.microsoft.com/office/drawing/2010/main" xmlns:ma14="http://schemas.microsoft.com/office/mac/drawingml/2011/main" val="1"/>
+              <ma14:wrappingTextBoxFlag xmlns:ma14="http://schemas.microsoft.com/office/mac/drawingml/2011/main" xmlns:a14="http://schemas.microsoft.com/office/drawing/2010/main" xmlns:m="http://schemas.openxmlformats.org/officeDocument/2006/math" xmlns="" val="1"/>
             </a:ext>
           </a:extLst>
         </p:spPr>
@@ -12404,7 +16788,7 @@
           </a:ln>
           <a:extLst>
             <a:ext uri="{C572A759-6A51-4108-AA02-DFA0A04FC94B}">
-              <ma14:wrappingTextBoxFlag xmlns="" xmlns:m="http://schemas.openxmlformats.org/officeDocument/2006/math" xmlns:a14="http://schemas.microsoft.com/office/drawing/2010/main" xmlns:ma14="http://schemas.microsoft.com/office/mac/drawingml/2011/main" val="1"/>
+              <ma14:wrappingTextBoxFlag xmlns:ma14="http://schemas.microsoft.com/office/mac/drawingml/2011/main" xmlns:a14="http://schemas.microsoft.com/office/drawing/2010/main" xmlns:m="http://schemas.openxmlformats.org/officeDocument/2006/math" xmlns="" val="1"/>
             </a:ext>
           </a:extLst>
         </p:spPr>
@@ -12535,7 +16919,7 @@
           </a:ln>
           <a:extLst>
             <a:ext uri="{C572A759-6A51-4108-AA02-DFA0A04FC94B}">
-              <ma14:wrappingTextBoxFlag xmlns="" xmlns:m="http://schemas.openxmlformats.org/officeDocument/2006/math" xmlns:a14="http://schemas.microsoft.com/office/drawing/2010/main" xmlns:ma14="http://schemas.microsoft.com/office/mac/drawingml/2011/main" val="1"/>
+              <ma14:wrappingTextBoxFlag xmlns:ma14="http://schemas.microsoft.com/office/mac/drawingml/2011/main" xmlns:a14="http://schemas.microsoft.com/office/drawing/2010/main" xmlns:m="http://schemas.openxmlformats.org/officeDocument/2006/math" xmlns="" val="1"/>
             </a:ext>
           </a:extLst>
         </p:spPr>
@@ -12697,7 +17081,7 @@
           </a:ln>
           <a:extLst>
             <a:ext uri="{C572A759-6A51-4108-AA02-DFA0A04FC94B}">
-              <ma14:wrappingTextBoxFlag xmlns="" xmlns:m="http://schemas.openxmlformats.org/officeDocument/2006/math" xmlns:a14="http://schemas.microsoft.com/office/drawing/2010/main" xmlns:ma14="http://schemas.microsoft.com/office/mac/drawingml/2011/main" val="1"/>
+              <ma14:wrappingTextBoxFlag xmlns:ma14="http://schemas.microsoft.com/office/mac/drawingml/2011/main" xmlns:a14="http://schemas.microsoft.com/office/drawing/2010/main" xmlns:m="http://schemas.openxmlformats.org/officeDocument/2006/math" xmlns="" val="1"/>
             </a:ext>
           </a:extLst>
         </p:spPr>
@@ -12752,7 +17136,7 @@
           </a:ln>
           <a:extLst>
             <a:ext uri="{C572A759-6A51-4108-AA02-DFA0A04FC94B}">
-              <ma14:wrappingTextBoxFlag xmlns="" xmlns:m="http://schemas.openxmlformats.org/officeDocument/2006/math" xmlns:a14="http://schemas.microsoft.com/office/drawing/2010/main" xmlns:ma14="http://schemas.microsoft.com/office/mac/drawingml/2011/main" val="1"/>
+              <ma14:wrappingTextBoxFlag xmlns:ma14="http://schemas.microsoft.com/office/mac/drawingml/2011/main" xmlns:a14="http://schemas.microsoft.com/office/drawing/2010/main" xmlns:m="http://schemas.openxmlformats.org/officeDocument/2006/math" xmlns="" val="1"/>
             </a:ext>
           </a:extLst>
         </p:spPr>
@@ -12811,7 +17195,7 @@
           </a:ln>
           <a:extLst>
             <a:ext uri="{C572A759-6A51-4108-AA02-DFA0A04FC94B}">
-              <ma14:wrappingTextBoxFlag xmlns="" xmlns:m="http://schemas.openxmlformats.org/officeDocument/2006/math" xmlns:a14="http://schemas.microsoft.com/office/drawing/2010/main" xmlns:ma14="http://schemas.microsoft.com/office/mac/drawingml/2011/main" val="1"/>
+              <ma14:wrappingTextBoxFlag xmlns:ma14="http://schemas.microsoft.com/office/mac/drawingml/2011/main" xmlns:a14="http://schemas.microsoft.com/office/drawing/2010/main" xmlns:m="http://schemas.openxmlformats.org/officeDocument/2006/math" xmlns="" val="1"/>
             </a:ext>
           </a:extLst>
         </p:spPr>
@@ -12921,7 +17305,7 @@
             <a:effectLst/>
             <a:extLst>
               <a:ext uri="{C572A759-6A51-4108-AA02-DFA0A04FC94B}">
-                <ma14:wrappingTextBoxFlag xmlns="" xmlns:m="http://schemas.openxmlformats.org/officeDocument/2006/math" xmlns:a14="http://schemas.microsoft.com/office/drawing/2010/main" xmlns:ma14="http://schemas.microsoft.com/office/mac/drawingml/2011/main" val="1"/>
+                <ma14:wrappingTextBoxFlag xmlns:ma14="http://schemas.microsoft.com/office/mac/drawingml/2011/main" xmlns:a14="http://schemas.microsoft.com/office/drawing/2010/main" xmlns:m="http://schemas.openxmlformats.org/officeDocument/2006/math" xmlns="" val="1"/>
               </a:ext>
             </a:extLst>
           </p:spPr>
@@ -12971,7 +17355,7 @@
           </a:ln>
           <a:extLst>
             <a:ext uri="{C572A759-6A51-4108-AA02-DFA0A04FC94B}">
-              <ma14:wrappingTextBoxFlag xmlns="" xmlns:m="http://schemas.openxmlformats.org/officeDocument/2006/math" xmlns:a14="http://schemas.microsoft.com/office/drawing/2010/main" xmlns:ma14="http://schemas.microsoft.com/office/mac/drawingml/2011/main" val="1"/>
+              <ma14:wrappingTextBoxFlag xmlns:ma14="http://schemas.microsoft.com/office/mac/drawingml/2011/main" xmlns:a14="http://schemas.microsoft.com/office/drawing/2010/main" xmlns:m="http://schemas.openxmlformats.org/officeDocument/2006/math" xmlns="" val="1"/>
             </a:ext>
           </a:extLst>
         </p:spPr>
@@ -13031,7 +17415,7 @@
           </a:ln>
           <a:extLst>
             <a:ext uri="{C572A759-6A51-4108-AA02-DFA0A04FC94B}">
-              <ma14:wrappingTextBoxFlag xmlns="" xmlns:m="http://schemas.openxmlformats.org/officeDocument/2006/math" xmlns:a14="http://schemas.microsoft.com/office/drawing/2010/main" xmlns:ma14="http://schemas.microsoft.com/office/mac/drawingml/2011/main" val="1"/>
+              <ma14:wrappingTextBoxFlag xmlns:ma14="http://schemas.microsoft.com/office/mac/drawingml/2011/main" xmlns:a14="http://schemas.microsoft.com/office/drawing/2010/main" xmlns:m="http://schemas.openxmlformats.org/officeDocument/2006/math" xmlns="" val="1"/>
             </a:ext>
           </a:extLst>
         </p:spPr>
@@ -13091,7 +17475,7 @@
           </a:ln>
           <a:extLst>
             <a:ext uri="{C572A759-6A51-4108-AA02-DFA0A04FC94B}">
-              <ma14:wrappingTextBoxFlag xmlns="" xmlns:m="http://schemas.openxmlformats.org/officeDocument/2006/math" xmlns:a14="http://schemas.microsoft.com/office/drawing/2010/main" xmlns:ma14="http://schemas.microsoft.com/office/mac/drawingml/2011/main" val="1"/>
+              <ma14:wrappingTextBoxFlag xmlns:ma14="http://schemas.microsoft.com/office/mac/drawingml/2011/main" xmlns:a14="http://schemas.microsoft.com/office/drawing/2010/main" xmlns:m="http://schemas.openxmlformats.org/officeDocument/2006/math" xmlns="" val="1"/>
             </a:ext>
           </a:extLst>
         </p:spPr>
@@ -13151,7 +17535,7 @@
           </a:ln>
           <a:extLst>
             <a:ext uri="{C572A759-6A51-4108-AA02-DFA0A04FC94B}">
-              <ma14:wrappingTextBoxFlag xmlns="" xmlns:m="http://schemas.openxmlformats.org/officeDocument/2006/math" xmlns:a14="http://schemas.microsoft.com/office/drawing/2010/main" xmlns:ma14="http://schemas.microsoft.com/office/mac/drawingml/2011/main" val="1"/>
+              <ma14:wrappingTextBoxFlag xmlns:ma14="http://schemas.microsoft.com/office/mac/drawingml/2011/main" xmlns:a14="http://schemas.microsoft.com/office/drawing/2010/main" xmlns:m="http://schemas.openxmlformats.org/officeDocument/2006/math" xmlns="" val="1"/>
             </a:ext>
           </a:extLst>
         </p:spPr>
@@ -13211,7 +17595,7 @@
           </a:ln>
           <a:extLst>
             <a:ext uri="{C572A759-6A51-4108-AA02-DFA0A04FC94B}">
-              <ma14:wrappingTextBoxFlag xmlns="" xmlns:m="http://schemas.openxmlformats.org/officeDocument/2006/math" xmlns:a14="http://schemas.microsoft.com/office/drawing/2010/main" xmlns:ma14="http://schemas.microsoft.com/office/mac/drawingml/2011/main" val="1"/>
+              <ma14:wrappingTextBoxFlag xmlns:ma14="http://schemas.microsoft.com/office/mac/drawingml/2011/main" xmlns:a14="http://schemas.microsoft.com/office/drawing/2010/main" xmlns:m="http://schemas.openxmlformats.org/officeDocument/2006/math" xmlns="" val="1"/>
             </a:ext>
           </a:extLst>
         </p:spPr>
@@ -13291,7 +17675,7 @@
           </a:ln>
           <a:extLst>
             <a:ext uri="{C572A759-6A51-4108-AA02-DFA0A04FC94B}">
-              <ma14:wrappingTextBoxFlag xmlns="" xmlns:m="http://schemas.openxmlformats.org/officeDocument/2006/math" xmlns:a14="http://schemas.microsoft.com/office/drawing/2010/main" xmlns:ma14="http://schemas.microsoft.com/office/mac/drawingml/2011/main" val="1"/>
+              <ma14:wrappingTextBoxFlag xmlns:ma14="http://schemas.microsoft.com/office/mac/drawingml/2011/main" xmlns:a14="http://schemas.microsoft.com/office/drawing/2010/main" xmlns:m="http://schemas.openxmlformats.org/officeDocument/2006/math" xmlns="" val="1"/>
             </a:ext>
           </a:extLst>
         </p:spPr>
@@ -13393,7 +17777,7 @@
             <a:effectLst/>
             <a:extLst>
               <a:ext uri="{C572A759-6A51-4108-AA02-DFA0A04FC94B}">
-                <ma14:wrappingTextBoxFlag xmlns="" xmlns:m="http://schemas.openxmlformats.org/officeDocument/2006/math" xmlns:a14="http://schemas.microsoft.com/office/drawing/2010/main" xmlns:ma14="http://schemas.microsoft.com/office/mac/drawingml/2011/main" val="1"/>
+                <ma14:wrappingTextBoxFlag xmlns:ma14="http://schemas.microsoft.com/office/mac/drawingml/2011/main" xmlns:a14="http://schemas.microsoft.com/office/drawing/2010/main" xmlns:m="http://schemas.openxmlformats.org/officeDocument/2006/math" xmlns="" val="1"/>
               </a:ext>
             </a:extLst>
           </p:spPr>
@@ -13480,7 +17864,7 @@
           </a:ln>
           <a:extLst>
             <a:ext uri="{C572A759-6A51-4108-AA02-DFA0A04FC94B}">
-              <ma14:wrappingTextBoxFlag xmlns="" xmlns:m="http://schemas.openxmlformats.org/officeDocument/2006/math" xmlns:a14="http://schemas.microsoft.com/office/drawing/2010/main" xmlns:ma14="http://schemas.microsoft.com/office/mac/drawingml/2011/main" val="1"/>
+              <ma14:wrappingTextBoxFlag xmlns:ma14="http://schemas.microsoft.com/office/mac/drawingml/2011/main" xmlns:a14="http://schemas.microsoft.com/office/drawing/2010/main" xmlns:m="http://schemas.openxmlformats.org/officeDocument/2006/math" xmlns="" val="1"/>
             </a:ext>
           </a:extLst>
         </p:spPr>
@@ -13557,7 +17941,7 @@
           </a:ln>
           <a:extLst>
             <a:ext uri="{C572A759-6A51-4108-AA02-DFA0A04FC94B}">
-              <ma14:wrappingTextBoxFlag xmlns="" xmlns:m="http://schemas.openxmlformats.org/officeDocument/2006/math" xmlns:a14="http://schemas.microsoft.com/office/drawing/2010/main" xmlns:ma14="http://schemas.microsoft.com/office/mac/drawingml/2011/main" val="1"/>
+              <ma14:wrappingTextBoxFlag xmlns:ma14="http://schemas.microsoft.com/office/mac/drawingml/2011/main" xmlns:a14="http://schemas.microsoft.com/office/drawing/2010/main" xmlns:m="http://schemas.openxmlformats.org/officeDocument/2006/math" xmlns="" val="1"/>
             </a:ext>
           </a:extLst>
         </p:spPr>
@@ -13634,7 +18018,7 @@
           </a:ln>
           <a:extLst>
             <a:ext uri="{C572A759-6A51-4108-AA02-DFA0A04FC94B}">
-              <ma14:wrappingTextBoxFlag xmlns="" xmlns:m="http://schemas.openxmlformats.org/officeDocument/2006/math" xmlns:a14="http://schemas.microsoft.com/office/drawing/2010/main" xmlns:ma14="http://schemas.microsoft.com/office/mac/drawingml/2011/main" val="1"/>
+              <ma14:wrappingTextBoxFlag xmlns:ma14="http://schemas.microsoft.com/office/mac/drawingml/2011/main" xmlns:a14="http://schemas.microsoft.com/office/drawing/2010/main" xmlns:m="http://schemas.openxmlformats.org/officeDocument/2006/math" xmlns="" val="1"/>
             </a:ext>
           </a:extLst>
         </p:spPr>
@@ -13868,7 +18252,7 @@
             <a:effectLst/>
             <a:extLst>
               <a:ext uri="{C572A759-6A51-4108-AA02-DFA0A04FC94B}">
-                <ma14:wrappingTextBoxFlag xmlns="" xmlns:m="http://schemas.openxmlformats.org/officeDocument/2006/math" xmlns:a14="http://schemas.microsoft.com/office/drawing/2010/main" xmlns:ma14="http://schemas.microsoft.com/office/mac/drawingml/2011/main" val="1"/>
+                <ma14:wrappingTextBoxFlag xmlns:ma14="http://schemas.microsoft.com/office/mac/drawingml/2011/main" xmlns:a14="http://schemas.microsoft.com/office/drawing/2010/main" xmlns:m="http://schemas.openxmlformats.org/officeDocument/2006/math" xmlns="" val="1"/>
               </a:ext>
             </a:extLst>
           </p:spPr>
@@ -14039,7 +18423,7 @@
             <a:effectLst/>
             <a:extLst>
               <a:ext uri="{C572A759-6A51-4108-AA02-DFA0A04FC94B}">
-                <ma14:wrappingTextBoxFlag xmlns="" xmlns:m="http://schemas.openxmlformats.org/officeDocument/2006/math" xmlns:a14="http://schemas.microsoft.com/office/drawing/2010/main" xmlns:ma14="http://schemas.microsoft.com/office/mac/drawingml/2011/main" val="1"/>
+                <ma14:wrappingTextBoxFlag xmlns:ma14="http://schemas.microsoft.com/office/mac/drawingml/2011/main" xmlns:a14="http://schemas.microsoft.com/office/drawing/2010/main" xmlns:m="http://schemas.openxmlformats.org/officeDocument/2006/math" xmlns="" val="1"/>
               </a:ext>
             </a:extLst>
           </p:spPr>
@@ -14153,7 +18537,7 @@
             <a:effectLst/>
             <a:extLst>
               <a:ext uri="{C572A759-6A51-4108-AA02-DFA0A04FC94B}">
-                <ma14:wrappingTextBoxFlag xmlns="" xmlns:m="http://schemas.openxmlformats.org/officeDocument/2006/math" xmlns:a14="http://schemas.microsoft.com/office/drawing/2010/main" xmlns:ma14="http://schemas.microsoft.com/office/mac/drawingml/2011/main" val="1"/>
+                <ma14:wrappingTextBoxFlag xmlns:ma14="http://schemas.microsoft.com/office/mac/drawingml/2011/main" xmlns:a14="http://schemas.microsoft.com/office/drawing/2010/main" xmlns:m="http://schemas.openxmlformats.org/officeDocument/2006/math" xmlns="" val="1"/>
               </a:ext>
             </a:extLst>
           </p:spPr>
@@ -14219,7 +18603,7 @@
             <a:effectLst/>
             <a:extLst>
               <a:ext uri="{C572A759-6A51-4108-AA02-DFA0A04FC94B}">
-                <ma14:wrappingTextBoxFlag xmlns="" xmlns:m="http://schemas.openxmlformats.org/officeDocument/2006/math" xmlns:a14="http://schemas.microsoft.com/office/drawing/2010/main" xmlns:ma14="http://schemas.microsoft.com/office/mac/drawingml/2011/main" val="1"/>
+                <ma14:wrappingTextBoxFlag xmlns:ma14="http://schemas.microsoft.com/office/mac/drawingml/2011/main" xmlns:a14="http://schemas.microsoft.com/office/drawing/2010/main" xmlns:m="http://schemas.openxmlformats.org/officeDocument/2006/math" xmlns="" val="1"/>
               </a:ext>
             </a:extLst>
           </p:spPr>
@@ -14315,7 +18699,7 @@
           </a:ln>
           <a:extLst>
             <a:ext uri="{C572A759-6A51-4108-AA02-DFA0A04FC94B}">
-              <ma14:wrappingTextBoxFlag xmlns="" xmlns:m="http://schemas.openxmlformats.org/officeDocument/2006/math" xmlns:a14="http://schemas.microsoft.com/office/drawing/2010/main" xmlns:ma14="http://schemas.microsoft.com/office/mac/drawingml/2011/main" val="1"/>
+              <ma14:wrappingTextBoxFlag xmlns:ma14="http://schemas.microsoft.com/office/mac/drawingml/2011/main" xmlns:a14="http://schemas.microsoft.com/office/drawing/2010/main" xmlns:m="http://schemas.openxmlformats.org/officeDocument/2006/math" xmlns="" val="1"/>
             </a:ext>
           </a:extLst>
         </p:spPr>
@@ -14352,7 +18736,7 @@
           </a:ln>
           <a:extLst>
             <a:ext uri="{C572A759-6A51-4108-AA02-DFA0A04FC94B}">
-              <ma14:wrappingTextBoxFlag xmlns="" xmlns:m="http://schemas.openxmlformats.org/officeDocument/2006/math" xmlns:a14="http://schemas.microsoft.com/office/drawing/2010/main" xmlns:ma14="http://schemas.microsoft.com/office/mac/drawingml/2011/main" val="1"/>
+              <ma14:wrappingTextBoxFlag xmlns:ma14="http://schemas.microsoft.com/office/mac/drawingml/2011/main" xmlns:a14="http://schemas.microsoft.com/office/drawing/2010/main" xmlns:m="http://schemas.openxmlformats.org/officeDocument/2006/math" xmlns="" val="1"/>
             </a:ext>
           </a:extLst>
         </p:spPr>
@@ -14442,7 +18826,7 @@
           </a:ln>
           <a:extLst>
             <a:ext uri="{C572A759-6A51-4108-AA02-DFA0A04FC94B}">
-              <ma14:wrappingTextBoxFlag xmlns="" xmlns:m="http://schemas.openxmlformats.org/officeDocument/2006/math" xmlns:a14="http://schemas.microsoft.com/office/drawing/2010/main" xmlns:ma14="http://schemas.microsoft.com/office/mac/drawingml/2011/main" val="1"/>
+              <ma14:wrappingTextBoxFlag xmlns:ma14="http://schemas.microsoft.com/office/mac/drawingml/2011/main" xmlns:a14="http://schemas.microsoft.com/office/drawing/2010/main" xmlns:m="http://schemas.openxmlformats.org/officeDocument/2006/math" xmlns="" val="1"/>
             </a:ext>
           </a:extLst>
         </p:spPr>
@@ -14532,7 +18916,7 @@
           </a:ln>
           <a:extLst>
             <a:ext uri="{C572A759-6A51-4108-AA02-DFA0A04FC94B}">
-              <ma14:wrappingTextBoxFlag xmlns="" xmlns:m="http://schemas.openxmlformats.org/officeDocument/2006/math" xmlns:a14="http://schemas.microsoft.com/office/drawing/2010/main" xmlns:ma14="http://schemas.microsoft.com/office/mac/drawingml/2011/main" val="1"/>
+              <ma14:wrappingTextBoxFlag xmlns:ma14="http://schemas.microsoft.com/office/mac/drawingml/2011/main" xmlns:a14="http://schemas.microsoft.com/office/drawing/2010/main" xmlns:m="http://schemas.openxmlformats.org/officeDocument/2006/math" xmlns="" val="1"/>
             </a:ext>
           </a:extLst>
         </p:spPr>
@@ -14622,7 +19006,7 @@
           </a:ln>
           <a:extLst>
             <a:ext uri="{C572A759-6A51-4108-AA02-DFA0A04FC94B}">
-              <ma14:wrappingTextBoxFlag xmlns="" xmlns:m="http://schemas.openxmlformats.org/officeDocument/2006/math" xmlns:a14="http://schemas.microsoft.com/office/drawing/2010/main" xmlns:ma14="http://schemas.microsoft.com/office/mac/drawingml/2011/main" val="1"/>
+              <ma14:wrappingTextBoxFlag xmlns:ma14="http://schemas.microsoft.com/office/mac/drawingml/2011/main" xmlns:a14="http://schemas.microsoft.com/office/drawing/2010/main" xmlns:m="http://schemas.openxmlformats.org/officeDocument/2006/math" xmlns="" val="1"/>
             </a:ext>
           </a:extLst>
         </p:spPr>
@@ -15229,7 +19613,7 @@
           </a:ln>
           <a:extLst>
             <a:ext uri="{C572A759-6A51-4108-AA02-DFA0A04FC94B}">
-              <ma14:wrappingTextBoxFlag xmlns="" xmlns:m="http://schemas.openxmlformats.org/officeDocument/2006/math" xmlns:a14="http://schemas.microsoft.com/office/drawing/2010/main" xmlns:ma14="http://schemas.microsoft.com/office/mac/drawingml/2011/main" val="1"/>
+              <ma14:wrappingTextBoxFlag xmlns:ma14="http://schemas.microsoft.com/office/mac/drawingml/2011/main" xmlns:a14="http://schemas.microsoft.com/office/drawing/2010/main" xmlns:m="http://schemas.openxmlformats.org/officeDocument/2006/math" xmlns="" val="1"/>
             </a:ext>
           </a:extLst>
         </p:spPr>
@@ -15280,7 +19664,7 @@
           </a:ln>
           <a:extLst>
             <a:ext uri="{C572A759-6A51-4108-AA02-DFA0A04FC94B}">
-              <ma14:wrappingTextBoxFlag xmlns="" xmlns:m="http://schemas.openxmlformats.org/officeDocument/2006/math" xmlns:a14="http://schemas.microsoft.com/office/drawing/2010/main" xmlns:ma14="http://schemas.microsoft.com/office/mac/drawingml/2011/main" val="1"/>
+              <ma14:wrappingTextBoxFlag xmlns:ma14="http://schemas.microsoft.com/office/mac/drawingml/2011/main" xmlns:a14="http://schemas.microsoft.com/office/drawing/2010/main" xmlns:m="http://schemas.openxmlformats.org/officeDocument/2006/math" xmlns="" val="1"/>
             </a:ext>
           </a:extLst>
         </p:spPr>
@@ -15342,7 +19726,7 @@
           </a:ln>
           <a:extLst>
             <a:ext uri="{C572A759-6A51-4108-AA02-DFA0A04FC94B}">
-              <ma14:wrappingTextBoxFlag xmlns="" xmlns:m="http://schemas.openxmlformats.org/officeDocument/2006/math" xmlns:a14="http://schemas.microsoft.com/office/drawing/2010/main" xmlns:ma14="http://schemas.microsoft.com/office/mac/drawingml/2011/main" val="1"/>
+              <ma14:wrappingTextBoxFlag xmlns:ma14="http://schemas.microsoft.com/office/mac/drawingml/2011/main" xmlns:a14="http://schemas.microsoft.com/office/drawing/2010/main" xmlns:m="http://schemas.openxmlformats.org/officeDocument/2006/math" xmlns="" val="1"/>
             </a:ext>
           </a:extLst>
         </p:spPr>
@@ -15378,7 +19762,7 @@
           </a:ln>
           <a:extLst>
             <a:ext uri="{C572A759-6A51-4108-AA02-DFA0A04FC94B}">
-              <ma14:wrappingTextBoxFlag xmlns="" xmlns:m="http://schemas.openxmlformats.org/officeDocument/2006/math" xmlns:a14="http://schemas.microsoft.com/office/drawing/2010/main" xmlns:ma14="http://schemas.microsoft.com/office/mac/drawingml/2011/main" val="1"/>
+              <ma14:wrappingTextBoxFlag xmlns:ma14="http://schemas.microsoft.com/office/mac/drawingml/2011/main" xmlns:a14="http://schemas.microsoft.com/office/drawing/2010/main" xmlns:m="http://schemas.openxmlformats.org/officeDocument/2006/math" xmlns="" val="1"/>
             </a:ext>
           </a:extLst>
         </p:spPr>
@@ -15414,7 +19798,7 @@
           </a:ln>
           <a:extLst>
             <a:ext uri="{C572A759-6A51-4108-AA02-DFA0A04FC94B}">
-              <ma14:wrappingTextBoxFlag xmlns="" xmlns:m="http://schemas.openxmlformats.org/officeDocument/2006/math" xmlns:a14="http://schemas.microsoft.com/office/drawing/2010/main" xmlns:ma14="http://schemas.microsoft.com/office/mac/drawingml/2011/main" val="1"/>
+              <ma14:wrappingTextBoxFlag xmlns:ma14="http://schemas.microsoft.com/office/mac/drawingml/2011/main" xmlns:a14="http://schemas.microsoft.com/office/drawing/2010/main" xmlns:m="http://schemas.openxmlformats.org/officeDocument/2006/math" xmlns="" val="1"/>
             </a:ext>
           </a:extLst>
         </p:spPr>
@@ -15450,7 +19834,7 @@
           </a:ln>
           <a:extLst>
             <a:ext uri="{C572A759-6A51-4108-AA02-DFA0A04FC94B}">
-              <ma14:wrappingTextBoxFlag xmlns="" xmlns:m="http://schemas.openxmlformats.org/officeDocument/2006/math" xmlns:a14="http://schemas.microsoft.com/office/drawing/2010/main" xmlns:ma14="http://schemas.microsoft.com/office/mac/drawingml/2011/main" val="1"/>
+              <ma14:wrappingTextBoxFlag xmlns:ma14="http://schemas.microsoft.com/office/mac/drawingml/2011/main" xmlns:a14="http://schemas.microsoft.com/office/drawing/2010/main" xmlns:m="http://schemas.openxmlformats.org/officeDocument/2006/math" xmlns="" val="1"/>
             </a:ext>
           </a:extLst>
         </p:spPr>
@@ -15486,7 +19870,7 @@
           </a:ln>
           <a:extLst>
             <a:ext uri="{C572A759-6A51-4108-AA02-DFA0A04FC94B}">
-              <ma14:wrappingTextBoxFlag xmlns="" xmlns:m="http://schemas.openxmlformats.org/officeDocument/2006/math" xmlns:a14="http://schemas.microsoft.com/office/drawing/2010/main" xmlns:ma14="http://schemas.microsoft.com/office/mac/drawingml/2011/main" val="1"/>
+              <ma14:wrappingTextBoxFlag xmlns:ma14="http://schemas.microsoft.com/office/mac/drawingml/2011/main" xmlns:a14="http://schemas.microsoft.com/office/drawing/2010/main" xmlns:m="http://schemas.openxmlformats.org/officeDocument/2006/math" xmlns="" val="1"/>
             </a:ext>
           </a:extLst>
         </p:spPr>
@@ -15528,7 +19912,7 @@
           </a:ln>
           <a:extLst>
             <a:ext uri="{C572A759-6A51-4108-AA02-DFA0A04FC94B}">
-              <ma14:wrappingTextBoxFlag xmlns="" xmlns:m="http://schemas.openxmlformats.org/officeDocument/2006/math" xmlns:a14="http://schemas.microsoft.com/office/drawing/2010/main" xmlns:ma14="http://schemas.microsoft.com/office/mac/drawingml/2011/main" val="1"/>
+              <ma14:wrappingTextBoxFlag xmlns:ma14="http://schemas.microsoft.com/office/mac/drawingml/2011/main" xmlns:a14="http://schemas.microsoft.com/office/drawing/2010/main" xmlns:m="http://schemas.openxmlformats.org/officeDocument/2006/math" xmlns="" val="1"/>
             </a:ext>
           </a:extLst>
         </p:spPr>
@@ -15615,7 +19999,7 @@
           </a:ln>
           <a:extLst>
             <a:ext uri="{C572A759-6A51-4108-AA02-DFA0A04FC94B}">
-              <ma14:wrappingTextBoxFlag xmlns="" xmlns:m="http://schemas.openxmlformats.org/officeDocument/2006/math" xmlns:a14="http://schemas.microsoft.com/office/drawing/2010/main" xmlns:ma14="http://schemas.microsoft.com/office/mac/drawingml/2011/main" val="1"/>
+              <ma14:wrappingTextBoxFlag xmlns:ma14="http://schemas.microsoft.com/office/mac/drawingml/2011/main" xmlns:a14="http://schemas.microsoft.com/office/drawing/2010/main" xmlns:m="http://schemas.openxmlformats.org/officeDocument/2006/math" xmlns="" val="1"/>
             </a:ext>
           </a:extLst>
         </p:spPr>
@@ -15770,7 +20154,7 @@
           </a:ln>
           <a:extLst>
             <a:ext uri="{C572A759-6A51-4108-AA02-DFA0A04FC94B}">
-              <ma14:wrappingTextBoxFlag xmlns="" xmlns:m="http://schemas.openxmlformats.org/officeDocument/2006/math" xmlns:a14="http://schemas.microsoft.com/office/drawing/2010/main" xmlns:ma14="http://schemas.microsoft.com/office/mac/drawingml/2011/main" val="1"/>
+              <ma14:wrappingTextBoxFlag xmlns:ma14="http://schemas.microsoft.com/office/mac/drawingml/2011/main" xmlns:a14="http://schemas.microsoft.com/office/drawing/2010/main" xmlns:m="http://schemas.openxmlformats.org/officeDocument/2006/math" xmlns="" val="1"/>
             </a:ext>
           </a:extLst>
         </p:spPr>
@@ -15893,7 +20277,7 @@
           </a:ln>
           <a:extLst>
             <a:ext uri="{C572A759-6A51-4108-AA02-DFA0A04FC94B}">
-              <ma14:wrappingTextBoxFlag xmlns="" xmlns:m="http://schemas.openxmlformats.org/officeDocument/2006/math" xmlns:a14="http://schemas.microsoft.com/office/drawing/2010/main" xmlns:ma14="http://schemas.microsoft.com/office/mac/drawingml/2011/main" val="1"/>
+              <ma14:wrappingTextBoxFlag xmlns:ma14="http://schemas.microsoft.com/office/mac/drawingml/2011/main" xmlns:a14="http://schemas.microsoft.com/office/drawing/2010/main" xmlns:m="http://schemas.openxmlformats.org/officeDocument/2006/math" xmlns="" val="1"/>
             </a:ext>
           </a:extLst>
         </p:spPr>
@@ -16016,7 +20400,7 @@
           </a:ln>
           <a:extLst>
             <a:ext uri="{C572A759-6A51-4108-AA02-DFA0A04FC94B}">
-              <ma14:wrappingTextBoxFlag xmlns="" xmlns:m="http://schemas.openxmlformats.org/officeDocument/2006/math" xmlns:a14="http://schemas.microsoft.com/office/drawing/2010/main" xmlns:ma14="http://schemas.microsoft.com/office/mac/drawingml/2011/main" val="1"/>
+              <ma14:wrappingTextBoxFlag xmlns:ma14="http://schemas.microsoft.com/office/mac/drawingml/2011/main" xmlns:a14="http://schemas.microsoft.com/office/drawing/2010/main" xmlns:m="http://schemas.openxmlformats.org/officeDocument/2006/math" xmlns="" val="1"/>
             </a:ext>
           </a:extLst>
         </p:spPr>
@@ -16290,7 +20674,7 @@
           </a:ln>
           <a:extLst>
             <a:ext uri="{C572A759-6A51-4108-AA02-DFA0A04FC94B}">
-              <ma14:wrappingTextBoxFlag xmlns="" xmlns:m="http://schemas.openxmlformats.org/officeDocument/2006/math" xmlns:a14="http://schemas.microsoft.com/office/drawing/2010/main" xmlns:ma14="http://schemas.microsoft.com/office/mac/drawingml/2011/main" val="1"/>
+              <ma14:wrappingTextBoxFlag xmlns:ma14="http://schemas.microsoft.com/office/mac/drawingml/2011/main" xmlns:a14="http://schemas.microsoft.com/office/drawing/2010/main" xmlns:m="http://schemas.openxmlformats.org/officeDocument/2006/math" xmlns="" val="1"/>
             </a:ext>
           </a:extLst>
         </p:spPr>
@@ -16459,7 +20843,7 @@
           </a:ln>
           <a:extLst>
             <a:ext uri="{C572A759-6A51-4108-AA02-DFA0A04FC94B}">
-              <ma14:wrappingTextBoxFlag xmlns="" xmlns:m="http://schemas.openxmlformats.org/officeDocument/2006/math" xmlns:a14="http://schemas.microsoft.com/office/drawing/2010/main" xmlns:ma14="http://schemas.microsoft.com/office/mac/drawingml/2011/main" val="1"/>
+              <ma14:wrappingTextBoxFlag xmlns:ma14="http://schemas.microsoft.com/office/mac/drawingml/2011/main" xmlns:a14="http://schemas.microsoft.com/office/drawing/2010/main" xmlns:m="http://schemas.openxmlformats.org/officeDocument/2006/math" xmlns="" val="1"/>
             </a:ext>
           </a:extLst>
         </p:spPr>
@@ -16530,7 +20914,7 @@
           </a:ln>
           <a:extLst>
             <a:ext uri="{C572A759-6A51-4108-AA02-DFA0A04FC94B}">
-              <ma14:wrappingTextBoxFlag xmlns="" xmlns:m="http://schemas.openxmlformats.org/officeDocument/2006/math" xmlns:a14="http://schemas.microsoft.com/office/drawing/2010/main" xmlns:ma14="http://schemas.microsoft.com/office/mac/drawingml/2011/main" val="1"/>
+              <ma14:wrappingTextBoxFlag xmlns:ma14="http://schemas.microsoft.com/office/mac/drawingml/2011/main" xmlns:a14="http://schemas.microsoft.com/office/drawing/2010/main" xmlns:m="http://schemas.openxmlformats.org/officeDocument/2006/math" xmlns="" val="1"/>
             </a:ext>
           </a:extLst>
         </p:spPr>
@@ -16746,7 +21130,7 @@
           </a:ln>
           <a:extLst>
             <a:ext uri="{C572A759-6A51-4108-AA02-DFA0A04FC94B}">
-              <ma14:wrappingTextBoxFlag xmlns="" xmlns:m="http://schemas.openxmlformats.org/officeDocument/2006/math" xmlns:a14="http://schemas.microsoft.com/office/drawing/2010/main" xmlns:ma14="http://schemas.microsoft.com/office/mac/drawingml/2011/main" val="1"/>
+              <ma14:wrappingTextBoxFlag xmlns:ma14="http://schemas.microsoft.com/office/mac/drawingml/2011/main" xmlns:a14="http://schemas.microsoft.com/office/drawing/2010/main" xmlns:m="http://schemas.openxmlformats.org/officeDocument/2006/math" xmlns="" val="1"/>
             </a:ext>
           </a:extLst>
         </p:spPr>
@@ -16808,7 +21192,7 @@
           </a:ln>
           <a:extLst>
             <a:ext uri="{C572A759-6A51-4108-AA02-DFA0A04FC94B}">
-              <ma14:wrappingTextBoxFlag xmlns="" xmlns:m="http://schemas.openxmlformats.org/officeDocument/2006/math" xmlns:a14="http://schemas.microsoft.com/office/drawing/2010/main" xmlns:ma14="http://schemas.microsoft.com/office/mac/drawingml/2011/main" val="1"/>
+              <ma14:wrappingTextBoxFlag xmlns:ma14="http://schemas.microsoft.com/office/mac/drawingml/2011/main" xmlns:a14="http://schemas.microsoft.com/office/drawing/2010/main" xmlns:m="http://schemas.openxmlformats.org/officeDocument/2006/math" xmlns="" val="1"/>
             </a:ext>
           </a:extLst>
         </p:spPr>
@@ -16844,7 +21228,7 @@
           </a:ln>
           <a:extLst>
             <a:ext uri="{C572A759-6A51-4108-AA02-DFA0A04FC94B}">
-              <ma14:wrappingTextBoxFlag xmlns="" xmlns:m="http://schemas.openxmlformats.org/officeDocument/2006/math" xmlns:a14="http://schemas.microsoft.com/office/drawing/2010/main" xmlns:ma14="http://schemas.microsoft.com/office/mac/drawingml/2011/main" val="1"/>
+              <ma14:wrappingTextBoxFlag xmlns:ma14="http://schemas.microsoft.com/office/mac/drawingml/2011/main" xmlns:a14="http://schemas.microsoft.com/office/drawing/2010/main" xmlns:m="http://schemas.openxmlformats.org/officeDocument/2006/math" xmlns="" val="1"/>
             </a:ext>
           </a:extLst>
         </p:spPr>
@@ -16880,7 +21264,7 @@
           </a:ln>
           <a:extLst>
             <a:ext uri="{C572A759-6A51-4108-AA02-DFA0A04FC94B}">
-              <ma14:wrappingTextBoxFlag xmlns="" xmlns:m="http://schemas.openxmlformats.org/officeDocument/2006/math" xmlns:a14="http://schemas.microsoft.com/office/drawing/2010/main" xmlns:ma14="http://schemas.microsoft.com/office/mac/drawingml/2011/main" val="1"/>
+              <ma14:wrappingTextBoxFlag xmlns:ma14="http://schemas.microsoft.com/office/mac/drawingml/2011/main" xmlns:a14="http://schemas.microsoft.com/office/drawing/2010/main" xmlns:m="http://schemas.openxmlformats.org/officeDocument/2006/math" xmlns="" val="1"/>
             </a:ext>
           </a:extLst>
         </p:spPr>
@@ -17663,7 +22047,7 @@
             <a:effectLst/>
             <a:extLst>
               <a:ext uri="{C572A759-6A51-4108-AA02-DFA0A04FC94B}">
-                <ma14:wrappingTextBoxFlag xmlns="" xmlns:m="http://schemas.openxmlformats.org/officeDocument/2006/math" xmlns:a14="http://schemas.microsoft.com/office/drawing/2010/main" xmlns:ma14="http://schemas.microsoft.com/office/mac/drawingml/2011/main" val="1"/>
+                <ma14:wrappingTextBoxFlag xmlns:ma14="http://schemas.microsoft.com/office/mac/drawingml/2011/main" xmlns:a14="http://schemas.microsoft.com/office/drawing/2010/main" xmlns:m="http://schemas.openxmlformats.org/officeDocument/2006/math" xmlns="" val="1"/>
               </a:ext>
             </a:extLst>
           </p:spPr>
@@ -18237,7 +22621,7 @@
 </p:sld>
 </file>
 
-<file path=ppt/slides/slide3.xml><?xml version="1.0" encoding="utf-8"?>
+<file path=ppt/slides/slide4.xml><?xml version="1.0" encoding="utf-8"?>
 <p:sld xmlns:a="http://schemas.openxmlformats.org/drawingml/2006/main" xmlns:r="http://schemas.openxmlformats.org/officeDocument/2006/relationships" xmlns:p="http://schemas.openxmlformats.org/presentationml/2006/main">
   <p:cSld>
     <p:spTree>
@@ -19185,7 +23569,7 @@
           </a:ln>
           <a:extLst>
             <a:ext uri="{C572A759-6A51-4108-AA02-DFA0A04FC94B}">
-              <ma14:wrappingTextBoxFlag xmlns="" xmlns:m="http://schemas.openxmlformats.org/officeDocument/2006/math" xmlns:a14="http://schemas.microsoft.com/office/drawing/2010/main" xmlns:ma14="http://schemas.microsoft.com/office/mac/drawingml/2011/main" val="1"/>
+              <ma14:wrappingTextBoxFlag xmlns:ma14="http://schemas.microsoft.com/office/mac/drawingml/2011/main" xmlns:a14="http://schemas.microsoft.com/office/drawing/2010/main" xmlns:m="http://schemas.openxmlformats.org/officeDocument/2006/math" xmlns="" val="1"/>
             </a:ext>
           </a:extLst>
         </p:spPr>
@@ -19945,7 +24329,7 @@
           </a:ln>
           <a:extLst>
             <a:ext uri="{C572A759-6A51-4108-AA02-DFA0A04FC94B}">
-              <ma14:wrappingTextBoxFlag xmlns="" xmlns:m="http://schemas.openxmlformats.org/officeDocument/2006/math" xmlns:a14="http://schemas.microsoft.com/office/drawing/2010/main" xmlns:ma14="http://schemas.microsoft.com/office/mac/drawingml/2011/main" val="1"/>
+              <ma14:wrappingTextBoxFlag xmlns:ma14="http://schemas.microsoft.com/office/mac/drawingml/2011/main" xmlns:a14="http://schemas.microsoft.com/office/drawing/2010/main" xmlns:m="http://schemas.openxmlformats.org/officeDocument/2006/math" xmlns="" val="1"/>
             </a:ext>
           </a:extLst>
         </p:spPr>
@@ -19993,7 +24377,7 @@
           </a:ln>
           <a:extLst>
             <a:ext uri="{C572A759-6A51-4108-AA02-DFA0A04FC94B}">
-              <ma14:wrappingTextBoxFlag xmlns="" xmlns:m="http://schemas.openxmlformats.org/officeDocument/2006/math" xmlns:a14="http://schemas.microsoft.com/office/drawing/2010/main" xmlns:ma14="http://schemas.microsoft.com/office/mac/drawingml/2011/main" val="1"/>
+              <ma14:wrappingTextBoxFlag xmlns:ma14="http://schemas.microsoft.com/office/mac/drawingml/2011/main" xmlns:a14="http://schemas.microsoft.com/office/drawing/2010/main" xmlns:m="http://schemas.openxmlformats.org/officeDocument/2006/math" xmlns="" val="1"/>
             </a:ext>
           </a:extLst>
         </p:spPr>
@@ -20063,7 +24447,7 @@
           </a:ln>
           <a:extLst>
             <a:ext uri="{C572A759-6A51-4108-AA02-DFA0A04FC94B}">
-              <ma14:wrappingTextBoxFlag xmlns="" xmlns:m="http://schemas.openxmlformats.org/officeDocument/2006/math" xmlns:a14="http://schemas.microsoft.com/office/drawing/2010/main" xmlns:ma14="http://schemas.microsoft.com/office/mac/drawingml/2011/main" val="1"/>
+              <ma14:wrappingTextBoxFlag xmlns:ma14="http://schemas.microsoft.com/office/mac/drawingml/2011/main" xmlns:a14="http://schemas.microsoft.com/office/drawing/2010/main" xmlns:m="http://schemas.openxmlformats.org/officeDocument/2006/math" xmlns="" val="1"/>
             </a:ext>
           </a:extLst>
         </p:spPr>
@@ -20118,7 +24502,7 @@
           </a:ln>
           <a:extLst>
             <a:ext uri="{C572A759-6A51-4108-AA02-DFA0A04FC94B}">
-              <ma14:wrappingTextBoxFlag xmlns="" xmlns:m="http://schemas.openxmlformats.org/officeDocument/2006/math" xmlns:a14="http://schemas.microsoft.com/office/drawing/2010/main" xmlns:ma14="http://schemas.microsoft.com/office/mac/drawingml/2011/main" val="1"/>
+              <ma14:wrappingTextBoxFlag xmlns:ma14="http://schemas.microsoft.com/office/mac/drawingml/2011/main" xmlns:a14="http://schemas.microsoft.com/office/drawing/2010/main" xmlns:m="http://schemas.openxmlformats.org/officeDocument/2006/math" xmlns="" val="1"/>
             </a:ext>
           </a:extLst>
         </p:spPr>
@@ -20200,7 +24584,7 @@
           </a:ln>
           <a:extLst>
             <a:ext uri="{C572A759-6A51-4108-AA02-DFA0A04FC94B}">
-              <ma14:wrappingTextBoxFlag xmlns="" xmlns:m="http://schemas.openxmlformats.org/officeDocument/2006/math" xmlns:a14="http://schemas.microsoft.com/office/drawing/2010/main" xmlns:ma14="http://schemas.microsoft.com/office/mac/drawingml/2011/main" val="1"/>
+              <ma14:wrappingTextBoxFlag xmlns:ma14="http://schemas.microsoft.com/office/mac/drawingml/2011/main" xmlns:a14="http://schemas.microsoft.com/office/drawing/2010/main" xmlns:m="http://schemas.openxmlformats.org/officeDocument/2006/math" xmlns="" val="1"/>
             </a:ext>
           </a:extLst>
         </p:spPr>
@@ -20259,7 +24643,7 @@
           </a:ln>
           <a:extLst>
             <a:ext uri="{C572A759-6A51-4108-AA02-DFA0A04FC94B}">
-              <ma14:wrappingTextBoxFlag xmlns="" xmlns:m="http://schemas.openxmlformats.org/officeDocument/2006/math" xmlns:a14="http://schemas.microsoft.com/office/drawing/2010/main" xmlns:ma14="http://schemas.microsoft.com/office/mac/drawingml/2011/main" val="1"/>
+              <ma14:wrappingTextBoxFlag xmlns:ma14="http://schemas.microsoft.com/office/mac/drawingml/2011/main" xmlns:a14="http://schemas.microsoft.com/office/drawing/2010/main" xmlns:m="http://schemas.openxmlformats.org/officeDocument/2006/math" xmlns="" val="1"/>
             </a:ext>
           </a:extLst>
         </p:spPr>
@@ -20367,7 +24751,7 @@
           </a:ln>
           <a:extLst>
             <a:ext uri="{C572A759-6A51-4108-AA02-DFA0A04FC94B}">
-              <ma14:wrappingTextBoxFlag xmlns="" xmlns:m="http://schemas.openxmlformats.org/officeDocument/2006/math" xmlns:a14="http://schemas.microsoft.com/office/drawing/2010/main" xmlns:ma14="http://schemas.microsoft.com/office/mac/drawingml/2011/main" val="1"/>
+              <ma14:wrappingTextBoxFlag xmlns:ma14="http://schemas.microsoft.com/office/mac/drawingml/2011/main" xmlns:a14="http://schemas.microsoft.com/office/drawing/2010/main" xmlns:m="http://schemas.openxmlformats.org/officeDocument/2006/math" xmlns="" val="1"/>
             </a:ext>
           </a:extLst>
         </p:spPr>
@@ -20432,7 +24816,7 @@
             <a:effectLst/>
             <a:extLst>
               <a:ext uri="{C572A759-6A51-4108-AA02-DFA0A04FC94B}">
-                <ma14:wrappingTextBoxFlag xmlns="" xmlns:m="http://schemas.openxmlformats.org/officeDocument/2006/math" xmlns:a14="http://schemas.microsoft.com/office/drawing/2010/main" xmlns:ma14="http://schemas.microsoft.com/office/mac/drawingml/2011/main" val="1"/>
+                <ma14:wrappingTextBoxFlag xmlns:ma14="http://schemas.microsoft.com/office/mac/drawingml/2011/main" xmlns:a14="http://schemas.microsoft.com/office/drawing/2010/main" xmlns:m="http://schemas.openxmlformats.org/officeDocument/2006/math" xmlns="" val="1"/>
               </a:ext>
             </a:extLst>
           </p:spPr>
@@ -20606,7 +24990,7 @@
             <a:effectLst/>
             <a:extLst>
               <a:ext uri="{C572A759-6A51-4108-AA02-DFA0A04FC94B}">
-                <ma14:wrappingTextBoxFlag xmlns="" xmlns:m="http://schemas.openxmlformats.org/officeDocument/2006/math" xmlns:a14="http://schemas.microsoft.com/office/drawing/2010/main" xmlns:ma14="http://schemas.microsoft.com/office/mac/drawingml/2011/main" val="1"/>
+                <ma14:wrappingTextBoxFlag xmlns:ma14="http://schemas.microsoft.com/office/mac/drawingml/2011/main" xmlns:a14="http://schemas.microsoft.com/office/drawing/2010/main" xmlns:m="http://schemas.openxmlformats.org/officeDocument/2006/math" xmlns="" val="1"/>
               </a:ext>
             </a:extLst>
           </p:spPr>
@@ -20697,7 +25081,7 @@
           </a:ln>
           <a:extLst>
             <a:ext uri="{C572A759-6A51-4108-AA02-DFA0A04FC94B}">
-              <ma14:wrappingTextBoxFlag xmlns="" xmlns:m="http://schemas.openxmlformats.org/officeDocument/2006/math" xmlns:a14="http://schemas.microsoft.com/office/drawing/2010/main" xmlns:ma14="http://schemas.microsoft.com/office/mac/drawingml/2011/main" val="1"/>
+              <ma14:wrappingTextBoxFlag xmlns:ma14="http://schemas.microsoft.com/office/mac/drawingml/2011/main" xmlns:a14="http://schemas.microsoft.com/office/drawing/2010/main" xmlns:m="http://schemas.openxmlformats.org/officeDocument/2006/math" xmlns="" val="1"/>
             </a:ext>
           </a:extLst>
         </p:spPr>
@@ -20757,7 +25141,7 @@
           </a:ln>
           <a:extLst>
             <a:ext uri="{C572A759-6A51-4108-AA02-DFA0A04FC94B}">
-              <ma14:wrappingTextBoxFlag xmlns="" xmlns:m="http://schemas.openxmlformats.org/officeDocument/2006/math" xmlns:a14="http://schemas.microsoft.com/office/drawing/2010/main" xmlns:ma14="http://schemas.microsoft.com/office/mac/drawingml/2011/main" val="1"/>
+              <ma14:wrappingTextBoxFlag xmlns:ma14="http://schemas.microsoft.com/office/mac/drawingml/2011/main" xmlns:a14="http://schemas.microsoft.com/office/drawing/2010/main" xmlns:m="http://schemas.openxmlformats.org/officeDocument/2006/math" xmlns="" val="1"/>
             </a:ext>
           </a:extLst>
         </p:spPr>
@@ -20817,7 +25201,7 @@
           </a:ln>
           <a:extLst>
             <a:ext uri="{C572A759-6A51-4108-AA02-DFA0A04FC94B}">
-              <ma14:wrappingTextBoxFlag xmlns="" xmlns:m="http://schemas.openxmlformats.org/officeDocument/2006/math" xmlns:a14="http://schemas.microsoft.com/office/drawing/2010/main" xmlns:ma14="http://schemas.microsoft.com/office/mac/drawingml/2011/main" val="1"/>
+              <ma14:wrappingTextBoxFlag xmlns:ma14="http://schemas.microsoft.com/office/mac/drawingml/2011/main" xmlns:a14="http://schemas.microsoft.com/office/drawing/2010/main" xmlns:m="http://schemas.openxmlformats.org/officeDocument/2006/math" xmlns="" val="1"/>
             </a:ext>
           </a:extLst>
         </p:spPr>
@@ -20877,7 +25261,7 @@
           </a:ln>
           <a:extLst>
             <a:ext uri="{C572A759-6A51-4108-AA02-DFA0A04FC94B}">
-              <ma14:wrappingTextBoxFlag xmlns="" xmlns:m="http://schemas.openxmlformats.org/officeDocument/2006/math" xmlns:a14="http://schemas.microsoft.com/office/drawing/2010/main" xmlns:ma14="http://schemas.microsoft.com/office/mac/drawingml/2011/main" val="1"/>
+              <ma14:wrappingTextBoxFlag xmlns:ma14="http://schemas.microsoft.com/office/mac/drawingml/2011/main" xmlns:a14="http://schemas.microsoft.com/office/drawing/2010/main" xmlns:m="http://schemas.openxmlformats.org/officeDocument/2006/math" xmlns="" val="1"/>
             </a:ext>
           </a:extLst>
         </p:spPr>
@@ -20937,7 +25321,7 @@
           </a:ln>
           <a:extLst>
             <a:ext uri="{C572A759-6A51-4108-AA02-DFA0A04FC94B}">
-              <ma14:wrappingTextBoxFlag xmlns="" xmlns:m="http://schemas.openxmlformats.org/officeDocument/2006/math" xmlns:a14="http://schemas.microsoft.com/office/drawing/2010/main" xmlns:ma14="http://schemas.microsoft.com/office/mac/drawingml/2011/main" val="1"/>
+              <ma14:wrappingTextBoxFlag xmlns:ma14="http://schemas.microsoft.com/office/mac/drawingml/2011/main" xmlns:a14="http://schemas.microsoft.com/office/drawing/2010/main" xmlns:m="http://schemas.openxmlformats.org/officeDocument/2006/math" xmlns="" val="1"/>
             </a:ext>
           </a:extLst>
         </p:spPr>
@@ -21059,7 +25443,7 @@
           </a:ln>
           <a:extLst>
             <a:ext uri="{C572A759-6A51-4108-AA02-DFA0A04FC94B}">
-              <ma14:wrappingTextBoxFlag xmlns="" xmlns:m="http://schemas.openxmlformats.org/officeDocument/2006/math" xmlns:a14="http://schemas.microsoft.com/office/drawing/2010/main" xmlns:ma14="http://schemas.microsoft.com/office/mac/drawingml/2011/main" val="1"/>
+              <ma14:wrappingTextBoxFlag xmlns:ma14="http://schemas.microsoft.com/office/mac/drawingml/2011/main" xmlns:a14="http://schemas.microsoft.com/office/drawing/2010/main" xmlns:m="http://schemas.openxmlformats.org/officeDocument/2006/math" xmlns="" val="1"/>
             </a:ext>
           </a:extLst>
         </p:spPr>
@@ -21136,7 +25520,7 @@
           </a:ln>
           <a:extLst>
             <a:ext uri="{C572A759-6A51-4108-AA02-DFA0A04FC94B}">
-              <ma14:wrappingTextBoxFlag xmlns="" xmlns:m="http://schemas.openxmlformats.org/officeDocument/2006/math" xmlns:a14="http://schemas.microsoft.com/office/drawing/2010/main" xmlns:ma14="http://schemas.microsoft.com/office/mac/drawingml/2011/main" val="1"/>
+              <ma14:wrappingTextBoxFlag xmlns:ma14="http://schemas.microsoft.com/office/mac/drawingml/2011/main" xmlns:a14="http://schemas.microsoft.com/office/drawing/2010/main" xmlns:m="http://schemas.openxmlformats.org/officeDocument/2006/math" xmlns="" val="1"/>
             </a:ext>
           </a:extLst>
         </p:spPr>
@@ -21213,7 +25597,7 @@
           </a:ln>
           <a:extLst>
             <a:ext uri="{C572A759-6A51-4108-AA02-DFA0A04FC94B}">
-              <ma14:wrappingTextBoxFlag xmlns="" xmlns:m="http://schemas.openxmlformats.org/officeDocument/2006/math" xmlns:a14="http://schemas.microsoft.com/office/drawing/2010/main" xmlns:ma14="http://schemas.microsoft.com/office/mac/drawingml/2011/main" val="1"/>
+              <ma14:wrappingTextBoxFlag xmlns:ma14="http://schemas.microsoft.com/office/mac/drawingml/2011/main" xmlns:a14="http://schemas.microsoft.com/office/drawing/2010/main" xmlns:m="http://schemas.openxmlformats.org/officeDocument/2006/math" xmlns="" val="1"/>
             </a:ext>
           </a:extLst>
         </p:spPr>
@@ -21456,7 +25840,7 @@
             <a:effectLst/>
             <a:extLst>
               <a:ext uri="{C572A759-6A51-4108-AA02-DFA0A04FC94B}">
-                <ma14:wrappingTextBoxFlag xmlns="" xmlns:m="http://schemas.openxmlformats.org/officeDocument/2006/math" xmlns:a14="http://schemas.microsoft.com/office/drawing/2010/main" xmlns:ma14="http://schemas.microsoft.com/office/mac/drawingml/2011/main" val="1"/>
+                <ma14:wrappingTextBoxFlag xmlns:ma14="http://schemas.microsoft.com/office/mac/drawingml/2011/main" xmlns:a14="http://schemas.microsoft.com/office/drawing/2010/main" xmlns:m="http://schemas.openxmlformats.org/officeDocument/2006/math" xmlns="" val="1"/>
               </a:ext>
             </a:extLst>
           </p:spPr>
@@ -21627,7 +26011,7 @@
             <a:effectLst/>
             <a:extLst>
               <a:ext uri="{C572A759-6A51-4108-AA02-DFA0A04FC94B}">
-                <ma14:wrappingTextBoxFlag xmlns="" xmlns:m="http://schemas.openxmlformats.org/officeDocument/2006/math" xmlns:a14="http://schemas.microsoft.com/office/drawing/2010/main" xmlns:ma14="http://schemas.microsoft.com/office/mac/drawingml/2011/main" val="1"/>
+                <ma14:wrappingTextBoxFlag xmlns:ma14="http://schemas.microsoft.com/office/mac/drawingml/2011/main" xmlns:a14="http://schemas.microsoft.com/office/drawing/2010/main" xmlns:m="http://schemas.openxmlformats.org/officeDocument/2006/math" xmlns="" val="1"/>
               </a:ext>
             </a:extLst>
           </p:spPr>
@@ -21741,7 +26125,7 @@
             <a:effectLst/>
             <a:extLst>
               <a:ext uri="{C572A759-6A51-4108-AA02-DFA0A04FC94B}">
-                <ma14:wrappingTextBoxFlag xmlns="" xmlns:m="http://schemas.openxmlformats.org/officeDocument/2006/math" xmlns:a14="http://schemas.microsoft.com/office/drawing/2010/main" xmlns:ma14="http://schemas.microsoft.com/office/mac/drawingml/2011/main" val="1"/>
+                <ma14:wrappingTextBoxFlag xmlns:ma14="http://schemas.microsoft.com/office/mac/drawingml/2011/main" xmlns:a14="http://schemas.microsoft.com/office/drawing/2010/main" xmlns:m="http://schemas.openxmlformats.org/officeDocument/2006/math" xmlns="" val="1"/>
               </a:ext>
             </a:extLst>
           </p:spPr>
@@ -21807,7 +26191,7 @@
             <a:effectLst/>
             <a:extLst>
               <a:ext uri="{C572A759-6A51-4108-AA02-DFA0A04FC94B}">
-                <ma14:wrappingTextBoxFlag xmlns="" xmlns:m="http://schemas.openxmlformats.org/officeDocument/2006/math" xmlns:a14="http://schemas.microsoft.com/office/drawing/2010/main" xmlns:ma14="http://schemas.microsoft.com/office/mac/drawingml/2011/main" val="1"/>
+                <ma14:wrappingTextBoxFlag xmlns:ma14="http://schemas.microsoft.com/office/mac/drawingml/2011/main" xmlns:a14="http://schemas.microsoft.com/office/drawing/2010/main" xmlns:m="http://schemas.openxmlformats.org/officeDocument/2006/math" xmlns="" val="1"/>
               </a:ext>
             </a:extLst>
           </p:spPr>
@@ -21903,7 +26287,7 @@
           </a:ln>
           <a:extLst>
             <a:ext uri="{C572A759-6A51-4108-AA02-DFA0A04FC94B}">
-              <ma14:wrappingTextBoxFlag xmlns="" xmlns:m="http://schemas.openxmlformats.org/officeDocument/2006/math" xmlns:a14="http://schemas.microsoft.com/office/drawing/2010/main" xmlns:ma14="http://schemas.microsoft.com/office/mac/drawingml/2011/main" val="1"/>
+              <ma14:wrappingTextBoxFlag xmlns:ma14="http://schemas.microsoft.com/office/mac/drawingml/2011/main" xmlns:a14="http://schemas.microsoft.com/office/drawing/2010/main" xmlns:m="http://schemas.openxmlformats.org/officeDocument/2006/math" xmlns="" val="1"/>
             </a:ext>
           </a:extLst>
         </p:spPr>
@@ -22103,7 +26487,7 @@
           </a:ln>
           <a:extLst>
             <a:ext uri="{C572A759-6A51-4108-AA02-DFA0A04FC94B}">
-              <ma14:wrappingTextBoxFlag xmlns="" xmlns:m="http://schemas.openxmlformats.org/officeDocument/2006/math" xmlns:a14="http://schemas.microsoft.com/office/drawing/2010/main" xmlns:ma14="http://schemas.microsoft.com/office/mac/drawingml/2011/main" val="1"/>
+              <ma14:wrappingTextBoxFlag xmlns:ma14="http://schemas.microsoft.com/office/mac/drawingml/2011/main" xmlns:a14="http://schemas.microsoft.com/office/drawing/2010/main" xmlns:m="http://schemas.openxmlformats.org/officeDocument/2006/math" xmlns="" val="1"/>
             </a:ext>
           </a:extLst>
         </p:spPr>
@@ -22272,7 +26656,7 @@
           </a:ln>
           <a:extLst>
             <a:ext uri="{C572A759-6A51-4108-AA02-DFA0A04FC94B}">
-              <ma14:wrappingTextBoxFlag xmlns="" xmlns:m="http://schemas.openxmlformats.org/officeDocument/2006/math" xmlns:a14="http://schemas.microsoft.com/office/drawing/2010/main" xmlns:ma14="http://schemas.microsoft.com/office/mac/drawingml/2011/main" val="1"/>
+              <ma14:wrappingTextBoxFlag xmlns:ma14="http://schemas.microsoft.com/office/mac/drawingml/2011/main" xmlns:a14="http://schemas.microsoft.com/office/drawing/2010/main" xmlns:m="http://schemas.openxmlformats.org/officeDocument/2006/math" xmlns="" val="1"/>
             </a:ext>
           </a:extLst>
         </p:spPr>
@@ -22343,7 +26727,7 @@
           </a:ln>
           <a:extLst>
             <a:ext uri="{C572A759-6A51-4108-AA02-DFA0A04FC94B}">
-              <ma14:wrappingTextBoxFlag xmlns="" xmlns:m="http://schemas.openxmlformats.org/officeDocument/2006/math" xmlns:a14="http://schemas.microsoft.com/office/drawing/2010/main" xmlns:ma14="http://schemas.microsoft.com/office/mac/drawingml/2011/main" val="1"/>
+              <ma14:wrappingTextBoxFlag xmlns:ma14="http://schemas.microsoft.com/office/mac/drawingml/2011/main" xmlns:a14="http://schemas.microsoft.com/office/drawing/2010/main" xmlns:m="http://schemas.openxmlformats.org/officeDocument/2006/math" xmlns="" val="1"/>
             </a:ext>
           </a:extLst>
         </p:spPr>
@@ -22559,7 +26943,7 @@
           </a:ln>
           <a:extLst>
             <a:ext uri="{C572A759-6A51-4108-AA02-DFA0A04FC94B}">
-              <ma14:wrappingTextBoxFlag xmlns="" xmlns:m="http://schemas.openxmlformats.org/officeDocument/2006/math" xmlns:a14="http://schemas.microsoft.com/office/drawing/2010/main" xmlns:ma14="http://schemas.microsoft.com/office/mac/drawingml/2011/main" val="1"/>
+              <ma14:wrappingTextBoxFlag xmlns:ma14="http://schemas.microsoft.com/office/mac/drawingml/2011/main" xmlns:a14="http://schemas.microsoft.com/office/drawing/2010/main" xmlns:m="http://schemas.openxmlformats.org/officeDocument/2006/math" xmlns="" val="1"/>
             </a:ext>
           </a:extLst>
         </p:spPr>
@@ -22621,7 +27005,7 @@
           </a:ln>
           <a:extLst>
             <a:ext uri="{C572A759-6A51-4108-AA02-DFA0A04FC94B}">
-              <ma14:wrappingTextBoxFlag xmlns="" xmlns:m="http://schemas.openxmlformats.org/officeDocument/2006/math" xmlns:a14="http://schemas.microsoft.com/office/drawing/2010/main" xmlns:ma14="http://schemas.microsoft.com/office/mac/drawingml/2011/main" val="1"/>
+              <ma14:wrappingTextBoxFlag xmlns:ma14="http://schemas.microsoft.com/office/mac/drawingml/2011/main" xmlns:a14="http://schemas.microsoft.com/office/drawing/2010/main" xmlns:m="http://schemas.openxmlformats.org/officeDocument/2006/math" xmlns="" val="1"/>
             </a:ext>
           </a:extLst>
         </p:spPr>
@@ -22657,7 +27041,7 @@
           </a:ln>
           <a:extLst>
             <a:ext uri="{C572A759-6A51-4108-AA02-DFA0A04FC94B}">
-              <ma14:wrappingTextBoxFlag xmlns="" xmlns:m="http://schemas.openxmlformats.org/officeDocument/2006/math" xmlns:a14="http://schemas.microsoft.com/office/drawing/2010/main" xmlns:ma14="http://schemas.microsoft.com/office/mac/drawingml/2011/main" val="1"/>
+              <ma14:wrappingTextBoxFlag xmlns:ma14="http://schemas.microsoft.com/office/mac/drawingml/2011/main" xmlns:a14="http://schemas.microsoft.com/office/drawing/2010/main" xmlns:m="http://schemas.openxmlformats.org/officeDocument/2006/math" xmlns="" val="1"/>
             </a:ext>
           </a:extLst>
         </p:spPr>
@@ -22693,7 +27077,7 @@
           </a:ln>
           <a:extLst>
             <a:ext uri="{C572A759-6A51-4108-AA02-DFA0A04FC94B}">
-              <ma14:wrappingTextBoxFlag xmlns="" xmlns:m="http://schemas.openxmlformats.org/officeDocument/2006/math" xmlns:a14="http://schemas.microsoft.com/office/drawing/2010/main" xmlns:ma14="http://schemas.microsoft.com/office/mac/drawingml/2011/main" val="1"/>
+              <ma14:wrappingTextBoxFlag xmlns:ma14="http://schemas.microsoft.com/office/mac/drawingml/2011/main" xmlns:a14="http://schemas.microsoft.com/office/drawing/2010/main" xmlns:m="http://schemas.openxmlformats.org/officeDocument/2006/math" xmlns="" val="1"/>
             </a:ext>
           </a:extLst>
         </p:spPr>
@@ -22729,7 +27113,7 @@
           </a:ln>
           <a:extLst>
             <a:ext uri="{C572A759-6A51-4108-AA02-DFA0A04FC94B}">
-              <ma14:wrappingTextBoxFlag xmlns="" xmlns:m="http://schemas.openxmlformats.org/officeDocument/2006/math" xmlns:a14="http://schemas.microsoft.com/office/drawing/2010/main" xmlns:ma14="http://schemas.microsoft.com/office/mac/drawingml/2011/main" val="1"/>
+              <ma14:wrappingTextBoxFlag xmlns:ma14="http://schemas.microsoft.com/office/mac/drawingml/2011/main" xmlns:a14="http://schemas.microsoft.com/office/drawing/2010/main" xmlns:m="http://schemas.openxmlformats.org/officeDocument/2006/math" xmlns="" val="1"/>
             </a:ext>
           </a:extLst>
         </p:spPr>
@@ -22794,7 +27178,7 @@
           </a:ln>
           <a:extLst>
             <a:ext uri="{C572A759-6A51-4108-AA02-DFA0A04FC94B}">
-              <ma14:wrappingTextBoxFlag xmlns="" xmlns:m="http://schemas.openxmlformats.org/officeDocument/2006/math" xmlns:a14="http://schemas.microsoft.com/office/drawing/2010/main" xmlns:ma14="http://schemas.microsoft.com/office/mac/drawingml/2011/main" val="1"/>
+              <ma14:wrappingTextBoxFlag xmlns:ma14="http://schemas.microsoft.com/office/mac/drawingml/2011/main" xmlns:a14="http://schemas.microsoft.com/office/drawing/2010/main" xmlns:m="http://schemas.openxmlformats.org/officeDocument/2006/math" xmlns="" val="1"/>
             </a:ext>
           </a:extLst>
         </p:spPr>
@@ -23457,7 +27841,7 @@
           </a:ln>
           <a:extLst>
             <a:ext uri="{C572A759-6A51-4108-AA02-DFA0A04FC94B}">
-              <ma14:wrappingTextBoxFlag xmlns="" xmlns:m="http://schemas.openxmlformats.org/officeDocument/2006/math" xmlns:a14="http://schemas.microsoft.com/office/drawing/2010/main" xmlns:ma14="http://schemas.microsoft.com/office/mac/drawingml/2011/main" val="1"/>
+              <ma14:wrappingTextBoxFlag xmlns:ma14="http://schemas.microsoft.com/office/mac/drawingml/2011/main" xmlns:a14="http://schemas.microsoft.com/office/drawing/2010/main" xmlns:m="http://schemas.openxmlformats.org/officeDocument/2006/math" xmlns="" val="1"/>
             </a:ext>
           </a:extLst>
         </p:spPr>
@@ -23493,7 +27877,7 @@
           </a:ln>
           <a:extLst>
             <a:ext uri="{C572A759-6A51-4108-AA02-DFA0A04FC94B}">
-              <ma14:wrappingTextBoxFlag xmlns="" xmlns:m="http://schemas.openxmlformats.org/officeDocument/2006/math" xmlns:a14="http://schemas.microsoft.com/office/drawing/2010/main" xmlns:ma14="http://schemas.microsoft.com/office/mac/drawingml/2011/main" val="1"/>
+              <ma14:wrappingTextBoxFlag xmlns:ma14="http://schemas.microsoft.com/office/mac/drawingml/2011/main" xmlns:a14="http://schemas.microsoft.com/office/drawing/2010/main" xmlns:m="http://schemas.openxmlformats.org/officeDocument/2006/math" xmlns="" val="1"/>
             </a:ext>
           </a:extLst>
         </p:spPr>
@@ -23529,7 +27913,7 @@
           </a:ln>
           <a:extLst>
             <a:ext uri="{C572A759-6A51-4108-AA02-DFA0A04FC94B}">
-              <ma14:wrappingTextBoxFlag xmlns="" xmlns:m="http://schemas.openxmlformats.org/officeDocument/2006/math" xmlns:a14="http://schemas.microsoft.com/office/drawing/2010/main" xmlns:ma14="http://schemas.microsoft.com/office/mac/drawingml/2011/main" val="1"/>
+              <ma14:wrappingTextBoxFlag xmlns:ma14="http://schemas.microsoft.com/office/mac/drawingml/2011/main" xmlns:a14="http://schemas.microsoft.com/office/drawing/2010/main" xmlns:m="http://schemas.openxmlformats.org/officeDocument/2006/math" xmlns="" val="1"/>
             </a:ext>
           </a:extLst>
         </p:spPr>
@@ -23565,7 +27949,7 @@
           </a:ln>
           <a:extLst>
             <a:ext uri="{C572A759-6A51-4108-AA02-DFA0A04FC94B}">
-              <ma14:wrappingTextBoxFlag xmlns="" xmlns:m="http://schemas.openxmlformats.org/officeDocument/2006/math" xmlns:a14="http://schemas.microsoft.com/office/drawing/2010/main" xmlns:ma14="http://schemas.microsoft.com/office/mac/drawingml/2011/main" val="1"/>
+              <ma14:wrappingTextBoxFlag xmlns:ma14="http://schemas.microsoft.com/office/mac/drawingml/2011/main" xmlns:a14="http://schemas.microsoft.com/office/drawing/2010/main" xmlns:m="http://schemas.openxmlformats.org/officeDocument/2006/math" xmlns="" val="1"/>
             </a:ext>
           </a:extLst>
         </p:spPr>
@@ -23601,7 +27985,7 @@
           </a:ln>
           <a:extLst>
             <a:ext uri="{C572A759-6A51-4108-AA02-DFA0A04FC94B}">
-              <ma14:wrappingTextBoxFlag xmlns="" xmlns:m="http://schemas.openxmlformats.org/officeDocument/2006/math" xmlns:a14="http://schemas.microsoft.com/office/drawing/2010/main" xmlns:ma14="http://schemas.microsoft.com/office/mac/drawingml/2011/main" val="1"/>
+              <ma14:wrappingTextBoxFlag xmlns:ma14="http://schemas.microsoft.com/office/mac/drawingml/2011/main" xmlns:a14="http://schemas.microsoft.com/office/drawing/2010/main" xmlns:m="http://schemas.openxmlformats.org/officeDocument/2006/math" xmlns="" val="1"/>
             </a:ext>
           </a:extLst>
         </p:spPr>
@@ -23643,7 +28027,7 @@
           </a:ln>
           <a:extLst>
             <a:ext uri="{C572A759-6A51-4108-AA02-DFA0A04FC94B}">
-              <ma14:wrappingTextBoxFlag xmlns="" xmlns:m="http://schemas.openxmlformats.org/officeDocument/2006/math" xmlns:a14="http://schemas.microsoft.com/office/drawing/2010/main" xmlns:ma14="http://schemas.microsoft.com/office/mac/drawingml/2011/main" val="1"/>
+              <ma14:wrappingTextBoxFlag xmlns:ma14="http://schemas.microsoft.com/office/mac/drawingml/2011/main" xmlns:a14="http://schemas.microsoft.com/office/drawing/2010/main" xmlns:m="http://schemas.openxmlformats.org/officeDocument/2006/math" xmlns="" val="1"/>
             </a:ext>
           </a:extLst>
         </p:spPr>
@@ -23730,7 +28114,7 @@
           </a:ln>
           <a:extLst>
             <a:ext uri="{C572A759-6A51-4108-AA02-DFA0A04FC94B}">
-              <ma14:wrappingTextBoxFlag xmlns="" xmlns:m="http://schemas.openxmlformats.org/officeDocument/2006/math" xmlns:a14="http://schemas.microsoft.com/office/drawing/2010/main" xmlns:ma14="http://schemas.microsoft.com/office/mac/drawingml/2011/main" val="1"/>
+              <ma14:wrappingTextBoxFlag xmlns:ma14="http://schemas.microsoft.com/office/mac/drawingml/2011/main" xmlns:a14="http://schemas.microsoft.com/office/drawing/2010/main" xmlns:m="http://schemas.openxmlformats.org/officeDocument/2006/math" xmlns="" val="1"/>
             </a:ext>
           </a:extLst>
         </p:spPr>
@@ -23816,7 +28200,7 @@
           </a:ln>
           <a:extLst>
             <a:ext uri="{C572A759-6A51-4108-AA02-DFA0A04FC94B}">
-              <ma14:wrappingTextBoxFlag xmlns="" xmlns:m="http://schemas.openxmlformats.org/officeDocument/2006/math" xmlns:a14="http://schemas.microsoft.com/office/drawing/2010/main" xmlns:ma14="http://schemas.microsoft.com/office/mac/drawingml/2011/main" val="1"/>
+              <ma14:wrappingTextBoxFlag xmlns:ma14="http://schemas.microsoft.com/office/mac/drawingml/2011/main" xmlns:a14="http://schemas.microsoft.com/office/drawing/2010/main" xmlns:m="http://schemas.openxmlformats.org/officeDocument/2006/math" xmlns="" val="1"/>
             </a:ext>
           </a:extLst>
         </p:spPr>
@@ -23864,7 +28248,7 @@
           </a:ln>
           <a:extLst>
             <a:ext uri="{C572A759-6A51-4108-AA02-DFA0A04FC94B}">
-              <ma14:wrappingTextBoxFlag xmlns="" xmlns:m="http://schemas.openxmlformats.org/officeDocument/2006/math" xmlns:a14="http://schemas.microsoft.com/office/drawing/2010/main" xmlns:ma14="http://schemas.microsoft.com/office/mac/drawingml/2011/main" val="1"/>
+              <ma14:wrappingTextBoxFlag xmlns:ma14="http://schemas.microsoft.com/office/mac/drawingml/2011/main" xmlns:a14="http://schemas.microsoft.com/office/drawing/2010/main" xmlns:m="http://schemas.openxmlformats.org/officeDocument/2006/math" xmlns="" val="1"/>
             </a:ext>
           </a:extLst>
         </p:spPr>
@@ -23912,7 +28296,7 @@
           </a:ln>
           <a:extLst>
             <a:ext uri="{C572A759-6A51-4108-AA02-DFA0A04FC94B}">
-              <ma14:wrappingTextBoxFlag xmlns="" xmlns:m="http://schemas.openxmlformats.org/officeDocument/2006/math" xmlns:a14="http://schemas.microsoft.com/office/drawing/2010/main" xmlns:ma14="http://schemas.microsoft.com/office/mac/drawingml/2011/main" val="1"/>
+              <ma14:wrappingTextBoxFlag xmlns:ma14="http://schemas.microsoft.com/office/mac/drawingml/2011/main" xmlns:a14="http://schemas.microsoft.com/office/drawing/2010/main" xmlns:m="http://schemas.openxmlformats.org/officeDocument/2006/math" xmlns="" val="1"/>
             </a:ext>
           </a:extLst>
         </p:spPr>
@@ -24004,7 +28388,7 @@
           </a:ln>
           <a:extLst>
             <a:ext uri="{C572A759-6A51-4108-AA02-DFA0A04FC94B}">
-              <ma14:wrappingTextBoxFlag xmlns="" xmlns:m="http://schemas.openxmlformats.org/officeDocument/2006/math" xmlns:a14="http://schemas.microsoft.com/office/drawing/2010/main" xmlns:ma14="http://schemas.microsoft.com/office/mac/drawingml/2011/main" val="1"/>
+              <ma14:wrappingTextBoxFlag xmlns:ma14="http://schemas.microsoft.com/office/mac/drawingml/2011/main" xmlns:a14="http://schemas.microsoft.com/office/drawing/2010/main" xmlns:m="http://schemas.openxmlformats.org/officeDocument/2006/math" xmlns="" val="1"/>
             </a:ext>
           </a:extLst>
         </p:spPr>
@@ -24109,7 +28493,7 @@
           </a:ln>
           <a:extLst>
             <a:ext uri="{C572A759-6A51-4108-AA02-DFA0A04FC94B}">
-              <ma14:wrappingTextBoxFlag xmlns="" xmlns:m="http://schemas.openxmlformats.org/officeDocument/2006/math" xmlns:a14="http://schemas.microsoft.com/office/drawing/2010/main" xmlns:ma14="http://schemas.microsoft.com/office/mac/drawingml/2011/main" val="1"/>
+              <ma14:wrappingTextBoxFlag xmlns:ma14="http://schemas.microsoft.com/office/mac/drawingml/2011/main" xmlns:a14="http://schemas.microsoft.com/office/drawing/2010/main" xmlns:m="http://schemas.openxmlformats.org/officeDocument/2006/math" xmlns="" val="1"/>
             </a:ext>
           </a:extLst>
         </p:spPr>
@@ -24253,7 +28637,7 @@
           </a:ln>
           <a:extLst>
             <a:ext uri="{C572A759-6A51-4108-AA02-DFA0A04FC94B}">
-              <ma14:wrappingTextBoxFlag xmlns="" xmlns:m="http://schemas.openxmlformats.org/officeDocument/2006/math" xmlns:a14="http://schemas.microsoft.com/office/drawing/2010/main" xmlns:ma14="http://schemas.microsoft.com/office/mac/drawingml/2011/main" val="1"/>
+              <ma14:wrappingTextBoxFlag xmlns:ma14="http://schemas.microsoft.com/office/mac/drawingml/2011/main" xmlns:a14="http://schemas.microsoft.com/office/drawing/2010/main" xmlns:m="http://schemas.openxmlformats.org/officeDocument/2006/math" xmlns="" val="1"/>
             </a:ext>
           </a:extLst>
         </p:spPr>
@@ -27266,7 +31650,7 @@
             <a:effectLst/>
             <a:extLst>
               <a:ext uri="{C572A759-6A51-4108-AA02-DFA0A04FC94B}">
-                <ma14:wrappingTextBoxFlag xmlns="" xmlns:m="http://schemas.openxmlformats.org/officeDocument/2006/math" xmlns:a14="http://schemas.microsoft.com/office/drawing/2010/main" xmlns:ma14="http://schemas.microsoft.com/office/mac/drawingml/2011/main" val="1"/>
+                <ma14:wrappingTextBoxFlag xmlns:ma14="http://schemas.microsoft.com/office/mac/drawingml/2011/main" xmlns:a14="http://schemas.microsoft.com/office/drawing/2010/main" xmlns:m="http://schemas.openxmlformats.org/officeDocument/2006/math" xmlns="" val="1"/>
               </a:ext>
             </a:extLst>
           </p:spPr>

--- a/cheatsheet/labelled_cheatsheet.pptx
+++ b/cheatsheet/labelled_cheatsheet.pptx
@@ -4347,7 +4347,7 @@
         <p:spPr>
           <a:xfrm>
             <a:off x="265508" y="984539"/>
-            <a:ext cx="7835077" cy="320520"/>
+            <a:ext cx="9030918" cy="320520"/>
           </a:xfrm>
           <a:prstGeom prst="rect">
             <a:avLst/>
@@ -4395,7 +4395,7 @@
               <a:tabLst/>
             </a:pPr>
             <a:r>
-              <a:rPr kumimoji="0" lang="en-GB" sz="1200" b="0" i="0" u="none" strike="noStrike" cap="none" spc="0" normalizeH="0" baseline="0">
+              <a:rPr kumimoji="0" lang="en-GB" sz="1200" b="0" i="0" u="none" strike="noStrike" cap="none" spc="0" normalizeH="0" baseline="0" dirty="0">
                 <a:ln>
                   <a:noFill/>
                 </a:ln>
@@ -4412,7 +4412,7 @@
               <a:t>The </a:t>
             </a:r>
             <a:r>
-              <a:rPr kumimoji="0" lang="en-GB" sz="1200" i="0" u="none" strike="noStrike" cap="none" spc="0" normalizeH="0" baseline="0">
+              <a:rPr kumimoji="0" lang="en-GB" sz="1200" i="0" u="none" strike="noStrike" cap="none" spc="0" normalizeH="0" baseline="0" dirty="0">
                 <a:ln>
                   <a:noFill/>
                 </a:ln>
@@ -4429,7 +4429,7 @@
               <a:t>labelled</a:t>
             </a:r>
             <a:r>
-              <a:rPr kumimoji="0" lang="en-GB" sz="1200" b="0" i="0" u="none" strike="noStrike" cap="none" spc="0" normalizeH="0" baseline="0">
+              <a:rPr kumimoji="0" lang="en-GB" sz="1200" b="0" i="0" u="none" strike="noStrike" cap="none" spc="0" normalizeH="0" baseline="0" dirty="0">
                 <a:ln>
                   <a:noFill/>
                 </a:ln>
@@ -4443,10 +4443,10 @@
                 <a:cs typeface="Source Sans Pro"/>
                 <a:sym typeface="Source Sans Pro"/>
               </a:rPr>
-              <a:t> package provides a set of functions and methods to handle labelled data, as imported with </a:t>
-            </a:r>
-            <a:r>
-              <a:rPr kumimoji="0" lang="en-GB" sz="1200" i="0" u="none" strike="noStrike" cap="none" spc="0" normalizeH="0" baseline="0">
+              <a:t> package provides a set of functions and methods to handle and to manipulate labelled data, as imported with </a:t>
+            </a:r>
+            <a:r>
+              <a:rPr kumimoji="0" lang="en-GB" sz="1200" i="0" u="none" strike="noStrike" cap="none" spc="0" normalizeH="0" baseline="0" dirty="0">
                 <a:ln>
                   <a:noFill/>
                 </a:ln>
@@ -4463,7 +4463,7 @@
               <a:t>haven</a:t>
             </a:r>
             <a:r>
-              <a:rPr kumimoji="0" lang="en-GB" sz="1200" b="0" i="0" u="none" strike="noStrike" cap="none" spc="0" normalizeH="0" baseline="0">
+              <a:rPr kumimoji="0" lang="en-GB" sz="1200" b="0" i="0" u="none" strike="noStrike" cap="none" spc="0" normalizeH="0" baseline="0" dirty="0">
                 <a:ln>
                   <a:noFill/>
                 </a:ln>
@@ -5954,36 +5954,12 @@
               </a:spcAft>
             </a:pPr>
             <a:r>
-              <a:rPr lang="en-GB" dirty="0" err="1">
-                <a:solidFill>
-                  <a:srgbClr val="000000"/>
-                </a:solidFill>
-              </a:rPr>
-              <a:t>look_for</a:t>
-            </a:r>
-            <a:r>
-              <a:rPr lang="en-GB" b="0" dirty="0">
-                <a:solidFill>
-                  <a:srgbClr val="000000"/>
-                </a:solidFill>
-              </a:rPr>
-              <a:t>(df)    </a:t>
-            </a:r>
-            <a:r>
-              <a:rPr lang="en-GB" b="0" i="1" dirty="0">
-                <a:solidFill>
-                  <a:srgbClr val="000000"/>
-                </a:solidFill>
-              </a:rPr>
-              <a:t>or</a:t>
-            </a:r>
-            <a:r>
-              <a:rPr lang="en-GB" b="0" dirty="0">
-                <a:solidFill>
-                  <a:srgbClr val="000000"/>
-                </a:solidFill>
-              </a:rPr>
-              <a:t>    df %&gt;% </a:t>
+              <a:rPr lang="en-GB" b="0" dirty="0">
+                <a:solidFill>
+                  <a:srgbClr val="000000"/>
+                </a:solidFill>
+              </a:rPr>
+              <a:t>df %&gt;% </a:t>
             </a:r>
             <a:r>
               <a:rPr lang="en-GB" dirty="0" err="1">
@@ -6027,36 +6003,12 @@
               </a:spcAft>
             </a:pPr>
             <a:r>
-              <a:rPr lang="en-GB" dirty="0" err="1">
-                <a:solidFill>
-                  <a:srgbClr val="000000"/>
-                </a:solidFill>
-              </a:rPr>
-              <a:t>look_for</a:t>
-            </a:r>
-            <a:r>
-              <a:rPr lang="en-GB" b="0" dirty="0">
-                <a:solidFill>
-                  <a:srgbClr val="000000"/>
-                </a:solidFill>
-              </a:rPr>
-              <a:t>(df, "s")    </a:t>
-            </a:r>
-            <a:r>
-              <a:rPr lang="en-GB" b="0" i="1" dirty="0">
-                <a:solidFill>
-                  <a:srgbClr val="000000"/>
-                </a:solidFill>
-              </a:rPr>
-              <a:t>or</a:t>
-            </a:r>
-            <a:r>
-              <a:rPr lang="en-GB" b="0" dirty="0">
-                <a:solidFill>
-                  <a:srgbClr val="000000"/>
-                </a:solidFill>
-              </a:rPr>
-              <a:t>    df %&gt;% </a:t>
+              <a:rPr lang="en-GB" b="0" dirty="0">
+                <a:solidFill>
+                  <a:srgbClr val="000000"/>
+                </a:solidFill>
+              </a:rPr>
+              <a:t>df %&gt;% </a:t>
             </a:r>
             <a:r>
               <a:rPr lang="en-GB" dirty="0" err="1">
@@ -6100,6 +6052,14 @@
               </a:spcAft>
             </a:pPr>
             <a:r>
+              <a:rPr lang="en-GB" b="0" dirty="0">
+                <a:solidFill>
+                  <a:srgbClr val="000000"/>
+                </a:solidFill>
+              </a:rPr>
+              <a:t>df %&gt;% </a:t>
+            </a:r>
+            <a:r>
               <a:rPr lang="en-GB" dirty="0" err="1">
                 <a:solidFill>
                   <a:srgbClr val="000000"/>
@@ -6113,7 +6073,7 @@
                   <a:srgbClr val="000000"/>
                 </a:solidFill>
               </a:rPr>
-              <a:t>(df, details = TRUE)</a:t>
+              <a:t>(details = TRUE)</a:t>
             </a:r>
             <a:br>
               <a:rPr lang="en-GB" b="0" dirty="0">
@@ -6906,7 +6866,7 @@
         </p:nvGrpSpPr>
         <p:grpSpPr>
           <a:xfrm>
-            <a:off x="4755546" y="7853515"/>
+            <a:off x="4755546" y="7385427"/>
             <a:ext cx="4346836" cy="226109"/>
             <a:chOff x="0" y="0"/>
             <a:chExt cx="2818195" cy="226107"/>
@@ -7029,8 +6989,8 @@
         </p:nvSpPr>
         <p:spPr>
           <a:xfrm>
-            <a:off x="5374372" y="8090013"/>
-            <a:ext cx="3716807" cy="2367234"/>
+            <a:off x="5374372" y="7621925"/>
+            <a:ext cx="3716807" cy="2839158"/>
           </a:xfrm>
           <a:prstGeom prst="rect">
             <a:avLst/>
@@ -7270,11 +7230,55 @@
               </a:rPr>
               <a:t>Remove all value labels attached to a variable</a:t>
             </a:r>
-            <a:endParaRPr lang="en-GB" b="0" dirty="0">
-              <a:solidFill>
-                <a:srgbClr val="000000"/>
-              </a:solidFill>
-            </a:endParaRPr>
+          </a:p>
+          <a:p>
+            <a:pPr>
+              <a:spcBef>
+                <a:spcPts val="0"/>
+              </a:spcBef>
+              <a:spcAft>
+                <a:spcPts val="800"/>
+              </a:spcAft>
+            </a:pPr>
+            <a:r>
+              <a:rPr lang="en-GB" b="0" dirty="0">
+                <a:solidFill>
+                  <a:srgbClr val="000000"/>
+                </a:solidFill>
+              </a:rPr>
+              <a:t>df %&gt;% </a:t>
+            </a:r>
+            <a:r>
+              <a:rPr lang="en-GB" dirty="0" err="1">
+                <a:solidFill>
+                  <a:srgbClr val="000000"/>
+                </a:solidFill>
+              </a:rPr>
+              <a:t>drop_unused_value_labels</a:t>
+            </a:r>
+            <a:r>
+              <a:rPr lang="en-GB" b="0" dirty="0">
+                <a:solidFill>
+                  <a:srgbClr val="000000"/>
+                </a:solidFill>
+              </a:rPr>
+              <a:t>()</a:t>
+            </a:r>
+            <a:br>
+              <a:rPr lang="en-GB" b="0" dirty="0">
+                <a:solidFill>
+                  <a:srgbClr val="000000"/>
+                </a:solidFill>
+              </a:rPr>
+            </a:br>
+            <a:r>
+              <a:rPr lang="en-GB" b="0" dirty="0">
+                <a:solidFill>
+                  <a:srgbClr val="000000"/>
+                </a:solidFill>
+              </a:rPr>
+              <a:t>Remove value labels not observed in the data</a:t>
+            </a:r>
           </a:p>
         </p:txBody>
       </p:sp>
@@ -10190,13 +10194,13 @@
           <p:nvPr>
             <p:extLst>
               <p:ext uri="{D42A27DB-BD31-4B8C-83A1-F6EECF244321}">
-                <p14:modId xmlns:p14="http://schemas.microsoft.com/office/powerpoint/2010/main" val="2950097766"/>
+                <p14:modId xmlns:p14="http://schemas.microsoft.com/office/powerpoint/2010/main" val="3193543839"/>
               </p:ext>
             </p:extLst>
           </p:nvPr>
         </p:nvGraphicFramePr>
         <p:xfrm>
-          <a:off x="4775886" y="8186825"/>
+          <a:off x="4775886" y="7718737"/>
           <a:ext cx="360000" cy="365760"/>
         </p:xfrm>
         <a:graphic>
@@ -11305,8 +11309,8 @@
         </p:nvSpPr>
         <p:spPr>
           <a:xfrm>
-            <a:off x="213255" y="1153884"/>
-            <a:ext cx="4346831" cy="9032259"/>
+            <a:off x="213255" y="716850"/>
+            <a:ext cx="4346831" cy="9449121"/>
           </a:xfrm>
           <a:prstGeom prst="rect">
             <a:avLst/>
@@ -12397,83 +12401,6 @@
       </p:sp>
       <p:sp>
         <p:nvSpPr>
-          <p:cNvPr id="7" name="Rectangle 6">
-            <a:extLst>
-              <a:ext uri="{FF2B5EF4-FFF2-40B4-BE49-F238E27FC236}">
-                <a16:creationId xmlns:a16="http://schemas.microsoft.com/office/drawing/2014/main" id="{DBEFBB98-0271-44A0-B3E2-1020E086BB4A}"/>
-              </a:ext>
-            </a:extLst>
-          </p:cNvPr>
-          <p:cNvSpPr/>
-          <p:nvPr/>
-        </p:nvSpPr>
-        <p:spPr>
-          <a:xfrm>
-            <a:off x="127747" y="4767942"/>
-            <a:ext cx="4621474" cy="2131015"/>
-          </a:xfrm>
-          <a:prstGeom prst="rect">
-            <a:avLst/>
-          </a:prstGeom>
-          <a:ln>
-            <a:noFill/>
-          </a:ln>
-        </p:spPr>
-        <p:style>
-          <a:lnRef idx="2">
-            <a:schemeClr val="dk1"/>
-          </a:lnRef>
-          <a:fillRef idx="1">
-            <a:schemeClr val="lt1"/>
-          </a:fillRef>
-          <a:effectRef idx="0">
-            <a:schemeClr val="dk1"/>
-          </a:effectRef>
-          <a:fontRef idx="minor">
-            <a:schemeClr val="dk1"/>
-          </a:fontRef>
-        </p:style>
-        <p:txBody>
-          <a:bodyPr rot="0" spcFirstLastPara="1" vertOverflow="overflow" horzOverflow="overflow" vert="horz" wrap="square" lIns="54570" tIns="54570" rIns="54570" bIns="54570" numCol="1" spcCol="38100" rtlCol="0" anchor="ctr">
-            <a:spAutoFit/>
-          </a:bodyPr>
-          <a:lstStyle/>
-          <a:p>
-            <a:pPr marL="0" marR="0" indent="0" algn="l" defTabSz="584200" rtl="0" fontAlgn="auto" latinLnBrk="0" hangingPunct="0">
-              <a:lnSpc>
-                <a:spcPct val="80000"/>
-              </a:lnSpc>
-              <a:spcBef>
-                <a:spcPts val="0"/>
-              </a:spcBef>
-              <a:spcAft>
-                <a:spcPts val="0"/>
-              </a:spcAft>
-              <a:buClrTx/>
-              <a:buSzTx/>
-              <a:buFontTx/>
-              <a:buNone/>
-              <a:tabLst/>
-            </a:pPr>
-            <a:endParaRPr kumimoji="0" lang="fr-FR" sz="1200" b="0" i="0" u="none" strike="noStrike" cap="none" spc="0" normalizeH="0" baseline="0">
-              <a:ln>
-                <a:noFill/>
-              </a:ln>
-              <a:solidFill>
-                <a:srgbClr val="000000"/>
-              </a:solidFill>
-              <a:effectLst/>
-              <a:uFillTx/>
-              <a:latin typeface="Source Sans Pro"/>
-              <a:ea typeface="Source Sans Pro"/>
-              <a:cs typeface="Source Sans Pro"/>
-              <a:sym typeface="Source Sans Pro"/>
-            </a:endParaRPr>
-          </a:p>
-        </p:txBody>
-      </p:sp>
-      <p:sp>
-        <p:nvSpPr>
           <p:cNvPr id="197" name="Basics">
             <a:extLst>
               <a:ext uri="{FF2B5EF4-FFF2-40B4-BE49-F238E27FC236}">
@@ -12486,7 +12413,7 @@
         </p:nvSpPr>
         <p:spPr>
           <a:xfrm>
-            <a:off x="306210" y="1189233"/>
+            <a:off x="306210" y="752199"/>
             <a:ext cx="3529812" cy="340029"/>
           </a:xfrm>
           <a:prstGeom prst="rect">
@@ -12558,7 +12485,7 @@
         </p:nvSpPr>
         <p:spPr>
           <a:xfrm>
-            <a:off x="323328" y="1164025"/>
+            <a:off x="323328" y="726991"/>
             <a:ext cx="4140391" cy="1"/>
           </a:xfrm>
           <a:prstGeom prst="line">
@@ -12606,8 +12533,8 @@
         </p:nvSpPr>
         <p:spPr>
           <a:xfrm>
-            <a:off x="317966" y="1628267"/>
-            <a:ext cx="4115473" cy="3034083"/>
+            <a:off x="317966" y="1191233"/>
+            <a:ext cx="4115473" cy="3639377"/>
           </a:xfrm>
           <a:prstGeom prst="rect">
             <a:avLst/>
@@ -12701,6 +12628,39 @@
                   <a:srgbClr val="000000"/>
                 </a:solidFill>
               </a:rPr>
+              <a:t>Functions and methods provided by </a:t>
+            </a:r>
+            <a:r>
+              <a:rPr lang="en-US" dirty="0"/>
+              <a:t>labelled</a:t>
+            </a:r>
+            <a:r>
+              <a:rPr lang="en-US" b="0" dirty="0"/>
+              <a:t> package are designed for easy</a:t>
+            </a:r>
+            <a:r>
+              <a:rPr lang="en-US" b="0" dirty="0">
+                <a:solidFill>
+                  <a:srgbClr val="000000"/>
+                </a:solidFill>
+              </a:rPr>
+              <a:t> manipulation of such labelled data.</a:t>
+            </a:r>
+          </a:p>
+          <a:p>
+            <a:endParaRPr lang="en-US" b="0" dirty="0">
+              <a:solidFill>
+                <a:srgbClr val="000000"/>
+              </a:solidFill>
+            </a:endParaRPr>
+          </a:p>
+          <a:p>
+            <a:r>
+              <a:rPr lang="en-US" b="0" dirty="0">
+                <a:solidFill>
+                  <a:srgbClr val="000000"/>
+                </a:solidFill>
+              </a:rPr>
               <a:t>It should be noted that </a:t>
             </a:r>
             <a:r>
@@ -12760,8 +12720,8 @@
         </p:nvGrpSpPr>
         <p:grpSpPr>
           <a:xfrm>
-            <a:off x="4770956" y="1164025"/>
-            <a:ext cx="7466890" cy="365236"/>
+            <a:off x="4770956" y="726991"/>
+            <a:ext cx="7466889" cy="365236"/>
             <a:chOff x="-1" y="20678"/>
             <a:chExt cx="2815851" cy="365235"/>
           </a:xfrm>
@@ -12893,7 +12853,7 @@
         </p:nvSpPr>
         <p:spPr>
           <a:xfrm>
-            <a:off x="4791247" y="2911291"/>
+            <a:off x="4791247" y="2474257"/>
             <a:ext cx="4299933" cy="2079976"/>
           </a:xfrm>
           <a:prstGeom prst="rect">
@@ -13170,7 +13130,7 @@
         </p:nvGrpSpPr>
         <p:grpSpPr>
           <a:xfrm>
-            <a:off x="4770956" y="1657903"/>
+            <a:off x="4770956" y="1220869"/>
             <a:ext cx="4346836" cy="226109"/>
             <a:chOff x="0" y="0"/>
             <a:chExt cx="2818195" cy="226107"/>
@@ -13281,129 +13241,6 @@
       </p:grpSp>
       <p:grpSp>
         <p:nvGrpSpPr>
-          <p:cNvPr id="326" name="Group">
-            <a:extLst>
-              <a:ext uri="{FF2B5EF4-FFF2-40B4-BE49-F238E27FC236}">
-                <a16:creationId xmlns:a16="http://schemas.microsoft.com/office/drawing/2014/main" id="{0C62CE7D-D483-4224-91F9-0C6906FC1585}"/>
-              </a:ext>
-            </a:extLst>
-          </p:cNvPr>
-          <p:cNvGrpSpPr/>
-          <p:nvPr/>
-        </p:nvGrpSpPr>
-        <p:grpSpPr>
-          <a:xfrm>
-            <a:off x="9373882" y="1654876"/>
-            <a:ext cx="3149043" cy="226109"/>
-            <a:chOff x="0" y="0"/>
-            <a:chExt cx="2818195" cy="226107"/>
-          </a:xfrm>
-        </p:grpSpPr>
-        <p:sp>
-          <p:nvSpPr>
-            <p:cNvPr id="327" name="SUBTITLE">
-              <a:extLst>
-                <a:ext uri="{FF2B5EF4-FFF2-40B4-BE49-F238E27FC236}">
-                  <a16:creationId xmlns:a16="http://schemas.microsoft.com/office/drawing/2014/main" id="{254F95DE-48F3-496D-9A86-929CBBD9C7FF}"/>
-                </a:ext>
-              </a:extLst>
-            </p:cNvPr>
-            <p:cNvSpPr txBox="1"/>
-            <p:nvPr/>
-          </p:nvSpPr>
-          <p:spPr>
-            <a:xfrm>
-              <a:off x="0" y="15795"/>
-              <a:ext cx="1562266" cy="210312"/>
-            </a:xfrm>
-            <a:prstGeom prst="rect">
-              <a:avLst/>
-            </a:prstGeom>
-            <a:noFill/>
-            <a:ln w="12700" cap="flat">
-              <a:noFill/>
-              <a:miter lim="400000"/>
-            </a:ln>
-            <a:effectLst/>
-            <a:extLst>
-              <a:ext uri="{C572A759-6A51-4108-AA02-DFA0A04FC94B}">
-                <ma14:wrappingTextBoxFlag xmlns="" xmlns:m="http://schemas.openxmlformats.org/officeDocument/2006/math" xmlns:a14="http://schemas.microsoft.com/office/drawing/2010/main" xmlns:ma14="http://schemas.microsoft.com/office/mac/drawingml/2011/main" val="1"/>
-              </a:ext>
-            </a:extLst>
-          </p:spPr>
-          <p:txBody>
-            <a:bodyPr wrap="none" lIns="12700" tIns="12700" rIns="12700" bIns="12700" numCol="1" anchor="ctr">
-              <a:spAutoFit/>
-            </a:bodyPr>
-            <a:lstStyle/>
-            <a:p>
-              <a:pPr lvl="1" indent="0"/>
-              <a:r>
-                <a:rPr lang="fr-FR" dirty="0"/>
-                <a:t>INTO LABELLED VECTORS</a:t>
-              </a:r>
-              <a:endParaRPr dirty="0"/>
-            </a:p>
-          </p:txBody>
-        </p:sp>
-        <p:sp>
-          <p:nvSpPr>
-            <p:cNvPr id="328" name="Line">
-              <a:extLst>
-                <a:ext uri="{FF2B5EF4-FFF2-40B4-BE49-F238E27FC236}">
-                  <a16:creationId xmlns:a16="http://schemas.microsoft.com/office/drawing/2014/main" id="{B2440E68-BF99-4EC8-A20B-8E6ECEC77BB8}"/>
-                </a:ext>
-              </a:extLst>
-            </p:cNvPr>
-            <p:cNvSpPr/>
-            <p:nvPr/>
-          </p:nvSpPr>
-          <p:spPr>
-            <a:xfrm>
-              <a:off x="23250" y="0"/>
-              <a:ext cx="2794945" cy="0"/>
-            </a:xfrm>
-            <a:prstGeom prst="line">
-              <a:avLst/>
-            </a:prstGeom>
-            <a:noFill/>
-            <a:ln w="12700" cap="flat">
-              <a:solidFill>
-                <a:srgbClr val="E0E0E0"/>
-              </a:solidFill>
-              <a:custDash>
-                <a:ds d="100000" sp="200000"/>
-              </a:custDash>
-              <a:round/>
-            </a:ln>
-            <a:effectLst/>
-          </p:spPr>
-          <p:txBody>
-            <a:bodyPr wrap="square" lIns="54570" tIns="54570" rIns="54570" bIns="54570" numCol="1" anchor="ctr">
-              <a:noAutofit/>
-            </a:bodyPr>
-            <a:lstStyle/>
-            <a:p>
-              <a:pPr>
-                <a:lnSpc>
-                  <a:spcPct val="80000"/>
-                </a:lnSpc>
-                <a:spcBef>
-                  <a:spcPts val="600"/>
-                </a:spcBef>
-                <a:defRPr b="0">
-                  <a:solidFill>
-                    <a:srgbClr val="000000"/>
-                  </a:solidFill>
-                </a:defRPr>
-              </a:pPr>
-              <a:endParaRPr dirty="0"/>
-            </a:p>
-          </p:txBody>
-        </p:sp>
-      </p:grpSp>
-      <p:grpSp>
-        <p:nvGrpSpPr>
           <p:cNvPr id="330" name="Group">
             <a:extLst>
               <a:ext uri="{FF2B5EF4-FFF2-40B4-BE49-F238E27FC236}">
@@ -13416,7 +13253,7 @@
         </p:nvGrpSpPr>
         <p:grpSpPr>
           <a:xfrm>
-            <a:off x="9328668" y="4596447"/>
+            <a:off x="9373882" y="4879659"/>
             <a:ext cx="3815832" cy="365236"/>
             <a:chOff x="-1" y="20678"/>
             <a:chExt cx="2815851" cy="365235"/>
@@ -13548,8 +13385,8 @@
         </p:nvSpPr>
         <p:spPr>
           <a:xfrm>
-            <a:off x="9348953" y="4945487"/>
-            <a:ext cx="3795547" cy="5445000"/>
+            <a:off x="9394167" y="5278577"/>
+            <a:ext cx="3795547" cy="5157741"/>
           </a:xfrm>
           <a:prstGeom prst="rect">
             <a:avLst/>
@@ -13610,15 +13447,15 @@
                   <a:srgbClr val="000000"/>
                 </a:solidFill>
               </a:rPr>
-              <a:t>or</a:t>
-            </a:r>
-            <a:r>
-              <a:rPr lang="en-GB" b="0" dirty="0">
-                <a:solidFill>
-                  <a:srgbClr val="000000"/>
-                </a:solidFill>
-              </a:rPr>
-              <a:t>     </a:t>
+              <a:t>or     </a:t>
+            </a:r>
+            <a:r>
+              <a:rPr lang="en-GB" b="0" dirty="0">
+                <a:solidFill>
+                  <a:srgbClr val="000000"/>
+                </a:solidFill>
+              </a:rPr>
+              <a:t>df %&gt;% </a:t>
             </a:r>
             <a:r>
               <a:rPr lang="en-GB" dirty="0" err="1">
@@ -13634,7 +13471,7 @@
                   <a:srgbClr val="000000"/>
                 </a:solidFill>
               </a:rPr>
-              <a:t>(df)</a:t>
+              <a:t>()</a:t>
             </a:r>
             <a:br>
               <a:rPr lang="en-GB" b="0" dirty="0">
@@ -13714,15 +13551,15 @@
                   <a:srgbClr val="000000"/>
                 </a:solidFill>
               </a:rPr>
-              <a:t>or</a:t>
-            </a:r>
-            <a:r>
-              <a:rPr lang="en-GB" b="0" dirty="0">
-                <a:solidFill>
-                  <a:srgbClr val="000000"/>
-                </a:solidFill>
-              </a:rPr>
-              <a:t>     </a:t>
+              <a:t>or     </a:t>
+            </a:r>
+            <a:r>
+              <a:rPr lang="en-GB" b="0" dirty="0">
+                <a:solidFill>
+                  <a:srgbClr val="000000"/>
+                </a:solidFill>
+              </a:rPr>
+              <a:t>df %&gt;% </a:t>
             </a:r>
             <a:r>
               <a:rPr lang="en-GB" dirty="0" err="1">
@@ -13738,7 +13575,7 @@
                   <a:srgbClr val="000000"/>
                 </a:solidFill>
               </a:rPr>
-              <a:t>(df)</a:t>
+              <a:t>()</a:t>
             </a:r>
             <a:br>
               <a:rPr lang="en-GB" b="0" dirty="0">
@@ -13797,20 +13634,28 @@
               </a:spcAft>
             </a:pPr>
             <a:r>
+              <a:rPr lang="en-GB" b="0" dirty="0">
+                <a:solidFill>
+                  <a:srgbClr val="000000"/>
+                </a:solidFill>
+              </a:rPr>
+              <a:t>df2 %&gt;% </a:t>
+            </a:r>
+            <a:r>
               <a:rPr lang="en-GB" dirty="0" err="1">
                 <a:solidFill>
                   <a:srgbClr val="000000"/>
                 </a:solidFill>
               </a:rPr>
-              <a:t>drop_unused_value_labels</a:t>
-            </a:r>
-            <a:r>
-              <a:rPr lang="en-GB" b="0" dirty="0">
-                <a:solidFill>
-                  <a:srgbClr val="000000"/>
-                </a:solidFill>
-              </a:rPr>
-              <a:t>(x)</a:t>
+              <a:t>copy_labels_from</a:t>
+            </a:r>
+            <a:r>
+              <a:rPr lang="en-GB" b="0" dirty="0">
+                <a:solidFill>
+                  <a:srgbClr val="000000"/>
+                </a:solidFill>
+              </a:rPr>
+              <a:t>(df1)</a:t>
             </a:r>
             <a:br>
               <a:rPr lang="en-GB" b="0" dirty="0">
@@ -13825,7 +13670,7 @@
                   <a:srgbClr val="000000"/>
                 </a:solidFill>
               </a:rPr>
-              <a:t>Unused value labels will be removed. Could be apply to df</a:t>
+              <a:t>Copy variable labels, values labels and user-defined missing values from df1 to df2 based on shared columns names. Useful when attributes are lost after some data manipulation.</a:t>
             </a:r>
           </a:p>
           <a:p>
@@ -13838,28 +13683,20 @@
               </a:spcAft>
             </a:pPr>
             <a:r>
-              <a:rPr lang="en-GB" b="0" dirty="0">
-                <a:solidFill>
-                  <a:srgbClr val="000000"/>
-                </a:solidFill>
-              </a:rPr>
-              <a:t>df2 %&gt;% </a:t>
-            </a:r>
-            <a:r>
-              <a:rPr lang="en-GB" dirty="0" err="1">
-                <a:solidFill>
-                  <a:srgbClr val="000000"/>
-                </a:solidFill>
-              </a:rPr>
-              <a:t>copy_labels_from</a:t>
-            </a:r>
-            <a:r>
-              <a:rPr lang="en-GB" b="0" dirty="0">
-                <a:solidFill>
-                  <a:srgbClr val="000000"/>
-                </a:solidFill>
-              </a:rPr>
-              <a:t>(df1)</a:t>
+              <a:rPr lang="en-GB" dirty="0">
+                <a:solidFill>
+                  <a:srgbClr val="000000"/>
+                </a:solidFill>
+              </a:rPr>
+              <a:t>recode</a:t>
+            </a:r>
+            <a:r>
+              <a:rPr lang="en-GB" b="0" dirty="0">
+                <a:solidFill>
+                  <a:srgbClr val="000000"/>
+                </a:solidFill>
+              </a:rPr>
+              <a:t>(x, `2` =  1, `3` =2)</a:t>
             </a:r>
             <a:br>
               <a:rPr lang="en-GB" b="0" dirty="0">
@@ -13874,7 +13711,38 @@
                   <a:srgbClr val="000000"/>
                 </a:solidFill>
               </a:rPr>
-              <a:t>Copy variable labels, values labels and user-defined missing values from df1 to df2 based on shared columns names. Useful when attributes are lost after some data manipulation.</a:t>
+              <a:t>Apply </a:t>
+            </a:r>
+            <a:r>
+              <a:rPr lang="en-GB" b="0" dirty="0" err="1">
+                <a:solidFill>
+                  <a:srgbClr val="000000"/>
+                </a:solidFill>
+              </a:rPr>
+              <a:t>dplyr</a:t>
+            </a:r>
+            <a:r>
+              <a:rPr lang="en-GB" b="0" dirty="0">
+                <a:solidFill>
+                  <a:srgbClr val="000000"/>
+                </a:solidFill>
+              </a:rPr>
+              <a:t>::recode() to a labelled vector. </a:t>
+            </a:r>
+            <a:br>
+              <a:rPr lang="en-GB" b="0" dirty="0">
+                <a:solidFill>
+                  <a:srgbClr val="000000"/>
+                </a:solidFill>
+              </a:rPr>
+            </a:br>
+            <a:r>
+              <a:rPr lang="en-GB" b="0" dirty="0">
+                <a:solidFill>
+                  <a:srgbClr val="000000"/>
+                </a:solidFill>
+              </a:rPr>
+              <a:t>Attached value labels will remain unchanged.</a:t>
             </a:r>
           </a:p>
           <a:p>
@@ -13900,7 +13768,23 @@
                   <a:srgbClr val="000000"/>
                 </a:solidFill>
               </a:rPr>
-              <a:t>(x, `2` =  1, `3` =2)</a:t>
+              <a:t>(x, `2` =  1, .</a:t>
+            </a:r>
+            <a:r>
+              <a:rPr lang="en-GB" b="0" dirty="0" err="1">
+                <a:solidFill>
+                  <a:srgbClr val="000000"/>
+                </a:solidFill>
+              </a:rPr>
+              <a:t>combine_value_labels</a:t>
+            </a:r>
+            <a:r>
+              <a:rPr lang="en-GB" b="0" dirty="0">
+                <a:solidFill>
+                  <a:srgbClr val="000000"/>
+                </a:solidFill>
+              </a:rPr>
+              <a:t> = TRUE)</a:t>
             </a:r>
             <a:br>
               <a:rPr lang="en-GB" b="0" dirty="0">
@@ -13915,23 +13799,7 @@
                   <a:srgbClr val="000000"/>
                 </a:solidFill>
               </a:rPr>
-              <a:t>Apply </a:t>
-            </a:r>
-            <a:r>
-              <a:rPr lang="en-GB" b="0" dirty="0" err="1">
-                <a:solidFill>
-                  <a:srgbClr val="000000"/>
-                </a:solidFill>
-              </a:rPr>
-              <a:t>dplyr</a:t>
-            </a:r>
-            <a:r>
-              <a:rPr lang="en-GB" b="0" dirty="0">
-                <a:solidFill>
-                  <a:srgbClr val="000000"/>
-                </a:solidFill>
-              </a:rPr>
-              <a:t>::recode() to a labelled vector. </a:t>
+              <a:t>This option will combine value labels of original values merged together to produce new value labels.</a:t>
             </a:r>
             <a:br>
               <a:rPr lang="en-GB" b="0" dirty="0">
@@ -13946,7 +13814,7 @@
                   <a:srgbClr val="000000"/>
                 </a:solidFill>
               </a:rPr>
-              <a:t>Attached value labels will remain unchanged.</a:t>
+              <a:t>It is recommended to check that the result is appropriate.</a:t>
             </a:r>
           </a:p>
           <a:p>
@@ -13959,78 +13827,6 @@
               </a:spcAft>
             </a:pPr>
             <a:r>
-              <a:rPr lang="en-GB" dirty="0">
-                <a:solidFill>
-                  <a:srgbClr val="000000"/>
-                </a:solidFill>
-              </a:rPr>
-              <a:t>recode</a:t>
-            </a:r>
-            <a:r>
-              <a:rPr lang="en-GB" b="0" dirty="0">
-                <a:solidFill>
-                  <a:srgbClr val="000000"/>
-                </a:solidFill>
-              </a:rPr>
-              <a:t>(x, `2` =  1, .</a:t>
-            </a:r>
-            <a:r>
-              <a:rPr lang="en-GB" b="0" dirty="0" err="1">
-                <a:solidFill>
-                  <a:srgbClr val="000000"/>
-                </a:solidFill>
-              </a:rPr>
-              <a:t>combine_value_labels</a:t>
-            </a:r>
-            <a:r>
-              <a:rPr lang="en-GB" b="0" dirty="0">
-                <a:solidFill>
-                  <a:srgbClr val="000000"/>
-                </a:solidFill>
-              </a:rPr>
-              <a:t> = TRUE)</a:t>
-            </a:r>
-            <a:br>
-              <a:rPr lang="en-GB" b="0" dirty="0">
-                <a:solidFill>
-                  <a:srgbClr val="000000"/>
-                </a:solidFill>
-              </a:rPr>
-            </a:br>
-            <a:r>
-              <a:rPr lang="en-GB" b="0" dirty="0">
-                <a:solidFill>
-                  <a:srgbClr val="000000"/>
-                </a:solidFill>
-              </a:rPr>
-              <a:t>This option will combine value labels of original values merged together to produce new value labels.</a:t>
-            </a:r>
-            <a:br>
-              <a:rPr lang="en-GB" b="0" dirty="0">
-                <a:solidFill>
-                  <a:srgbClr val="000000"/>
-                </a:solidFill>
-              </a:rPr>
-            </a:br>
-            <a:r>
-              <a:rPr lang="en-GB" b="0" dirty="0">
-                <a:solidFill>
-                  <a:srgbClr val="000000"/>
-                </a:solidFill>
-              </a:rPr>
-              <a:t>It is recommended to check that the result is appropriate.</a:t>
-            </a:r>
-          </a:p>
-          <a:p>
-            <a:pPr>
-              <a:spcBef>
-                <a:spcPts val="0"/>
-              </a:spcBef>
-              <a:spcAft>
-                <a:spcPts val="800"/>
-              </a:spcAft>
-            </a:pPr>
-            <a:r>
               <a:rPr lang="en-GB" dirty="0" err="1">
                 <a:solidFill>
                   <a:srgbClr val="000000"/>
@@ -14044,7 +13840,23 @@
                   <a:srgbClr val="000000"/>
                 </a:solidFill>
               </a:rPr>
-              <a:t>(x)       or    </a:t>
+              <a:t>(x)     </a:t>
+            </a:r>
+            <a:r>
+              <a:rPr lang="en-GB" b="0" i="1" dirty="0">
+                <a:solidFill>
+                  <a:srgbClr val="000000"/>
+                </a:solidFill>
+              </a:rPr>
+              <a:t>or     </a:t>
+            </a:r>
+            <a:r>
+              <a:rPr lang="en-GB" b="0" dirty="0">
+                <a:solidFill>
+                  <a:srgbClr val="000000"/>
+                </a:solidFill>
+              </a:rPr>
+              <a:t>df %&gt;% </a:t>
             </a:r>
             <a:r>
               <a:rPr lang="en-GB" dirty="0" err="1">
@@ -14060,7 +13872,7 @@
                   <a:srgbClr val="000000"/>
                 </a:solidFill>
               </a:rPr>
-              <a:t>(df)</a:t>
+              <a:t>()</a:t>
             </a:r>
             <a:br>
               <a:rPr lang="en-GB" b="0" dirty="0">
@@ -14142,7 +13954,7 @@
         </p:nvSpPr>
         <p:spPr>
           <a:xfrm>
-            <a:off x="4788889" y="1972334"/>
+            <a:off x="4788891" y="1558706"/>
             <a:ext cx="4328901" cy="874518"/>
           </a:xfrm>
           <a:prstGeom prst="rect">
@@ -14280,8 +14092,8 @@
         </p:nvSpPr>
         <p:spPr>
           <a:xfrm>
-            <a:off x="328933" y="7038334"/>
-            <a:ext cx="4115473" cy="3008435"/>
+            <a:off x="328933" y="6903859"/>
+            <a:ext cx="4115473" cy="3218749"/>
           </a:xfrm>
           <a:prstGeom prst="rect">
             <a:avLst/>
@@ -14400,6 +14212,13 @@
               </a:rPr>
               <a:t> vector types.</a:t>
             </a:r>
+          </a:p>
+          <a:p>
+            <a:endParaRPr lang="en-US" b="0" dirty="0">
+              <a:solidFill>
+                <a:srgbClr val="000000"/>
+              </a:solidFill>
+            </a:endParaRPr>
           </a:p>
           <a:p>
             <a:endParaRPr lang="en-US" b="0" dirty="0">
@@ -14501,8 +14320,8 @@
         </p:blipFill>
         <p:spPr>
           <a:xfrm>
-            <a:off x="213255" y="5095077"/>
-            <a:ext cx="4356980" cy="1457159"/>
+            <a:off x="383260" y="4897785"/>
+            <a:ext cx="4049989" cy="1624039"/>
           </a:xfrm>
           <a:prstGeom prst="rect">
             <a:avLst/>
@@ -14523,7 +14342,7 @@
         </p:nvSpPr>
         <p:spPr>
           <a:xfrm>
-            <a:off x="4773481" y="4887257"/>
+            <a:off x="4773481" y="4546530"/>
             <a:ext cx="4328901" cy="689852"/>
           </a:xfrm>
           <a:prstGeom prst="rect">
@@ -14591,7 +14410,7 @@
                 <a:cs typeface="Source Sans Pro"/>
                 <a:sym typeface="Source Sans Pro"/>
               </a:rPr>
-              <a:t>When converting a labelled vector into a factor or a character vector of the value labels, be ware that </a:t>
+              <a:t>When converting a labelled vector into a factor or a character vector of the value labels, be aware that </a:t>
             </a:r>
             <a:r>
               <a:rPr kumimoji="0" lang="en-GB" sz="1200" i="0" u="none" strike="noStrike" cap="none" spc="0" normalizeH="0" baseline="0" dirty="0">
@@ -14625,7 +14444,7 @@
                 <a:cs typeface="Source Sans Pro"/>
                 <a:sym typeface="Source Sans Pro"/>
               </a:rPr>
-              <a:t> values of the vector will converted.</a:t>
+              <a:t> values of the vector will be converted.</a:t>
             </a:r>
             <a:endParaRPr kumimoji="0" lang="en-GB" sz="1200" b="0" u="none" strike="noStrike" cap="none" spc="0" normalizeH="0" baseline="0" dirty="0">
               <a:ln>
@@ -14658,8 +14477,8 @@
         </p:nvSpPr>
         <p:spPr>
           <a:xfrm>
-            <a:off x="4770956" y="5568026"/>
-            <a:ext cx="4299933" cy="4808928"/>
+            <a:off x="4770956" y="5254195"/>
+            <a:ext cx="4324058" cy="5178260"/>
           </a:xfrm>
           <a:prstGeom prst="rect">
             <a:avLst/>
@@ -15047,23 +14866,22 @@
                   <a:srgbClr val="000000"/>
                 </a:solidFill>
               </a:rPr>
-              <a:t>(x)    </a:t>
-            </a:r>
-            <a:r>
-              <a:rPr lang="en-GB" b="0" i="1" dirty="0">
-                <a:solidFill>
-                  <a:srgbClr val="000000"/>
-                </a:solidFill>
-              </a:rPr>
-              <a:t>or</a:t>
-            </a:r>
-            <a:r>
-              <a:rPr lang="en-GB" b="0" dirty="0">
-                <a:solidFill>
-                  <a:srgbClr val="000000"/>
-                </a:solidFill>
-              </a:rPr>
-              <a:t>     df %%&gt;% </a:t>
+              <a:t>(x)</a:t>
+            </a:r>
+            <a:br>
+              <a:rPr lang="en-GB" b="0" dirty="0">
+                <a:solidFill>
+                  <a:srgbClr val="000000"/>
+                </a:solidFill>
+              </a:rPr>
+            </a:br>
+            <a:r>
+              <a:rPr lang="en-GB" b="0" dirty="0">
+                <a:solidFill>
+                  <a:srgbClr val="000000"/>
+                </a:solidFill>
+              </a:rPr>
+              <a:t>df %%&gt;% </a:t>
             </a:r>
             <a:r>
               <a:rPr lang="en-GB" dirty="0">
@@ -15094,10 +14912,10 @@
                   <a:srgbClr val="000000"/>
                 </a:solidFill>
               </a:rPr>
-              <a:t>df %&gt;% </a:t>
-            </a:r>
-            <a:r>
-              <a:rPr lang="en-GB" dirty="0" err="1">
+              <a:t>Labelled vectors will be converted into factors only if all observed values have a value label. Otherwise, they will be unclassed. Similar to df %&gt;% </a:t>
+            </a:r>
+            <a:r>
+              <a:rPr lang="en-GB" b="0" dirty="0" err="1">
                 <a:solidFill>
                   <a:srgbClr val="000000"/>
                 </a:solidFill>
@@ -15143,21 +14961,6 @@
                 </a:solidFill>
               </a:rPr>
               <a:t> = T)</a:t>
-            </a:r>
-            <a:br>
-              <a:rPr lang="en-GB" b="0" dirty="0">
-                <a:solidFill>
-                  <a:srgbClr val="000000"/>
-                </a:solidFill>
-              </a:rPr>
-            </a:br>
-            <a:r>
-              <a:rPr lang="en-GB" b="0" dirty="0">
-                <a:solidFill>
-                  <a:srgbClr val="000000"/>
-                </a:solidFill>
-              </a:rPr>
-              <a:t>Labelled vectors will be converted into factors only if all observed values have a value label. Otherwise, they will be unclassed.</a:t>
             </a:r>
           </a:p>
           <a:p>
@@ -15283,7 +15086,7 @@
         </p:nvSpPr>
         <p:spPr>
           <a:xfrm>
-            <a:off x="9346593" y="1976997"/>
+            <a:off x="9392275" y="1515212"/>
             <a:ext cx="3795547" cy="1977384"/>
           </a:xfrm>
           <a:prstGeom prst="rect">
@@ -15604,6 +15407,331 @@
           </a:ln>
         </p:spPr>
       </p:pic>
+      <p:sp>
+        <p:nvSpPr>
+          <p:cNvPr id="69" name="ZoneTexte 68">
+            <a:extLst>
+              <a:ext uri="{FF2B5EF4-FFF2-40B4-BE49-F238E27FC236}">
+                <a16:creationId xmlns:a16="http://schemas.microsoft.com/office/drawing/2014/main" id="{74D2D8A1-7DE9-46BC-8218-4465D74E2560}"/>
+              </a:ext>
+            </a:extLst>
+          </p:cNvPr>
+          <p:cNvSpPr txBox="1"/>
+          <p:nvPr/>
+        </p:nvSpPr>
+        <p:spPr>
+          <a:xfrm>
+            <a:off x="9373882" y="3549072"/>
+            <a:ext cx="3815831" cy="900166"/>
+          </a:xfrm>
+          <a:prstGeom prst="rect">
+            <a:avLst/>
+          </a:prstGeom>
+          <a:solidFill>
+            <a:schemeClr val="bg1">
+              <a:lumMod val="85000"/>
+              <a:alpha val="24000"/>
+            </a:schemeClr>
+          </a:solidFill>
+          <a:ln w="12700" cap="flat">
+            <a:noFill/>
+            <a:miter lim="400000"/>
+          </a:ln>
+          <a:effectLst/>
+          <a:sp3d/>
+        </p:spPr>
+        <p:style>
+          <a:lnRef idx="0">
+            <a:scrgbClr r="0" g="0" b="0"/>
+          </a:lnRef>
+          <a:fillRef idx="0">
+            <a:scrgbClr r="0" g="0" b="0"/>
+          </a:fillRef>
+          <a:effectRef idx="0">
+            <a:scrgbClr r="0" g="0" b="0"/>
+          </a:effectRef>
+          <a:fontRef idx="none"/>
+        </p:style>
+        <p:txBody>
+          <a:bodyPr rot="0" spcFirstLastPara="1" vertOverflow="overflow" horzOverflow="overflow" vert="horz" wrap="square" lIns="54570" tIns="54570" rIns="54570" bIns="54570" numCol="1" spcCol="38100" rtlCol="0" anchor="t" anchorCtr="0">
+            <a:spAutoFit/>
+          </a:bodyPr>
+          <a:lstStyle/>
+          <a:p>
+            <a:pPr marL="0" marR="0" indent="0" algn="l" defTabSz="584200" rtl="0" fontAlgn="auto" latinLnBrk="0" hangingPunct="0">
+              <a:lnSpc>
+                <a:spcPct val="100000"/>
+              </a:lnSpc>
+              <a:spcBef>
+                <a:spcPts val="200"/>
+              </a:spcBef>
+              <a:spcAft>
+                <a:spcPts val="0"/>
+              </a:spcAft>
+              <a:buClrTx/>
+              <a:buSzTx/>
+              <a:buFontTx/>
+              <a:buNone/>
+              <a:tabLst/>
+            </a:pPr>
+            <a:r>
+              <a:rPr kumimoji="0" lang="en-GB" sz="1200" b="0" i="0" u="none" strike="noStrike" cap="none" spc="0" normalizeH="0" baseline="0" dirty="0">
+                <a:ln>
+                  <a:noFill/>
+                </a:ln>
+                <a:solidFill>
+                  <a:srgbClr val="000000"/>
+                </a:solidFill>
+                <a:effectLst/>
+                <a:uFillTx/>
+                <a:latin typeface="Source Sans Pro"/>
+                <a:ea typeface="Source Sans Pro"/>
+                <a:cs typeface="Source Sans Pro"/>
+                <a:sym typeface="Source Sans Pro"/>
+              </a:rPr>
+              <a:t>If any value label or user-defined missing value is added </a:t>
+            </a:r>
+            <a:br>
+              <a:rPr kumimoji="0" lang="en-GB" sz="1200" b="0" i="0" u="none" strike="noStrike" cap="none" spc="0" normalizeH="0" baseline="0" dirty="0">
+                <a:ln>
+                  <a:noFill/>
+                </a:ln>
+                <a:solidFill>
+                  <a:srgbClr val="000000"/>
+                </a:solidFill>
+                <a:effectLst/>
+                <a:uFillTx/>
+                <a:latin typeface="Source Sans Pro"/>
+                <a:ea typeface="Source Sans Pro"/>
+                <a:cs typeface="Source Sans Pro"/>
+                <a:sym typeface="Source Sans Pro"/>
+              </a:rPr>
+            </a:br>
+            <a:r>
+              <a:rPr kumimoji="0" lang="en-GB" sz="1200" b="0" i="0" u="none" strike="noStrike" cap="none" spc="0" normalizeH="0" baseline="0" dirty="0">
+                <a:ln>
+                  <a:noFill/>
+                </a:ln>
+                <a:solidFill>
+                  <a:srgbClr val="000000"/>
+                </a:solidFill>
+                <a:effectLst/>
+                <a:uFillTx/>
+                <a:latin typeface="Source Sans Pro"/>
+                <a:ea typeface="Source Sans Pro"/>
+                <a:cs typeface="Source Sans Pro"/>
+                <a:sym typeface="Source Sans Pro"/>
+              </a:rPr>
+              <a:t>to a numeric or a character vector, </a:t>
+            </a:r>
+            <a:br>
+              <a:rPr kumimoji="0" lang="en-GB" sz="1200" b="0" i="0" u="none" strike="noStrike" cap="none" spc="0" normalizeH="0" baseline="0" dirty="0">
+                <a:ln>
+                  <a:noFill/>
+                </a:ln>
+                <a:solidFill>
+                  <a:srgbClr val="000000"/>
+                </a:solidFill>
+                <a:effectLst/>
+                <a:uFillTx/>
+                <a:latin typeface="Source Sans Pro"/>
+                <a:ea typeface="Source Sans Pro"/>
+                <a:cs typeface="Source Sans Pro"/>
+                <a:sym typeface="Source Sans Pro"/>
+              </a:rPr>
+            </a:br>
+            <a:r>
+              <a:rPr kumimoji="0" lang="en-GB" sz="1200" b="0" i="0" u="none" strike="noStrike" cap="none" spc="0" normalizeH="0" baseline="0" dirty="0">
+                <a:ln>
+                  <a:noFill/>
+                </a:ln>
+                <a:solidFill>
+                  <a:srgbClr val="000000"/>
+                </a:solidFill>
+                <a:effectLst/>
+                <a:uFillTx/>
+                <a:latin typeface="Source Sans Pro"/>
+                <a:ea typeface="Source Sans Pro"/>
+                <a:cs typeface="Source Sans Pro"/>
+                <a:sym typeface="Source Sans Pro"/>
+              </a:rPr>
+              <a:t>it will be automatically converted into a labelled vector. </a:t>
+            </a:r>
+          </a:p>
+          <a:p>
+            <a:pPr marL="0" marR="0" indent="0" algn="l" defTabSz="584200" rtl="0" fontAlgn="auto" latinLnBrk="0" hangingPunct="0">
+              <a:lnSpc>
+                <a:spcPct val="100000"/>
+              </a:lnSpc>
+              <a:spcBef>
+                <a:spcPts val="200"/>
+              </a:spcBef>
+              <a:spcAft>
+                <a:spcPts val="0"/>
+              </a:spcAft>
+              <a:buClrTx/>
+              <a:buSzTx/>
+              <a:buFontTx/>
+              <a:buNone/>
+              <a:tabLst/>
+            </a:pPr>
+            <a:r>
+              <a:rPr kumimoji="0" lang="en-GB" sz="1200" i="0" u="none" strike="noStrike" cap="none" spc="0" normalizeH="0" baseline="0" dirty="0">
+                <a:ln>
+                  <a:noFill/>
+                </a:ln>
+                <a:solidFill>
+                  <a:srgbClr val="000000"/>
+                </a:solidFill>
+                <a:effectLst/>
+                <a:uFillTx/>
+                <a:latin typeface="Source Sans Pro"/>
+                <a:ea typeface="Source Sans Pro"/>
+                <a:cs typeface="Source Sans Pro"/>
+                <a:sym typeface="Source Sans Pro"/>
+              </a:rPr>
+              <a:t>Values of the vector will remain unchanged.</a:t>
+            </a:r>
+            <a:endParaRPr kumimoji="0" lang="en-GB" sz="1200" b="0" i="0" u="none" strike="noStrike" cap="none" spc="0" normalizeH="0" baseline="0" dirty="0">
+              <a:ln>
+                <a:noFill/>
+              </a:ln>
+              <a:solidFill>
+                <a:srgbClr val="000000"/>
+              </a:solidFill>
+              <a:effectLst/>
+              <a:uFillTx/>
+              <a:latin typeface="Source Sans Pro"/>
+              <a:ea typeface="Source Sans Pro"/>
+              <a:cs typeface="Source Sans Pro"/>
+              <a:sym typeface="Source Sans Pro"/>
+            </a:endParaRPr>
+          </a:p>
+        </p:txBody>
+      </p:sp>
+      <p:grpSp>
+        <p:nvGrpSpPr>
+          <p:cNvPr id="70" name="Group">
+            <a:extLst>
+              <a:ext uri="{FF2B5EF4-FFF2-40B4-BE49-F238E27FC236}">
+                <a16:creationId xmlns:a16="http://schemas.microsoft.com/office/drawing/2014/main" id="{0714E5E1-F5CB-4A79-9D75-4739C12BE341}"/>
+              </a:ext>
+            </a:extLst>
+          </p:cNvPr>
+          <p:cNvGrpSpPr/>
+          <p:nvPr/>
+        </p:nvGrpSpPr>
+        <p:grpSpPr>
+          <a:xfrm>
+            <a:off x="9373882" y="1234810"/>
+            <a:ext cx="4346836" cy="226109"/>
+            <a:chOff x="0" y="0"/>
+            <a:chExt cx="2818195" cy="226107"/>
+          </a:xfrm>
+        </p:grpSpPr>
+        <p:sp>
+          <p:nvSpPr>
+            <p:cNvPr id="71" name="SUBTITLE">
+              <a:extLst>
+                <a:ext uri="{FF2B5EF4-FFF2-40B4-BE49-F238E27FC236}">
+                  <a16:creationId xmlns:a16="http://schemas.microsoft.com/office/drawing/2014/main" id="{9806D08C-DC79-417F-A73B-4ECBB5423F47}"/>
+                </a:ext>
+              </a:extLst>
+            </p:cNvPr>
+            <p:cNvSpPr txBox="1"/>
+            <p:nvPr/>
+          </p:nvSpPr>
+          <p:spPr>
+            <a:xfrm>
+              <a:off x="0" y="15795"/>
+              <a:ext cx="1131775" cy="210312"/>
+            </a:xfrm>
+            <a:prstGeom prst="rect">
+              <a:avLst/>
+            </a:prstGeom>
+            <a:noFill/>
+            <a:ln w="12700" cap="flat">
+              <a:noFill/>
+              <a:miter lim="400000"/>
+            </a:ln>
+            <a:effectLst/>
+            <a:extLst>
+              <a:ext uri="{C572A759-6A51-4108-AA02-DFA0A04FC94B}">
+                <ma14:wrappingTextBoxFlag xmlns="" xmlns:m="http://schemas.openxmlformats.org/officeDocument/2006/math" xmlns:a14="http://schemas.microsoft.com/office/drawing/2010/main" xmlns:ma14="http://schemas.microsoft.com/office/mac/drawingml/2011/main" val="1"/>
+              </a:ext>
+            </a:extLst>
+          </p:spPr>
+          <p:txBody>
+            <a:bodyPr wrap="none" lIns="12700" tIns="12700" rIns="12700" bIns="12700" numCol="1" anchor="ctr">
+              <a:spAutoFit/>
+            </a:bodyPr>
+            <a:lstStyle/>
+            <a:p>
+              <a:pPr lvl="1" indent="0"/>
+              <a:r>
+                <a:rPr lang="fr-FR" dirty="0"/>
+                <a:t>INTO LABELLED VECTORS</a:t>
+              </a:r>
+              <a:endParaRPr dirty="0"/>
+            </a:p>
+          </p:txBody>
+        </p:sp>
+        <p:sp>
+          <p:nvSpPr>
+            <p:cNvPr id="73" name="Line">
+              <a:extLst>
+                <a:ext uri="{FF2B5EF4-FFF2-40B4-BE49-F238E27FC236}">
+                  <a16:creationId xmlns:a16="http://schemas.microsoft.com/office/drawing/2014/main" id="{1CC90E97-926B-4EAB-B63A-CE2FCCAA2AD1}"/>
+                </a:ext>
+              </a:extLst>
+            </p:cNvPr>
+            <p:cNvSpPr/>
+            <p:nvPr/>
+          </p:nvSpPr>
+          <p:spPr>
+            <a:xfrm>
+              <a:off x="23250" y="0"/>
+              <a:ext cx="2794945" cy="0"/>
+            </a:xfrm>
+            <a:prstGeom prst="line">
+              <a:avLst/>
+            </a:prstGeom>
+            <a:noFill/>
+            <a:ln w="12700" cap="flat">
+              <a:solidFill>
+                <a:srgbClr val="E0E0E0"/>
+              </a:solidFill>
+              <a:custDash>
+                <a:ds d="100000" sp="200000"/>
+              </a:custDash>
+              <a:round/>
+            </a:ln>
+            <a:effectLst/>
+          </p:spPr>
+          <p:txBody>
+            <a:bodyPr wrap="square" lIns="54570" tIns="54570" rIns="54570" bIns="54570" numCol="1" anchor="ctr">
+              <a:noAutofit/>
+            </a:bodyPr>
+            <a:lstStyle/>
+            <a:p>
+              <a:pPr>
+                <a:lnSpc>
+                  <a:spcPct val="80000"/>
+                </a:lnSpc>
+                <a:spcBef>
+                  <a:spcPts val="600"/>
+                </a:spcBef>
+                <a:defRPr b="0">
+                  <a:solidFill>
+                    <a:srgbClr val="000000"/>
+                  </a:solidFill>
+                </a:defRPr>
+              </a:pPr>
+              <a:endParaRPr/>
+            </a:p>
+          </p:txBody>
+        </p:sp>
+      </p:grpSp>
     </p:spTree>
     <p:extLst>
       <p:ext uri="{BB962C8B-B14F-4D97-AF65-F5344CB8AC3E}">

--- a/cheatsheet/labelled_cheatsheet.pptx
+++ b/cheatsheet/labelled_cheatsheet.pptx
@@ -2273,7 +2273,7 @@
           </a:ln>
           <a:extLst>
             <a:ext uri="{C572A759-6A51-4108-AA02-DFA0A04FC94B}">
-              <ma14:wrappingTextBoxFlag xmlns="" xmlns:m="http://schemas.openxmlformats.org/officeDocument/2006/math" xmlns:a14="http://schemas.microsoft.com/office/drawing/2010/main" xmlns:ma14="http://schemas.microsoft.com/office/mac/drawingml/2011/main" val="1"/>
+              <ma14:wrappingTextBoxFlag xmlns:ma14="http://schemas.microsoft.com/office/mac/drawingml/2011/main" xmlns:a14="http://schemas.microsoft.com/office/drawing/2010/main" xmlns:m="http://schemas.openxmlformats.org/officeDocument/2006/math" xmlns="" val="1"/>
             </a:ext>
           </a:extLst>
         </p:spPr>
@@ -2312,7 +2312,7 @@
           </a:ln>
           <a:extLst>
             <a:ext uri="{C572A759-6A51-4108-AA02-DFA0A04FC94B}">
-              <ma14:wrappingTextBoxFlag xmlns="" xmlns:m="http://schemas.openxmlformats.org/officeDocument/2006/math" xmlns:a14="http://schemas.microsoft.com/office/drawing/2010/main" xmlns:ma14="http://schemas.microsoft.com/office/mac/drawingml/2011/main" val="1"/>
+              <ma14:wrappingTextBoxFlag xmlns:ma14="http://schemas.microsoft.com/office/mac/drawingml/2011/main" xmlns:a14="http://schemas.microsoft.com/office/drawing/2010/main" xmlns:m="http://schemas.openxmlformats.org/officeDocument/2006/math" xmlns="" val="1"/>
             </a:ext>
           </a:extLst>
         </p:spPr>
@@ -4291,7 +4291,7 @@
           </a:ln>
           <a:extLst>
             <a:ext uri="{C572A759-6A51-4108-AA02-DFA0A04FC94B}">
-              <ma14:wrappingTextBoxFlag xmlns="" xmlns:m="http://schemas.openxmlformats.org/officeDocument/2006/math" xmlns:a14="http://schemas.microsoft.com/office/drawing/2010/main" xmlns:ma14="http://schemas.microsoft.com/office/mac/drawingml/2011/main" val="1"/>
+              <ma14:wrappingTextBoxFlag xmlns:ma14="http://schemas.microsoft.com/office/mac/drawingml/2011/main" xmlns:a14="http://schemas.microsoft.com/office/drawing/2010/main" xmlns:m="http://schemas.openxmlformats.org/officeDocument/2006/math" xmlns="" val="1"/>
             </a:ext>
           </a:extLst>
         </p:spPr>
@@ -4557,7 +4557,7 @@
           </a:ln>
           <a:extLst>
             <a:ext uri="{C572A759-6A51-4108-AA02-DFA0A04FC94B}">
-              <ma14:wrappingTextBoxFlag xmlns="" xmlns:m="http://schemas.openxmlformats.org/officeDocument/2006/math" xmlns:a14="http://schemas.microsoft.com/office/drawing/2010/main" xmlns:ma14="http://schemas.microsoft.com/office/mac/drawingml/2011/main" val="1"/>
+              <ma14:wrappingTextBoxFlag xmlns:ma14="http://schemas.microsoft.com/office/mac/drawingml/2011/main" xmlns:a14="http://schemas.microsoft.com/office/drawing/2010/main" xmlns:m="http://schemas.openxmlformats.org/officeDocument/2006/math" xmlns="" val="1"/>
             </a:ext>
           </a:extLst>
         </p:spPr>
@@ -4683,7 +4683,7 @@
             <a:effectLst/>
             <a:extLst>
               <a:ext uri="{C572A759-6A51-4108-AA02-DFA0A04FC94B}">
-                <ma14:wrappingTextBoxFlag xmlns="" xmlns:m="http://schemas.openxmlformats.org/officeDocument/2006/math" xmlns:a14="http://schemas.microsoft.com/office/drawing/2010/main" xmlns:ma14="http://schemas.microsoft.com/office/mac/drawingml/2011/main" val="1"/>
+                <ma14:wrappingTextBoxFlag xmlns:ma14="http://schemas.microsoft.com/office/mac/drawingml/2011/main" xmlns:a14="http://schemas.microsoft.com/office/drawing/2010/main" xmlns:m="http://schemas.openxmlformats.org/officeDocument/2006/math" xmlns="" val="1"/>
               </a:ext>
             </a:extLst>
           </p:spPr>
@@ -5486,7 +5486,7 @@
             <a:effectLst/>
             <a:extLst>
               <a:ext uri="{C572A759-6A51-4108-AA02-DFA0A04FC94B}">
-                <ma14:wrappingTextBoxFlag xmlns="" xmlns:m="http://schemas.openxmlformats.org/officeDocument/2006/math" xmlns:a14="http://schemas.microsoft.com/office/drawing/2010/main" xmlns:ma14="http://schemas.microsoft.com/office/mac/drawingml/2011/main" val="1"/>
+                <ma14:wrappingTextBoxFlag xmlns:ma14="http://schemas.microsoft.com/office/mac/drawingml/2011/main" xmlns:a14="http://schemas.microsoft.com/office/drawing/2010/main" xmlns:m="http://schemas.openxmlformats.org/officeDocument/2006/math" xmlns="" val="1"/>
               </a:ext>
             </a:extLst>
           </p:spPr>
@@ -5609,7 +5609,7 @@
             <a:effectLst/>
             <a:extLst>
               <a:ext uri="{C572A759-6A51-4108-AA02-DFA0A04FC94B}">
-                <ma14:wrappingTextBoxFlag xmlns="" xmlns:m="http://schemas.openxmlformats.org/officeDocument/2006/math" xmlns:a14="http://schemas.microsoft.com/office/drawing/2010/main" xmlns:ma14="http://schemas.microsoft.com/office/mac/drawingml/2011/main" val="1"/>
+                <ma14:wrappingTextBoxFlag xmlns:ma14="http://schemas.microsoft.com/office/mac/drawingml/2011/main" xmlns:a14="http://schemas.microsoft.com/office/drawing/2010/main" xmlns:m="http://schemas.openxmlformats.org/officeDocument/2006/math" xmlns="" val="1"/>
               </a:ext>
             </a:extLst>
           </p:spPr>
@@ -6141,7 +6141,7 @@
             <a:effectLst/>
             <a:extLst>
               <a:ext uri="{C572A759-6A51-4108-AA02-DFA0A04FC94B}">
-                <ma14:wrappingTextBoxFlag xmlns="" xmlns:m="http://schemas.openxmlformats.org/officeDocument/2006/math" xmlns:a14="http://schemas.microsoft.com/office/drawing/2010/main" xmlns:ma14="http://schemas.microsoft.com/office/mac/drawingml/2011/main" val="1"/>
+                <ma14:wrappingTextBoxFlag xmlns:ma14="http://schemas.microsoft.com/office/mac/drawingml/2011/main" xmlns:a14="http://schemas.microsoft.com/office/drawing/2010/main" xmlns:m="http://schemas.openxmlformats.org/officeDocument/2006/math" xmlns="" val="1"/>
               </a:ext>
             </a:extLst>
           </p:spPr>
@@ -6777,7 +6777,7 @@
             <a:effectLst/>
             <a:extLst>
               <a:ext uri="{C572A759-6A51-4108-AA02-DFA0A04FC94B}">
-                <ma14:wrappingTextBoxFlag xmlns="" xmlns:m="http://schemas.openxmlformats.org/officeDocument/2006/math" xmlns:a14="http://schemas.microsoft.com/office/drawing/2010/main" xmlns:ma14="http://schemas.microsoft.com/office/mac/drawingml/2011/main" val="1"/>
+                <ma14:wrappingTextBoxFlag xmlns:ma14="http://schemas.microsoft.com/office/mac/drawingml/2011/main" xmlns:a14="http://schemas.microsoft.com/office/drawing/2010/main" xmlns:m="http://schemas.openxmlformats.org/officeDocument/2006/math" xmlns="" val="1"/>
               </a:ext>
             </a:extLst>
           </p:spPr>
@@ -6900,7 +6900,7 @@
             <a:effectLst/>
             <a:extLst>
               <a:ext uri="{C572A759-6A51-4108-AA02-DFA0A04FC94B}">
-                <ma14:wrappingTextBoxFlag xmlns="" xmlns:m="http://schemas.openxmlformats.org/officeDocument/2006/math" xmlns:a14="http://schemas.microsoft.com/office/drawing/2010/main" xmlns:ma14="http://schemas.microsoft.com/office/mac/drawingml/2011/main" val="1"/>
+                <ma14:wrappingTextBoxFlag xmlns:ma14="http://schemas.microsoft.com/office/mac/drawingml/2011/main" xmlns:a14="http://schemas.microsoft.com/office/drawing/2010/main" xmlns:m="http://schemas.openxmlformats.org/officeDocument/2006/math" xmlns="" val="1"/>
               </a:ext>
             </a:extLst>
           </p:spPr>
@@ -7330,7 +7330,7 @@
             <a:effectLst/>
             <a:extLst>
               <a:ext uri="{C572A759-6A51-4108-AA02-DFA0A04FC94B}">
-                <ma14:wrappingTextBoxFlag xmlns="" xmlns:m="http://schemas.openxmlformats.org/officeDocument/2006/math" xmlns:a14="http://schemas.microsoft.com/office/drawing/2010/main" xmlns:ma14="http://schemas.microsoft.com/office/mac/drawingml/2011/main" val="1"/>
+                <ma14:wrappingTextBoxFlag xmlns:ma14="http://schemas.microsoft.com/office/mac/drawingml/2011/main" xmlns:a14="http://schemas.microsoft.com/office/drawing/2010/main" xmlns:m="http://schemas.openxmlformats.org/officeDocument/2006/math" xmlns="" val="1"/>
               </a:ext>
             </a:extLst>
           </p:spPr>
@@ -7859,7 +7859,7 @@
             <a:effectLst/>
             <a:extLst>
               <a:ext uri="{C572A759-6A51-4108-AA02-DFA0A04FC94B}">
-                <ma14:wrappingTextBoxFlag xmlns="" xmlns:m="http://schemas.openxmlformats.org/officeDocument/2006/math" xmlns:a14="http://schemas.microsoft.com/office/drawing/2010/main" xmlns:ma14="http://schemas.microsoft.com/office/mac/drawingml/2011/main" val="1"/>
+                <ma14:wrappingTextBoxFlag xmlns:ma14="http://schemas.microsoft.com/office/mac/drawingml/2011/main" xmlns:a14="http://schemas.microsoft.com/office/drawing/2010/main" xmlns:m="http://schemas.openxmlformats.org/officeDocument/2006/math" xmlns="" val="1"/>
               </a:ext>
             </a:extLst>
           </p:spPr>
@@ -8665,7 +8665,7 @@
             <a:effectLst/>
             <a:extLst>
               <a:ext uri="{C572A759-6A51-4108-AA02-DFA0A04FC94B}">
-                <ma14:wrappingTextBoxFlag xmlns="" xmlns:m="http://schemas.openxmlformats.org/officeDocument/2006/math" xmlns:a14="http://schemas.microsoft.com/office/drawing/2010/main" xmlns:ma14="http://schemas.microsoft.com/office/mac/drawingml/2011/main" val="1"/>
+                <ma14:wrappingTextBoxFlag xmlns:ma14="http://schemas.microsoft.com/office/mac/drawingml/2011/main" xmlns:a14="http://schemas.microsoft.com/office/drawing/2010/main" xmlns:m="http://schemas.openxmlformats.org/officeDocument/2006/math" xmlns="" val="1"/>
               </a:ext>
             </a:extLst>
           </p:spPr>
@@ -12358,7 +12358,7 @@
           </a:ln>
           <a:extLst>
             <a:ext uri="{C572A759-6A51-4108-AA02-DFA0A04FC94B}">
-              <ma14:wrappingTextBoxFlag xmlns="" xmlns:m="http://schemas.openxmlformats.org/officeDocument/2006/math" xmlns:a14="http://schemas.microsoft.com/office/drawing/2010/main" xmlns:ma14="http://schemas.microsoft.com/office/mac/drawingml/2011/main" val="1"/>
+              <ma14:wrappingTextBoxFlag xmlns:ma14="http://schemas.microsoft.com/office/mac/drawingml/2011/main" xmlns:a14="http://schemas.microsoft.com/office/drawing/2010/main" xmlns:m="http://schemas.openxmlformats.org/officeDocument/2006/math" xmlns="" val="1"/>
             </a:ext>
           </a:extLst>
         </p:spPr>
@@ -12424,7 +12424,7 @@
           </a:ln>
           <a:extLst>
             <a:ext uri="{C572A759-6A51-4108-AA02-DFA0A04FC94B}">
-              <ma14:wrappingTextBoxFlag xmlns="" xmlns:m="http://schemas.openxmlformats.org/officeDocument/2006/math" xmlns:a14="http://schemas.microsoft.com/office/drawing/2010/main" xmlns:ma14="http://schemas.microsoft.com/office/mac/drawingml/2011/main" val="1"/>
+              <ma14:wrappingTextBoxFlag xmlns:ma14="http://schemas.microsoft.com/office/mac/drawingml/2011/main" xmlns:a14="http://schemas.microsoft.com/office/drawing/2010/main" xmlns:m="http://schemas.openxmlformats.org/officeDocument/2006/math" xmlns="" val="1"/>
             </a:ext>
           </a:extLst>
         </p:spPr>
@@ -12754,7 +12754,7 @@
             <a:effectLst/>
             <a:extLst>
               <a:ext uri="{C572A759-6A51-4108-AA02-DFA0A04FC94B}">
-                <ma14:wrappingTextBoxFlag xmlns="" xmlns:m="http://schemas.openxmlformats.org/officeDocument/2006/math" xmlns:a14="http://schemas.microsoft.com/office/drawing/2010/main" xmlns:ma14="http://schemas.microsoft.com/office/mac/drawingml/2011/main" val="1"/>
+                <ma14:wrappingTextBoxFlag xmlns:ma14="http://schemas.microsoft.com/office/mac/drawingml/2011/main" xmlns:a14="http://schemas.microsoft.com/office/drawing/2010/main" xmlns:m="http://schemas.openxmlformats.org/officeDocument/2006/math" xmlns="" val="1"/>
               </a:ext>
             </a:extLst>
           </p:spPr>
@@ -13164,7 +13164,7 @@
             <a:effectLst/>
             <a:extLst>
               <a:ext uri="{C572A759-6A51-4108-AA02-DFA0A04FC94B}">
-                <ma14:wrappingTextBoxFlag xmlns="" xmlns:m="http://schemas.openxmlformats.org/officeDocument/2006/math" xmlns:a14="http://schemas.microsoft.com/office/drawing/2010/main" xmlns:ma14="http://schemas.microsoft.com/office/mac/drawingml/2011/main" val="1"/>
+                <ma14:wrappingTextBoxFlag xmlns:ma14="http://schemas.microsoft.com/office/mac/drawingml/2011/main" xmlns:a14="http://schemas.microsoft.com/office/drawing/2010/main" xmlns:m="http://schemas.openxmlformats.org/officeDocument/2006/math" xmlns="" val="1"/>
               </a:ext>
             </a:extLst>
           </p:spPr>
@@ -13287,7 +13287,7 @@
             <a:effectLst/>
             <a:extLst>
               <a:ext uri="{C572A759-6A51-4108-AA02-DFA0A04FC94B}">
-                <ma14:wrappingTextBoxFlag xmlns="" xmlns:m="http://schemas.openxmlformats.org/officeDocument/2006/math" xmlns:a14="http://schemas.microsoft.com/office/drawing/2010/main" xmlns:ma14="http://schemas.microsoft.com/office/mac/drawingml/2011/main" val="1"/>
+                <ma14:wrappingTextBoxFlag xmlns:ma14="http://schemas.microsoft.com/office/mac/drawingml/2011/main" xmlns:a14="http://schemas.microsoft.com/office/drawing/2010/main" xmlns:m="http://schemas.openxmlformats.org/officeDocument/2006/math" xmlns="" val="1"/>
               </a:ext>
             </a:extLst>
           </p:spPr>
@@ -13903,7 +13903,7 @@
                   <a:srgbClr val="000000"/>
                 </a:solidFill>
               </a:rPr>
-              <a:t> of </a:t>
+              <a:t> or </a:t>
             </a:r>
             <a:r>
               <a:rPr lang="en-GB" dirty="0">
@@ -15657,7 +15657,7 @@
             <a:effectLst/>
             <a:extLst>
               <a:ext uri="{C572A759-6A51-4108-AA02-DFA0A04FC94B}">
-                <ma14:wrappingTextBoxFlag xmlns="" xmlns:m="http://schemas.openxmlformats.org/officeDocument/2006/math" xmlns:a14="http://schemas.microsoft.com/office/drawing/2010/main" xmlns:ma14="http://schemas.microsoft.com/office/mac/drawingml/2011/main" val="1"/>
+                <ma14:wrappingTextBoxFlag xmlns:ma14="http://schemas.microsoft.com/office/mac/drawingml/2011/main" xmlns:a14="http://schemas.microsoft.com/office/drawing/2010/main" xmlns:m="http://schemas.openxmlformats.org/officeDocument/2006/math" xmlns="" val="1"/>
               </a:ext>
             </a:extLst>
           </p:spPr>

--- a/cheatsheet/labelled_cheatsheet.pptx
+++ b/cheatsheet/labelled_cheatsheet.pptx
@@ -2273,7 +2273,7 @@
           </a:ln>
           <a:extLst>
             <a:ext uri="{C572A759-6A51-4108-AA02-DFA0A04FC94B}">
-              <ma14:wrappingTextBoxFlag xmlns:ma14="http://schemas.microsoft.com/office/mac/drawingml/2011/main" xmlns:a14="http://schemas.microsoft.com/office/drawing/2010/main" xmlns:m="http://schemas.openxmlformats.org/officeDocument/2006/math" xmlns="" val="1"/>
+              <ma14:wrappingTextBoxFlag xmlns="" xmlns:m="http://schemas.openxmlformats.org/officeDocument/2006/math" xmlns:a14="http://schemas.microsoft.com/office/drawing/2010/main" xmlns:ma14="http://schemas.microsoft.com/office/mac/drawingml/2011/main" val="1"/>
             </a:ext>
           </a:extLst>
         </p:spPr>
@@ -2312,7 +2312,7 @@
           </a:ln>
           <a:extLst>
             <a:ext uri="{C572A759-6A51-4108-AA02-DFA0A04FC94B}">
-              <ma14:wrappingTextBoxFlag xmlns:ma14="http://schemas.microsoft.com/office/mac/drawingml/2011/main" xmlns:a14="http://schemas.microsoft.com/office/drawing/2010/main" xmlns:m="http://schemas.openxmlformats.org/officeDocument/2006/math" xmlns="" val="1"/>
+              <ma14:wrappingTextBoxFlag xmlns="" xmlns:m="http://schemas.openxmlformats.org/officeDocument/2006/math" xmlns:a14="http://schemas.microsoft.com/office/drawing/2010/main" xmlns:ma14="http://schemas.microsoft.com/office/mac/drawingml/2011/main" val="1"/>
             </a:ext>
           </a:extLst>
         </p:spPr>
@@ -4291,7 +4291,7 @@
           </a:ln>
           <a:extLst>
             <a:ext uri="{C572A759-6A51-4108-AA02-DFA0A04FC94B}">
-              <ma14:wrappingTextBoxFlag xmlns:ma14="http://schemas.microsoft.com/office/mac/drawingml/2011/main" xmlns:a14="http://schemas.microsoft.com/office/drawing/2010/main" xmlns:m="http://schemas.openxmlformats.org/officeDocument/2006/math" xmlns="" val="1"/>
+              <ma14:wrappingTextBoxFlag xmlns="" xmlns:m="http://schemas.openxmlformats.org/officeDocument/2006/math" xmlns:a14="http://schemas.microsoft.com/office/drawing/2010/main" xmlns:ma14="http://schemas.microsoft.com/office/mac/drawingml/2011/main" val="1"/>
             </a:ext>
           </a:extLst>
         </p:spPr>
@@ -4557,7 +4557,7 @@
           </a:ln>
           <a:extLst>
             <a:ext uri="{C572A759-6A51-4108-AA02-DFA0A04FC94B}">
-              <ma14:wrappingTextBoxFlag xmlns:ma14="http://schemas.microsoft.com/office/mac/drawingml/2011/main" xmlns:a14="http://schemas.microsoft.com/office/drawing/2010/main" xmlns:m="http://schemas.openxmlformats.org/officeDocument/2006/math" xmlns="" val="1"/>
+              <ma14:wrappingTextBoxFlag xmlns="" xmlns:m="http://schemas.openxmlformats.org/officeDocument/2006/math" xmlns:a14="http://schemas.microsoft.com/office/drawing/2010/main" xmlns:ma14="http://schemas.microsoft.com/office/mac/drawingml/2011/main" val="1"/>
             </a:ext>
           </a:extLst>
         </p:spPr>
@@ -4683,7 +4683,7 @@
             <a:effectLst/>
             <a:extLst>
               <a:ext uri="{C572A759-6A51-4108-AA02-DFA0A04FC94B}">
-                <ma14:wrappingTextBoxFlag xmlns:ma14="http://schemas.microsoft.com/office/mac/drawingml/2011/main" xmlns:a14="http://schemas.microsoft.com/office/drawing/2010/main" xmlns:m="http://schemas.openxmlformats.org/officeDocument/2006/math" xmlns="" val="1"/>
+                <ma14:wrappingTextBoxFlag xmlns="" xmlns:m="http://schemas.openxmlformats.org/officeDocument/2006/math" xmlns:a14="http://schemas.microsoft.com/office/drawing/2010/main" xmlns:ma14="http://schemas.microsoft.com/office/mac/drawingml/2011/main" val="1"/>
               </a:ext>
             </a:extLst>
           </p:spPr>
@@ -5486,7 +5486,7 @@
             <a:effectLst/>
             <a:extLst>
               <a:ext uri="{C572A759-6A51-4108-AA02-DFA0A04FC94B}">
-                <ma14:wrappingTextBoxFlag xmlns:ma14="http://schemas.microsoft.com/office/mac/drawingml/2011/main" xmlns:a14="http://schemas.microsoft.com/office/drawing/2010/main" xmlns:m="http://schemas.openxmlformats.org/officeDocument/2006/math" xmlns="" val="1"/>
+                <ma14:wrappingTextBoxFlag xmlns="" xmlns:m="http://schemas.openxmlformats.org/officeDocument/2006/math" xmlns:a14="http://schemas.microsoft.com/office/drawing/2010/main" xmlns:ma14="http://schemas.microsoft.com/office/mac/drawingml/2011/main" val="1"/>
               </a:ext>
             </a:extLst>
           </p:spPr>
@@ -5609,7 +5609,7 @@
             <a:effectLst/>
             <a:extLst>
               <a:ext uri="{C572A759-6A51-4108-AA02-DFA0A04FC94B}">
-                <ma14:wrappingTextBoxFlag xmlns:ma14="http://schemas.microsoft.com/office/mac/drawingml/2011/main" xmlns:a14="http://schemas.microsoft.com/office/drawing/2010/main" xmlns:m="http://schemas.openxmlformats.org/officeDocument/2006/math" xmlns="" val="1"/>
+                <ma14:wrappingTextBoxFlag xmlns="" xmlns:m="http://schemas.openxmlformats.org/officeDocument/2006/math" xmlns:a14="http://schemas.microsoft.com/office/drawing/2010/main" xmlns:ma14="http://schemas.microsoft.com/office/mac/drawingml/2011/main" val="1"/>
               </a:ext>
             </a:extLst>
           </p:spPr>
@@ -6141,7 +6141,7 @@
             <a:effectLst/>
             <a:extLst>
               <a:ext uri="{C572A759-6A51-4108-AA02-DFA0A04FC94B}">
-                <ma14:wrappingTextBoxFlag xmlns:ma14="http://schemas.microsoft.com/office/mac/drawingml/2011/main" xmlns:a14="http://schemas.microsoft.com/office/drawing/2010/main" xmlns:m="http://schemas.openxmlformats.org/officeDocument/2006/math" xmlns="" val="1"/>
+                <ma14:wrappingTextBoxFlag xmlns="" xmlns:m="http://schemas.openxmlformats.org/officeDocument/2006/math" xmlns:a14="http://schemas.microsoft.com/office/drawing/2010/main" xmlns:ma14="http://schemas.microsoft.com/office/mac/drawingml/2011/main" val="1"/>
               </a:ext>
             </a:extLst>
           </p:spPr>
@@ -6777,7 +6777,7 @@
             <a:effectLst/>
             <a:extLst>
               <a:ext uri="{C572A759-6A51-4108-AA02-DFA0A04FC94B}">
-                <ma14:wrappingTextBoxFlag xmlns:ma14="http://schemas.microsoft.com/office/mac/drawingml/2011/main" xmlns:a14="http://schemas.microsoft.com/office/drawing/2010/main" xmlns:m="http://schemas.openxmlformats.org/officeDocument/2006/math" xmlns="" val="1"/>
+                <ma14:wrappingTextBoxFlag xmlns="" xmlns:m="http://schemas.openxmlformats.org/officeDocument/2006/math" xmlns:a14="http://schemas.microsoft.com/office/drawing/2010/main" xmlns:ma14="http://schemas.microsoft.com/office/mac/drawingml/2011/main" val="1"/>
               </a:ext>
             </a:extLst>
           </p:spPr>
@@ -6900,7 +6900,7 @@
             <a:effectLst/>
             <a:extLst>
               <a:ext uri="{C572A759-6A51-4108-AA02-DFA0A04FC94B}">
-                <ma14:wrappingTextBoxFlag xmlns:ma14="http://schemas.microsoft.com/office/mac/drawingml/2011/main" xmlns:a14="http://schemas.microsoft.com/office/drawing/2010/main" xmlns:m="http://schemas.openxmlformats.org/officeDocument/2006/math" xmlns="" val="1"/>
+                <ma14:wrappingTextBoxFlag xmlns="" xmlns:m="http://schemas.openxmlformats.org/officeDocument/2006/math" xmlns:a14="http://schemas.microsoft.com/office/drawing/2010/main" xmlns:ma14="http://schemas.microsoft.com/office/mac/drawingml/2011/main" val="1"/>
               </a:ext>
             </a:extLst>
           </p:spPr>
@@ -7330,7 +7330,7 @@
             <a:effectLst/>
             <a:extLst>
               <a:ext uri="{C572A759-6A51-4108-AA02-DFA0A04FC94B}">
-                <ma14:wrappingTextBoxFlag xmlns:ma14="http://schemas.microsoft.com/office/mac/drawingml/2011/main" xmlns:a14="http://schemas.microsoft.com/office/drawing/2010/main" xmlns:m="http://schemas.openxmlformats.org/officeDocument/2006/math" xmlns="" val="1"/>
+                <ma14:wrappingTextBoxFlag xmlns="" xmlns:m="http://schemas.openxmlformats.org/officeDocument/2006/math" xmlns:a14="http://schemas.microsoft.com/office/drawing/2010/main" xmlns:ma14="http://schemas.microsoft.com/office/mac/drawingml/2011/main" val="1"/>
               </a:ext>
             </a:extLst>
           </p:spPr>
@@ -7859,7 +7859,7 @@
             <a:effectLst/>
             <a:extLst>
               <a:ext uri="{C572A759-6A51-4108-AA02-DFA0A04FC94B}">
-                <ma14:wrappingTextBoxFlag xmlns:ma14="http://schemas.microsoft.com/office/mac/drawingml/2011/main" xmlns:a14="http://schemas.microsoft.com/office/drawing/2010/main" xmlns:m="http://schemas.openxmlformats.org/officeDocument/2006/math" xmlns="" val="1"/>
+                <ma14:wrappingTextBoxFlag xmlns="" xmlns:m="http://schemas.openxmlformats.org/officeDocument/2006/math" xmlns:a14="http://schemas.microsoft.com/office/drawing/2010/main" xmlns:ma14="http://schemas.microsoft.com/office/mac/drawingml/2011/main" val="1"/>
               </a:ext>
             </a:extLst>
           </p:spPr>
@@ -8665,7 +8665,7 @@
             <a:effectLst/>
             <a:extLst>
               <a:ext uri="{C572A759-6A51-4108-AA02-DFA0A04FC94B}">
-                <ma14:wrappingTextBoxFlag xmlns:ma14="http://schemas.microsoft.com/office/mac/drawingml/2011/main" xmlns:a14="http://schemas.microsoft.com/office/drawing/2010/main" xmlns:m="http://schemas.openxmlformats.org/officeDocument/2006/math" xmlns="" val="1"/>
+                <ma14:wrappingTextBoxFlag xmlns="" xmlns:m="http://schemas.openxmlformats.org/officeDocument/2006/math" xmlns:a14="http://schemas.microsoft.com/office/drawing/2010/main" xmlns:ma14="http://schemas.microsoft.com/office/mac/drawingml/2011/main" val="1"/>
               </a:ext>
             </a:extLst>
           </p:spPr>
@@ -12358,7 +12358,7 @@
           </a:ln>
           <a:extLst>
             <a:ext uri="{C572A759-6A51-4108-AA02-DFA0A04FC94B}">
-              <ma14:wrappingTextBoxFlag xmlns:ma14="http://schemas.microsoft.com/office/mac/drawingml/2011/main" xmlns:a14="http://schemas.microsoft.com/office/drawing/2010/main" xmlns:m="http://schemas.openxmlformats.org/officeDocument/2006/math" xmlns="" val="1"/>
+              <ma14:wrappingTextBoxFlag xmlns="" xmlns:m="http://schemas.openxmlformats.org/officeDocument/2006/math" xmlns:a14="http://schemas.microsoft.com/office/drawing/2010/main" xmlns:ma14="http://schemas.microsoft.com/office/mac/drawingml/2011/main" val="1"/>
             </a:ext>
           </a:extLst>
         </p:spPr>
@@ -12424,7 +12424,7 @@
           </a:ln>
           <a:extLst>
             <a:ext uri="{C572A759-6A51-4108-AA02-DFA0A04FC94B}">
-              <ma14:wrappingTextBoxFlag xmlns:ma14="http://schemas.microsoft.com/office/mac/drawingml/2011/main" xmlns:a14="http://schemas.microsoft.com/office/drawing/2010/main" xmlns:m="http://schemas.openxmlformats.org/officeDocument/2006/math" xmlns="" val="1"/>
+              <ma14:wrappingTextBoxFlag xmlns="" xmlns:m="http://schemas.openxmlformats.org/officeDocument/2006/math" xmlns:a14="http://schemas.microsoft.com/office/drawing/2010/main" xmlns:ma14="http://schemas.microsoft.com/office/mac/drawingml/2011/main" val="1"/>
             </a:ext>
           </a:extLst>
         </p:spPr>
@@ -12754,7 +12754,7 @@
             <a:effectLst/>
             <a:extLst>
               <a:ext uri="{C572A759-6A51-4108-AA02-DFA0A04FC94B}">
-                <ma14:wrappingTextBoxFlag xmlns:ma14="http://schemas.microsoft.com/office/mac/drawingml/2011/main" xmlns:a14="http://schemas.microsoft.com/office/drawing/2010/main" xmlns:m="http://schemas.openxmlformats.org/officeDocument/2006/math" xmlns="" val="1"/>
+                <ma14:wrappingTextBoxFlag xmlns="" xmlns:m="http://schemas.openxmlformats.org/officeDocument/2006/math" xmlns:a14="http://schemas.microsoft.com/office/drawing/2010/main" xmlns:ma14="http://schemas.microsoft.com/office/mac/drawingml/2011/main" val="1"/>
               </a:ext>
             </a:extLst>
           </p:spPr>
@@ -13164,7 +13164,7 @@
             <a:effectLst/>
             <a:extLst>
               <a:ext uri="{C572A759-6A51-4108-AA02-DFA0A04FC94B}">
-                <ma14:wrappingTextBoxFlag xmlns:ma14="http://schemas.microsoft.com/office/mac/drawingml/2011/main" xmlns:a14="http://schemas.microsoft.com/office/drawing/2010/main" xmlns:m="http://schemas.openxmlformats.org/officeDocument/2006/math" xmlns="" val="1"/>
+                <ma14:wrappingTextBoxFlag xmlns="" xmlns:m="http://schemas.openxmlformats.org/officeDocument/2006/math" xmlns:a14="http://schemas.microsoft.com/office/drawing/2010/main" xmlns:ma14="http://schemas.microsoft.com/office/mac/drawingml/2011/main" val="1"/>
               </a:ext>
             </a:extLst>
           </p:spPr>
@@ -13287,7 +13287,7 @@
             <a:effectLst/>
             <a:extLst>
               <a:ext uri="{C572A759-6A51-4108-AA02-DFA0A04FC94B}">
-                <ma14:wrappingTextBoxFlag xmlns:ma14="http://schemas.microsoft.com/office/mac/drawingml/2011/main" xmlns:a14="http://schemas.microsoft.com/office/drawing/2010/main" xmlns:m="http://schemas.openxmlformats.org/officeDocument/2006/math" xmlns="" val="1"/>
+                <ma14:wrappingTextBoxFlag xmlns="" xmlns:m="http://schemas.openxmlformats.org/officeDocument/2006/math" xmlns:a14="http://schemas.microsoft.com/office/drawing/2010/main" xmlns:ma14="http://schemas.microsoft.com/office/mac/drawingml/2011/main" val="1"/>
               </a:ext>
             </a:extLst>
           </p:spPr>
@@ -14250,7 +14250,23 @@
                   <a:srgbClr val="000000"/>
                 </a:solidFill>
               </a:rPr>
-              <a:t>, labelled vectors are kept for data cleaning and recoding, allowing to preserved original coding, in particular if data should be reexported after that step. Functions provided by </a:t>
+              <a:t>, labelled vectors are kept for data cleaning and recoding, allowing </a:t>
+            </a:r>
+            <a:r>
+              <a:rPr lang="en-US" b="0">
+                <a:solidFill>
+                  <a:srgbClr val="000000"/>
+                </a:solidFill>
+              </a:rPr>
+              <a:t>to preserve </a:t>
+            </a:r>
+            <a:r>
+              <a:rPr lang="en-US" b="0" dirty="0">
+                <a:solidFill>
+                  <a:srgbClr val="000000"/>
+                </a:solidFill>
+              </a:rPr>
+              <a:t>original coding, in particular if data should be reexported after that step. Functions provided by </a:t>
             </a:r>
             <a:r>
               <a:rPr lang="en-US" dirty="0">
@@ -15657,7 +15673,7 @@
             <a:effectLst/>
             <a:extLst>
               <a:ext uri="{C572A759-6A51-4108-AA02-DFA0A04FC94B}">
-                <ma14:wrappingTextBoxFlag xmlns:ma14="http://schemas.microsoft.com/office/mac/drawingml/2011/main" xmlns:a14="http://schemas.microsoft.com/office/drawing/2010/main" xmlns:m="http://schemas.openxmlformats.org/officeDocument/2006/math" xmlns="" val="1"/>
+                <ma14:wrappingTextBoxFlag xmlns="" xmlns:m="http://schemas.openxmlformats.org/officeDocument/2006/math" xmlns:a14="http://schemas.microsoft.com/office/drawing/2010/main" xmlns:ma14="http://schemas.microsoft.com/office/mac/drawingml/2011/main" val="1"/>
               </a:ext>
             </a:extLst>
           </p:spPr>

--- a/cheatsheet/labelled_cheatsheet.pptx
+++ b/cheatsheet/labelled_cheatsheet.pptx
@@ -2273,7 +2273,7 @@
           </a:ln>
           <a:extLst>
             <a:ext uri="{C572A759-6A51-4108-AA02-DFA0A04FC94B}">
-              <ma14:wrappingTextBoxFlag xmlns="" xmlns:m="http://schemas.openxmlformats.org/officeDocument/2006/math" xmlns:a14="http://schemas.microsoft.com/office/drawing/2010/main" xmlns:ma14="http://schemas.microsoft.com/office/mac/drawingml/2011/main" val="1"/>
+              <ma14:wrappingTextBoxFlag xmlns:ma14="http://schemas.microsoft.com/office/mac/drawingml/2011/main" xmlns:a14="http://schemas.microsoft.com/office/drawing/2010/main" xmlns:m="http://schemas.openxmlformats.org/officeDocument/2006/math" xmlns="" val="1"/>
             </a:ext>
           </a:extLst>
         </p:spPr>
@@ -2312,7 +2312,7 @@
           </a:ln>
           <a:extLst>
             <a:ext uri="{C572A759-6A51-4108-AA02-DFA0A04FC94B}">
-              <ma14:wrappingTextBoxFlag xmlns="" xmlns:m="http://schemas.openxmlformats.org/officeDocument/2006/math" xmlns:a14="http://schemas.microsoft.com/office/drawing/2010/main" xmlns:ma14="http://schemas.microsoft.com/office/mac/drawingml/2011/main" val="1"/>
+              <ma14:wrappingTextBoxFlag xmlns:ma14="http://schemas.microsoft.com/office/mac/drawingml/2011/main" xmlns:a14="http://schemas.microsoft.com/office/drawing/2010/main" xmlns:m="http://schemas.openxmlformats.org/officeDocument/2006/math" xmlns="" val="1"/>
             </a:ext>
           </a:extLst>
         </p:spPr>
@@ -4291,7 +4291,7 @@
           </a:ln>
           <a:extLst>
             <a:ext uri="{C572A759-6A51-4108-AA02-DFA0A04FC94B}">
-              <ma14:wrappingTextBoxFlag xmlns="" xmlns:m="http://schemas.openxmlformats.org/officeDocument/2006/math" xmlns:a14="http://schemas.microsoft.com/office/drawing/2010/main" xmlns:ma14="http://schemas.microsoft.com/office/mac/drawingml/2011/main" val="1"/>
+              <ma14:wrappingTextBoxFlag xmlns:ma14="http://schemas.microsoft.com/office/mac/drawingml/2011/main" xmlns:a14="http://schemas.microsoft.com/office/drawing/2010/main" xmlns:m="http://schemas.openxmlformats.org/officeDocument/2006/math" xmlns="" val="1"/>
             </a:ext>
           </a:extLst>
         </p:spPr>
@@ -4327,7 +4327,7 @@
             </a:r>
             <a:r>
               <a:rPr lang="en-US" dirty="0"/>
-              <a:t> •  labelled version  2.5.0 •  Updated: 2020-06</a:t>
+              <a:t> •  labelled version  2.6.0 •  Updated: 2020-09</a:t>
             </a:r>
           </a:p>
         </p:txBody>
@@ -4557,7 +4557,7 @@
           </a:ln>
           <a:extLst>
             <a:ext uri="{C572A759-6A51-4108-AA02-DFA0A04FC94B}">
-              <ma14:wrappingTextBoxFlag xmlns="" xmlns:m="http://schemas.openxmlformats.org/officeDocument/2006/math" xmlns:a14="http://schemas.microsoft.com/office/drawing/2010/main" xmlns:ma14="http://schemas.microsoft.com/office/mac/drawingml/2011/main" val="1"/>
+              <ma14:wrappingTextBoxFlag xmlns:ma14="http://schemas.microsoft.com/office/mac/drawingml/2011/main" xmlns:a14="http://schemas.microsoft.com/office/drawing/2010/main" xmlns:m="http://schemas.openxmlformats.org/officeDocument/2006/math" xmlns="" val="1"/>
             </a:ext>
           </a:extLst>
         </p:spPr>
@@ -4649,7 +4649,7 @@
         </p:nvGrpSpPr>
         <p:grpSpPr>
           <a:xfrm>
-            <a:off x="213252" y="4842356"/>
+            <a:off x="213252" y="4686491"/>
             <a:ext cx="4346834" cy="365236"/>
             <a:chOff x="-1" y="20678"/>
             <a:chExt cx="2815851" cy="365235"/>
@@ -4683,7 +4683,7 @@
             <a:effectLst/>
             <a:extLst>
               <a:ext uri="{C572A759-6A51-4108-AA02-DFA0A04FC94B}">
-                <ma14:wrappingTextBoxFlag xmlns="" xmlns:m="http://schemas.openxmlformats.org/officeDocument/2006/math" xmlns:a14="http://schemas.microsoft.com/office/drawing/2010/main" xmlns:ma14="http://schemas.microsoft.com/office/mac/drawingml/2011/main" val="1"/>
+                <ma14:wrappingTextBoxFlag xmlns:ma14="http://schemas.microsoft.com/office/mac/drawingml/2011/main" xmlns:a14="http://schemas.microsoft.com/office/drawing/2010/main" xmlns:m="http://schemas.openxmlformats.org/officeDocument/2006/math" xmlns="" val="1"/>
               </a:ext>
             </a:extLst>
           </p:spPr>
@@ -5172,7 +5172,7 @@
         </p:nvSpPr>
         <p:spPr>
           <a:xfrm>
-            <a:off x="843279" y="5503318"/>
+            <a:off x="843279" y="5347453"/>
             <a:ext cx="3716807" cy="1525978"/>
           </a:xfrm>
           <a:prstGeom prst="rect">
@@ -5452,7 +5452,7 @@
         </p:nvGrpSpPr>
         <p:grpSpPr>
           <a:xfrm>
-            <a:off x="213252" y="5283048"/>
+            <a:off x="213252" y="5127183"/>
             <a:ext cx="4346836" cy="226109"/>
             <a:chOff x="0" y="0"/>
             <a:chExt cx="2818195" cy="226107"/>
@@ -5486,7 +5486,7 @@
             <a:effectLst/>
             <a:extLst>
               <a:ext uri="{C572A759-6A51-4108-AA02-DFA0A04FC94B}">
-                <ma14:wrappingTextBoxFlag xmlns="" xmlns:m="http://schemas.openxmlformats.org/officeDocument/2006/math" xmlns:a14="http://schemas.microsoft.com/office/drawing/2010/main" xmlns:ma14="http://schemas.microsoft.com/office/mac/drawingml/2011/main" val="1"/>
+                <ma14:wrappingTextBoxFlag xmlns:ma14="http://schemas.microsoft.com/office/mac/drawingml/2011/main" xmlns:a14="http://schemas.microsoft.com/office/drawing/2010/main" xmlns:m="http://schemas.openxmlformats.org/officeDocument/2006/math" xmlns="" val="1"/>
               </a:ext>
             </a:extLst>
           </p:spPr>
@@ -5575,7 +5575,7 @@
         </p:nvGrpSpPr>
         <p:grpSpPr>
           <a:xfrm>
-            <a:off x="213250" y="7065550"/>
+            <a:off x="213250" y="6909685"/>
             <a:ext cx="4346836" cy="226109"/>
             <a:chOff x="0" y="0"/>
             <a:chExt cx="2818195" cy="226107"/>
@@ -5609,7 +5609,7 @@
             <a:effectLst/>
             <a:extLst>
               <a:ext uri="{C572A759-6A51-4108-AA02-DFA0A04FC94B}">
-                <ma14:wrappingTextBoxFlag xmlns="" xmlns:m="http://schemas.openxmlformats.org/officeDocument/2006/math" xmlns:a14="http://schemas.microsoft.com/office/drawing/2010/main" xmlns:ma14="http://schemas.microsoft.com/office/mac/drawingml/2011/main" val="1"/>
+                <ma14:wrappingTextBoxFlag xmlns:ma14="http://schemas.microsoft.com/office/mac/drawingml/2011/main" xmlns:a14="http://schemas.microsoft.com/office/drawing/2010/main" xmlns:m="http://schemas.openxmlformats.org/officeDocument/2006/math" xmlns="" val="1"/>
               </a:ext>
             </a:extLst>
           </p:spPr>
@@ -5698,8 +5698,8 @@
         </p:nvSpPr>
         <p:spPr>
           <a:xfrm>
-            <a:off x="843278" y="7307407"/>
-            <a:ext cx="3716807" cy="3126416"/>
+            <a:off x="843278" y="7151542"/>
+            <a:ext cx="3716807" cy="1710644"/>
           </a:xfrm>
           <a:prstGeom prst="rect">
             <a:avLst/>
@@ -5942,153 +5942,6 @@
                 </a:solidFill>
               </a:rPr>
               <a:t> syntax</a:t>
-            </a:r>
-          </a:p>
-          <a:p>
-            <a:pPr>
-              <a:spcBef>
-                <a:spcPts val="0"/>
-              </a:spcBef>
-              <a:spcAft>
-                <a:spcPts val="800"/>
-              </a:spcAft>
-            </a:pPr>
-            <a:r>
-              <a:rPr lang="en-GB" b="0" dirty="0">
-                <a:solidFill>
-                  <a:srgbClr val="000000"/>
-                </a:solidFill>
-              </a:rPr>
-              <a:t>df %&gt;% </a:t>
-            </a:r>
-            <a:r>
-              <a:rPr lang="en-GB" dirty="0" err="1">
-                <a:solidFill>
-                  <a:srgbClr val="000000"/>
-                </a:solidFill>
-              </a:rPr>
-              <a:t>look_for</a:t>
-            </a:r>
-            <a:r>
-              <a:rPr lang="en-GB" b="0" dirty="0">
-                <a:solidFill>
-                  <a:srgbClr val="000000"/>
-                </a:solidFill>
-              </a:rPr>
-              <a:t>() </a:t>
-            </a:r>
-            <a:br>
-              <a:rPr lang="en-GB" b="0" dirty="0">
-                <a:solidFill>
-                  <a:srgbClr val="000000"/>
-                </a:solidFill>
-              </a:rPr>
-            </a:br>
-            <a:r>
-              <a:rPr lang="en-GB" b="0" dirty="0">
-                <a:solidFill>
-                  <a:srgbClr val="000000"/>
-                </a:solidFill>
-              </a:rPr>
-              <a:t>Return a data frame with all variable names and labels</a:t>
-            </a:r>
-          </a:p>
-          <a:p>
-            <a:pPr>
-              <a:spcBef>
-                <a:spcPts val="0"/>
-              </a:spcBef>
-              <a:spcAft>
-                <a:spcPts val="800"/>
-              </a:spcAft>
-            </a:pPr>
-            <a:r>
-              <a:rPr lang="en-GB" b="0" dirty="0">
-                <a:solidFill>
-                  <a:srgbClr val="000000"/>
-                </a:solidFill>
-              </a:rPr>
-              <a:t>df %&gt;% </a:t>
-            </a:r>
-            <a:r>
-              <a:rPr lang="en-GB" dirty="0" err="1">
-                <a:solidFill>
-                  <a:srgbClr val="000000"/>
-                </a:solidFill>
-              </a:rPr>
-              <a:t>look_for</a:t>
-            </a:r>
-            <a:r>
-              <a:rPr lang="en-GB" b="0" dirty="0">
-                <a:solidFill>
-                  <a:srgbClr val="000000"/>
-                </a:solidFill>
-              </a:rPr>
-              <a:t>("s")</a:t>
-            </a:r>
-            <a:br>
-              <a:rPr lang="en-GB" b="0" dirty="0">
-                <a:solidFill>
-                  <a:srgbClr val="000000"/>
-                </a:solidFill>
-              </a:rPr>
-            </a:br>
-            <a:r>
-              <a:rPr lang="en-GB" b="0" dirty="0">
-                <a:solidFill>
-                  <a:srgbClr val="000000"/>
-                </a:solidFill>
-              </a:rPr>
-              <a:t>Search variables containing "s" in their name or label</a:t>
-            </a:r>
-          </a:p>
-          <a:p>
-            <a:pPr>
-              <a:spcBef>
-                <a:spcPts val="0"/>
-              </a:spcBef>
-              <a:spcAft>
-                <a:spcPts val="800"/>
-              </a:spcAft>
-            </a:pPr>
-            <a:r>
-              <a:rPr lang="en-GB" b="0" dirty="0">
-                <a:solidFill>
-                  <a:srgbClr val="000000"/>
-                </a:solidFill>
-              </a:rPr>
-              <a:t>df %&gt;% </a:t>
-            </a:r>
-            <a:r>
-              <a:rPr lang="en-GB" dirty="0" err="1">
-                <a:solidFill>
-                  <a:srgbClr val="000000"/>
-                </a:solidFill>
-              </a:rPr>
-              <a:t>look_for</a:t>
-            </a:r>
-            <a:r>
-              <a:rPr lang="en-GB" b="0" dirty="0">
-                <a:solidFill>
-                  <a:srgbClr val="000000"/>
-                </a:solidFill>
-              </a:rPr>
-              <a:t>(details = TRUE)</a:t>
-            </a:r>
-            <a:br>
-              <a:rPr lang="en-GB" b="0" dirty="0">
-                <a:solidFill>
-                  <a:srgbClr val="000000"/>
-                </a:solidFill>
-              </a:rPr>
-            </a:br>
-            <a:r>
-              <a:rPr lang="en-GB" b="0" dirty="0">
-                <a:solidFill>
-                  <a:srgbClr val="000000"/>
-                </a:solidFill>
-              </a:rPr>
-              <a:t>Return additional details on each variable</a:t>
             </a:r>
           </a:p>
         </p:txBody>
@@ -6141,7 +5994,7 @@
             <a:effectLst/>
             <a:extLst>
               <a:ext uri="{C572A759-6A51-4108-AA02-DFA0A04FC94B}">
-                <ma14:wrappingTextBoxFlag xmlns="" xmlns:m="http://schemas.openxmlformats.org/officeDocument/2006/math" xmlns:a14="http://schemas.microsoft.com/office/drawing/2010/main" xmlns:ma14="http://schemas.microsoft.com/office/mac/drawingml/2011/main" val="1"/>
+                <ma14:wrappingTextBoxFlag xmlns:ma14="http://schemas.microsoft.com/office/mac/drawingml/2011/main" xmlns:a14="http://schemas.microsoft.com/office/drawing/2010/main" xmlns:m="http://schemas.openxmlformats.org/officeDocument/2006/math" xmlns="" val="1"/>
               </a:ext>
             </a:extLst>
           </p:spPr>
@@ -6777,7 +6630,7 @@
             <a:effectLst/>
             <a:extLst>
               <a:ext uri="{C572A759-6A51-4108-AA02-DFA0A04FC94B}">
-                <ma14:wrappingTextBoxFlag xmlns="" xmlns:m="http://schemas.openxmlformats.org/officeDocument/2006/math" xmlns:a14="http://schemas.microsoft.com/office/drawing/2010/main" xmlns:ma14="http://schemas.microsoft.com/office/mac/drawingml/2011/main" val="1"/>
+                <ma14:wrappingTextBoxFlag xmlns:ma14="http://schemas.microsoft.com/office/mac/drawingml/2011/main" xmlns:a14="http://schemas.microsoft.com/office/drawing/2010/main" xmlns:m="http://schemas.openxmlformats.org/officeDocument/2006/math" xmlns="" val="1"/>
               </a:ext>
             </a:extLst>
           </p:spPr>
@@ -6900,7 +6753,7 @@
             <a:effectLst/>
             <a:extLst>
               <a:ext uri="{C572A759-6A51-4108-AA02-DFA0A04FC94B}">
-                <ma14:wrappingTextBoxFlag xmlns="" xmlns:m="http://schemas.openxmlformats.org/officeDocument/2006/math" xmlns:a14="http://schemas.microsoft.com/office/drawing/2010/main" xmlns:ma14="http://schemas.microsoft.com/office/mac/drawingml/2011/main" val="1"/>
+                <ma14:wrappingTextBoxFlag xmlns:ma14="http://schemas.microsoft.com/office/mac/drawingml/2011/main" xmlns:a14="http://schemas.microsoft.com/office/drawing/2010/main" xmlns:m="http://schemas.openxmlformats.org/officeDocument/2006/math" xmlns="" val="1"/>
               </a:ext>
             </a:extLst>
           </p:spPr>
@@ -7330,7 +7183,7 @@
             <a:effectLst/>
             <a:extLst>
               <a:ext uri="{C572A759-6A51-4108-AA02-DFA0A04FC94B}">
-                <ma14:wrappingTextBoxFlag xmlns="" xmlns:m="http://schemas.openxmlformats.org/officeDocument/2006/math" xmlns:a14="http://schemas.microsoft.com/office/drawing/2010/main" xmlns:ma14="http://schemas.microsoft.com/office/mac/drawingml/2011/main" val="1"/>
+                <ma14:wrappingTextBoxFlag xmlns:ma14="http://schemas.microsoft.com/office/mac/drawingml/2011/main" xmlns:a14="http://schemas.microsoft.com/office/drawing/2010/main" xmlns:m="http://schemas.openxmlformats.org/officeDocument/2006/math" xmlns="" val="1"/>
               </a:ext>
             </a:extLst>
           </p:spPr>
@@ -7859,7 +7712,7 @@
             <a:effectLst/>
             <a:extLst>
               <a:ext uri="{C572A759-6A51-4108-AA02-DFA0A04FC94B}">
-                <ma14:wrappingTextBoxFlag xmlns="" xmlns:m="http://schemas.openxmlformats.org/officeDocument/2006/math" xmlns:a14="http://schemas.microsoft.com/office/drawing/2010/main" xmlns:ma14="http://schemas.microsoft.com/office/mac/drawingml/2011/main" val="1"/>
+                <ma14:wrappingTextBoxFlag xmlns:ma14="http://schemas.microsoft.com/office/mac/drawingml/2011/main" xmlns:a14="http://schemas.microsoft.com/office/drawing/2010/main" xmlns:m="http://schemas.openxmlformats.org/officeDocument/2006/math" xmlns="" val="1"/>
               </a:ext>
             </a:extLst>
           </p:spPr>
@@ -8665,7 +8518,7 @@
             <a:effectLst/>
             <a:extLst>
               <a:ext uri="{C572A759-6A51-4108-AA02-DFA0A04FC94B}">
-                <ma14:wrappingTextBoxFlag xmlns="" xmlns:m="http://schemas.openxmlformats.org/officeDocument/2006/math" xmlns:a14="http://schemas.microsoft.com/office/drawing/2010/main" xmlns:ma14="http://schemas.microsoft.com/office/mac/drawingml/2011/main" val="1"/>
+                <ma14:wrappingTextBoxFlag xmlns:ma14="http://schemas.microsoft.com/office/mac/drawingml/2011/main" xmlns:a14="http://schemas.microsoft.com/office/drawing/2010/main" xmlns:m="http://schemas.openxmlformats.org/officeDocument/2006/math" xmlns="" val="1"/>
               </a:ext>
             </a:extLst>
           </p:spPr>
@@ -8852,13 +8705,13 @@
           <p:nvPr>
             <p:extLst>
               <p:ext uri="{D42A27DB-BD31-4B8C-83A1-F6EECF244321}">
-                <p14:modId xmlns:p14="http://schemas.microsoft.com/office/powerpoint/2010/main" val="935515072"/>
+                <p14:modId xmlns:p14="http://schemas.microsoft.com/office/powerpoint/2010/main" val="798581200"/>
               </p:ext>
             </p:extLst>
           </p:nvPr>
         </p:nvGraphicFramePr>
         <p:xfrm>
-          <a:off x="245865" y="7381911"/>
+          <a:off x="245865" y="7226046"/>
           <a:ext cx="360000" cy="457200"/>
         </p:xfrm>
         <a:graphic>
@@ -9539,13 +9392,13 @@
           <p:nvPr>
             <p:extLst>
               <p:ext uri="{D42A27DB-BD31-4B8C-83A1-F6EECF244321}">
-                <p14:modId xmlns:p14="http://schemas.microsoft.com/office/powerpoint/2010/main" val="1077777283"/>
+                <p14:modId xmlns:p14="http://schemas.microsoft.com/office/powerpoint/2010/main" val="1845501818"/>
               </p:ext>
             </p:extLst>
           </p:nvPr>
         </p:nvGraphicFramePr>
         <p:xfrm>
-          <a:off x="275721" y="5560353"/>
+          <a:off x="275721" y="5404488"/>
           <a:ext cx="288000" cy="360000"/>
         </p:xfrm>
         <a:graphic>
@@ -11269,6 +11122,393 @@
           </a:graphicData>
         </a:graphic>
       </p:graphicFrame>
+      <p:sp>
+        <p:nvSpPr>
+          <p:cNvPr id="3" name="Rectangle 1">
+            <a:extLst>
+              <a:ext uri="{FF2B5EF4-FFF2-40B4-BE49-F238E27FC236}">
+                <a16:creationId xmlns:a16="http://schemas.microsoft.com/office/drawing/2014/main" id="{0E7B2BE6-4595-494E-9F0A-436733FCCC62}"/>
+              </a:ext>
+            </a:extLst>
+          </p:cNvPr>
+          <p:cNvSpPr>
+            <a:spLocks noChangeArrowheads="1"/>
+          </p:cNvSpPr>
+          <p:nvPr/>
+        </p:nvSpPr>
+        <p:spPr bwMode="auto">
+          <a:xfrm>
+            <a:off x="0" y="0"/>
+            <a:ext cx="13970000" cy="457200"/>
+          </a:xfrm>
+          <a:prstGeom prst="rect">
+            <a:avLst/>
+          </a:prstGeom>
+          <a:noFill/>
+          <a:ln>
+            <a:noFill/>
+          </a:ln>
+          <a:effectLst/>
+          <a:extLst>
+            <a:ext uri="{909E8E84-426E-40DD-AFC4-6F175D3DCCD1}">
+              <a14:hiddenFill xmlns:a14="http://schemas.microsoft.com/office/drawing/2010/main">
+                <a:solidFill>
+                  <a:schemeClr val="accent1"/>
+                </a:solidFill>
+              </a14:hiddenFill>
+            </a:ext>
+            <a:ext uri="{91240B29-F687-4F45-9708-019B960494DF}">
+              <a14:hiddenLine xmlns:a14="http://schemas.microsoft.com/office/drawing/2010/main" w="9525">
+                <a:solidFill>
+                  <a:schemeClr val="tx1"/>
+                </a:solidFill>
+                <a:miter lim="800000"/>
+                <a:headEnd/>
+                <a:tailEnd/>
+              </a14:hiddenLine>
+            </a:ext>
+            <a:ext uri="{AF507438-7753-43E0-B8FC-AC1667EBCBE1}">
+              <a14:hiddenEffects xmlns:a14="http://schemas.microsoft.com/office/drawing/2010/main">
+                <a:effectLst>
+                  <a:outerShdw dist="35921" dir="2700000" algn="ctr" rotWithShape="0">
+                    <a:schemeClr val="bg2"/>
+                  </a:outerShdw>
+                </a:effectLst>
+              </a14:hiddenEffects>
+            </a:ext>
+          </a:extLst>
+        </p:spPr>
+        <p:txBody>
+          <a:bodyPr vert="horz" wrap="none" lIns="91440" tIns="45720" rIns="91440" bIns="45720" numCol="1" anchor="ctr" anchorCtr="0" compatLnSpc="1">
+            <a:prstTxWarp prst="textNoShape">
+              <a:avLst/>
+            </a:prstTxWarp>
+            <a:spAutoFit/>
+          </a:bodyPr>
+          <a:lstStyle/>
+          <a:p>
+            <a:pPr marL="0" marR="0" lvl="0" indent="0" algn="l" defTabSz="914400" rtl="0" eaLnBrk="0" fontAlgn="base" latinLnBrk="0" hangingPunct="0">
+              <a:lnSpc>
+                <a:spcPct val="100000"/>
+              </a:lnSpc>
+              <a:spcBef>
+                <a:spcPct val="0"/>
+              </a:spcBef>
+              <a:spcAft>
+                <a:spcPct val="0"/>
+              </a:spcAft>
+              <a:buClrTx/>
+              <a:buSzTx/>
+              <a:buFontTx/>
+              <a:buNone/>
+              <a:tabLst/>
+            </a:pPr>
+            <a:r>
+              <a:rPr kumimoji="0" lang="fr-FR" altLang="fr-FR" sz="900" b="0" i="0" u="none" strike="noStrike" cap="none" normalizeH="0" baseline="0">
+                <a:ln>
+                  <a:noFill/>
+                </a:ln>
+                <a:solidFill>
+                  <a:srgbClr val="000000"/>
+                </a:solidFill>
+                <a:effectLst/>
+                <a:latin typeface="Arial Unicode MS" panose="020B0604020202020204" pitchFamily="34" charset="-128"/>
+              </a:rPr>
+              <a:t>deactivate </a:t>
+            </a:r>
+            <a:endParaRPr kumimoji="0" lang="fr-FR" altLang="fr-FR" sz="1800" b="0" i="0" u="none" strike="noStrike" cap="none" normalizeH="0" baseline="0">
+              <a:ln>
+                <a:noFill/>
+              </a:ln>
+              <a:solidFill>
+                <a:schemeClr val="tx1"/>
+              </a:solidFill>
+              <a:effectLst/>
+              <a:latin typeface="Arial" panose="020B0604020202020204" pitchFamily="34" charset="0"/>
+            </a:endParaRPr>
+          </a:p>
+        </p:txBody>
+      </p:sp>
+      <p:sp>
+        <p:nvSpPr>
+          <p:cNvPr id="72" name="ZoneTexte 71">
+            <a:extLst>
+              <a:ext uri="{FF2B5EF4-FFF2-40B4-BE49-F238E27FC236}">
+                <a16:creationId xmlns:a16="http://schemas.microsoft.com/office/drawing/2014/main" id="{C88ABDBE-D6FA-4887-AB04-A27034E636CA}"/>
+              </a:ext>
+            </a:extLst>
+          </p:cNvPr>
+          <p:cNvSpPr txBox="1"/>
+          <p:nvPr/>
+        </p:nvSpPr>
+        <p:spPr>
+          <a:xfrm>
+            <a:off x="746912" y="9325496"/>
+            <a:ext cx="3716807" cy="1054054"/>
+          </a:xfrm>
+          <a:prstGeom prst="rect">
+            <a:avLst/>
+          </a:prstGeom>
+          <a:noFill/>
+          <a:ln w="12700" cap="flat">
+            <a:noFill/>
+            <a:miter lim="400000"/>
+          </a:ln>
+          <a:effectLst/>
+          <a:sp3d/>
+        </p:spPr>
+        <p:style>
+          <a:lnRef idx="0">
+            <a:scrgbClr r="0" g="0" b="0"/>
+          </a:lnRef>
+          <a:fillRef idx="0">
+            <a:scrgbClr r="0" g="0" b="0"/>
+          </a:fillRef>
+          <a:effectRef idx="0">
+            <a:scrgbClr r="0" g="0" b="0"/>
+          </a:effectRef>
+          <a:fontRef idx="none"/>
+        </p:style>
+        <p:txBody>
+          <a:bodyPr rot="0" spcFirstLastPara="1" vertOverflow="overflow" horzOverflow="overflow" vert="horz" wrap="square" lIns="0" tIns="54570" rIns="54570" bIns="54570" numCol="1" spcCol="38100" rtlCol="0" anchor="t" anchorCtr="0">
+            <a:spAutoFit/>
+          </a:bodyPr>
+          <a:lstStyle/>
+          <a:p>
+            <a:pPr>
+              <a:spcBef>
+                <a:spcPts val="0"/>
+              </a:spcBef>
+              <a:spcAft>
+                <a:spcPts val="800"/>
+              </a:spcAft>
+            </a:pPr>
+            <a:r>
+              <a:rPr lang="en-GB" b="0" dirty="0">
+                <a:solidFill>
+                  <a:srgbClr val="000000"/>
+                </a:solidFill>
+              </a:rPr>
+              <a:t>df %&gt;% </a:t>
+            </a:r>
+            <a:r>
+              <a:rPr lang="en-GB" dirty="0" err="1">
+                <a:solidFill>
+                  <a:srgbClr val="000000"/>
+                </a:solidFill>
+              </a:rPr>
+              <a:t>look_for</a:t>
+            </a:r>
+            <a:r>
+              <a:rPr lang="en-GB" b="0" dirty="0">
+                <a:solidFill>
+                  <a:srgbClr val="000000"/>
+                </a:solidFill>
+              </a:rPr>
+              <a:t>() </a:t>
+            </a:r>
+            <a:br>
+              <a:rPr lang="en-GB" b="0" dirty="0">
+                <a:solidFill>
+                  <a:srgbClr val="000000"/>
+                </a:solidFill>
+              </a:rPr>
+            </a:br>
+            <a:r>
+              <a:rPr lang="en-GB" b="0" dirty="0">
+                <a:solidFill>
+                  <a:srgbClr val="000000"/>
+                </a:solidFill>
+              </a:rPr>
+              <a:t>Return a data frame with all variable names and labels</a:t>
+            </a:r>
+          </a:p>
+          <a:p>
+            <a:pPr>
+              <a:spcBef>
+                <a:spcPts val="0"/>
+              </a:spcBef>
+              <a:spcAft>
+                <a:spcPts val="800"/>
+              </a:spcAft>
+            </a:pPr>
+            <a:r>
+              <a:rPr lang="en-GB" b="0" dirty="0">
+                <a:solidFill>
+                  <a:srgbClr val="000000"/>
+                </a:solidFill>
+              </a:rPr>
+              <a:t>df %&gt;% </a:t>
+            </a:r>
+            <a:r>
+              <a:rPr lang="en-GB" dirty="0" err="1">
+                <a:solidFill>
+                  <a:srgbClr val="000000"/>
+                </a:solidFill>
+              </a:rPr>
+              <a:t>look_for</a:t>
+            </a:r>
+            <a:r>
+              <a:rPr lang="en-GB" b="0" dirty="0">
+                <a:solidFill>
+                  <a:srgbClr val="000000"/>
+                </a:solidFill>
+              </a:rPr>
+              <a:t>("s")</a:t>
+            </a:r>
+            <a:br>
+              <a:rPr lang="en-GB" b="0" dirty="0">
+                <a:solidFill>
+                  <a:srgbClr val="000000"/>
+                </a:solidFill>
+              </a:rPr>
+            </a:br>
+            <a:r>
+              <a:rPr lang="en-GB" b="0" dirty="0">
+                <a:solidFill>
+                  <a:srgbClr val="000000"/>
+                </a:solidFill>
+              </a:rPr>
+              <a:t>Search variables containing "s" in their name or label</a:t>
+            </a:r>
+          </a:p>
+        </p:txBody>
+      </p:sp>
+      <p:grpSp>
+        <p:nvGrpSpPr>
+          <p:cNvPr id="73" name="Group">
+            <a:extLst>
+              <a:ext uri="{FF2B5EF4-FFF2-40B4-BE49-F238E27FC236}">
+                <a16:creationId xmlns:a16="http://schemas.microsoft.com/office/drawing/2014/main" id="{79C6EDCD-D5AE-4C25-848E-921386A9A804}"/>
+              </a:ext>
+            </a:extLst>
+          </p:cNvPr>
+          <p:cNvGrpSpPr/>
+          <p:nvPr/>
+        </p:nvGrpSpPr>
+        <p:grpSpPr>
+          <a:xfrm>
+            <a:off x="213250" y="8976455"/>
+            <a:ext cx="4346834" cy="365653"/>
+            <a:chOff x="-1" y="20678"/>
+            <a:chExt cx="2815851" cy="365652"/>
+          </a:xfrm>
+        </p:grpSpPr>
+        <p:sp>
+          <p:nvSpPr>
+            <p:cNvPr id="76" name="Title">
+              <a:extLst>
+                <a:ext uri="{FF2B5EF4-FFF2-40B4-BE49-F238E27FC236}">
+                  <a16:creationId xmlns:a16="http://schemas.microsoft.com/office/drawing/2014/main" id="{6E661901-D459-42B7-9075-83BA41D3862C}"/>
+                </a:ext>
+              </a:extLst>
+            </p:cNvPr>
+            <p:cNvSpPr txBox="1"/>
+            <p:nvPr/>
+          </p:nvSpPr>
+          <p:spPr>
+            <a:xfrm>
+              <a:off x="-1" y="45468"/>
+              <a:ext cx="2733809" cy="340862"/>
+            </a:xfrm>
+            <a:prstGeom prst="rect">
+              <a:avLst/>
+            </a:prstGeom>
+            <a:noFill/>
+            <a:ln w="12700" cap="flat">
+              <a:noFill/>
+              <a:miter lim="400000"/>
+            </a:ln>
+            <a:effectLst/>
+            <a:extLst>
+              <a:ext uri="{C572A759-6A51-4108-AA02-DFA0A04FC94B}">
+                <ma14:wrappingTextBoxFlag xmlns:ma14="http://schemas.microsoft.com/office/mac/drawingml/2011/main" xmlns:a14="http://schemas.microsoft.com/office/drawing/2010/main" xmlns:m="http://schemas.openxmlformats.org/officeDocument/2006/math" xmlns="" val="1"/>
+              </a:ext>
+            </a:extLst>
+          </p:spPr>
+          <p:txBody>
+            <a:bodyPr wrap="square" lIns="12700" tIns="12700" rIns="12700" bIns="12700" numCol="1" anchor="ctr">
+              <a:spAutoFit/>
+            </a:bodyPr>
+            <a:lstStyle/>
+            <a:p>
+              <a:pPr lvl="1" indent="0">
+                <a:lnSpc>
+                  <a:spcPct val="80000"/>
+                </a:lnSpc>
+                <a:spcBef>
+                  <a:spcPts val="0"/>
+                </a:spcBef>
+                <a:defRPr sz="2500" b="0">
+                  <a:solidFill>
+                    <a:srgbClr val="628DB5"/>
+                  </a:solidFill>
+                </a:defRPr>
+              </a:pPr>
+              <a:r>
+                <a:rPr lang="en-GB" sz="2500" dirty="0"/>
+                <a:t>Searching variable / Dictionary</a:t>
+              </a:r>
+              <a:endParaRPr lang="en-GB" sz="2500" b="0" dirty="0">
+                <a:latin typeface="FontAwesome" pitchFamily="2" charset="0"/>
+              </a:endParaRPr>
+            </a:p>
+          </p:txBody>
+        </p:sp>
+        <p:sp>
+          <p:nvSpPr>
+            <p:cNvPr id="77" name="Line">
+              <a:extLst>
+                <a:ext uri="{FF2B5EF4-FFF2-40B4-BE49-F238E27FC236}">
+                  <a16:creationId xmlns:a16="http://schemas.microsoft.com/office/drawing/2014/main" id="{40EECD9F-5E44-4301-9272-8077CA369152}"/>
+                </a:ext>
+              </a:extLst>
+            </p:cNvPr>
+            <p:cNvSpPr/>
+            <p:nvPr/>
+          </p:nvSpPr>
+          <p:spPr>
+            <a:xfrm>
+              <a:off x="17118" y="20678"/>
+              <a:ext cx="2798732" cy="1"/>
+            </a:xfrm>
+            <a:prstGeom prst="line">
+              <a:avLst/>
+            </a:prstGeom>
+            <a:noFill/>
+            <a:ln w="12700" cap="flat">
+              <a:solidFill>
+                <a:srgbClr val="E4E4E3"/>
+              </a:solidFill>
+              <a:prstDash val="solid"/>
+              <a:miter lim="400000"/>
+            </a:ln>
+            <a:effectLst/>
+          </p:spPr>
+          <p:txBody>
+            <a:bodyPr wrap="square" lIns="54570" tIns="54570" rIns="54570" bIns="54570" numCol="1" anchor="ctr">
+              <a:noAutofit/>
+            </a:bodyPr>
+            <a:lstStyle/>
+            <a:p>
+              <a:pPr>
+                <a:lnSpc>
+                  <a:spcPct val="80000"/>
+                </a:lnSpc>
+                <a:spcBef>
+                  <a:spcPts val="600"/>
+                </a:spcBef>
+                <a:defRPr b="0">
+                  <a:solidFill>
+                    <a:srgbClr val="000000"/>
+                  </a:solidFill>
+                </a:defRPr>
+              </a:pPr>
+              <a:endParaRPr/>
+            </a:p>
+          </p:txBody>
+        </p:sp>
+      </p:grpSp>
     </p:spTree>
   </p:cSld>
   <p:clrMapOvr>
@@ -12358,7 +12598,7 @@
           </a:ln>
           <a:extLst>
             <a:ext uri="{C572A759-6A51-4108-AA02-DFA0A04FC94B}">
-              <ma14:wrappingTextBoxFlag xmlns="" xmlns:m="http://schemas.openxmlformats.org/officeDocument/2006/math" xmlns:a14="http://schemas.microsoft.com/office/drawing/2010/main" xmlns:ma14="http://schemas.microsoft.com/office/mac/drawingml/2011/main" val="1"/>
+              <ma14:wrappingTextBoxFlag xmlns:ma14="http://schemas.microsoft.com/office/mac/drawingml/2011/main" xmlns:a14="http://schemas.microsoft.com/office/drawing/2010/main" xmlns:m="http://schemas.openxmlformats.org/officeDocument/2006/math" xmlns="" val="1"/>
             </a:ext>
           </a:extLst>
         </p:spPr>
@@ -12394,7 +12634,7 @@
             </a:r>
             <a:r>
               <a:rPr lang="en-US" dirty="0"/>
-              <a:t> •  labelled version  2.5.0 •  Updated: 2020-06</a:t>
+              <a:t> •  labelled version  2.6.0 •  Updated: 2020-09</a:t>
             </a:r>
           </a:p>
         </p:txBody>
@@ -12424,7 +12664,7 @@
           </a:ln>
           <a:extLst>
             <a:ext uri="{C572A759-6A51-4108-AA02-DFA0A04FC94B}">
-              <ma14:wrappingTextBoxFlag xmlns="" xmlns:m="http://schemas.openxmlformats.org/officeDocument/2006/math" xmlns:a14="http://schemas.microsoft.com/office/drawing/2010/main" xmlns:ma14="http://schemas.microsoft.com/office/mac/drawingml/2011/main" val="1"/>
+              <ma14:wrappingTextBoxFlag xmlns:ma14="http://schemas.microsoft.com/office/mac/drawingml/2011/main" xmlns:a14="http://schemas.microsoft.com/office/drawing/2010/main" xmlns:m="http://schemas.openxmlformats.org/officeDocument/2006/math" xmlns="" val="1"/>
             </a:ext>
           </a:extLst>
         </p:spPr>
@@ -12754,7 +12994,7 @@
             <a:effectLst/>
             <a:extLst>
               <a:ext uri="{C572A759-6A51-4108-AA02-DFA0A04FC94B}">
-                <ma14:wrappingTextBoxFlag xmlns="" xmlns:m="http://schemas.openxmlformats.org/officeDocument/2006/math" xmlns:a14="http://schemas.microsoft.com/office/drawing/2010/main" xmlns:ma14="http://schemas.microsoft.com/office/mac/drawingml/2011/main" val="1"/>
+                <ma14:wrappingTextBoxFlag xmlns:ma14="http://schemas.microsoft.com/office/mac/drawingml/2011/main" xmlns:a14="http://schemas.microsoft.com/office/drawing/2010/main" xmlns:m="http://schemas.openxmlformats.org/officeDocument/2006/math" xmlns="" val="1"/>
               </a:ext>
             </a:extLst>
           </p:spPr>
@@ -13164,7 +13404,7 @@
             <a:effectLst/>
             <a:extLst>
               <a:ext uri="{C572A759-6A51-4108-AA02-DFA0A04FC94B}">
-                <ma14:wrappingTextBoxFlag xmlns="" xmlns:m="http://schemas.openxmlformats.org/officeDocument/2006/math" xmlns:a14="http://schemas.microsoft.com/office/drawing/2010/main" xmlns:ma14="http://schemas.microsoft.com/office/mac/drawingml/2011/main" val="1"/>
+                <ma14:wrappingTextBoxFlag xmlns:ma14="http://schemas.microsoft.com/office/mac/drawingml/2011/main" xmlns:a14="http://schemas.microsoft.com/office/drawing/2010/main" xmlns:m="http://schemas.openxmlformats.org/officeDocument/2006/math" xmlns="" val="1"/>
               </a:ext>
             </a:extLst>
           </p:spPr>
@@ -13287,7 +13527,7 @@
             <a:effectLst/>
             <a:extLst>
               <a:ext uri="{C572A759-6A51-4108-AA02-DFA0A04FC94B}">
-                <ma14:wrappingTextBoxFlag xmlns="" xmlns:m="http://schemas.openxmlformats.org/officeDocument/2006/math" xmlns:a14="http://schemas.microsoft.com/office/drawing/2010/main" xmlns:ma14="http://schemas.microsoft.com/office/mac/drawingml/2011/main" val="1"/>
+                <ma14:wrappingTextBoxFlag xmlns:ma14="http://schemas.microsoft.com/office/mac/drawingml/2011/main" xmlns:a14="http://schemas.microsoft.com/office/drawing/2010/main" xmlns:m="http://schemas.openxmlformats.org/officeDocument/2006/math" xmlns="" val="1"/>
               </a:ext>
             </a:extLst>
           </p:spPr>
@@ -15673,7 +15913,7 @@
             <a:effectLst/>
             <a:extLst>
               <a:ext uri="{C572A759-6A51-4108-AA02-DFA0A04FC94B}">
-                <ma14:wrappingTextBoxFlag xmlns="" xmlns:m="http://schemas.openxmlformats.org/officeDocument/2006/math" xmlns:a14="http://schemas.microsoft.com/office/drawing/2010/main" xmlns:ma14="http://schemas.microsoft.com/office/mac/drawingml/2011/main" val="1"/>
+                <ma14:wrappingTextBoxFlag xmlns:ma14="http://schemas.microsoft.com/office/mac/drawingml/2011/main" xmlns:a14="http://schemas.microsoft.com/office/drawing/2010/main" xmlns:m="http://schemas.openxmlformats.org/officeDocument/2006/math" xmlns="" val="1"/>
               </a:ext>
             </a:extLst>
           </p:spPr>

--- a/cheatsheet/labelled_cheatsheet.pptx
+++ b/cheatsheet/labelled_cheatsheet.pptx
@@ -2273,7 +2273,7 @@
           </a:ln>
           <a:extLst>
             <a:ext uri="{C572A759-6A51-4108-AA02-DFA0A04FC94B}">
-              <ma14:wrappingTextBoxFlag xmlns:ma14="http://schemas.microsoft.com/office/mac/drawingml/2011/main" xmlns:a14="http://schemas.microsoft.com/office/drawing/2010/main" xmlns:m="http://schemas.openxmlformats.org/officeDocument/2006/math" xmlns="" val="1"/>
+              <ma14:wrappingTextBoxFlag xmlns="" xmlns:m="http://schemas.openxmlformats.org/officeDocument/2006/math" xmlns:a14="http://schemas.microsoft.com/office/drawing/2010/main" xmlns:ma14="http://schemas.microsoft.com/office/mac/drawingml/2011/main" val="1"/>
             </a:ext>
           </a:extLst>
         </p:spPr>
@@ -2312,7 +2312,7 @@
           </a:ln>
           <a:extLst>
             <a:ext uri="{C572A759-6A51-4108-AA02-DFA0A04FC94B}">
-              <ma14:wrappingTextBoxFlag xmlns:ma14="http://schemas.microsoft.com/office/mac/drawingml/2011/main" xmlns:a14="http://schemas.microsoft.com/office/drawing/2010/main" xmlns:m="http://schemas.openxmlformats.org/officeDocument/2006/math" xmlns="" val="1"/>
+              <ma14:wrappingTextBoxFlag xmlns="" xmlns:m="http://schemas.openxmlformats.org/officeDocument/2006/math" xmlns:a14="http://schemas.microsoft.com/office/drawing/2010/main" xmlns:ma14="http://schemas.microsoft.com/office/mac/drawingml/2011/main" val="1"/>
             </a:ext>
           </a:extLst>
         </p:spPr>
@@ -4291,7 +4291,7 @@
           </a:ln>
           <a:extLst>
             <a:ext uri="{C572A759-6A51-4108-AA02-DFA0A04FC94B}">
-              <ma14:wrappingTextBoxFlag xmlns:ma14="http://schemas.microsoft.com/office/mac/drawingml/2011/main" xmlns:a14="http://schemas.microsoft.com/office/drawing/2010/main" xmlns:m="http://schemas.openxmlformats.org/officeDocument/2006/math" xmlns="" val="1"/>
+              <ma14:wrappingTextBoxFlag xmlns="" xmlns:m="http://schemas.openxmlformats.org/officeDocument/2006/math" xmlns:a14="http://schemas.microsoft.com/office/drawing/2010/main" xmlns:ma14="http://schemas.microsoft.com/office/mac/drawingml/2011/main" val="1"/>
             </a:ext>
           </a:extLst>
         </p:spPr>
@@ -4557,7 +4557,7 @@
           </a:ln>
           <a:extLst>
             <a:ext uri="{C572A759-6A51-4108-AA02-DFA0A04FC94B}">
-              <ma14:wrappingTextBoxFlag xmlns:ma14="http://schemas.microsoft.com/office/mac/drawingml/2011/main" xmlns:a14="http://schemas.microsoft.com/office/drawing/2010/main" xmlns:m="http://schemas.openxmlformats.org/officeDocument/2006/math" xmlns="" val="1"/>
+              <ma14:wrappingTextBoxFlag xmlns="" xmlns:m="http://schemas.openxmlformats.org/officeDocument/2006/math" xmlns:a14="http://schemas.microsoft.com/office/drawing/2010/main" xmlns:ma14="http://schemas.microsoft.com/office/mac/drawingml/2011/main" val="1"/>
             </a:ext>
           </a:extLst>
         </p:spPr>
@@ -4683,7 +4683,7 @@
             <a:effectLst/>
             <a:extLst>
               <a:ext uri="{C572A759-6A51-4108-AA02-DFA0A04FC94B}">
-                <ma14:wrappingTextBoxFlag xmlns:ma14="http://schemas.microsoft.com/office/mac/drawingml/2011/main" xmlns:a14="http://schemas.microsoft.com/office/drawing/2010/main" xmlns:m="http://schemas.openxmlformats.org/officeDocument/2006/math" xmlns="" val="1"/>
+                <ma14:wrappingTextBoxFlag xmlns="" xmlns:m="http://schemas.openxmlformats.org/officeDocument/2006/math" xmlns:a14="http://schemas.microsoft.com/office/drawing/2010/main" xmlns:ma14="http://schemas.microsoft.com/office/mac/drawingml/2011/main" val="1"/>
               </a:ext>
             </a:extLst>
           </p:spPr>
@@ -5486,7 +5486,7 @@
             <a:effectLst/>
             <a:extLst>
               <a:ext uri="{C572A759-6A51-4108-AA02-DFA0A04FC94B}">
-                <ma14:wrappingTextBoxFlag xmlns:ma14="http://schemas.microsoft.com/office/mac/drawingml/2011/main" xmlns:a14="http://schemas.microsoft.com/office/drawing/2010/main" xmlns:m="http://schemas.openxmlformats.org/officeDocument/2006/math" xmlns="" val="1"/>
+                <ma14:wrappingTextBoxFlag xmlns="" xmlns:m="http://schemas.openxmlformats.org/officeDocument/2006/math" xmlns:a14="http://schemas.microsoft.com/office/drawing/2010/main" xmlns:ma14="http://schemas.microsoft.com/office/mac/drawingml/2011/main" val="1"/>
               </a:ext>
             </a:extLst>
           </p:spPr>
@@ -5609,7 +5609,7 @@
             <a:effectLst/>
             <a:extLst>
               <a:ext uri="{C572A759-6A51-4108-AA02-DFA0A04FC94B}">
-                <ma14:wrappingTextBoxFlag xmlns:ma14="http://schemas.microsoft.com/office/mac/drawingml/2011/main" xmlns:a14="http://schemas.microsoft.com/office/drawing/2010/main" xmlns:m="http://schemas.openxmlformats.org/officeDocument/2006/math" xmlns="" val="1"/>
+                <ma14:wrappingTextBoxFlag xmlns="" xmlns:m="http://schemas.openxmlformats.org/officeDocument/2006/math" xmlns:a14="http://schemas.microsoft.com/office/drawing/2010/main" xmlns:ma14="http://schemas.microsoft.com/office/mac/drawingml/2011/main" val="1"/>
               </a:ext>
             </a:extLst>
           </p:spPr>
@@ -5994,7 +5994,7 @@
             <a:effectLst/>
             <a:extLst>
               <a:ext uri="{C572A759-6A51-4108-AA02-DFA0A04FC94B}">
-                <ma14:wrappingTextBoxFlag xmlns:ma14="http://schemas.microsoft.com/office/mac/drawingml/2011/main" xmlns:a14="http://schemas.microsoft.com/office/drawing/2010/main" xmlns:m="http://schemas.openxmlformats.org/officeDocument/2006/math" xmlns="" val="1"/>
+                <ma14:wrappingTextBoxFlag xmlns="" xmlns:m="http://schemas.openxmlformats.org/officeDocument/2006/math" xmlns:a14="http://schemas.microsoft.com/office/drawing/2010/main" xmlns:ma14="http://schemas.microsoft.com/office/mac/drawingml/2011/main" val="1"/>
               </a:ext>
             </a:extLst>
           </p:spPr>
@@ -6630,7 +6630,7 @@
             <a:effectLst/>
             <a:extLst>
               <a:ext uri="{C572A759-6A51-4108-AA02-DFA0A04FC94B}">
-                <ma14:wrappingTextBoxFlag xmlns:ma14="http://schemas.microsoft.com/office/mac/drawingml/2011/main" xmlns:a14="http://schemas.microsoft.com/office/drawing/2010/main" xmlns:m="http://schemas.openxmlformats.org/officeDocument/2006/math" xmlns="" val="1"/>
+                <ma14:wrappingTextBoxFlag xmlns="" xmlns:m="http://schemas.openxmlformats.org/officeDocument/2006/math" xmlns:a14="http://schemas.microsoft.com/office/drawing/2010/main" xmlns:ma14="http://schemas.microsoft.com/office/mac/drawingml/2011/main" val="1"/>
               </a:ext>
             </a:extLst>
           </p:spPr>
@@ -6753,7 +6753,7 @@
             <a:effectLst/>
             <a:extLst>
               <a:ext uri="{C572A759-6A51-4108-AA02-DFA0A04FC94B}">
-                <ma14:wrappingTextBoxFlag xmlns:ma14="http://schemas.microsoft.com/office/mac/drawingml/2011/main" xmlns:a14="http://schemas.microsoft.com/office/drawing/2010/main" xmlns:m="http://schemas.openxmlformats.org/officeDocument/2006/math" xmlns="" val="1"/>
+                <ma14:wrappingTextBoxFlag xmlns="" xmlns:m="http://schemas.openxmlformats.org/officeDocument/2006/math" xmlns:a14="http://schemas.microsoft.com/office/drawing/2010/main" xmlns:ma14="http://schemas.microsoft.com/office/mac/drawingml/2011/main" val="1"/>
               </a:ext>
             </a:extLst>
           </p:spPr>
@@ -7183,7 +7183,7 @@
             <a:effectLst/>
             <a:extLst>
               <a:ext uri="{C572A759-6A51-4108-AA02-DFA0A04FC94B}">
-                <ma14:wrappingTextBoxFlag xmlns:ma14="http://schemas.microsoft.com/office/mac/drawingml/2011/main" xmlns:a14="http://schemas.microsoft.com/office/drawing/2010/main" xmlns:m="http://schemas.openxmlformats.org/officeDocument/2006/math" xmlns="" val="1"/>
+                <ma14:wrappingTextBoxFlag xmlns="" xmlns:m="http://schemas.openxmlformats.org/officeDocument/2006/math" xmlns:a14="http://schemas.microsoft.com/office/drawing/2010/main" xmlns:ma14="http://schemas.microsoft.com/office/mac/drawingml/2011/main" val="1"/>
               </a:ext>
             </a:extLst>
           </p:spPr>
@@ -7712,7 +7712,7 @@
             <a:effectLst/>
             <a:extLst>
               <a:ext uri="{C572A759-6A51-4108-AA02-DFA0A04FC94B}">
-                <ma14:wrappingTextBoxFlag xmlns:ma14="http://schemas.microsoft.com/office/mac/drawingml/2011/main" xmlns:a14="http://schemas.microsoft.com/office/drawing/2010/main" xmlns:m="http://schemas.openxmlformats.org/officeDocument/2006/math" xmlns="" val="1"/>
+                <ma14:wrappingTextBoxFlag xmlns="" xmlns:m="http://schemas.openxmlformats.org/officeDocument/2006/math" xmlns:a14="http://schemas.microsoft.com/office/drawing/2010/main" xmlns:ma14="http://schemas.microsoft.com/office/mac/drawingml/2011/main" val="1"/>
               </a:ext>
             </a:extLst>
           </p:spPr>
@@ -8518,7 +8518,7 @@
             <a:effectLst/>
             <a:extLst>
               <a:ext uri="{C572A759-6A51-4108-AA02-DFA0A04FC94B}">
-                <ma14:wrappingTextBoxFlag xmlns:ma14="http://schemas.microsoft.com/office/mac/drawingml/2011/main" xmlns:a14="http://schemas.microsoft.com/office/drawing/2010/main" xmlns:m="http://schemas.openxmlformats.org/officeDocument/2006/math" xmlns="" val="1"/>
+                <ma14:wrappingTextBoxFlag xmlns="" xmlns:m="http://schemas.openxmlformats.org/officeDocument/2006/math" xmlns:a14="http://schemas.microsoft.com/office/drawing/2010/main" xmlns:ma14="http://schemas.microsoft.com/office/mac/drawingml/2011/main" val="1"/>
               </a:ext>
             </a:extLst>
           </p:spPr>
@@ -11124,113 +11124,6 @@
       </p:graphicFrame>
       <p:sp>
         <p:nvSpPr>
-          <p:cNvPr id="3" name="Rectangle 1">
-            <a:extLst>
-              <a:ext uri="{FF2B5EF4-FFF2-40B4-BE49-F238E27FC236}">
-                <a16:creationId xmlns:a16="http://schemas.microsoft.com/office/drawing/2014/main" id="{0E7B2BE6-4595-494E-9F0A-436733FCCC62}"/>
-              </a:ext>
-            </a:extLst>
-          </p:cNvPr>
-          <p:cNvSpPr>
-            <a:spLocks noChangeArrowheads="1"/>
-          </p:cNvSpPr>
-          <p:nvPr/>
-        </p:nvSpPr>
-        <p:spPr bwMode="auto">
-          <a:xfrm>
-            <a:off x="0" y="0"/>
-            <a:ext cx="13970000" cy="457200"/>
-          </a:xfrm>
-          <a:prstGeom prst="rect">
-            <a:avLst/>
-          </a:prstGeom>
-          <a:noFill/>
-          <a:ln>
-            <a:noFill/>
-          </a:ln>
-          <a:effectLst/>
-          <a:extLst>
-            <a:ext uri="{909E8E84-426E-40DD-AFC4-6F175D3DCCD1}">
-              <a14:hiddenFill xmlns:a14="http://schemas.microsoft.com/office/drawing/2010/main">
-                <a:solidFill>
-                  <a:schemeClr val="accent1"/>
-                </a:solidFill>
-              </a14:hiddenFill>
-            </a:ext>
-            <a:ext uri="{91240B29-F687-4F45-9708-019B960494DF}">
-              <a14:hiddenLine xmlns:a14="http://schemas.microsoft.com/office/drawing/2010/main" w="9525">
-                <a:solidFill>
-                  <a:schemeClr val="tx1"/>
-                </a:solidFill>
-                <a:miter lim="800000"/>
-                <a:headEnd/>
-                <a:tailEnd/>
-              </a14:hiddenLine>
-            </a:ext>
-            <a:ext uri="{AF507438-7753-43E0-B8FC-AC1667EBCBE1}">
-              <a14:hiddenEffects xmlns:a14="http://schemas.microsoft.com/office/drawing/2010/main">
-                <a:effectLst>
-                  <a:outerShdw dist="35921" dir="2700000" algn="ctr" rotWithShape="0">
-                    <a:schemeClr val="bg2"/>
-                  </a:outerShdw>
-                </a:effectLst>
-              </a14:hiddenEffects>
-            </a:ext>
-          </a:extLst>
-        </p:spPr>
-        <p:txBody>
-          <a:bodyPr vert="horz" wrap="none" lIns="91440" tIns="45720" rIns="91440" bIns="45720" numCol="1" anchor="ctr" anchorCtr="0" compatLnSpc="1">
-            <a:prstTxWarp prst="textNoShape">
-              <a:avLst/>
-            </a:prstTxWarp>
-            <a:spAutoFit/>
-          </a:bodyPr>
-          <a:lstStyle/>
-          <a:p>
-            <a:pPr marL="0" marR="0" lvl="0" indent="0" algn="l" defTabSz="914400" rtl="0" eaLnBrk="0" fontAlgn="base" latinLnBrk="0" hangingPunct="0">
-              <a:lnSpc>
-                <a:spcPct val="100000"/>
-              </a:lnSpc>
-              <a:spcBef>
-                <a:spcPct val="0"/>
-              </a:spcBef>
-              <a:spcAft>
-                <a:spcPct val="0"/>
-              </a:spcAft>
-              <a:buClrTx/>
-              <a:buSzTx/>
-              <a:buFontTx/>
-              <a:buNone/>
-              <a:tabLst/>
-            </a:pPr>
-            <a:r>
-              <a:rPr kumimoji="0" lang="fr-FR" altLang="fr-FR" sz="900" b="0" i="0" u="none" strike="noStrike" cap="none" normalizeH="0" baseline="0">
-                <a:ln>
-                  <a:noFill/>
-                </a:ln>
-                <a:solidFill>
-                  <a:srgbClr val="000000"/>
-                </a:solidFill>
-                <a:effectLst/>
-                <a:latin typeface="Arial Unicode MS" panose="020B0604020202020204" pitchFamily="34" charset="-128"/>
-              </a:rPr>
-              <a:t>deactivate </a:t>
-            </a:r>
-            <a:endParaRPr kumimoji="0" lang="fr-FR" altLang="fr-FR" sz="1800" b="0" i="0" u="none" strike="noStrike" cap="none" normalizeH="0" baseline="0">
-              <a:ln>
-                <a:noFill/>
-              </a:ln>
-              <a:solidFill>
-                <a:schemeClr val="tx1"/>
-              </a:solidFill>
-              <a:effectLst/>
-              <a:latin typeface="Arial" panose="020B0604020202020204" pitchFamily="34" charset="0"/>
-            </a:endParaRPr>
-          </a:p>
-        </p:txBody>
-      </p:sp>
-      <p:sp>
-        <p:nvSpPr>
           <p:cNvPr id="72" name="ZoneTexte 71">
             <a:extLst>
               <a:ext uri="{FF2B5EF4-FFF2-40B4-BE49-F238E27FC236}">
@@ -11422,7 +11315,7 @@
             <a:effectLst/>
             <a:extLst>
               <a:ext uri="{C572A759-6A51-4108-AA02-DFA0A04FC94B}">
-                <ma14:wrappingTextBoxFlag xmlns:ma14="http://schemas.microsoft.com/office/mac/drawingml/2011/main" xmlns:a14="http://schemas.microsoft.com/office/drawing/2010/main" xmlns:m="http://schemas.openxmlformats.org/officeDocument/2006/math" xmlns="" val="1"/>
+                <ma14:wrappingTextBoxFlag xmlns="" xmlns:m="http://schemas.openxmlformats.org/officeDocument/2006/math" xmlns:a14="http://schemas.microsoft.com/office/drawing/2010/main" xmlns:ma14="http://schemas.microsoft.com/office/mac/drawingml/2011/main" val="1"/>
               </a:ext>
             </a:extLst>
           </p:spPr>
@@ -12598,7 +12491,7 @@
           </a:ln>
           <a:extLst>
             <a:ext uri="{C572A759-6A51-4108-AA02-DFA0A04FC94B}">
-              <ma14:wrappingTextBoxFlag xmlns:ma14="http://schemas.microsoft.com/office/mac/drawingml/2011/main" xmlns:a14="http://schemas.microsoft.com/office/drawing/2010/main" xmlns:m="http://schemas.openxmlformats.org/officeDocument/2006/math" xmlns="" val="1"/>
+              <ma14:wrappingTextBoxFlag xmlns="" xmlns:m="http://schemas.openxmlformats.org/officeDocument/2006/math" xmlns:a14="http://schemas.microsoft.com/office/drawing/2010/main" xmlns:ma14="http://schemas.microsoft.com/office/mac/drawingml/2011/main" val="1"/>
             </a:ext>
           </a:extLst>
         </p:spPr>
@@ -12664,7 +12557,7 @@
           </a:ln>
           <a:extLst>
             <a:ext uri="{C572A759-6A51-4108-AA02-DFA0A04FC94B}">
-              <ma14:wrappingTextBoxFlag xmlns:ma14="http://schemas.microsoft.com/office/mac/drawingml/2011/main" xmlns:a14="http://schemas.microsoft.com/office/drawing/2010/main" xmlns:m="http://schemas.openxmlformats.org/officeDocument/2006/math" xmlns="" val="1"/>
+              <ma14:wrappingTextBoxFlag xmlns="" xmlns:m="http://schemas.openxmlformats.org/officeDocument/2006/math" xmlns:a14="http://schemas.microsoft.com/office/drawing/2010/main" xmlns:ma14="http://schemas.microsoft.com/office/mac/drawingml/2011/main" val="1"/>
             </a:ext>
           </a:extLst>
         </p:spPr>
@@ -12994,7 +12887,7 @@
             <a:effectLst/>
             <a:extLst>
               <a:ext uri="{C572A759-6A51-4108-AA02-DFA0A04FC94B}">
-                <ma14:wrappingTextBoxFlag xmlns:ma14="http://schemas.microsoft.com/office/mac/drawingml/2011/main" xmlns:a14="http://schemas.microsoft.com/office/drawing/2010/main" xmlns:m="http://schemas.openxmlformats.org/officeDocument/2006/math" xmlns="" val="1"/>
+                <ma14:wrappingTextBoxFlag xmlns="" xmlns:m="http://schemas.openxmlformats.org/officeDocument/2006/math" xmlns:a14="http://schemas.microsoft.com/office/drawing/2010/main" xmlns:ma14="http://schemas.microsoft.com/office/mac/drawingml/2011/main" val="1"/>
               </a:ext>
             </a:extLst>
           </p:spPr>
@@ -13404,7 +13297,7 @@
             <a:effectLst/>
             <a:extLst>
               <a:ext uri="{C572A759-6A51-4108-AA02-DFA0A04FC94B}">
-                <ma14:wrappingTextBoxFlag xmlns:ma14="http://schemas.microsoft.com/office/mac/drawingml/2011/main" xmlns:a14="http://schemas.microsoft.com/office/drawing/2010/main" xmlns:m="http://schemas.openxmlformats.org/officeDocument/2006/math" xmlns="" val="1"/>
+                <ma14:wrappingTextBoxFlag xmlns="" xmlns:m="http://schemas.openxmlformats.org/officeDocument/2006/math" xmlns:a14="http://schemas.microsoft.com/office/drawing/2010/main" xmlns:ma14="http://schemas.microsoft.com/office/mac/drawingml/2011/main" val="1"/>
               </a:ext>
             </a:extLst>
           </p:spPr>
@@ -13527,7 +13420,7 @@
             <a:effectLst/>
             <a:extLst>
               <a:ext uri="{C572A759-6A51-4108-AA02-DFA0A04FC94B}">
-                <ma14:wrappingTextBoxFlag xmlns:ma14="http://schemas.microsoft.com/office/mac/drawingml/2011/main" xmlns:a14="http://schemas.microsoft.com/office/drawing/2010/main" xmlns:m="http://schemas.openxmlformats.org/officeDocument/2006/math" xmlns="" val="1"/>
+                <ma14:wrappingTextBoxFlag xmlns="" xmlns:m="http://schemas.openxmlformats.org/officeDocument/2006/math" xmlns:a14="http://schemas.microsoft.com/office/drawing/2010/main" xmlns:ma14="http://schemas.microsoft.com/office/mac/drawingml/2011/main" val="1"/>
               </a:ext>
             </a:extLst>
           </p:spPr>
@@ -15913,7 +15806,7 @@
             <a:effectLst/>
             <a:extLst>
               <a:ext uri="{C572A759-6A51-4108-AA02-DFA0A04FC94B}">
-                <ma14:wrappingTextBoxFlag xmlns:ma14="http://schemas.microsoft.com/office/mac/drawingml/2011/main" xmlns:a14="http://schemas.microsoft.com/office/drawing/2010/main" xmlns:m="http://schemas.openxmlformats.org/officeDocument/2006/math" xmlns="" val="1"/>
+                <ma14:wrappingTextBoxFlag xmlns="" xmlns:m="http://schemas.openxmlformats.org/officeDocument/2006/math" xmlns:a14="http://schemas.microsoft.com/office/drawing/2010/main" xmlns:ma14="http://schemas.microsoft.com/office/mac/drawingml/2011/main" val="1"/>
               </a:ext>
             </a:extLst>
           </p:spPr>

--- a/cheatsheet/labelled_cheatsheet.pptx
+++ b/cheatsheet/labelled_cheatsheet.pptx
@@ -2273,7 +2273,7 @@
           </a:ln>
           <a:extLst>
             <a:ext uri="{C572A759-6A51-4108-AA02-DFA0A04FC94B}">
-              <ma14:wrappingTextBoxFlag xmlns="" xmlns:m="http://schemas.openxmlformats.org/officeDocument/2006/math" xmlns:a14="http://schemas.microsoft.com/office/drawing/2010/main" xmlns:ma14="http://schemas.microsoft.com/office/mac/drawingml/2011/main" val="1"/>
+              <ma14:wrappingTextBoxFlag xmlns:ma14="http://schemas.microsoft.com/office/mac/drawingml/2011/main" xmlns:a14="http://schemas.microsoft.com/office/drawing/2010/main" xmlns:m="http://schemas.openxmlformats.org/officeDocument/2006/math" xmlns="" val="1"/>
             </a:ext>
           </a:extLst>
         </p:spPr>
@@ -2312,7 +2312,7 @@
           </a:ln>
           <a:extLst>
             <a:ext uri="{C572A759-6A51-4108-AA02-DFA0A04FC94B}">
-              <ma14:wrappingTextBoxFlag xmlns="" xmlns:m="http://schemas.openxmlformats.org/officeDocument/2006/math" xmlns:a14="http://schemas.microsoft.com/office/drawing/2010/main" xmlns:ma14="http://schemas.microsoft.com/office/mac/drawingml/2011/main" val="1"/>
+              <ma14:wrappingTextBoxFlag xmlns:ma14="http://schemas.microsoft.com/office/mac/drawingml/2011/main" xmlns:a14="http://schemas.microsoft.com/office/drawing/2010/main" xmlns:m="http://schemas.openxmlformats.org/officeDocument/2006/math" xmlns="" val="1"/>
             </a:ext>
           </a:extLst>
         </p:spPr>
@@ -4291,7 +4291,7 @@
           </a:ln>
           <a:extLst>
             <a:ext uri="{C572A759-6A51-4108-AA02-DFA0A04FC94B}">
-              <ma14:wrappingTextBoxFlag xmlns="" xmlns:m="http://schemas.openxmlformats.org/officeDocument/2006/math" xmlns:a14="http://schemas.microsoft.com/office/drawing/2010/main" xmlns:ma14="http://schemas.microsoft.com/office/mac/drawingml/2011/main" val="1"/>
+              <ma14:wrappingTextBoxFlag xmlns:ma14="http://schemas.microsoft.com/office/mac/drawingml/2011/main" xmlns:a14="http://schemas.microsoft.com/office/drawing/2010/main" xmlns:m="http://schemas.openxmlformats.org/officeDocument/2006/math" xmlns="" val="1"/>
             </a:ext>
           </a:extLst>
         </p:spPr>
@@ -4557,7 +4557,7 @@
           </a:ln>
           <a:extLst>
             <a:ext uri="{C572A759-6A51-4108-AA02-DFA0A04FC94B}">
-              <ma14:wrappingTextBoxFlag xmlns="" xmlns:m="http://schemas.openxmlformats.org/officeDocument/2006/math" xmlns:a14="http://schemas.microsoft.com/office/drawing/2010/main" xmlns:ma14="http://schemas.microsoft.com/office/mac/drawingml/2011/main" val="1"/>
+              <ma14:wrappingTextBoxFlag xmlns:ma14="http://schemas.microsoft.com/office/mac/drawingml/2011/main" xmlns:a14="http://schemas.microsoft.com/office/drawing/2010/main" xmlns:m="http://schemas.openxmlformats.org/officeDocument/2006/math" xmlns="" val="1"/>
             </a:ext>
           </a:extLst>
         </p:spPr>
@@ -4683,7 +4683,7 @@
             <a:effectLst/>
             <a:extLst>
               <a:ext uri="{C572A759-6A51-4108-AA02-DFA0A04FC94B}">
-                <ma14:wrappingTextBoxFlag xmlns="" xmlns:m="http://schemas.openxmlformats.org/officeDocument/2006/math" xmlns:a14="http://schemas.microsoft.com/office/drawing/2010/main" xmlns:ma14="http://schemas.microsoft.com/office/mac/drawingml/2011/main" val="1"/>
+                <ma14:wrappingTextBoxFlag xmlns:ma14="http://schemas.microsoft.com/office/mac/drawingml/2011/main" xmlns:a14="http://schemas.microsoft.com/office/drawing/2010/main" xmlns:m="http://schemas.openxmlformats.org/officeDocument/2006/math" xmlns="" val="1"/>
               </a:ext>
             </a:extLst>
           </p:spPr>
@@ -5486,7 +5486,7 @@
             <a:effectLst/>
             <a:extLst>
               <a:ext uri="{C572A759-6A51-4108-AA02-DFA0A04FC94B}">
-                <ma14:wrappingTextBoxFlag xmlns="" xmlns:m="http://schemas.openxmlformats.org/officeDocument/2006/math" xmlns:a14="http://schemas.microsoft.com/office/drawing/2010/main" xmlns:ma14="http://schemas.microsoft.com/office/mac/drawingml/2011/main" val="1"/>
+                <ma14:wrappingTextBoxFlag xmlns:ma14="http://schemas.microsoft.com/office/mac/drawingml/2011/main" xmlns:a14="http://schemas.microsoft.com/office/drawing/2010/main" xmlns:m="http://schemas.openxmlformats.org/officeDocument/2006/math" xmlns="" val="1"/>
               </a:ext>
             </a:extLst>
           </p:spPr>
@@ -5609,7 +5609,7 @@
             <a:effectLst/>
             <a:extLst>
               <a:ext uri="{C572A759-6A51-4108-AA02-DFA0A04FC94B}">
-                <ma14:wrappingTextBoxFlag xmlns="" xmlns:m="http://schemas.openxmlformats.org/officeDocument/2006/math" xmlns:a14="http://schemas.microsoft.com/office/drawing/2010/main" xmlns:ma14="http://schemas.microsoft.com/office/mac/drawingml/2011/main" val="1"/>
+                <ma14:wrappingTextBoxFlag xmlns:ma14="http://schemas.microsoft.com/office/mac/drawingml/2011/main" xmlns:a14="http://schemas.microsoft.com/office/drawing/2010/main" xmlns:m="http://schemas.openxmlformats.org/officeDocument/2006/math" xmlns="" val="1"/>
               </a:ext>
             </a:extLst>
           </p:spPr>
@@ -5994,7 +5994,7 @@
             <a:effectLst/>
             <a:extLst>
               <a:ext uri="{C572A759-6A51-4108-AA02-DFA0A04FC94B}">
-                <ma14:wrappingTextBoxFlag xmlns="" xmlns:m="http://schemas.openxmlformats.org/officeDocument/2006/math" xmlns:a14="http://schemas.microsoft.com/office/drawing/2010/main" xmlns:ma14="http://schemas.microsoft.com/office/mac/drawingml/2011/main" val="1"/>
+                <ma14:wrappingTextBoxFlag xmlns:ma14="http://schemas.microsoft.com/office/mac/drawingml/2011/main" xmlns:a14="http://schemas.microsoft.com/office/drawing/2010/main" xmlns:m="http://schemas.openxmlformats.org/officeDocument/2006/math" xmlns="" val="1"/>
               </a:ext>
             </a:extLst>
           </p:spPr>
@@ -6630,7 +6630,7 @@
             <a:effectLst/>
             <a:extLst>
               <a:ext uri="{C572A759-6A51-4108-AA02-DFA0A04FC94B}">
-                <ma14:wrappingTextBoxFlag xmlns="" xmlns:m="http://schemas.openxmlformats.org/officeDocument/2006/math" xmlns:a14="http://schemas.microsoft.com/office/drawing/2010/main" xmlns:ma14="http://schemas.microsoft.com/office/mac/drawingml/2011/main" val="1"/>
+                <ma14:wrappingTextBoxFlag xmlns:ma14="http://schemas.microsoft.com/office/mac/drawingml/2011/main" xmlns:a14="http://schemas.microsoft.com/office/drawing/2010/main" xmlns:m="http://schemas.openxmlformats.org/officeDocument/2006/math" xmlns="" val="1"/>
               </a:ext>
             </a:extLst>
           </p:spPr>
@@ -6753,7 +6753,7 @@
             <a:effectLst/>
             <a:extLst>
               <a:ext uri="{C572A759-6A51-4108-AA02-DFA0A04FC94B}">
-                <ma14:wrappingTextBoxFlag xmlns="" xmlns:m="http://schemas.openxmlformats.org/officeDocument/2006/math" xmlns:a14="http://schemas.microsoft.com/office/drawing/2010/main" xmlns:ma14="http://schemas.microsoft.com/office/mac/drawingml/2011/main" val="1"/>
+                <ma14:wrappingTextBoxFlag xmlns:ma14="http://schemas.microsoft.com/office/mac/drawingml/2011/main" xmlns:a14="http://schemas.microsoft.com/office/drawing/2010/main" xmlns:m="http://schemas.openxmlformats.org/officeDocument/2006/math" xmlns="" val="1"/>
               </a:ext>
             </a:extLst>
           </p:spPr>
@@ -7183,7 +7183,7 @@
             <a:effectLst/>
             <a:extLst>
               <a:ext uri="{C572A759-6A51-4108-AA02-DFA0A04FC94B}">
-                <ma14:wrappingTextBoxFlag xmlns="" xmlns:m="http://schemas.openxmlformats.org/officeDocument/2006/math" xmlns:a14="http://schemas.microsoft.com/office/drawing/2010/main" xmlns:ma14="http://schemas.microsoft.com/office/mac/drawingml/2011/main" val="1"/>
+                <ma14:wrappingTextBoxFlag xmlns:ma14="http://schemas.microsoft.com/office/mac/drawingml/2011/main" xmlns:a14="http://schemas.microsoft.com/office/drawing/2010/main" xmlns:m="http://schemas.openxmlformats.org/officeDocument/2006/math" xmlns="" val="1"/>
               </a:ext>
             </a:extLst>
           </p:spPr>
@@ -7626,12 +7626,12 @@
               </a:spcAft>
             </a:pPr>
             <a:r>
-              <a:rPr lang="en-US" dirty="0" err="1">
-                <a:solidFill>
-                  <a:srgbClr val="000000"/>
-                </a:solidFill>
-              </a:rPr>
-              <a:t>is_na</a:t>
+              <a:rPr lang="en-US">
+                <a:solidFill>
+                  <a:srgbClr val="000000"/>
+                </a:solidFill>
+              </a:rPr>
+              <a:t>is.na</a:t>
             </a:r>
             <a:r>
               <a:rPr lang="en-US" b="0" dirty="0">
@@ -7712,7 +7712,7 @@
             <a:effectLst/>
             <a:extLst>
               <a:ext uri="{C572A759-6A51-4108-AA02-DFA0A04FC94B}">
-                <ma14:wrappingTextBoxFlag xmlns="" xmlns:m="http://schemas.openxmlformats.org/officeDocument/2006/math" xmlns:a14="http://schemas.microsoft.com/office/drawing/2010/main" xmlns:ma14="http://schemas.microsoft.com/office/mac/drawingml/2011/main" val="1"/>
+                <ma14:wrappingTextBoxFlag xmlns:ma14="http://schemas.microsoft.com/office/mac/drawingml/2011/main" xmlns:a14="http://schemas.microsoft.com/office/drawing/2010/main" xmlns:m="http://schemas.openxmlformats.org/officeDocument/2006/math" xmlns="" val="1"/>
               </a:ext>
             </a:extLst>
           </p:spPr>
@@ -8518,7 +8518,7 @@
             <a:effectLst/>
             <a:extLst>
               <a:ext uri="{C572A759-6A51-4108-AA02-DFA0A04FC94B}">
-                <ma14:wrappingTextBoxFlag xmlns="" xmlns:m="http://schemas.openxmlformats.org/officeDocument/2006/math" xmlns:a14="http://schemas.microsoft.com/office/drawing/2010/main" xmlns:ma14="http://schemas.microsoft.com/office/mac/drawingml/2011/main" val="1"/>
+                <ma14:wrappingTextBoxFlag xmlns:ma14="http://schemas.microsoft.com/office/mac/drawingml/2011/main" xmlns:a14="http://schemas.microsoft.com/office/drawing/2010/main" xmlns:m="http://schemas.openxmlformats.org/officeDocument/2006/math" xmlns="" val="1"/>
               </a:ext>
             </a:extLst>
           </p:spPr>
@@ -11315,7 +11315,7 @@
             <a:effectLst/>
             <a:extLst>
               <a:ext uri="{C572A759-6A51-4108-AA02-DFA0A04FC94B}">
-                <ma14:wrappingTextBoxFlag xmlns="" xmlns:m="http://schemas.openxmlformats.org/officeDocument/2006/math" xmlns:a14="http://schemas.microsoft.com/office/drawing/2010/main" xmlns:ma14="http://schemas.microsoft.com/office/mac/drawingml/2011/main" val="1"/>
+                <ma14:wrappingTextBoxFlag xmlns:ma14="http://schemas.microsoft.com/office/mac/drawingml/2011/main" xmlns:a14="http://schemas.microsoft.com/office/drawing/2010/main" xmlns:m="http://schemas.openxmlformats.org/officeDocument/2006/math" xmlns="" val="1"/>
               </a:ext>
             </a:extLst>
           </p:spPr>
@@ -12491,7 +12491,7 @@
           </a:ln>
           <a:extLst>
             <a:ext uri="{C572A759-6A51-4108-AA02-DFA0A04FC94B}">
-              <ma14:wrappingTextBoxFlag xmlns="" xmlns:m="http://schemas.openxmlformats.org/officeDocument/2006/math" xmlns:a14="http://schemas.microsoft.com/office/drawing/2010/main" xmlns:ma14="http://schemas.microsoft.com/office/mac/drawingml/2011/main" val="1"/>
+              <ma14:wrappingTextBoxFlag xmlns:ma14="http://schemas.microsoft.com/office/mac/drawingml/2011/main" xmlns:a14="http://schemas.microsoft.com/office/drawing/2010/main" xmlns:m="http://schemas.openxmlformats.org/officeDocument/2006/math" xmlns="" val="1"/>
             </a:ext>
           </a:extLst>
         </p:spPr>
@@ -12557,7 +12557,7 @@
           </a:ln>
           <a:extLst>
             <a:ext uri="{C572A759-6A51-4108-AA02-DFA0A04FC94B}">
-              <ma14:wrappingTextBoxFlag xmlns="" xmlns:m="http://schemas.openxmlformats.org/officeDocument/2006/math" xmlns:a14="http://schemas.microsoft.com/office/drawing/2010/main" xmlns:ma14="http://schemas.microsoft.com/office/mac/drawingml/2011/main" val="1"/>
+              <ma14:wrappingTextBoxFlag xmlns:ma14="http://schemas.microsoft.com/office/mac/drawingml/2011/main" xmlns:a14="http://schemas.microsoft.com/office/drawing/2010/main" xmlns:m="http://schemas.openxmlformats.org/officeDocument/2006/math" xmlns="" val="1"/>
             </a:ext>
           </a:extLst>
         </p:spPr>
@@ -12887,7 +12887,7 @@
             <a:effectLst/>
             <a:extLst>
               <a:ext uri="{C572A759-6A51-4108-AA02-DFA0A04FC94B}">
-                <ma14:wrappingTextBoxFlag xmlns="" xmlns:m="http://schemas.openxmlformats.org/officeDocument/2006/math" xmlns:a14="http://schemas.microsoft.com/office/drawing/2010/main" xmlns:ma14="http://schemas.microsoft.com/office/mac/drawingml/2011/main" val="1"/>
+                <ma14:wrappingTextBoxFlag xmlns:ma14="http://schemas.microsoft.com/office/mac/drawingml/2011/main" xmlns:a14="http://schemas.microsoft.com/office/drawing/2010/main" xmlns:m="http://schemas.openxmlformats.org/officeDocument/2006/math" xmlns="" val="1"/>
               </a:ext>
             </a:extLst>
           </p:spPr>
@@ -13297,7 +13297,7 @@
             <a:effectLst/>
             <a:extLst>
               <a:ext uri="{C572A759-6A51-4108-AA02-DFA0A04FC94B}">
-                <ma14:wrappingTextBoxFlag xmlns="" xmlns:m="http://schemas.openxmlformats.org/officeDocument/2006/math" xmlns:a14="http://schemas.microsoft.com/office/drawing/2010/main" xmlns:ma14="http://schemas.microsoft.com/office/mac/drawingml/2011/main" val="1"/>
+                <ma14:wrappingTextBoxFlag xmlns:ma14="http://schemas.microsoft.com/office/mac/drawingml/2011/main" xmlns:a14="http://schemas.microsoft.com/office/drawing/2010/main" xmlns:m="http://schemas.openxmlformats.org/officeDocument/2006/math" xmlns="" val="1"/>
               </a:ext>
             </a:extLst>
           </p:spPr>
@@ -13420,7 +13420,7 @@
             <a:effectLst/>
             <a:extLst>
               <a:ext uri="{C572A759-6A51-4108-AA02-DFA0A04FC94B}">
-                <ma14:wrappingTextBoxFlag xmlns="" xmlns:m="http://schemas.openxmlformats.org/officeDocument/2006/math" xmlns:a14="http://schemas.microsoft.com/office/drawing/2010/main" xmlns:ma14="http://schemas.microsoft.com/office/mac/drawingml/2011/main" val="1"/>
+                <ma14:wrappingTextBoxFlag xmlns:ma14="http://schemas.microsoft.com/office/mac/drawingml/2011/main" xmlns:a14="http://schemas.microsoft.com/office/drawing/2010/main" xmlns:m="http://schemas.openxmlformats.org/officeDocument/2006/math" xmlns="" val="1"/>
               </a:ext>
             </a:extLst>
           </p:spPr>
@@ -15806,7 +15806,7 @@
             <a:effectLst/>
             <a:extLst>
               <a:ext uri="{C572A759-6A51-4108-AA02-DFA0A04FC94B}">
-                <ma14:wrappingTextBoxFlag xmlns="" xmlns:m="http://schemas.openxmlformats.org/officeDocument/2006/math" xmlns:a14="http://schemas.microsoft.com/office/drawing/2010/main" xmlns:ma14="http://schemas.microsoft.com/office/mac/drawingml/2011/main" val="1"/>
+                <ma14:wrappingTextBoxFlag xmlns:ma14="http://schemas.microsoft.com/office/mac/drawingml/2011/main" xmlns:a14="http://schemas.microsoft.com/office/drawing/2010/main" xmlns:m="http://schemas.openxmlformats.org/officeDocument/2006/math" xmlns="" val="1"/>
               </a:ext>
             </a:extLst>
           </p:spPr>

--- a/cheatsheet/labelled_cheatsheet.pptx
+++ b/cheatsheet/labelled_cheatsheet.pptx
@@ -2273,7 +2273,7 @@
           </a:ln>
           <a:extLst>
             <a:ext uri="{C572A759-6A51-4108-AA02-DFA0A04FC94B}">
-              <ma14:wrappingTextBoxFlag xmlns:ma14="http://schemas.microsoft.com/office/mac/drawingml/2011/main" xmlns:a14="http://schemas.microsoft.com/office/drawing/2010/main" xmlns:m="http://schemas.openxmlformats.org/officeDocument/2006/math" xmlns="" val="1"/>
+              <ma14:wrappingTextBoxFlag xmlns="" xmlns:m="http://schemas.openxmlformats.org/officeDocument/2006/math" xmlns:a14="http://schemas.microsoft.com/office/drawing/2010/main" xmlns:ma14="http://schemas.microsoft.com/office/mac/drawingml/2011/main" val="1"/>
             </a:ext>
           </a:extLst>
         </p:spPr>
@@ -2312,7 +2312,7 @@
           </a:ln>
           <a:extLst>
             <a:ext uri="{C572A759-6A51-4108-AA02-DFA0A04FC94B}">
-              <ma14:wrappingTextBoxFlag xmlns:ma14="http://schemas.microsoft.com/office/mac/drawingml/2011/main" xmlns:a14="http://schemas.microsoft.com/office/drawing/2010/main" xmlns:m="http://schemas.openxmlformats.org/officeDocument/2006/math" xmlns="" val="1"/>
+              <ma14:wrappingTextBoxFlag xmlns="" xmlns:m="http://schemas.openxmlformats.org/officeDocument/2006/math" xmlns:a14="http://schemas.microsoft.com/office/drawing/2010/main" xmlns:ma14="http://schemas.microsoft.com/office/mac/drawingml/2011/main" val="1"/>
             </a:ext>
           </a:extLst>
         </p:spPr>
@@ -4291,7 +4291,7 @@
           </a:ln>
           <a:extLst>
             <a:ext uri="{C572A759-6A51-4108-AA02-DFA0A04FC94B}">
-              <ma14:wrappingTextBoxFlag xmlns:ma14="http://schemas.microsoft.com/office/mac/drawingml/2011/main" xmlns:a14="http://schemas.microsoft.com/office/drawing/2010/main" xmlns:m="http://schemas.openxmlformats.org/officeDocument/2006/math" xmlns="" val="1"/>
+              <ma14:wrappingTextBoxFlag xmlns="" xmlns:m="http://schemas.openxmlformats.org/officeDocument/2006/math" xmlns:a14="http://schemas.microsoft.com/office/drawing/2010/main" xmlns:ma14="http://schemas.microsoft.com/office/mac/drawingml/2011/main" val="1"/>
             </a:ext>
           </a:extLst>
         </p:spPr>
@@ -4327,7 +4327,7 @@
             </a:r>
             <a:r>
               <a:rPr lang="en-US" dirty="0"/>
-              <a:t> •  labelled version  2.6.0 •  Updated: 2020-09</a:t>
+              <a:t> •  labelled version  2.7.0 •  Updated: 2020-12</a:t>
             </a:r>
           </a:p>
         </p:txBody>
@@ -4557,7 +4557,7 @@
           </a:ln>
           <a:extLst>
             <a:ext uri="{C572A759-6A51-4108-AA02-DFA0A04FC94B}">
-              <ma14:wrappingTextBoxFlag xmlns:ma14="http://schemas.microsoft.com/office/mac/drawingml/2011/main" xmlns:a14="http://schemas.microsoft.com/office/drawing/2010/main" xmlns:m="http://schemas.openxmlformats.org/officeDocument/2006/math" xmlns="" val="1"/>
+              <ma14:wrappingTextBoxFlag xmlns="" xmlns:m="http://schemas.openxmlformats.org/officeDocument/2006/math" xmlns:a14="http://schemas.microsoft.com/office/drawing/2010/main" xmlns:ma14="http://schemas.microsoft.com/office/mac/drawingml/2011/main" val="1"/>
             </a:ext>
           </a:extLst>
         </p:spPr>
@@ -4683,7 +4683,7 @@
             <a:effectLst/>
             <a:extLst>
               <a:ext uri="{C572A759-6A51-4108-AA02-DFA0A04FC94B}">
-                <ma14:wrappingTextBoxFlag xmlns:ma14="http://schemas.microsoft.com/office/mac/drawingml/2011/main" xmlns:a14="http://schemas.microsoft.com/office/drawing/2010/main" xmlns:m="http://schemas.openxmlformats.org/officeDocument/2006/math" xmlns="" val="1"/>
+                <ma14:wrappingTextBoxFlag xmlns="" xmlns:m="http://schemas.openxmlformats.org/officeDocument/2006/math" xmlns:a14="http://schemas.microsoft.com/office/drawing/2010/main" xmlns:ma14="http://schemas.microsoft.com/office/mac/drawingml/2011/main" val="1"/>
               </a:ext>
             </a:extLst>
           </p:spPr>
@@ -5486,7 +5486,7 @@
             <a:effectLst/>
             <a:extLst>
               <a:ext uri="{C572A759-6A51-4108-AA02-DFA0A04FC94B}">
-                <ma14:wrappingTextBoxFlag xmlns:ma14="http://schemas.microsoft.com/office/mac/drawingml/2011/main" xmlns:a14="http://schemas.microsoft.com/office/drawing/2010/main" xmlns:m="http://schemas.openxmlformats.org/officeDocument/2006/math" xmlns="" val="1"/>
+                <ma14:wrappingTextBoxFlag xmlns="" xmlns:m="http://schemas.openxmlformats.org/officeDocument/2006/math" xmlns:a14="http://schemas.microsoft.com/office/drawing/2010/main" xmlns:ma14="http://schemas.microsoft.com/office/mac/drawingml/2011/main" val="1"/>
               </a:ext>
             </a:extLst>
           </p:spPr>
@@ -5609,7 +5609,7 @@
             <a:effectLst/>
             <a:extLst>
               <a:ext uri="{C572A759-6A51-4108-AA02-DFA0A04FC94B}">
-                <ma14:wrappingTextBoxFlag xmlns:ma14="http://schemas.microsoft.com/office/mac/drawingml/2011/main" xmlns:a14="http://schemas.microsoft.com/office/drawing/2010/main" xmlns:m="http://schemas.openxmlformats.org/officeDocument/2006/math" xmlns="" val="1"/>
+                <ma14:wrappingTextBoxFlag xmlns="" xmlns:m="http://schemas.openxmlformats.org/officeDocument/2006/math" xmlns:a14="http://schemas.microsoft.com/office/drawing/2010/main" xmlns:ma14="http://schemas.microsoft.com/office/mac/drawingml/2011/main" val="1"/>
               </a:ext>
             </a:extLst>
           </p:spPr>
@@ -5994,7 +5994,7 @@
             <a:effectLst/>
             <a:extLst>
               <a:ext uri="{C572A759-6A51-4108-AA02-DFA0A04FC94B}">
-                <ma14:wrappingTextBoxFlag xmlns:ma14="http://schemas.microsoft.com/office/mac/drawingml/2011/main" xmlns:a14="http://schemas.microsoft.com/office/drawing/2010/main" xmlns:m="http://schemas.openxmlformats.org/officeDocument/2006/math" xmlns="" val="1"/>
+                <ma14:wrappingTextBoxFlag xmlns="" xmlns:m="http://schemas.openxmlformats.org/officeDocument/2006/math" xmlns:a14="http://schemas.microsoft.com/office/drawing/2010/main" xmlns:ma14="http://schemas.microsoft.com/office/mac/drawingml/2011/main" val="1"/>
               </a:ext>
             </a:extLst>
           </p:spPr>
@@ -6630,7 +6630,7 @@
             <a:effectLst/>
             <a:extLst>
               <a:ext uri="{C572A759-6A51-4108-AA02-DFA0A04FC94B}">
-                <ma14:wrappingTextBoxFlag xmlns:ma14="http://schemas.microsoft.com/office/mac/drawingml/2011/main" xmlns:a14="http://schemas.microsoft.com/office/drawing/2010/main" xmlns:m="http://schemas.openxmlformats.org/officeDocument/2006/math" xmlns="" val="1"/>
+                <ma14:wrappingTextBoxFlag xmlns="" xmlns:m="http://schemas.openxmlformats.org/officeDocument/2006/math" xmlns:a14="http://schemas.microsoft.com/office/drawing/2010/main" xmlns:ma14="http://schemas.microsoft.com/office/mac/drawingml/2011/main" val="1"/>
               </a:ext>
             </a:extLst>
           </p:spPr>
@@ -6753,7 +6753,7 @@
             <a:effectLst/>
             <a:extLst>
               <a:ext uri="{C572A759-6A51-4108-AA02-DFA0A04FC94B}">
-                <ma14:wrappingTextBoxFlag xmlns:ma14="http://schemas.microsoft.com/office/mac/drawingml/2011/main" xmlns:a14="http://schemas.microsoft.com/office/drawing/2010/main" xmlns:m="http://schemas.openxmlformats.org/officeDocument/2006/math" xmlns="" val="1"/>
+                <ma14:wrappingTextBoxFlag xmlns="" xmlns:m="http://schemas.openxmlformats.org/officeDocument/2006/math" xmlns:a14="http://schemas.microsoft.com/office/drawing/2010/main" xmlns:ma14="http://schemas.microsoft.com/office/mac/drawingml/2011/main" val="1"/>
               </a:ext>
             </a:extLst>
           </p:spPr>
@@ -7183,7 +7183,7 @@
             <a:effectLst/>
             <a:extLst>
               <a:ext uri="{C572A759-6A51-4108-AA02-DFA0A04FC94B}">
-                <ma14:wrappingTextBoxFlag xmlns:ma14="http://schemas.microsoft.com/office/mac/drawingml/2011/main" xmlns:a14="http://schemas.microsoft.com/office/drawing/2010/main" xmlns:m="http://schemas.openxmlformats.org/officeDocument/2006/math" xmlns="" val="1"/>
+                <ma14:wrappingTextBoxFlag xmlns="" xmlns:m="http://schemas.openxmlformats.org/officeDocument/2006/math" xmlns:a14="http://schemas.microsoft.com/office/drawing/2010/main" xmlns:ma14="http://schemas.microsoft.com/office/mac/drawingml/2011/main" val="1"/>
               </a:ext>
             </a:extLst>
           </p:spPr>
@@ -7712,7 +7712,7 @@
             <a:effectLst/>
             <a:extLst>
               <a:ext uri="{C572A759-6A51-4108-AA02-DFA0A04FC94B}">
-                <ma14:wrappingTextBoxFlag xmlns:ma14="http://schemas.microsoft.com/office/mac/drawingml/2011/main" xmlns:a14="http://schemas.microsoft.com/office/drawing/2010/main" xmlns:m="http://schemas.openxmlformats.org/officeDocument/2006/math" xmlns="" val="1"/>
+                <ma14:wrappingTextBoxFlag xmlns="" xmlns:m="http://schemas.openxmlformats.org/officeDocument/2006/math" xmlns:a14="http://schemas.microsoft.com/office/drawing/2010/main" xmlns:ma14="http://schemas.microsoft.com/office/mac/drawingml/2011/main" val="1"/>
               </a:ext>
             </a:extLst>
           </p:spPr>
@@ -8518,7 +8518,7 @@
             <a:effectLst/>
             <a:extLst>
               <a:ext uri="{C572A759-6A51-4108-AA02-DFA0A04FC94B}">
-                <ma14:wrappingTextBoxFlag xmlns:ma14="http://schemas.microsoft.com/office/mac/drawingml/2011/main" xmlns:a14="http://schemas.microsoft.com/office/drawing/2010/main" xmlns:m="http://schemas.openxmlformats.org/officeDocument/2006/math" xmlns="" val="1"/>
+                <ma14:wrappingTextBoxFlag xmlns="" xmlns:m="http://schemas.openxmlformats.org/officeDocument/2006/math" xmlns:a14="http://schemas.microsoft.com/office/drawing/2010/main" xmlns:ma14="http://schemas.microsoft.com/office/mac/drawingml/2011/main" val="1"/>
               </a:ext>
             </a:extLst>
           </p:spPr>
@@ -11315,7 +11315,7 @@
             <a:effectLst/>
             <a:extLst>
               <a:ext uri="{C572A759-6A51-4108-AA02-DFA0A04FC94B}">
-                <ma14:wrappingTextBoxFlag xmlns:ma14="http://schemas.microsoft.com/office/mac/drawingml/2011/main" xmlns:a14="http://schemas.microsoft.com/office/drawing/2010/main" xmlns:m="http://schemas.openxmlformats.org/officeDocument/2006/math" xmlns="" val="1"/>
+                <ma14:wrappingTextBoxFlag xmlns="" xmlns:m="http://schemas.openxmlformats.org/officeDocument/2006/math" xmlns:a14="http://schemas.microsoft.com/office/drawing/2010/main" xmlns:ma14="http://schemas.microsoft.com/office/mac/drawingml/2011/main" val="1"/>
               </a:ext>
             </a:extLst>
           </p:spPr>
@@ -12491,7 +12491,7 @@
           </a:ln>
           <a:extLst>
             <a:ext uri="{C572A759-6A51-4108-AA02-DFA0A04FC94B}">
-              <ma14:wrappingTextBoxFlag xmlns:ma14="http://schemas.microsoft.com/office/mac/drawingml/2011/main" xmlns:a14="http://schemas.microsoft.com/office/drawing/2010/main" xmlns:m="http://schemas.openxmlformats.org/officeDocument/2006/math" xmlns="" val="1"/>
+              <ma14:wrappingTextBoxFlag xmlns="" xmlns:m="http://schemas.openxmlformats.org/officeDocument/2006/math" xmlns:a14="http://schemas.microsoft.com/office/drawing/2010/main" xmlns:ma14="http://schemas.microsoft.com/office/mac/drawingml/2011/main" val="1"/>
             </a:ext>
           </a:extLst>
         </p:spPr>
@@ -12527,7 +12527,7 @@
             </a:r>
             <a:r>
               <a:rPr lang="en-US" dirty="0"/>
-              <a:t> •  labelled version  2.6.0 •  Updated: 2020-09</a:t>
+              <a:t> •  labelled version  2.7.0 •  Updated: 2020-12</a:t>
             </a:r>
           </a:p>
         </p:txBody>
@@ -12547,7 +12547,7 @@
         <p:spPr>
           <a:xfrm>
             <a:off x="306210" y="752199"/>
-            <a:ext cx="3529812" cy="340029"/>
+            <a:ext cx="2955937" cy="340029"/>
           </a:xfrm>
           <a:prstGeom prst="rect">
             <a:avLst/>
@@ -12557,7 +12557,7 @@
           </a:ln>
           <a:extLst>
             <a:ext uri="{C572A759-6A51-4108-AA02-DFA0A04FC94B}">
-              <ma14:wrappingTextBoxFlag xmlns:ma14="http://schemas.microsoft.com/office/mac/drawingml/2011/main" xmlns:a14="http://schemas.microsoft.com/office/drawing/2010/main" xmlns:m="http://schemas.openxmlformats.org/officeDocument/2006/math" xmlns="" val="1"/>
+              <ma14:wrappingTextBoxFlag xmlns="" xmlns:m="http://schemas.openxmlformats.org/officeDocument/2006/math" xmlns:a14="http://schemas.microsoft.com/office/drawing/2010/main" xmlns:ma14="http://schemas.microsoft.com/office/mac/drawingml/2011/main" val="1"/>
             </a:ext>
           </a:extLst>
         </p:spPr>
@@ -12581,16 +12581,16 @@
               </a:defRPr>
             </a:pPr>
             <a:r>
-              <a:rPr lang="fr-FR" dirty="0"/>
-              <a:t>When </a:t>
-            </a:r>
-            <a:r>
               <a:rPr lang="fr-FR" dirty="0" err="1"/>
-              <a:t>using</a:t>
+              <a:t>What</a:t>
             </a:r>
             <a:r>
               <a:rPr lang="fr-FR" dirty="0"/>
               <a:t> </a:t>
+            </a:r>
+            <a:r>
+              <a:rPr lang="fr-FR"/>
+              <a:t>is </a:t>
             </a:r>
             <a:r>
               <a:rPr lang="fr-FR" dirty="0" err="1"/>
@@ -12887,7 +12887,7 @@
             <a:effectLst/>
             <a:extLst>
               <a:ext uri="{C572A759-6A51-4108-AA02-DFA0A04FC94B}">
-                <ma14:wrappingTextBoxFlag xmlns:ma14="http://schemas.microsoft.com/office/mac/drawingml/2011/main" xmlns:a14="http://schemas.microsoft.com/office/drawing/2010/main" xmlns:m="http://schemas.openxmlformats.org/officeDocument/2006/math" xmlns="" val="1"/>
+                <ma14:wrappingTextBoxFlag xmlns="" xmlns:m="http://schemas.openxmlformats.org/officeDocument/2006/math" xmlns:a14="http://schemas.microsoft.com/office/drawing/2010/main" xmlns:ma14="http://schemas.microsoft.com/office/mac/drawingml/2011/main" val="1"/>
               </a:ext>
             </a:extLst>
           </p:spPr>
@@ -13297,7 +13297,7 @@
             <a:effectLst/>
             <a:extLst>
               <a:ext uri="{C572A759-6A51-4108-AA02-DFA0A04FC94B}">
-                <ma14:wrappingTextBoxFlag xmlns:ma14="http://schemas.microsoft.com/office/mac/drawingml/2011/main" xmlns:a14="http://schemas.microsoft.com/office/drawing/2010/main" xmlns:m="http://schemas.openxmlformats.org/officeDocument/2006/math" xmlns="" val="1"/>
+                <ma14:wrappingTextBoxFlag xmlns="" xmlns:m="http://schemas.openxmlformats.org/officeDocument/2006/math" xmlns:a14="http://schemas.microsoft.com/office/drawing/2010/main" xmlns:ma14="http://schemas.microsoft.com/office/mac/drawingml/2011/main" val="1"/>
               </a:ext>
             </a:extLst>
           </p:spPr>
@@ -13420,7 +13420,7 @@
             <a:effectLst/>
             <a:extLst>
               <a:ext uri="{C572A759-6A51-4108-AA02-DFA0A04FC94B}">
-                <ma14:wrappingTextBoxFlag xmlns:ma14="http://schemas.microsoft.com/office/mac/drawingml/2011/main" xmlns:a14="http://schemas.microsoft.com/office/drawing/2010/main" xmlns:m="http://schemas.openxmlformats.org/officeDocument/2006/math" xmlns="" val="1"/>
+                <ma14:wrappingTextBoxFlag xmlns="" xmlns:m="http://schemas.openxmlformats.org/officeDocument/2006/math" xmlns:a14="http://schemas.microsoft.com/office/drawing/2010/main" xmlns:ma14="http://schemas.microsoft.com/office/mac/drawingml/2011/main" val="1"/>
               </a:ext>
             </a:extLst>
           </p:spPr>
@@ -15390,23 +15390,7 @@
                   <a:srgbClr val="000000"/>
                 </a:solidFill>
               </a:rPr>
-              <a:t>be </a:t>
-            </a:r>
-            <a:r>
-              <a:rPr lang="en-GB" b="0" i="1" dirty="0" err="1">
-                <a:solidFill>
-                  <a:srgbClr val="000000"/>
-                </a:solidFill>
-              </a:rPr>
-              <a:t>identitical</a:t>
-            </a:r>
-            <a:r>
-              <a:rPr lang="en-GB" b="0" i="1" dirty="0">
-                <a:solidFill>
-                  <a:srgbClr val="000000"/>
-                </a:solidFill>
-              </a:rPr>
-              <a:t> (original coding will be lost).</a:t>
+              <a:t>be identical (original coding will be lost).</a:t>
             </a:r>
           </a:p>
           <a:p>
@@ -15806,7 +15790,7 @@
             <a:effectLst/>
             <a:extLst>
               <a:ext uri="{C572A759-6A51-4108-AA02-DFA0A04FC94B}">
-                <ma14:wrappingTextBoxFlag xmlns:ma14="http://schemas.microsoft.com/office/mac/drawingml/2011/main" xmlns:a14="http://schemas.microsoft.com/office/drawing/2010/main" xmlns:m="http://schemas.openxmlformats.org/officeDocument/2006/math" xmlns="" val="1"/>
+                <ma14:wrappingTextBoxFlag xmlns="" xmlns:m="http://schemas.openxmlformats.org/officeDocument/2006/math" xmlns:a14="http://schemas.microsoft.com/office/drawing/2010/main" xmlns:ma14="http://schemas.microsoft.com/office/mac/drawingml/2011/main" val="1"/>
               </a:ext>
             </a:extLst>
           </p:spPr>

--- a/cheatsheet/labelled_cheatsheet.pptx
+++ b/cheatsheet/labelled_cheatsheet.pptx
@@ -4315,20 +4315,21 @@
               </a:defRPr>
             </a:pPr>
             <a:r>
-              <a:rPr lang="en-US" dirty="0"/>
+              <a:rPr lang="en-US"/>
               <a:t>CC BY SA Joseph Larmarange • Learn more at </a:t>
             </a:r>
             <a:r>
-              <a:rPr lang="en-US" dirty="0">
+              <a:rPr lang="en-US">
                 <a:latin typeface="Source Sans Pro Semibold" panose="020B0603030403020204" pitchFamily="34" charset="0"/>
                 <a:ea typeface="Source Sans Pro Semibold" panose="020B0603030403020204" pitchFamily="34" charset="0"/>
               </a:rPr>
               <a:t>http://larmarange.github.io/labelled</a:t>
             </a:r>
             <a:r>
-              <a:rPr lang="en-US" dirty="0"/>
-              <a:t> •  labelled version  2.7.0 •  Updated: 2020-12</a:t>
-            </a:r>
+              <a:rPr lang="en-US"/>
+              <a:t> •  labelled version  2.8.0 •  Updated: 2021-03</a:t>
+            </a:r>
+            <a:endParaRPr lang="en-US" dirty="0"/>
           </a:p>
         </p:txBody>
       </p:sp>
@@ -12527,7 +12528,7 @@
             </a:r>
             <a:r>
               <a:rPr lang="en-US" dirty="0"/>
-              <a:t> •  labelled version  2.7.0 •  Updated: 2020-12</a:t>
+              <a:t> •  labelled version  2.8.0 •  Updated: 2021-03</a:t>
             </a:r>
           </a:p>
         </p:txBody>
@@ -13803,7 +13804,7 @@
                   <a:srgbClr val="000000"/>
                 </a:solidFill>
               </a:rPr>
-              <a:t>Copy variable labels, values labels and user-defined missing values from df1 to df2 based on shared columns names. Useful when attributes are lost after some data manipulation.</a:t>
+              <a:t>Copy labels and user-defined missing values from df1 to df2 based on shared columns names. Useful when attributes are lost after some data manipulation.</a:t>
             </a:r>
           </a:p>
           <a:p>
@@ -13816,20 +13817,28 @@
               </a:spcAft>
             </a:pPr>
             <a:r>
-              <a:rPr lang="en-GB" dirty="0">
-                <a:solidFill>
-                  <a:srgbClr val="000000"/>
-                </a:solidFill>
-              </a:rPr>
-              <a:t>recode</a:t>
-            </a:r>
-            <a:r>
-              <a:rPr lang="en-GB" b="0" dirty="0">
-                <a:solidFill>
-                  <a:srgbClr val="000000"/>
-                </a:solidFill>
-              </a:rPr>
-              <a:t>(x, `2` =  1, `3` =2)</a:t>
+              <a:rPr lang="en-GB" b="0" dirty="0">
+                <a:solidFill>
+                  <a:srgbClr val="000000"/>
+                </a:solidFill>
+              </a:rPr>
+              <a:t>x %&gt;% </a:t>
+            </a:r>
+            <a:r>
+              <a:rPr lang="en-GB" dirty="0" err="1">
+                <a:solidFill>
+                  <a:srgbClr val="000000"/>
+                </a:solidFill>
+              </a:rPr>
+              <a:t>recode_if</a:t>
+            </a:r>
+            <a:r>
+              <a:rPr lang="en-GB" b="0" dirty="0">
+                <a:solidFill>
+                  <a:srgbClr val="000000"/>
+                </a:solidFill>
+              </a:rPr>
+              <a:t>(condition, value)</a:t>
             </a:r>
             <a:br>
               <a:rPr lang="en-GB" b="0" dirty="0">
@@ -13844,38 +13853,7 @@
                   <a:srgbClr val="000000"/>
                 </a:solidFill>
               </a:rPr>
-              <a:t>Apply </a:t>
-            </a:r>
-            <a:r>
-              <a:rPr lang="en-GB" b="0" dirty="0" err="1">
-                <a:solidFill>
-                  <a:srgbClr val="000000"/>
-                </a:solidFill>
-              </a:rPr>
-              <a:t>dplyr</a:t>
-            </a:r>
-            <a:r>
-              <a:rPr lang="en-GB" b="0" dirty="0">
-                <a:solidFill>
-                  <a:srgbClr val="000000"/>
-                </a:solidFill>
-              </a:rPr>
-              <a:t>::recode() to a labelled vector. </a:t>
-            </a:r>
-            <a:br>
-              <a:rPr lang="en-GB" b="0" dirty="0">
-                <a:solidFill>
-                  <a:srgbClr val="000000"/>
-                </a:solidFill>
-              </a:rPr>
-            </a:br>
-            <a:r>
-              <a:rPr lang="en-GB" b="0" dirty="0">
-                <a:solidFill>
-                  <a:srgbClr val="000000"/>
-                </a:solidFill>
-              </a:rPr>
-              <a:t>Attached value labels will remain unchanged.</a:t>
+              <a:t>Recode only some values based on condition.</a:t>
             </a:r>
           </a:p>
           <a:p>
@@ -13901,7 +13879,22 @@
                   <a:srgbClr val="000000"/>
                 </a:solidFill>
               </a:rPr>
-              <a:t>(x, `2` =  1, .</a:t>
+              <a:t>(x, `2` =  1, `3` =2)</a:t>
+            </a:r>
+            <a:br>
+              <a:rPr lang="en-GB" b="0" dirty="0">
+                <a:solidFill>
+                  <a:srgbClr val="000000"/>
+                </a:solidFill>
+              </a:rPr>
+            </a:br>
+            <a:r>
+              <a:rPr lang="en-GB" b="0" dirty="0">
+                <a:solidFill>
+                  <a:srgbClr val="000000"/>
+                </a:solidFill>
+              </a:rPr>
+              <a:t>Apply </a:t>
             </a:r>
             <a:r>
               <a:rPr lang="en-GB" b="0" dirty="0" err="1">
@@ -13909,15 +13902,15 @@
                   <a:srgbClr val="000000"/>
                 </a:solidFill>
               </a:rPr>
-              <a:t>combine_value_labels</a:t>
-            </a:r>
-            <a:r>
-              <a:rPr lang="en-GB" b="0" dirty="0">
-                <a:solidFill>
-                  <a:srgbClr val="000000"/>
-                </a:solidFill>
-              </a:rPr>
-              <a:t> = TRUE)</a:t>
+              <a:t>dplyr</a:t>
+            </a:r>
+            <a:r>
+              <a:rPr lang="en-GB" b="0" dirty="0">
+                <a:solidFill>
+                  <a:srgbClr val="000000"/>
+                </a:solidFill>
+              </a:rPr>
+              <a:t>::recode() to a labelled vector. </a:t>
             </a:r>
             <a:br>
               <a:rPr lang="en-GB" b="0" dirty="0">
@@ -13932,22 +13925,7 @@
                   <a:srgbClr val="000000"/>
                 </a:solidFill>
               </a:rPr>
-              <a:t>This option will combine value labels of original values merged together to produce new value labels.</a:t>
-            </a:r>
-            <a:br>
-              <a:rPr lang="en-GB" b="0" dirty="0">
-                <a:solidFill>
-                  <a:srgbClr val="000000"/>
-                </a:solidFill>
-              </a:rPr>
-            </a:br>
-            <a:r>
-              <a:rPr lang="en-GB" b="0" dirty="0">
-                <a:solidFill>
-                  <a:srgbClr val="000000"/>
-                </a:solidFill>
-              </a:rPr>
-              <a:t>It is recommended to check that the result is appropriate.</a:t>
+              <a:t>Attached value labels will remain unchanged.</a:t>
             </a:r>
           </a:p>
           <a:p>
@@ -13959,6 +13937,60 @@
                 <a:spcPts val="800"/>
               </a:spcAft>
             </a:pPr>
+            <a:r>
+              <a:rPr lang="en-GB" dirty="0">
+                <a:solidFill>
+                  <a:srgbClr val="000000"/>
+                </a:solidFill>
+              </a:rPr>
+              <a:t>recode</a:t>
+            </a:r>
+            <a:r>
+              <a:rPr lang="en-GB" b="0" dirty="0">
+                <a:solidFill>
+                  <a:srgbClr val="000000"/>
+                </a:solidFill>
+              </a:rPr>
+              <a:t>(x, `2` =  1, .</a:t>
+            </a:r>
+            <a:r>
+              <a:rPr lang="en-GB" b="0" dirty="0" err="1">
+                <a:solidFill>
+                  <a:srgbClr val="000000"/>
+                </a:solidFill>
+              </a:rPr>
+              <a:t>combine_value_labels</a:t>
+            </a:r>
+            <a:r>
+              <a:rPr lang="en-GB" b="0" dirty="0">
+                <a:solidFill>
+                  <a:srgbClr val="000000"/>
+                </a:solidFill>
+              </a:rPr>
+              <a:t> = TRUE)</a:t>
+            </a:r>
+            <a:br>
+              <a:rPr lang="en-GB" b="0" dirty="0">
+                <a:solidFill>
+                  <a:srgbClr val="000000"/>
+                </a:solidFill>
+              </a:rPr>
+            </a:br>
+            <a:r>
+              <a:rPr lang="en-GB" b="0" dirty="0">
+                <a:solidFill>
+                  <a:srgbClr val="000000"/>
+                </a:solidFill>
+              </a:rPr>
+              <a:t>Will combine value labels of original values merged together to produce new value labels, to be checked.</a:t>
+            </a:r>
+            <a:br>
+              <a:rPr lang="en-GB" b="0" dirty="0">
+                <a:solidFill>
+                  <a:srgbClr val="000000"/>
+                </a:solidFill>
+              </a:rPr>
+            </a:br>
             <a:r>
               <a:rPr lang="en-GB" dirty="0" err="1">
                 <a:solidFill>

--- a/cheatsheet/labelled_cheatsheet.pptx
+++ b/cheatsheet/labelled_cheatsheet.pptx
@@ -2273,7 +2273,7 @@
           </a:ln>
           <a:extLst>
             <a:ext uri="{C572A759-6A51-4108-AA02-DFA0A04FC94B}">
-              <ma14:wrappingTextBoxFlag xmlns="" xmlns:m="http://schemas.openxmlformats.org/officeDocument/2006/math" xmlns:a14="http://schemas.microsoft.com/office/drawing/2010/main" xmlns:ma14="http://schemas.microsoft.com/office/mac/drawingml/2011/main" val="1"/>
+              <ma14:wrappingTextBoxFlag xmlns:ma14="http://schemas.microsoft.com/office/mac/drawingml/2011/main" xmlns:a14="http://schemas.microsoft.com/office/drawing/2010/main" xmlns:m="http://schemas.openxmlformats.org/officeDocument/2006/math" xmlns="" val="1"/>
             </a:ext>
           </a:extLst>
         </p:spPr>
@@ -2312,7 +2312,7 @@
           </a:ln>
           <a:extLst>
             <a:ext uri="{C572A759-6A51-4108-AA02-DFA0A04FC94B}">
-              <ma14:wrappingTextBoxFlag xmlns="" xmlns:m="http://schemas.openxmlformats.org/officeDocument/2006/math" xmlns:a14="http://schemas.microsoft.com/office/drawing/2010/main" xmlns:ma14="http://schemas.microsoft.com/office/mac/drawingml/2011/main" val="1"/>
+              <ma14:wrappingTextBoxFlag xmlns:ma14="http://schemas.microsoft.com/office/mac/drawingml/2011/main" xmlns:a14="http://schemas.microsoft.com/office/drawing/2010/main" xmlns:m="http://schemas.openxmlformats.org/officeDocument/2006/math" xmlns="" val="1"/>
             </a:ext>
           </a:extLst>
         </p:spPr>
@@ -4291,7 +4291,7 @@
           </a:ln>
           <a:extLst>
             <a:ext uri="{C572A759-6A51-4108-AA02-DFA0A04FC94B}">
-              <ma14:wrappingTextBoxFlag xmlns="" xmlns:m="http://schemas.openxmlformats.org/officeDocument/2006/math" xmlns:a14="http://schemas.microsoft.com/office/drawing/2010/main" xmlns:ma14="http://schemas.microsoft.com/office/mac/drawingml/2011/main" val="1"/>
+              <ma14:wrappingTextBoxFlag xmlns:ma14="http://schemas.microsoft.com/office/mac/drawingml/2011/main" xmlns:a14="http://schemas.microsoft.com/office/drawing/2010/main" xmlns:m="http://schemas.openxmlformats.org/officeDocument/2006/math" xmlns="" val="1"/>
             </a:ext>
           </a:extLst>
         </p:spPr>
@@ -4315,21 +4315,20 @@
               </a:defRPr>
             </a:pPr>
             <a:r>
-              <a:rPr lang="en-US"/>
+              <a:rPr lang="en-US" dirty="0"/>
               <a:t>CC BY SA Joseph Larmarange • Learn more at </a:t>
             </a:r>
             <a:r>
-              <a:rPr lang="en-US">
+              <a:rPr lang="en-US" dirty="0">
                 <a:latin typeface="Source Sans Pro Semibold" panose="020B0603030403020204" pitchFamily="34" charset="0"/>
                 <a:ea typeface="Source Sans Pro Semibold" panose="020B0603030403020204" pitchFamily="34" charset="0"/>
               </a:rPr>
               <a:t>http://larmarange.github.io/labelled</a:t>
             </a:r>
             <a:r>
-              <a:rPr lang="en-US"/>
-              <a:t> •  labelled version  2.8.0 •  Updated: 2021-03</a:t>
-            </a:r>
-            <a:endParaRPr lang="en-US" dirty="0"/>
+              <a:rPr lang="en-US" dirty="0"/>
+              <a:t> •  labelled version  2.9.0 •  Updated: 2021-03</a:t>
+            </a:r>
           </a:p>
         </p:txBody>
       </p:sp>
@@ -4498,7 +4497,7 @@
         <p:spPr>
           <a:xfrm>
             <a:off x="213255" y="1523999"/>
-            <a:ext cx="4346831" cy="3007806"/>
+            <a:ext cx="4346831" cy="2844618"/>
           </a:xfrm>
           <a:prstGeom prst="rect">
             <a:avLst/>
@@ -4558,7 +4557,7 @@
           </a:ln>
           <a:extLst>
             <a:ext uri="{C572A759-6A51-4108-AA02-DFA0A04FC94B}">
-              <ma14:wrappingTextBoxFlag xmlns="" xmlns:m="http://schemas.openxmlformats.org/officeDocument/2006/math" xmlns:a14="http://schemas.microsoft.com/office/drawing/2010/main" xmlns:ma14="http://schemas.microsoft.com/office/mac/drawingml/2011/main" val="1"/>
+              <ma14:wrappingTextBoxFlag xmlns:ma14="http://schemas.microsoft.com/office/mac/drawingml/2011/main" xmlns:a14="http://schemas.microsoft.com/office/drawing/2010/main" xmlns:m="http://schemas.openxmlformats.org/officeDocument/2006/math" xmlns="" val="1"/>
             </a:ext>
           </a:extLst>
         </p:spPr>
@@ -4650,7 +4649,7 @@
         </p:nvGrpSpPr>
         <p:grpSpPr>
           <a:xfrm>
-            <a:off x="213252" y="4686491"/>
+            <a:off x="213252" y="4454991"/>
             <a:ext cx="4346834" cy="365236"/>
             <a:chOff x="-1" y="20678"/>
             <a:chExt cx="2815851" cy="365235"/>
@@ -4684,7 +4683,7 @@
             <a:effectLst/>
             <a:extLst>
               <a:ext uri="{C572A759-6A51-4108-AA02-DFA0A04FC94B}">
-                <ma14:wrappingTextBoxFlag xmlns="" xmlns:m="http://schemas.openxmlformats.org/officeDocument/2006/math" xmlns:a14="http://schemas.microsoft.com/office/drawing/2010/main" xmlns:ma14="http://schemas.microsoft.com/office/mac/drawingml/2011/main" val="1"/>
+                <ma14:wrappingTextBoxFlag xmlns:ma14="http://schemas.microsoft.com/office/mac/drawingml/2011/main" xmlns:a14="http://schemas.microsoft.com/office/drawing/2010/main" xmlns:m="http://schemas.openxmlformats.org/officeDocument/2006/math" xmlns="" val="1"/>
               </a:ext>
             </a:extLst>
           </p:spPr>
@@ -4818,7 +4817,7 @@
         </p:nvSpPr>
         <p:spPr>
           <a:xfrm>
-            <a:off x="317966" y="1998381"/>
+            <a:off x="317966" y="1917356"/>
             <a:ext cx="4115473" cy="2372364"/>
           </a:xfrm>
           <a:prstGeom prst="rect">
@@ -5173,7 +5172,7 @@
         </p:nvSpPr>
         <p:spPr>
           <a:xfrm>
-            <a:off x="843279" y="5347453"/>
+            <a:off x="843279" y="4988640"/>
             <a:ext cx="3716807" cy="1525978"/>
           </a:xfrm>
           <a:prstGeom prst="rect">
@@ -5453,7 +5452,7 @@
         </p:nvGrpSpPr>
         <p:grpSpPr>
           <a:xfrm>
-            <a:off x="213252" y="5127183"/>
+            <a:off x="213252" y="4768370"/>
             <a:ext cx="4346836" cy="226109"/>
             <a:chOff x="0" y="0"/>
             <a:chExt cx="2818195" cy="226107"/>
@@ -5487,7 +5486,7 @@
             <a:effectLst/>
             <a:extLst>
               <a:ext uri="{C572A759-6A51-4108-AA02-DFA0A04FC94B}">
-                <ma14:wrappingTextBoxFlag xmlns="" xmlns:m="http://schemas.openxmlformats.org/officeDocument/2006/math" xmlns:a14="http://schemas.microsoft.com/office/drawing/2010/main" xmlns:ma14="http://schemas.microsoft.com/office/mac/drawingml/2011/main" val="1"/>
+                <ma14:wrappingTextBoxFlag xmlns:ma14="http://schemas.microsoft.com/office/mac/drawingml/2011/main" xmlns:a14="http://schemas.microsoft.com/office/drawing/2010/main" xmlns:m="http://schemas.openxmlformats.org/officeDocument/2006/math" xmlns="" val="1"/>
               </a:ext>
             </a:extLst>
           </p:spPr>
@@ -5576,7 +5575,7 @@
         </p:nvGrpSpPr>
         <p:grpSpPr>
           <a:xfrm>
-            <a:off x="213250" y="6909685"/>
+            <a:off x="213250" y="6550872"/>
             <a:ext cx="4346836" cy="226109"/>
             <a:chOff x="0" y="0"/>
             <a:chExt cx="2818195" cy="226107"/>
@@ -5610,7 +5609,7 @@
             <a:effectLst/>
             <a:extLst>
               <a:ext uri="{C572A759-6A51-4108-AA02-DFA0A04FC94B}">
-                <ma14:wrappingTextBoxFlag xmlns="" xmlns:m="http://schemas.openxmlformats.org/officeDocument/2006/math" xmlns:a14="http://schemas.microsoft.com/office/drawing/2010/main" xmlns:ma14="http://schemas.microsoft.com/office/mac/drawingml/2011/main" val="1"/>
+                <ma14:wrappingTextBoxFlag xmlns:ma14="http://schemas.microsoft.com/office/mac/drawingml/2011/main" xmlns:a14="http://schemas.microsoft.com/office/drawing/2010/main" xmlns:m="http://schemas.openxmlformats.org/officeDocument/2006/math" xmlns="" val="1"/>
               </a:ext>
             </a:extLst>
           </p:spPr>
@@ -5699,7 +5698,7 @@
         </p:nvSpPr>
         <p:spPr>
           <a:xfrm>
-            <a:off x="843278" y="7151542"/>
+            <a:off x="843278" y="6792729"/>
             <a:ext cx="3716807" cy="1710644"/>
           </a:xfrm>
           <a:prstGeom prst="rect">
@@ -5995,7 +5994,7 @@
             <a:effectLst/>
             <a:extLst>
               <a:ext uri="{C572A759-6A51-4108-AA02-DFA0A04FC94B}">
-                <ma14:wrappingTextBoxFlag xmlns="" xmlns:m="http://schemas.openxmlformats.org/officeDocument/2006/math" xmlns:a14="http://schemas.microsoft.com/office/drawing/2010/main" xmlns:ma14="http://schemas.microsoft.com/office/mac/drawingml/2011/main" val="1"/>
+                <ma14:wrappingTextBoxFlag xmlns:ma14="http://schemas.microsoft.com/office/mac/drawingml/2011/main" xmlns:a14="http://schemas.microsoft.com/office/drawing/2010/main" xmlns:m="http://schemas.openxmlformats.org/officeDocument/2006/math" xmlns="" val="1"/>
               </a:ext>
             </a:extLst>
           </p:spPr>
@@ -6631,7 +6630,7 @@
             <a:effectLst/>
             <a:extLst>
               <a:ext uri="{C572A759-6A51-4108-AA02-DFA0A04FC94B}">
-                <ma14:wrappingTextBoxFlag xmlns="" xmlns:m="http://schemas.openxmlformats.org/officeDocument/2006/math" xmlns:a14="http://schemas.microsoft.com/office/drawing/2010/main" xmlns:ma14="http://schemas.microsoft.com/office/mac/drawingml/2011/main" val="1"/>
+                <ma14:wrappingTextBoxFlag xmlns:ma14="http://schemas.microsoft.com/office/mac/drawingml/2011/main" xmlns:a14="http://schemas.microsoft.com/office/drawing/2010/main" xmlns:m="http://schemas.openxmlformats.org/officeDocument/2006/math" xmlns="" val="1"/>
               </a:ext>
             </a:extLst>
           </p:spPr>
@@ -6754,7 +6753,7 @@
             <a:effectLst/>
             <a:extLst>
               <a:ext uri="{C572A759-6A51-4108-AA02-DFA0A04FC94B}">
-                <ma14:wrappingTextBoxFlag xmlns="" xmlns:m="http://schemas.openxmlformats.org/officeDocument/2006/math" xmlns:a14="http://schemas.microsoft.com/office/drawing/2010/main" xmlns:ma14="http://schemas.microsoft.com/office/mac/drawingml/2011/main" val="1"/>
+                <ma14:wrappingTextBoxFlag xmlns:ma14="http://schemas.microsoft.com/office/mac/drawingml/2011/main" xmlns:a14="http://schemas.microsoft.com/office/drawing/2010/main" xmlns:m="http://schemas.openxmlformats.org/officeDocument/2006/math" xmlns="" val="1"/>
               </a:ext>
             </a:extLst>
           </p:spPr>
@@ -7184,7 +7183,7 @@
             <a:effectLst/>
             <a:extLst>
               <a:ext uri="{C572A759-6A51-4108-AA02-DFA0A04FC94B}">
-                <ma14:wrappingTextBoxFlag xmlns="" xmlns:m="http://schemas.openxmlformats.org/officeDocument/2006/math" xmlns:a14="http://schemas.microsoft.com/office/drawing/2010/main" xmlns:ma14="http://schemas.microsoft.com/office/mac/drawingml/2011/main" val="1"/>
+                <ma14:wrappingTextBoxFlag xmlns:ma14="http://schemas.microsoft.com/office/mac/drawingml/2011/main" xmlns:a14="http://schemas.microsoft.com/office/drawing/2010/main" xmlns:m="http://schemas.openxmlformats.org/officeDocument/2006/math" xmlns="" val="1"/>
               </a:ext>
             </a:extLst>
           </p:spPr>
@@ -7713,7 +7712,7 @@
             <a:effectLst/>
             <a:extLst>
               <a:ext uri="{C572A759-6A51-4108-AA02-DFA0A04FC94B}">
-                <ma14:wrappingTextBoxFlag xmlns="" xmlns:m="http://schemas.openxmlformats.org/officeDocument/2006/math" xmlns:a14="http://schemas.microsoft.com/office/drawing/2010/main" xmlns:ma14="http://schemas.microsoft.com/office/mac/drawingml/2011/main" val="1"/>
+                <ma14:wrappingTextBoxFlag xmlns:ma14="http://schemas.microsoft.com/office/mac/drawingml/2011/main" xmlns:a14="http://schemas.microsoft.com/office/drawing/2010/main" xmlns:m="http://schemas.openxmlformats.org/officeDocument/2006/math" xmlns="" val="1"/>
               </a:ext>
             </a:extLst>
           </p:spPr>
@@ -8519,7 +8518,7 @@
             <a:effectLst/>
             <a:extLst>
               <a:ext uri="{C572A759-6A51-4108-AA02-DFA0A04FC94B}">
-                <ma14:wrappingTextBoxFlag xmlns="" xmlns:m="http://schemas.openxmlformats.org/officeDocument/2006/math" xmlns:a14="http://schemas.microsoft.com/office/drawing/2010/main" xmlns:ma14="http://schemas.microsoft.com/office/mac/drawingml/2011/main" val="1"/>
+                <ma14:wrappingTextBoxFlag xmlns:ma14="http://schemas.microsoft.com/office/mac/drawingml/2011/main" xmlns:a14="http://schemas.microsoft.com/office/drawing/2010/main" xmlns:m="http://schemas.openxmlformats.org/officeDocument/2006/math" xmlns="" val="1"/>
               </a:ext>
             </a:extLst>
           </p:spPr>
@@ -8706,13 +8705,13 @@
           <p:nvPr>
             <p:extLst>
               <p:ext uri="{D42A27DB-BD31-4B8C-83A1-F6EECF244321}">
-                <p14:modId xmlns:p14="http://schemas.microsoft.com/office/powerpoint/2010/main" val="798581200"/>
+                <p14:modId xmlns:p14="http://schemas.microsoft.com/office/powerpoint/2010/main" val="1840393695"/>
               </p:ext>
             </p:extLst>
           </p:nvPr>
         </p:nvGraphicFramePr>
         <p:xfrm>
-          <a:off x="245865" y="7226046"/>
+          <a:off x="245865" y="6867233"/>
           <a:ext cx="360000" cy="457200"/>
         </p:xfrm>
         <a:graphic>
@@ -9393,13 +9392,13 @@
           <p:nvPr>
             <p:extLst>
               <p:ext uri="{D42A27DB-BD31-4B8C-83A1-F6EECF244321}">
-                <p14:modId xmlns:p14="http://schemas.microsoft.com/office/powerpoint/2010/main" val="1845501818"/>
+                <p14:modId xmlns:p14="http://schemas.microsoft.com/office/powerpoint/2010/main" val="1801498939"/>
               </p:ext>
             </p:extLst>
           </p:nvPr>
         </p:nvGraphicFramePr>
         <p:xfrm>
-          <a:off x="275721" y="5404488"/>
+          <a:off x="275721" y="5045675"/>
           <a:ext cx="288000" cy="360000"/>
         </p:xfrm>
         <a:graphic>
@@ -11137,8 +11136,8 @@
         </p:nvSpPr>
         <p:spPr>
           <a:xfrm>
-            <a:off x="746912" y="9325496"/>
-            <a:ext cx="3716807" cy="1054054"/>
+            <a:off x="746912" y="8874083"/>
+            <a:ext cx="3716807" cy="1525978"/>
           </a:xfrm>
           <a:prstGeom prst="rect">
             <a:avLst/>
@@ -11199,7 +11198,23 @@
                   <a:srgbClr val="000000"/>
                 </a:solidFill>
               </a:rPr>
-              <a:t>() </a:t>
+              <a:t>()             df %&gt;% </a:t>
+            </a:r>
+            <a:r>
+              <a:rPr lang="en-GB" dirty="0" err="1">
+                <a:solidFill>
+                  <a:srgbClr val="000000"/>
+                </a:solidFill>
+              </a:rPr>
+              <a:t>look_for</a:t>
+            </a:r>
+            <a:r>
+              <a:rPr lang="en-GB" b="0" dirty="0">
+                <a:solidFill>
+                  <a:srgbClr val="000000"/>
+                </a:solidFill>
+              </a:rPr>
+              <a:t>(details = "full") </a:t>
             </a:r>
             <a:br>
               <a:rPr lang="en-GB" b="0" dirty="0">
@@ -11214,8 +11229,21 @@
                   <a:srgbClr val="000000"/>
                 </a:solidFill>
               </a:rPr>
-              <a:t>Return a data frame with all variable names and labels</a:t>
-            </a:r>
+              <a:t>Generate a data </a:t>
+            </a:r>
+            <a:r>
+              <a:rPr lang="en-GB" b="0" dirty="0" err="1">
+                <a:solidFill>
+                  <a:srgbClr val="000000"/>
+                </a:solidFill>
+              </a:rPr>
+              <a:t>dictionnary</a:t>
+            </a:r>
+            <a:endParaRPr lang="en-GB" b="0" dirty="0">
+              <a:solidFill>
+                <a:srgbClr val="000000"/>
+              </a:solidFill>
+            </a:endParaRPr>
           </a:p>
           <a:p>
             <a:pPr>
@@ -11264,6 +11292,71 @@
                 </a:solidFill>
               </a:rPr>
               <a:t>Search variables containing "s" in their name or label</a:t>
+            </a:r>
+          </a:p>
+          <a:p>
+            <a:pPr>
+              <a:spcBef>
+                <a:spcPts val="0"/>
+              </a:spcBef>
+              <a:spcAft>
+                <a:spcPts val="800"/>
+              </a:spcAft>
+            </a:pPr>
+            <a:r>
+              <a:rPr lang="en-GB" b="0" dirty="0">
+                <a:solidFill>
+                  <a:srgbClr val="000000"/>
+                </a:solidFill>
+              </a:rPr>
+              <a:t>df %&gt;% </a:t>
+            </a:r>
+            <a:r>
+              <a:rPr lang="en-GB" dirty="0" err="1">
+                <a:solidFill>
+                  <a:srgbClr val="000000"/>
+                </a:solidFill>
+              </a:rPr>
+              <a:t>look_for_and_select</a:t>
+            </a:r>
+            <a:r>
+              <a:rPr lang="en-GB" b="0" dirty="0">
+                <a:solidFill>
+                  <a:srgbClr val="000000"/>
+                </a:solidFill>
+              </a:rPr>
+              <a:t>("s")</a:t>
+            </a:r>
+            <a:br>
+              <a:rPr lang="en-GB" b="0" dirty="0">
+                <a:solidFill>
+                  <a:srgbClr val="000000"/>
+                </a:solidFill>
+              </a:rPr>
+            </a:br>
+            <a:r>
+              <a:rPr lang="en-GB" b="0" dirty="0">
+                <a:solidFill>
+                  <a:srgbClr val="000000"/>
+                </a:solidFill>
+              </a:rPr>
+              <a:t>Search variables and apply </a:t>
+            </a:r>
+            <a:r>
+              <a:rPr lang="en-GB" b="0" dirty="0" err="1">
+                <a:solidFill>
+                  <a:srgbClr val="000000"/>
+                </a:solidFill>
+              </a:rPr>
+              <a:t>dplyr</a:t>
+            </a:r>
+            <a:r>
+              <a:rPr lang="en-GB" b="0" dirty="0">
+                <a:solidFill>
+                  <a:srgbClr val="000000"/>
+                </a:solidFill>
+              </a:rPr>
+              <a:t>::select()</a:t>
             </a:r>
           </a:p>
         </p:txBody>
@@ -11282,7 +11375,7 @@
         </p:nvGrpSpPr>
         <p:grpSpPr>
           <a:xfrm>
-            <a:off x="213250" y="8976455"/>
+            <a:off x="213250" y="8548189"/>
             <a:ext cx="4346834" cy="365653"/>
             <a:chOff x="-1" y="20678"/>
             <a:chExt cx="2815851" cy="365652"/>
@@ -11316,7 +11409,7 @@
             <a:effectLst/>
             <a:extLst>
               <a:ext uri="{C572A759-6A51-4108-AA02-DFA0A04FC94B}">
-                <ma14:wrappingTextBoxFlag xmlns="" xmlns:m="http://schemas.openxmlformats.org/officeDocument/2006/math" xmlns:a14="http://schemas.microsoft.com/office/drawing/2010/main" xmlns:ma14="http://schemas.microsoft.com/office/mac/drawingml/2011/main" val="1"/>
+                <ma14:wrappingTextBoxFlag xmlns:ma14="http://schemas.microsoft.com/office/mac/drawingml/2011/main" xmlns:a14="http://schemas.microsoft.com/office/drawing/2010/main" xmlns:m="http://schemas.openxmlformats.org/officeDocument/2006/math" xmlns="" val="1"/>
               </a:ext>
             </a:extLst>
           </p:spPr>
@@ -12492,7 +12585,7 @@
           </a:ln>
           <a:extLst>
             <a:ext uri="{C572A759-6A51-4108-AA02-DFA0A04FC94B}">
-              <ma14:wrappingTextBoxFlag xmlns="" xmlns:m="http://schemas.openxmlformats.org/officeDocument/2006/math" xmlns:a14="http://schemas.microsoft.com/office/drawing/2010/main" xmlns:ma14="http://schemas.microsoft.com/office/mac/drawingml/2011/main" val="1"/>
+              <ma14:wrappingTextBoxFlag xmlns:ma14="http://schemas.microsoft.com/office/mac/drawingml/2011/main" xmlns:a14="http://schemas.microsoft.com/office/drawing/2010/main" xmlns:m="http://schemas.openxmlformats.org/officeDocument/2006/math" xmlns="" val="1"/>
             </a:ext>
           </a:extLst>
         </p:spPr>
@@ -12528,7 +12621,7 @@
             </a:r>
             <a:r>
               <a:rPr lang="en-US" dirty="0"/>
-              <a:t> •  labelled version  2.8.0 •  Updated: 2021-03</a:t>
+              <a:t> •  labelled version  2.9.0 •  Updated: 2021-03</a:t>
             </a:r>
           </a:p>
         </p:txBody>
@@ -12558,7 +12651,7 @@
           </a:ln>
           <a:extLst>
             <a:ext uri="{C572A759-6A51-4108-AA02-DFA0A04FC94B}">
-              <ma14:wrappingTextBoxFlag xmlns="" xmlns:m="http://schemas.openxmlformats.org/officeDocument/2006/math" xmlns:a14="http://schemas.microsoft.com/office/drawing/2010/main" xmlns:ma14="http://schemas.microsoft.com/office/mac/drawingml/2011/main" val="1"/>
+              <ma14:wrappingTextBoxFlag xmlns:ma14="http://schemas.microsoft.com/office/mac/drawingml/2011/main" xmlns:a14="http://schemas.microsoft.com/office/drawing/2010/main" xmlns:m="http://schemas.openxmlformats.org/officeDocument/2006/math" xmlns="" val="1"/>
             </a:ext>
           </a:extLst>
         </p:spPr>
@@ -12888,7 +12981,7 @@
             <a:effectLst/>
             <a:extLst>
               <a:ext uri="{C572A759-6A51-4108-AA02-DFA0A04FC94B}">
-                <ma14:wrappingTextBoxFlag xmlns="" xmlns:m="http://schemas.openxmlformats.org/officeDocument/2006/math" xmlns:a14="http://schemas.microsoft.com/office/drawing/2010/main" xmlns:ma14="http://schemas.microsoft.com/office/mac/drawingml/2011/main" val="1"/>
+                <ma14:wrappingTextBoxFlag xmlns:ma14="http://schemas.microsoft.com/office/mac/drawingml/2011/main" xmlns:a14="http://schemas.microsoft.com/office/drawing/2010/main" xmlns:m="http://schemas.openxmlformats.org/officeDocument/2006/math" xmlns="" val="1"/>
               </a:ext>
             </a:extLst>
           </p:spPr>
@@ -13298,7 +13391,7 @@
             <a:effectLst/>
             <a:extLst>
               <a:ext uri="{C572A759-6A51-4108-AA02-DFA0A04FC94B}">
-                <ma14:wrappingTextBoxFlag xmlns="" xmlns:m="http://schemas.openxmlformats.org/officeDocument/2006/math" xmlns:a14="http://schemas.microsoft.com/office/drawing/2010/main" xmlns:ma14="http://schemas.microsoft.com/office/mac/drawingml/2011/main" val="1"/>
+                <ma14:wrappingTextBoxFlag xmlns:ma14="http://schemas.microsoft.com/office/mac/drawingml/2011/main" xmlns:a14="http://schemas.microsoft.com/office/drawing/2010/main" xmlns:m="http://schemas.openxmlformats.org/officeDocument/2006/math" xmlns="" val="1"/>
               </a:ext>
             </a:extLst>
           </p:spPr>
@@ -13421,7 +13514,7 @@
             <a:effectLst/>
             <a:extLst>
               <a:ext uri="{C572A759-6A51-4108-AA02-DFA0A04FC94B}">
-                <ma14:wrappingTextBoxFlag xmlns="" xmlns:m="http://schemas.openxmlformats.org/officeDocument/2006/math" xmlns:a14="http://schemas.microsoft.com/office/drawing/2010/main" xmlns:ma14="http://schemas.microsoft.com/office/mac/drawingml/2011/main" val="1"/>
+                <ma14:wrappingTextBoxFlag xmlns:ma14="http://schemas.microsoft.com/office/mac/drawingml/2011/main" xmlns:a14="http://schemas.microsoft.com/office/drawing/2010/main" xmlns:m="http://schemas.openxmlformats.org/officeDocument/2006/math" xmlns="" val="1"/>
               </a:ext>
             </a:extLst>
           </p:spPr>
@@ -15822,7 +15915,7 @@
             <a:effectLst/>
             <a:extLst>
               <a:ext uri="{C572A759-6A51-4108-AA02-DFA0A04FC94B}">
-                <ma14:wrappingTextBoxFlag xmlns="" xmlns:m="http://schemas.openxmlformats.org/officeDocument/2006/math" xmlns:a14="http://schemas.microsoft.com/office/drawing/2010/main" xmlns:ma14="http://schemas.microsoft.com/office/mac/drawingml/2011/main" val="1"/>
+                <ma14:wrappingTextBoxFlag xmlns:ma14="http://schemas.microsoft.com/office/mac/drawingml/2011/main" xmlns:a14="http://schemas.microsoft.com/office/drawing/2010/main" xmlns:m="http://schemas.openxmlformats.org/officeDocument/2006/math" xmlns="" val="1"/>
               </a:ext>
             </a:extLst>
           </p:spPr>

--- a/cheatsheet/labelled_cheatsheet.pptx
+++ b/cheatsheet/labelled_cheatsheet.pptx
@@ -2273,7 +2273,7 @@
           </a:ln>
           <a:extLst>
             <a:ext uri="{C572A759-6A51-4108-AA02-DFA0A04FC94B}">
-              <ma14:wrappingTextBoxFlag xmlns:ma14="http://schemas.microsoft.com/office/mac/drawingml/2011/main" xmlns:a14="http://schemas.microsoft.com/office/drawing/2010/main" xmlns:m="http://schemas.openxmlformats.org/officeDocument/2006/math" xmlns="" val="1"/>
+              <ma14:wrappingTextBoxFlag xmlns="" xmlns:m="http://schemas.openxmlformats.org/officeDocument/2006/math" xmlns:a14="http://schemas.microsoft.com/office/drawing/2010/main" xmlns:ma14="http://schemas.microsoft.com/office/mac/drawingml/2011/main" val="1"/>
             </a:ext>
           </a:extLst>
         </p:spPr>
@@ -2312,7 +2312,7 @@
           </a:ln>
           <a:extLst>
             <a:ext uri="{C572A759-6A51-4108-AA02-DFA0A04FC94B}">
-              <ma14:wrappingTextBoxFlag xmlns:ma14="http://schemas.microsoft.com/office/mac/drawingml/2011/main" xmlns:a14="http://schemas.microsoft.com/office/drawing/2010/main" xmlns:m="http://schemas.openxmlformats.org/officeDocument/2006/math" xmlns="" val="1"/>
+              <ma14:wrappingTextBoxFlag xmlns="" xmlns:m="http://schemas.openxmlformats.org/officeDocument/2006/math" xmlns:a14="http://schemas.microsoft.com/office/drawing/2010/main" xmlns:ma14="http://schemas.microsoft.com/office/mac/drawingml/2011/main" val="1"/>
             </a:ext>
           </a:extLst>
         </p:spPr>
@@ -4291,7 +4291,7 @@
           </a:ln>
           <a:extLst>
             <a:ext uri="{C572A759-6A51-4108-AA02-DFA0A04FC94B}">
-              <ma14:wrappingTextBoxFlag xmlns:ma14="http://schemas.microsoft.com/office/mac/drawingml/2011/main" xmlns:a14="http://schemas.microsoft.com/office/drawing/2010/main" xmlns:m="http://schemas.openxmlformats.org/officeDocument/2006/math" xmlns="" val="1"/>
+              <ma14:wrappingTextBoxFlag xmlns="" xmlns:m="http://schemas.openxmlformats.org/officeDocument/2006/math" xmlns:a14="http://schemas.microsoft.com/office/drawing/2010/main" xmlns:ma14="http://schemas.microsoft.com/office/mac/drawingml/2011/main" val="1"/>
             </a:ext>
           </a:extLst>
         </p:spPr>
@@ -4327,7 +4327,7 @@
             </a:r>
             <a:r>
               <a:rPr lang="en-US" dirty="0"/>
-              <a:t> •  labelled version  2.9.0 •  Updated: 2021-03</a:t>
+              <a:t> •  labelled version  2.9.0 •  Updated: 2021-12</a:t>
             </a:r>
           </a:p>
         </p:txBody>
@@ -4557,7 +4557,7 @@
           </a:ln>
           <a:extLst>
             <a:ext uri="{C572A759-6A51-4108-AA02-DFA0A04FC94B}">
-              <ma14:wrappingTextBoxFlag xmlns:ma14="http://schemas.microsoft.com/office/mac/drawingml/2011/main" xmlns:a14="http://schemas.microsoft.com/office/drawing/2010/main" xmlns:m="http://schemas.openxmlformats.org/officeDocument/2006/math" xmlns="" val="1"/>
+              <ma14:wrappingTextBoxFlag xmlns="" xmlns:m="http://schemas.openxmlformats.org/officeDocument/2006/math" xmlns:a14="http://schemas.microsoft.com/office/drawing/2010/main" xmlns:ma14="http://schemas.microsoft.com/office/mac/drawingml/2011/main" val="1"/>
             </a:ext>
           </a:extLst>
         </p:spPr>
@@ -4683,7 +4683,7 @@
             <a:effectLst/>
             <a:extLst>
               <a:ext uri="{C572A759-6A51-4108-AA02-DFA0A04FC94B}">
-                <ma14:wrappingTextBoxFlag xmlns:ma14="http://schemas.microsoft.com/office/mac/drawingml/2011/main" xmlns:a14="http://schemas.microsoft.com/office/drawing/2010/main" xmlns:m="http://schemas.openxmlformats.org/officeDocument/2006/math" xmlns="" val="1"/>
+                <ma14:wrappingTextBoxFlag xmlns="" xmlns:m="http://schemas.openxmlformats.org/officeDocument/2006/math" xmlns:a14="http://schemas.microsoft.com/office/drawing/2010/main" xmlns:ma14="http://schemas.microsoft.com/office/mac/drawingml/2011/main" val="1"/>
               </a:ext>
             </a:extLst>
           </p:spPr>
@@ -5486,7 +5486,7 @@
             <a:effectLst/>
             <a:extLst>
               <a:ext uri="{C572A759-6A51-4108-AA02-DFA0A04FC94B}">
-                <ma14:wrappingTextBoxFlag xmlns:ma14="http://schemas.microsoft.com/office/mac/drawingml/2011/main" xmlns:a14="http://schemas.microsoft.com/office/drawing/2010/main" xmlns:m="http://schemas.openxmlformats.org/officeDocument/2006/math" xmlns="" val="1"/>
+                <ma14:wrappingTextBoxFlag xmlns="" xmlns:m="http://schemas.openxmlformats.org/officeDocument/2006/math" xmlns:a14="http://schemas.microsoft.com/office/drawing/2010/main" xmlns:ma14="http://schemas.microsoft.com/office/mac/drawingml/2011/main" val="1"/>
               </a:ext>
             </a:extLst>
           </p:spPr>
@@ -5609,7 +5609,7 @@
             <a:effectLst/>
             <a:extLst>
               <a:ext uri="{C572A759-6A51-4108-AA02-DFA0A04FC94B}">
-                <ma14:wrappingTextBoxFlag xmlns:ma14="http://schemas.microsoft.com/office/mac/drawingml/2011/main" xmlns:a14="http://schemas.microsoft.com/office/drawing/2010/main" xmlns:m="http://schemas.openxmlformats.org/officeDocument/2006/math" xmlns="" val="1"/>
+                <ma14:wrappingTextBoxFlag xmlns="" xmlns:m="http://schemas.openxmlformats.org/officeDocument/2006/math" xmlns:a14="http://schemas.microsoft.com/office/drawing/2010/main" xmlns:ma14="http://schemas.microsoft.com/office/mac/drawingml/2011/main" val="1"/>
               </a:ext>
             </a:extLst>
           </p:spPr>
@@ -5994,7 +5994,7 @@
             <a:effectLst/>
             <a:extLst>
               <a:ext uri="{C572A759-6A51-4108-AA02-DFA0A04FC94B}">
-                <ma14:wrappingTextBoxFlag xmlns:ma14="http://schemas.microsoft.com/office/mac/drawingml/2011/main" xmlns:a14="http://schemas.microsoft.com/office/drawing/2010/main" xmlns:m="http://schemas.openxmlformats.org/officeDocument/2006/math" xmlns="" val="1"/>
+                <ma14:wrappingTextBoxFlag xmlns="" xmlns:m="http://schemas.openxmlformats.org/officeDocument/2006/math" xmlns:a14="http://schemas.microsoft.com/office/drawing/2010/main" xmlns:ma14="http://schemas.microsoft.com/office/mac/drawingml/2011/main" val="1"/>
               </a:ext>
             </a:extLst>
           </p:spPr>
@@ -6630,7 +6630,7 @@
             <a:effectLst/>
             <a:extLst>
               <a:ext uri="{C572A759-6A51-4108-AA02-DFA0A04FC94B}">
-                <ma14:wrappingTextBoxFlag xmlns:ma14="http://schemas.microsoft.com/office/mac/drawingml/2011/main" xmlns:a14="http://schemas.microsoft.com/office/drawing/2010/main" xmlns:m="http://schemas.openxmlformats.org/officeDocument/2006/math" xmlns="" val="1"/>
+                <ma14:wrappingTextBoxFlag xmlns="" xmlns:m="http://schemas.openxmlformats.org/officeDocument/2006/math" xmlns:a14="http://schemas.microsoft.com/office/drawing/2010/main" xmlns:ma14="http://schemas.microsoft.com/office/mac/drawingml/2011/main" val="1"/>
               </a:ext>
             </a:extLst>
           </p:spPr>
@@ -6753,7 +6753,7 @@
             <a:effectLst/>
             <a:extLst>
               <a:ext uri="{C572A759-6A51-4108-AA02-DFA0A04FC94B}">
-                <ma14:wrappingTextBoxFlag xmlns:ma14="http://schemas.microsoft.com/office/mac/drawingml/2011/main" xmlns:a14="http://schemas.microsoft.com/office/drawing/2010/main" xmlns:m="http://schemas.openxmlformats.org/officeDocument/2006/math" xmlns="" val="1"/>
+                <ma14:wrappingTextBoxFlag xmlns="" xmlns:m="http://schemas.openxmlformats.org/officeDocument/2006/math" xmlns:a14="http://schemas.microsoft.com/office/drawing/2010/main" xmlns:ma14="http://schemas.microsoft.com/office/mac/drawingml/2011/main" val="1"/>
               </a:ext>
             </a:extLst>
           </p:spPr>
@@ -7183,7 +7183,7 @@
             <a:effectLst/>
             <a:extLst>
               <a:ext uri="{C572A759-6A51-4108-AA02-DFA0A04FC94B}">
-                <ma14:wrappingTextBoxFlag xmlns:ma14="http://schemas.microsoft.com/office/mac/drawingml/2011/main" xmlns:a14="http://schemas.microsoft.com/office/drawing/2010/main" xmlns:m="http://schemas.openxmlformats.org/officeDocument/2006/math" xmlns="" val="1"/>
+                <ma14:wrappingTextBoxFlag xmlns="" xmlns:m="http://schemas.openxmlformats.org/officeDocument/2006/math" xmlns:a14="http://schemas.microsoft.com/office/drawing/2010/main" xmlns:ma14="http://schemas.microsoft.com/office/mac/drawingml/2011/main" val="1"/>
               </a:ext>
             </a:extLst>
           </p:spPr>
@@ -7712,7 +7712,7 @@
             <a:effectLst/>
             <a:extLst>
               <a:ext uri="{C572A759-6A51-4108-AA02-DFA0A04FC94B}">
-                <ma14:wrappingTextBoxFlag xmlns:ma14="http://schemas.microsoft.com/office/mac/drawingml/2011/main" xmlns:a14="http://schemas.microsoft.com/office/drawing/2010/main" xmlns:m="http://schemas.openxmlformats.org/officeDocument/2006/math" xmlns="" val="1"/>
+                <ma14:wrappingTextBoxFlag xmlns="" xmlns:m="http://schemas.openxmlformats.org/officeDocument/2006/math" xmlns:a14="http://schemas.microsoft.com/office/drawing/2010/main" xmlns:ma14="http://schemas.microsoft.com/office/mac/drawingml/2011/main" val="1"/>
               </a:ext>
             </a:extLst>
           </p:spPr>
@@ -8518,7 +8518,7 @@
             <a:effectLst/>
             <a:extLst>
               <a:ext uri="{C572A759-6A51-4108-AA02-DFA0A04FC94B}">
-                <ma14:wrappingTextBoxFlag xmlns:ma14="http://schemas.microsoft.com/office/mac/drawingml/2011/main" xmlns:a14="http://schemas.microsoft.com/office/drawing/2010/main" xmlns:m="http://schemas.openxmlformats.org/officeDocument/2006/math" xmlns="" val="1"/>
+                <ma14:wrappingTextBoxFlag xmlns="" xmlns:m="http://schemas.openxmlformats.org/officeDocument/2006/math" xmlns:a14="http://schemas.microsoft.com/office/drawing/2010/main" xmlns:ma14="http://schemas.microsoft.com/office/mac/drawingml/2011/main" val="1"/>
               </a:ext>
             </a:extLst>
           </p:spPr>
@@ -11409,7 +11409,7 @@
             <a:effectLst/>
             <a:extLst>
               <a:ext uri="{C572A759-6A51-4108-AA02-DFA0A04FC94B}">
-                <ma14:wrappingTextBoxFlag xmlns:ma14="http://schemas.microsoft.com/office/mac/drawingml/2011/main" xmlns:a14="http://schemas.microsoft.com/office/drawing/2010/main" xmlns:m="http://schemas.openxmlformats.org/officeDocument/2006/math" xmlns="" val="1"/>
+                <ma14:wrappingTextBoxFlag xmlns="" xmlns:m="http://schemas.openxmlformats.org/officeDocument/2006/math" xmlns:a14="http://schemas.microsoft.com/office/drawing/2010/main" xmlns:ma14="http://schemas.microsoft.com/office/mac/drawingml/2011/main" val="1"/>
               </a:ext>
             </a:extLst>
           </p:spPr>
@@ -12585,7 +12585,7 @@
           </a:ln>
           <a:extLst>
             <a:ext uri="{C572A759-6A51-4108-AA02-DFA0A04FC94B}">
-              <ma14:wrappingTextBoxFlag xmlns:ma14="http://schemas.microsoft.com/office/mac/drawingml/2011/main" xmlns:a14="http://schemas.microsoft.com/office/drawing/2010/main" xmlns:m="http://schemas.openxmlformats.org/officeDocument/2006/math" xmlns="" val="1"/>
+              <ma14:wrappingTextBoxFlag xmlns="" xmlns:m="http://schemas.openxmlformats.org/officeDocument/2006/math" xmlns:a14="http://schemas.microsoft.com/office/drawing/2010/main" xmlns:ma14="http://schemas.microsoft.com/office/mac/drawingml/2011/main" val="1"/>
             </a:ext>
           </a:extLst>
         </p:spPr>
@@ -12621,7 +12621,7 @@
             </a:r>
             <a:r>
               <a:rPr lang="en-US" dirty="0"/>
-              <a:t> •  labelled version  2.9.0 •  Updated: 2021-03</a:t>
+              <a:t> •  labelled version  2.9.0 •  Updated: 2021-12</a:t>
             </a:r>
           </a:p>
         </p:txBody>
@@ -12651,7 +12651,7 @@
           </a:ln>
           <a:extLst>
             <a:ext uri="{C572A759-6A51-4108-AA02-DFA0A04FC94B}">
-              <ma14:wrappingTextBoxFlag xmlns:ma14="http://schemas.microsoft.com/office/mac/drawingml/2011/main" xmlns:a14="http://schemas.microsoft.com/office/drawing/2010/main" xmlns:m="http://schemas.openxmlformats.org/officeDocument/2006/math" xmlns="" val="1"/>
+              <ma14:wrappingTextBoxFlag xmlns="" xmlns:m="http://schemas.openxmlformats.org/officeDocument/2006/math" xmlns:a14="http://schemas.microsoft.com/office/drawing/2010/main" xmlns:ma14="http://schemas.microsoft.com/office/mac/drawingml/2011/main" val="1"/>
             </a:ext>
           </a:extLst>
         </p:spPr>
@@ -12981,7 +12981,7 @@
             <a:effectLst/>
             <a:extLst>
               <a:ext uri="{C572A759-6A51-4108-AA02-DFA0A04FC94B}">
-                <ma14:wrappingTextBoxFlag xmlns:ma14="http://schemas.microsoft.com/office/mac/drawingml/2011/main" xmlns:a14="http://schemas.microsoft.com/office/drawing/2010/main" xmlns:m="http://schemas.openxmlformats.org/officeDocument/2006/math" xmlns="" val="1"/>
+                <ma14:wrappingTextBoxFlag xmlns="" xmlns:m="http://schemas.openxmlformats.org/officeDocument/2006/math" xmlns:a14="http://schemas.microsoft.com/office/drawing/2010/main" xmlns:ma14="http://schemas.microsoft.com/office/mac/drawingml/2011/main" val="1"/>
               </a:ext>
             </a:extLst>
           </p:spPr>
@@ -13391,7 +13391,7 @@
             <a:effectLst/>
             <a:extLst>
               <a:ext uri="{C572A759-6A51-4108-AA02-DFA0A04FC94B}">
-                <ma14:wrappingTextBoxFlag xmlns:ma14="http://schemas.microsoft.com/office/mac/drawingml/2011/main" xmlns:a14="http://schemas.microsoft.com/office/drawing/2010/main" xmlns:m="http://schemas.openxmlformats.org/officeDocument/2006/math" xmlns="" val="1"/>
+                <ma14:wrappingTextBoxFlag xmlns="" xmlns:m="http://schemas.openxmlformats.org/officeDocument/2006/math" xmlns:a14="http://schemas.microsoft.com/office/drawing/2010/main" xmlns:ma14="http://schemas.microsoft.com/office/mac/drawingml/2011/main" val="1"/>
               </a:ext>
             </a:extLst>
           </p:spPr>
@@ -13514,7 +13514,7 @@
             <a:effectLst/>
             <a:extLst>
               <a:ext uri="{C572A759-6A51-4108-AA02-DFA0A04FC94B}">
-                <ma14:wrappingTextBoxFlag xmlns:ma14="http://schemas.microsoft.com/office/mac/drawingml/2011/main" xmlns:a14="http://schemas.microsoft.com/office/drawing/2010/main" xmlns:m="http://schemas.openxmlformats.org/officeDocument/2006/math" xmlns="" val="1"/>
+                <ma14:wrappingTextBoxFlag xmlns="" xmlns:m="http://schemas.openxmlformats.org/officeDocument/2006/math" xmlns:a14="http://schemas.microsoft.com/office/drawing/2010/main" xmlns:ma14="http://schemas.microsoft.com/office/mac/drawingml/2011/main" val="1"/>
               </a:ext>
             </a:extLst>
           </p:spPr>
@@ -14752,7 +14752,7 @@
         <p:spPr>
           <a:xfrm>
             <a:off x="4770956" y="5254195"/>
-            <a:ext cx="4324058" cy="5178260"/>
+            <a:ext cx="4324058" cy="4993594"/>
           </a:xfrm>
           <a:prstGeom prst="rect">
             <a:avLst/>
@@ -14897,7 +14897,54 @@
                   <a:srgbClr val="000000"/>
                 </a:solidFill>
               </a:rPr>
-              <a:t>Convert into a character vector replacing values by their corresponding value label </a:t>
+              <a:t>Convert into </a:t>
+            </a:r>
+            <a:r>
+              <a:rPr lang="en-GB" b="0">
+                <a:solidFill>
+                  <a:srgbClr val="000000"/>
+                </a:solidFill>
+              </a:rPr>
+              <a:t>a factor </a:t>
+            </a:r>
+            <a:r>
+              <a:rPr lang="en-GB" b="0" dirty="0">
+                <a:solidFill>
+                  <a:srgbClr val="000000"/>
+                </a:solidFill>
+              </a:rPr>
+              <a:t>replacing values by their </a:t>
+            </a:r>
+            <a:r>
+              <a:rPr lang="en-GB" b="0">
+                <a:solidFill>
+                  <a:srgbClr val="000000"/>
+                </a:solidFill>
+              </a:rPr>
+              <a:t>corresponding </a:t>
+            </a:r>
+            <a:br>
+              <a:rPr lang="en-GB" b="0">
+                <a:solidFill>
+                  <a:srgbClr val="000000"/>
+                </a:solidFill>
+              </a:rPr>
+            </a:br>
+            <a:r>
+              <a:rPr lang="en-GB" b="0">
+                <a:solidFill>
+                  <a:srgbClr val="000000"/>
+                </a:solidFill>
+              </a:rPr>
+              <a:t>value </a:t>
+            </a:r>
+            <a:r>
+              <a:rPr lang="en-GB" b="0" dirty="0">
+                <a:solidFill>
+                  <a:srgbClr val="000000"/>
+                </a:solidFill>
+              </a:rPr>
+              <a:t>label </a:t>
             </a:r>
           </a:p>
           <a:p>
@@ -15915,7 +15962,7 @@
             <a:effectLst/>
             <a:extLst>
               <a:ext uri="{C572A759-6A51-4108-AA02-DFA0A04FC94B}">
-                <ma14:wrappingTextBoxFlag xmlns:ma14="http://schemas.microsoft.com/office/mac/drawingml/2011/main" xmlns:a14="http://schemas.microsoft.com/office/drawing/2010/main" xmlns:m="http://schemas.openxmlformats.org/officeDocument/2006/math" xmlns="" val="1"/>
+                <ma14:wrappingTextBoxFlag xmlns="" xmlns:m="http://schemas.openxmlformats.org/officeDocument/2006/math" xmlns:a14="http://schemas.microsoft.com/office/drawing/2010/main" xmlns:ma14="http://schemas.microsoft.com/office/mac/drawingml/2011/main" val="1"/>
               </a:ext>
             </a:extLst>
           </p:spPr>
